--- a/BC3/G/Bozza.pptx
+++ b/BC3/G/Bozza.pptx
@@ -2,7 +2,7 @@
 <file path=ppt/presentation.xml><?xml version="1.0" encoding="utf-8"?>
 <p:presentation xmlns:a="http://schemas.openxmlformats.org/drawingml/2006/main" xmlns:r="http://schemas.openxmlformats.org/officeDocument/2006/relationships" xmlns:p="http://schemas.openxmlformats.org/presentationml/2006/main" saveSubsetFonts="1">
   <p:sldMasterIdLst>
-    <p:sldMasterId id="2147483648" r:id="rId1"/>
+    <p:sldMasterId id="2147483696" r:id="rId1"/>
   </p:sldMasterIdLst>
   <p:sldIdLst>
     <p:sldId id="256" r:id="rId2"/>
@@ -16,15 +16,16 @@
     <p:sldId id="263" r:id="rId10"/>
     <p:sldId id="265" r:id="rId11"/>
     <p:sldId id="266" r:id="rId12"/>
-    <p:sldId id="267" r:id="rId13"/>
+    <p:sldId id="268" r:id="rId13"/>
+    <p:sldId id="267" r:id="rId14"/>
   </p:sldIdLst>
   <p:sldSz cx="12192000" cy="6858000"/>
   <p:notesSz cx="6858000" cy="9144000"/>
   <p:defaultTextStyle>
     <a:defPPr>
-      <a:defRPr lang="it-IT"/>
+      <a:defRPr lang="en-US"/>
     </a:defPPr>
-    <a:lvl1pPr marL="0" algn="l" defTabSz="914400" rtl="0" eaLnBrk="1" latinLnBrk="0" hangingPunct="1">
+    <a:lvl1pPr marL="0" algn="l" defTabSz="457200" rtl="0" eaLnBrk="1" latinLnBrk="0" hangingPunct="1">
       <a:defRPr sz="1800" kern="1200">
         <a:solidFill>
           <a:schemeClr val="tx1"/>
@@ -34,7 +35,7 @@
         <a:cs typeface="+mn-cs"/>
       </a:defRPr>
     </a:lvl1pPr>
-    <a:lvl2pPr marL="457200" algn="l" defTabSz="914400" rtl="0" eaLnBrk="1" latinLnBrk="0" hangingPunct="1">
+    <a:lvl2pPr marL="457200" algn="l" defTabSz="457200" rtl="0" eaLnBrk="1" latinLnBrk="0" hangingPunct="1">
       <a:defRPr sz="1800" kern="1200">
         <a:solidFill>
           <a:schemeClr val="tx1"/>
@@ -44,7 +45,7 @@
         <a:cs typeface="+mn-cs"/>
       </a:defRPr>
     </a:lvl2pPr>
-    <a:lvl3pPr marL="914400" algn="l" defTabSz="914400" rtl="0" eaLnBrk="1" latinLnBrk="0" hangingPunct="1">
+    <a:lvl3pPr marL="914400" algn="l" defTabSz="457200" rtl="0" eaLnBrk="1" latinLnBrk="0" hangingPunct="1">
       <a:defRPr sz="1800" kern="1200">
         <a:solidFill>
           <a:schemeClr val="tx1"/>
@@ -54,7 +55,7 @@
         <a:cs typeface="+mn-cs"/>
       </a:defRPr>
     </a:lvl3pPr>
-    <a:lvl4pPr marL="1371600" algn="l" defTabSz="914400" rtl="0" eaLnBrk="1" latinLnBrk="0" hangingPunct="1">
+    <a:lvl4pPr marL="1371600" algn="l" defTabSz="457200" rtl="0" eaLnBrk="1" latinLnBrk="0" hangingPunct="1">
       <a:defRPr sz="1800" kern="1200">
         <a:solidFill>
           <a:schemeClr val="tx1"/>
@@ -64,7 +65,7 @@
         <a:cs typeface="+mn-cs"/>
       </a:defRPr>
     </a:lvl4pPr>
-    <a:lvl5pPr marL="1828800" algn="l" defTabSz="914400" rtl="0" eaLnBrk="1" latinLnBrk="0" hangingPunct="1">
+    <a:lvl5pPr marL="1828800" algn="l" defTabSz="457200" rtl="0" eaLnBrk="1" latinLnBrk="0" hangingPunct="1">
       <a:defRPr sz="1800" kern="1200">
         <a:solidFill>
           <a:schemeClr val="tx1"/>
@@ -74,7 +75,7 @@
         <a:cs typeface="+mn-cs"/>
       </a:defRPr>
     </a:lvl5pPr>
-    <a:lvl6pPr marL="2286000" algn="l" defTabSz="914400" rtl="0" eaLnBrk="1" latinLnBrk="0" hangingPunct="1">
+    <a:lvl6pPr marL="2286000" algn="l" defTabSz="457200" rtl="0" eaLnBrk="1" latinLnBrk="0" hangingPunct="1">
       <a:defRPr sz="1800" kern="1200">
         <a:solidFill>
           <a:schemeClr val="tx1"/>
@@ -84,7 +85,7 @@
         <a:cs typeface="+mn-cs"/>
       </a:defRPr>
     </a:lvl6pPr>
-    <a:lvl7pPr marL="2743200" algn="l" defTabSz="914400" rtl="0" eaLnBrk="1" latinLnBrk="0" hangingPunct="1">
+    <a:lvl7pPr marL="2743200" algn="l" defTabSz="457200" rtl="0" eaLnBrk="1" latinLnBrk="0" hangingPunct="1">
       <a:defRPr sz="1800" kern="1200">
         <a:solidFill>
           <a:schemeClr val="tx1"/>
@@ -94,7 +95,7 @@
         <a:cs typeface="+mn-cs"/>
       </a:defRPr>
     </a:lvl7pPr>
-    <a:lvl8pPr marL="3200400" algn="l" defTabSz="914400" rtl="0" eaLnBrk="1" latinLnBrk="0" hangingPunct="1">
+    <a:lvl8pPr marL="3200400" algn="l" defTabSz="457200" rtl="0" eaLnBrk="1" latinLnBrk="0" hangingPunct="1">
       <a:defRPr sz="1800" kern="1200">
         <a:solidFill>
           <a:schemeClr val="tx1"/>
@@ -104,7 +105,7 @@
         <a:cs typeface="+mn-cs"/>
       </a:defRPr>
     </a:lvl8pPr>
-    <a:lvl9pPr marL="3657600" algn="l" defTabSz="914400" rtl="0" eaLnBrk="1" latinLnBrk="0" hangingPunct="1">
+    <a:lvl9pPr marL="3657600" algn="l" defTabSz="457200" rtl="0" eaLnBrk="1" latinLnBrk="0" hangingPunct="1">
       <a:defRPr sz="1800" kern="1200">
         <a:solidFill>
           <a:schemeClr val="tx1"/>
@@ -115,6 +116,22 @@
       </a:defRPr>
     </a:lvl9pPr>
   </p:defaultTextStyle>
+  <p:extLst>
+    <p:ext uri="{EFAFB233-063F-42B5-8137-9DF3F51BA10A}">
+      <p15:sldGuideLst xmlns:p15="http://schemas.microsoft.com/office/powerpoint/2012/main">
+        <p15:guide id="1" orient="horz" pos="2183" userDrawn="1">
+          <p15:clr>
+            <a:srgbClr val="A4A3A4"/>
+          </p15:clr>
+        </p15:guide>
+        <p15:guide id="2" pos="3840" userDrawn="1">
+          <p15:clr>
+            <a:srgbClr val="A4A3A4"/>
+          </p15:clr>
+        </p15:guide>
+      </p15:sldGuideLst>
+    </p:ext>
+  </p:extLst>
 </p:presentation>
 </file>
 
@@ -137,13 +154,7 @@
       </p:grpSpPr>
       <p:sp>
         <p:nvSpPr>
-          <p:cNvPr id="2" name="Titolo 1">
-            <a:extLst>
-              <a:ext uri="{FF2B5EF4-FFF2-40B4-BE49-F238E27FC236}">
-                <a16:creationId xmlns:a16="http://schemas.microsoft.com/office/drawing/2014/main" id="{9B621C99-9987-90B1-E688-C3CEF618F984}"/>
-              </a:ext>
-            </a:extLst>
-          </p:cNvPr>
+          <p:cNvPr id="2" name="Title 1"/>
           <p:cNvSpPr>
             <a:spLocks noGrp="1"/>
           </p:cNvSpPr>
@@ -169,18 +180,13 @@
               <a:rPr lang="it-IT"/>
               <a:t>Fare clic per modificare lo stile del titolo dello schema</a:t>
             </a:r>
-          </a:p>
-        </p:txBody>
-      </p:sp>
-      <p:sp>
-        <p:nvSpPr>
-          <p:cNvPr id="3" name="Sottotitolo 2">
-            <a:extLst>
-              <a:ext uri="{FF2B5EF4-FFF2-40B4-BE49-F238E27FC236}">
-                <a16:creationId xmlns:a16="http://schemas.microsoft.com/office/drawing/2014/main" id="{C460FAA6-0B4B-AB52-7175-92982933E177}"/>
-              </a:ext>
-            </a:extLst>
-          </p:cNvPr>
+            <a:endParaRPr lang="en-US" dirty="0"/>
+          </a:p>
+        </p:txBody>
+      </p:sp>
+      <p:sp>
+        <p:nvSpPr>
+          <p:cNvPr id="3" name="Subtitle 2"/>
           <p:cNvSpPr>
             <a:spLocks noGrp="1"/>
           </p:cNvSpPr>
@@ -239,18 +245,13 @@
               <a:rPr lang="it-IT"/>
               <a:t>Fare clic per modificare lo stile del sottotitolo dello schema</a:t>
             </a:r>
-          </a:p>
-        </p:txBody>
-      </p:sp>
-      <p:sp>
-        <p:nvSpPr>
-          <p:cNvPr id="4" name="Segnaposto data 3">
-            <a:extLst>
-              <a:ext uri="{FF2B5EF4-FFF2-40B4-BE49-F238E27FC236}">
-                <a16:creationId xmlns:a16="http://schemas.microsoft.com/office/drawing/2014/main" id="{8DB8F5AC-E8AB-E3B0-92F3-48F4CD4C27D7}"/>
-              </a:ext>
-            </a:extLst>
-          </p:cNvPr>
+            <a:endParaRPr lang="en-US" dirty="0"/>
+          </a:p>
+        </p:txBody>
+      </p:sp>
+      <p:sp>
+        <p:nvSpPr>
+          <p:cNvPr id="4" name="Date Placeholder 3"/>
           <p:cNvSpPr>
             <a:spLocks noGrp="1"/>
           </p:cNvSpPr>
@@ -265,7 +266,7 @@
           <a:p>
             <a:fld id="{1A270AA3-85FD-4336-B0B7-87033A430298}" type="datetimeFigureOut">
               <a:rPr lang="it-IT" smtClean="0"/>
-              <a:t>17/04/2023</a:t>
+              <a:t>18/04/2023</a:t>
             </a:fld>
             <a:endParaRPr lang="it-IT"/>
           </a:p>
@@ -273,13 +274,7 @@
       </p:sp>
       <p:sp>
         <p:nvSpPr>
-          <p:cNvPr id="5" name="Segnaposto piè di pagina 4">
-            <a:extLst>
-              <a:ext uri="{FF2B5EF4-FFF2-40B4-BE49-F238E27FC236}">
-                <a16:creationId xmlns:a16="http://schemas.microsoft.com/office/drawing/2014/main" id="{8E3AE2BC-0568-B982-42E5-DF0DBDEF0751}"/>
-              </a:ext>
-            </a:extLst>
-          </p:cNvPr>
+          <p:cNvPr id="5" name="Footer Placeholder 4"/>
           <p:cNvSpPr>
             <a:spLocks noGrp="1"/>
           </p:cNvSpPr>
@@ -298,13 +293,7 @@
       </p:sp>
       <p:sp>
         <p:nvSpPr>
-          <p:cNvPr id="6" name="Segnaposto numero diapositiva 5">
-            <a:extLst>
-              <a:ext uri="{FF2B5EF4-FFF2-40B4-BE49-F238E27FC236}">
-                <a16:creationId xmlns:a16="http://schemas.microsoft.com/office/drawing/2014/main" id="{08922372-5F51-F7AF-9002-4F0B9324DA8A}"/>
-              </a:ext>
-            </a:extLst>
-          </p:cNvPr>
+          <p:cNvPr id="6" name="Slide Number Placeholder 5"/>
           <p:cNvSpPr>
             <a:spLocks noGrp="1"/>
           </p:cNvSpPr>
@@ -328,7 +317,7 @@
     </p:spTree>
     <p:extLst>
       <p:ext uri="{BB962C8B-B14F-4D97-AF65-F5344CB8AC3E}">
-        <p14:creationId xmlns:p14="http://schemas.microsoft.com/office/powerpoint/2010/main" val="1286424608"/>
+        <p14:creationId xmlns:p14="http://schemas.microsoft.com/office/powerpoint/2010/main" val="247758086"/>
       </p:ext>
     </p:extLst>
   </p:cSld>
@@ -357,13 +346,7 @@
       </p:grpSpPr>
       <p:sp>
         <p:nvSpPr>
-          <p:cNvPr id="2" name="Titolo 1">
-            <a:extLst>
-              <a:ext uri="{FF2B5EF4-FFF2-40B4-BE49-F238E27FC236}">
-                <a16:creationId xmlns:a16="http://schemas.microsoft.com/office/drawing/2014/main" id="{B2C7074C-A25F-3C63-855E-84697FE18161}"/>
-              </a:ext>
-            </a:extLst>
-          </p:cNvPr>
+          <p:cNvPr id="2" name="Title 1"/>
           <p:cNvSpPr>
             <a:spLocks noGrp="1"/>
           </p:cNvSpPr>
@@ -380,18 +363,13 @@
               <a:rPr lang="it-IT"/>
               <a:t>Fare clic per modificare lo stile del titolo dello schema</a:t>
             </a:r>
-          </a:p>
-        </p:txBody>
-      </p:sp>
-      <p:sp>
-        <p:nvSpPr>
-          <p:cNvPr id="3" name="Segnaposto testo verticale 2">
-            <a:extLst>
-              <a:ext uri="{FF2B5EF4-FFF2-40B4-BE49-F238E27FC236}">
-                <a16:creationId xmlns:a16="http://schemas.microsoft.com/office/drawing/2014/main" id="{445B89CA-B03B-A02C-ABC2-72E677C45AB5}"/>
-              </a:ext>
-            </a:extLst>
-          </p:cNvPr>
+            <a:endParaRPr lang="en-US" dirty="0"/>
+          </a:p>
+        </p:txBody>
+      </p:sp>
+      <p:sp>
+        <p:nvSpPr>
+          <p:cNvPr id="3" name="Vertical Text Placeholder 2"/>
           <p:cNvSpPr>
             <a:spLocks noGrp="1"/>
           </p:cNvSpPr>
@@ -437,18 +415,13 @@
               <a:rPr lang="it-IT"/>
               <a:t>Quinto livello</a:t>
             </a:r>
-          </a:p>
-        </p:txBody>
-      </p:sp>
-      <p:sp>
-        <p:nvSpPr>
-          <p:cNvPr id="4" name="Segnaposto data 3">
-            <a:extLst>
-              <a:ext uri="{FF2B5EF4-FFF2-40B4-BE49-F238E27FC236}">
-                <a16:creationId xmlns:a16="http://schemas.microsoft.com/office/drawing/2014/main" id="{5EEF4BCF-9D69-38A8-EA5C-8C67B9537024}"/>
-              </a:ext>
-            </a:extLst>
-          </p:cNvPr>
+            <a:endParaRPr lang="en-US" dirty="0"/>
+          </a:p>
+        </p:txBody>
+      </p:sp>
+      <p:sp>
+        <p:nvSpPr>
+          <p:cNvPr id="4" name="Date Placeholder 3"/>
           <p:cNvSpPr>
             <a:spLocks noGrp="1"/>
           </p:cNvSpPr>
@@ -463,7 +436,7 @@
           <a:p>
             <a:fld id="{1A270AA3-85FD-4336-B0B7-87033A430298}" type="datetimeFigureOut">
               <a:rPr lang="it-IT" smtClean="0"/>
-              <a:t>17/04/2023</a:t>
+              <a:t>18/04/2023</a:t>
             </a:fld>
             <a:endParaRPr lang="it-IT"/>
           </a:p>
@@ -471,13 +444,7 @@
       </p:sp>
       <p:sp>
         <p:nvSpPr>
-          <p:cNvPr id="5" name="Segnaposto piè di pagina 4">
-            <a:extLst>
-              <a:ext uri="{FF2B5EF4-FFF2-40B4-BE49-F238E27FC236}">
-                <a16:creationId xmlns:a16="http://schemas.microsoft.com/office/drawing/2014/main" id="{6626BED8-D2F2-C577-35AE-4426F3F82F13}"/>
-              </a:ext>
-            </a:extLst>
-          </p:cNvPr>
+          <p:cNvPr id="5" name="Footer Placeholder 4"/>
           <p:cNvSpPr>
             <a:spLocks noGrp="1"/>
           </p:cNvSpPr>
@@ -496,13 +463,7 @@
       </p:sp>
       <p:sp>
         <p:nvSpPr>
-          <p:cNvPr id="6" name="Segnaposto numero diapositiva 5">
-            <a:extLst>
-              <a:ext uri="{FF2B5EF4-FFF2-40B4-BE49-F238E27FC236}">
-                <a16:creationId xmlns:a16="http://schemas.microsoft.com/office/drawing/2014/main" id="{E97FD342-DAC5-F633-6D0E-E9A5D16A7540}"/>
-              </a:ext>
-            </a:extLst>
-          </p:cNvPr>
+          <p:cNvPr id="6" name="Slide Number Placeholder 5"/>
           <p:cNvSpPr>
             <a:spLocks noGrp="1"/>
           </p:cNvSpPr>
@@ -526,7 +487,7 @@
     </p:spTree>
     <p:extLst>
       <p:ext uri="{BB962C8B-B14F-4D97-AF65-F5344CB8AC3E}">
-        <p14:creationId xmlns:p14="http://schemas.microsoft.com/office/powerpoint/2010/main" val="1151787533"/>
+        <p14:creationId xmlns:p14="http://schemas.microsoft.com/office/powerpoint/2010/main" val="886629220"/>
       </p:ext>
     </p:extLst>
   </p:cSld>
@@ -555,13 +516,7 @@
       </p:grpSpPr>
       <p:sp>
         <p:nvSpPr>
-          <p:cNvPr id="2" name="Titolo verticale 1">
-            <a:extLst>
-              <a:ext uri="{FF2B5EF4-FFF2-40B4-BE49-F238E27FC236}">
-                <a16:creationId xmlns:a16="http://schemas.microsoft.com/office/drawing/2014/main" id="{B3DA5DAA-B954-DC76-7D63-ABEFDCDC19C3}"/>
-              </a:ext>
-            </a:extLst>
-          </p:cNvPr>
+          <p:cNvPr id="2" name="Vertical Title 1"/>
           <p:cNvSpPr>
             <a:spLocks noGrp="1"/>
           </p:cNvSpPr>
@@ -583,18 +538,13 @@
               <a:rPr lang="it-IT"/>
               <a:t>Fare clic per modificare lo stile del titolo dello schema</a:t>
             </a:r>
-          </a:p>
-        </p:txBody>
-      </p:sp>
-      <p:sp>
-        <p:nvSpPr>
-          <p:cNvPr id="3" name="Segnaposto testo verticale 2">
-            <a:extLst>
-              <a:ext uri="{FF2B5EF4-FFF2-40B4-BE49-F238E27FC236}">
-                <a16:creationId xmlns:a16="http://schemas.microsoft.com/office/drawing/2014/main" id="{43ABF16E-88EA-CC6E-E197-C14FF8EAE11C}"/>
-              </a:ext>
-            </a:extLst>
-          </p:cNvPr>
+            <a:endParaRPr lang="en-US" dirty="0"/>
+          </a:p>
+        </p:txBody>
+      </p:sp>
+      <p:sp>
+        <p:nvSpPr>
+          <p:cNvPr id="3" name="Vertical Text Placeholder 2"/>
           <p:cNvSpPr>
             <a:spLocks noGrp="1"/>
           </p:cNvSpPr>
@@ -645,18 +595,13 @@
               <a:rPr lang="it-IT"/>
               <a:t>Quinto livello</a:t>
             </a:r>
-          </a:p>
-        </p:txBody>
-      </p:sp>
-      <p:sp>
-        <p:nvSpPr>
-          <p:cNvPr id="4" name="Segnaposto data 3">
-            <a:extLst>
-              <a:ext uri="{FF2B5EF4-FFF2-40B4-BE49-F238E27FC236}">
-                <a16:creationId xmlns:a16="http://schemas.microsoft.com/office/drawing/2014/main" id="{A265E86C-CC91-4ABF-3829-3E563D5DEF8A}"/>
-              </a:ext>
-            </a:extLst>
-          </p:cNvPr>
+            <a:endParaRPr lang="en-US" dirty="0"/>
+          </a:p>
+        </p:txBody>
+      </p:sp>
+      <p:sp>
+        <p:nvSpPr>
+          <p:cNvPr id="4" name="Date Placeholder 3"/>
           <p:cNvSpPr>
             <a:spLocks noGrp="1"/>
           </p:cNvSpPr>
@@ -671,7 +616,7 @@
           <a:p>
             <a:fld id="{1A270AA3-85FD-4336-B0B7-87033A430298}" type="datetimeFigureOut">
               <a:rPr lang="it-IT" smtClean="0"/>
-              <a:t>17/04/2023</a:t>
+              <a:t>18/04/2023</a:t>
             </a:fld>
             <a:endParaRPr lang="it-IT"/>
           </a:p>
@@ -679,13 +624,7 @@
       </p:sp>
       <p:sp>
         <p:nvSpPr>
-          <p:cNvPr id="5" name="Segnaposto piè di pagina 4">
-            <a:extLst>
-              <a:ext uri="{FF2B5EF4-FFF2-40B4-BE49-F238E27FC236}">
-                <a16:creationId xmlns:a16="http://schemas.microsoft.com/office/drawing/2014/main" id="{0BB734CE-5F5B-6E63-FA43-5BA5F132449F}"/>
-              </a:ext>
-            </a:extLst>
-          </p:cNvPr>
+          <p:cNvPr id="5" name="Footer Placeholder 4"/>
           <p:cNvSpPr>
             <a:spLocks noGrp="1"/>
           </p:cNvSpPr>
@@ -704,13 +643,7 @@
       </p:sp>
       <p:sp>
         <p:nvSpPr>
-          <p:cNvPr id="6" name="Segnaposto numero diapositiva 5">
-            <a:extLst>
-              <a:ext uri="{FF2B5EF4-FFF2-40B4-BE49-F238E27FC236}">
-                <a16:creationId xmlns:a16="http://schemas.microsoft.com/office/drawing/2014/main" id="{BB075F97-567A-5F54-AC7B-37C1DFA786BB}"/>
-              </a:ext>
-            </a:extLst>
-          </p:cNvPr>
+          <p:cNvPr id="6" name="Slide Number Placeholder 5"/>
           <p:cNvSpPr>
             <a:spLocks noGrp="1"/>
           </p:cNvSpPr>
@@ -734,7 +667,7 @@
     </p:spTree>
     <p:extLst>
       <p:ext uri="{BB962C8B-B14F-4D97-AF65-F5344CB8AC3E}">
-        <p14:creationId xmlns:p14="http://schemas.microsoft.com/office/powerpoint/2010/main" val="573376137"/>
+        <p14:creationId xmlns:p14="http://schemas.microsoft.com/office/powerpoint/2010/main" val="3753554813"/>
       </p:ext>
     </p:extLst>
   </p:cSld>
@@ -763,13 +696,7 @@
       </p:grpSpPr>
       <p:sp>
         <p:nvSpPr>
-          <p:cNvPr id="2" name="Titolo 1">
-            <a:extLst>
-              <a:ext uri="{FF2B5EF4-FFF2-40B4-BE49-F238E27FC236}">
-                <a16:creationId xmlns:a16="http://schemas.microsoft.com/office/drawing/2014/main" id="{5EB00E46-C276-CD92-8ED6-3E03162BF256}"/>
-              </a:ext>
-            </a:extLst>
-          </p:cNvPr>
+          <p:cNvPr id="2" name="Title 1"/>
           <p:cNvSpPr>
             <a:spLocks noGrp="1"/>
           </p:cNvSpPr>
@@ -786,18 +713,13 @@
               <a:rPr lang="it-IT"/>
               <a:t>Fare clic per modificare lo stile del titolo dello schema</a:t>
             </a:r>
-          </a:p>
-        </p:txBody>
-      </p:sp>
-      <p:sp>
-        <p:nvSpPr>
-          <p:cNvPr id="3" name="Segnaposto contenuto 2">
-            <a:extLst>
-              <a:ext uri="{FF2B5EF4-FFF2-40B4-BE49-F238E27FC236}">
-                <a16:creationId xmlns:a16="http://schemas.microsoft.com/office/drawing/2014/main" id="{C8AB66E3-31CD-318D-43A1-C3270D6F2D52}"/>
-              </a:ext>
-            </a:extLst>
-          </p:cNvPr>
+            <a:endParaRPr lang="en-US" dirty="0"/>
+          </a:p>
+        </p:txBody>
+      </p:sp>
+      <p:sp>
+        <p:nvSpPr>
+          <p:cNvPr id="3" name="Content Placeholder 2"/>
           <p:cNvSpPr>
             <a:spLocks noGrp="1"/>
           </p:cNvSpPr>
@@ -843,18 +765,13 @@
               <a:rPr lang="it-IT"/>
               <a:t>Quinto livello</a:t>
             </a:r>
-          </a:p>
-        </p:txBody>
-      </p:sp>
-      <p:sp>
-        <p:nvSpPr>
-          <p:cNvPr id="4" name="Segnaposto data 3">
-            <a:extLst>
-              <a:ext uri="{FF2B5EF4-FFF2-40B4-BE49-F238E27FC236}">
-                <a16:creationId xmlns:a16="http://schemas.microsoft.com/office/drawing/2014/main" id="{E4C3C7FC-70E7-A8E7-0AC9-1EA8F101F328}"/>
-              </a:ext>
-            </a:extLst>
-          </p:cNvPr>
+            <a:endParaRPr lang="en-US" dirty="0"/>
+          </a:p>
+        </p:txBody>
+      </p:sp>
+      <p:sp>
+        <p:nvSpPr>
+          <p:cNvPr id="4" name="Date Placeholder 3"/>
           <p:cNvSpPr>
             <a:spLocks noGrp="1"/>
           </p:cNvSpPr>
@@ -869,7 +786,7 @@
           <a:p>
             <a:fld id="{1A270AA3-85FD-4336-B0B7-87033A430298}" type="datetimeFigureOut">
               <a:rPr lang="it-IT" smtClean="0"/>
-              <a:t>17/04/2023</a:t>
+              <a:t>18/04/2023</a:t>
             </a:fld>
             <a:endParaRPr lang="it-IT"/>
           </a:p>
@@ -877,13 +794,7 @@
       </p:sp>
       <p:sp>
         <p:nvSpPr>
-          <p:cNvPr id="5" name="Segnaposto piè di pagina 4">
-            <a:extLst>
-              <a:ext uri="{FF2B5EF4-FFF2-40B4-BE49-F238E27FC236}">
-                <a16:creationId xmlns:a16="http://schemas.microsoft.com/office/drawing/2014/main" id="{51996E1C-4558-3D1F-0D63-36E1D79D683D}"/>
-              </a:ext>
-            </a:extLst>
-          </p:cNvPr>
+          <p:cNvPr id="5" name="Footer Placeholder 4"/>
           <p:cNvSpPr>
             <a:spLocks noGrp="1"/>
           </p:cNvSpPr>
@@ -902,13 +813,7 @@
       </p:sp>
       <p:sp>
         <p:nvSpPr>
-          <p:cNvPr id="6" name="Segnaposto numero diapositiva 5">
-            <a:extLst>
-              <a:ext uri="{FF2B5EF4-FFF2-40B4-BE49-F238E27FC236}">
-                <a16:creationId xmlns:a16="http://schemas.microsoft.com/office/drawing/2014/main" id="{1ACA15AD-518B-FE0A-C75B-7CAB8E67CD43}"/>
-              </a:ext>
-            </a:extLst>
-          </p:cNvPr>
+          <p:cNvPr id="6" name="Slide Number Placeholder 5"/>
           <p:cNvSpPr>
             <a:spLocks noGrp="1"/>
           </p:cNvSpPr>
@@ -932,7 +837,7 @@
     </p:spTree>
     <p:extLst>
       <p:ext uri="{BB962C8B-B14F-4D97-AF65-F5344CB8AC3E}">
-        <p14:creationId xmlns:p14="http://schemas.microsoft.com/office/powerpoint/2010/main" val="633153519"/>
+        <p14:creationId xmlns:p14="http://schemas.microsoft.com/office/powerpoint/2010/main" val="713618572"/>
       </p:ext>
     </p:extLst>
   </p:cSld>
@@ -961,13 +866,7 @@
       </p:grpSpPr>
       <p:sp>
         <p:nvSpPr>
-          <p:cNvPr id="2" name="Titolo 1">
-            <a:extLst>
-              <a:ext uri="{FF2B5EF4-FFF2-40B4-BE49-F238E27FC236}">
-                <a16:creationId xmlns:a16="http://schemas.microsoft.com/office/drawing/2014/main" id="{485EDD04-859E-56E9-0BA9-671AAC9EA726}"/>
-              </a:ext>
-            </a:extLst>
-          </p:cNvPr>
+          <p:cNvPr id="2" name="Title 1"/>
           <p:cNvSpPr>
             <a:spLocks noGrp="1"/>
           </p:cNvSpPr>
@@ -993,18 +892,13 @@
               <a:rPr lang="it-IT"/>
               <a:t>Fare clic per modificare lo stile del titolo dello schema</a:t>
             </a:r>
-          </a:p>
-        </p:txBody>
-      </p:sp>
-      <p:sp>
-        <p:nvSpPr>
-          <p:cNvPr id="3" name="Segnaposto testo 2">
-            <a:extLst>
-              <a:ext uri="{FF2B5EF4-FFF2-40B4-BE49-F238E27FC236}">
-                <a16:creationId xmlns:a16="http://schemas.microsoft.com/office/drawing/2014/main" id="{CF13278A-FA8E-C7E5-74D7-A8804C35C4E6}"/>
-              </a:ext>
-            </a:extLst>
-          </p:cNvPr>
+            <a:endParaRPr lang="en-US" dirty="0"/>
+          </a:p>
+        </p:txBody>
+      </p:sp>
+      <p:sp>
+        <p:nvSpPr>
+          <p:cNvPr id="3" name="Text Placeholder 2"/>
           <p:cNvSpPr>
             <a:spLocks noGrp="1"/>
           </p:cNvSpPr>
@@ -1123,13 +1017,7 @@
       </p:sp>
       <p:sp>
         <p:nvSpPr>
-          <p:cNvPr id="4" name="Segnaposto data 3">
-            <a:extLst>
-              <a:ext uri="{FF2B5EF4-FFF2-40B4-BE49-F238E27FC236}">
-                <a16:creationId xmlns:a16="http://schemas.microsoft.com/office/drawing/2014/main" id="{80825F19-6C56-83B2-F721-D070274DCA63}"/>
-              </a:ext>
-            </a:extLst>
-          </p:cNvPr>
+          <p:cNvPr id="4" name="Date Placeholder 3"/>
           <p:cNvSpPr>
             <a:spLocks noGrp="1"/>
           </p:cNvSpPr>
@@ -1144,7 +1032,7 @@
           <a:p>
             <a:fld id="{1A270AA3-85FD-4336-B0B7-87033A430298}" type="datetimeFigureOut">
               <a:rPr lang="it-IT" smtClean="0"/>
-              <a:t>17/04/2023</a:t>
+              <a:t>18/04/2023</a:t>
             </a:fld>
             <a:endParaRPr lang="it-IT"/>
           </a:p>
@@ -1152,13 +1040,7 @@
       </p:sp>
       <p:sp>
         <p:nvSpPr>
-          <p:cNvPr id="5" name="Segnaposto piè di pagina 4">
-            <a:extLst>
-              <a:ext uri="{FF2B5EF4-FFF2-40B4-BE49-F238E27FC236}">
-                <a16:creationId xmlns:a16="http://schemas.microsoft.com/office/drawing/2014/main" id="{A726AA02-1719-7F08-B7E5-DA096059E3AD}"/>
-              </a:ext>
-            </a:extLst>
-          </p:cNvPr>
+          <p:cNvPr id="5" name="Footer Placeholder 4"/>
           <p:cNvSpPr>
             <a:spLocks noGrp="1"/>
           </p:cNvSpPr>
@@ -1177,13 +1059,7 @@
       </p:sp>
       <p:sp>
         <p:nvSpPr>
-          <p:cNvPr id="6" name="Segnaposto numero diapositiva 5">
-            <a:extLst>
-              <a:ext uri="{FF2B5EF4-FFF2-40B4-BE49-F238E27FC236}">
-                <a16:creationId xmlns:a16="http://schemas.microsoft.com/office/drawing/2014/main" id="{DE7D6771-6EBD-6319-6BF0-01083F70A1EB}"/>
-              </a:ext>
-            </a:extLst>
-          </p:cNvPr>
+          <p:cNvPr id="6" name="Slide Number Placeholder 5"/>
           <p:cNvSpPr>
             <a:spLocks noGrp="1"/>
           </p:cNvSpPr>
@@ -1207,7 +1083,7 @@
     </p:spTree>
     <p:extLst>
       <p:ext uri="{BB962C8B-B14F-4D97-AF65-F5344CB8AC3E}">
-        <p14:creationId xmlns:p14="http://schemas.microsoft.com/office/powerpoint/2010/main" val="1202476103"/>
+        <p14:creationId xmlns:p14="http://schemas.microsoft.com/office/powerpoint/2010/main" val="3877966923"/>
       </p:ext>
     </p:extLst>
   </p:cSld>
@@ -1236,13 +1112,7 @@
       </p:grpSpPr>
       <p:sp>
         <p:nvSpPr>
-          <p:cNvPr id="2" name="Titolo 1">
-            <a:extLst>
-              <a:ext uri="{FF2B5EF4-FFF2-40B4-BE49-F238E27FC236}">
-                <a16:creationId xmlns:a16="http://schemas.microsoft.com/office/drawing/2014/main" id="{EE9D088C-6768-0AE9-1992-FA066A3763D7}"/>
-              </a:ext>
-            </a:extLst>
-          </p:cNvPr>
+          <p:cNvPr id="2" name="Title 1"/>
           <p:cNvSpPr>
             <a:spLocks noGrp="1"/>
           </p:cNvSpPr>
@@ -1259,18 +1129,13 @@
               <a:rPr lang="it-IT"/>
               <a:t>Fare clic per modificare lo stile del titolo dello schema</a:t>
             </a:r>
-          </a:p>
-        </p:txBody>
-      </p:sp>
-      <p:sp>
-        <p:nvSpPr>
-          <p:cNvPr id="3" name="Segnaposto contenuto 2">
-            <a:extLst>
-              <a:ext uri="{FF2B5EF4-FFF2-40B4-BE49-F238E27FC236}">
-                <a16:creationId xmlns:a16="http://schemas.microsoft.com/office/drawing/2014/main" id="{664468F9-8ECE-740D-8C3C-BCA12841BD23}"/>
-              </a:ext>
-            </a:extLst>
-          </p:cNvPr>
+            <a:endParaRPr lang="en-US" dirty="0"/>
+          </a:p>
+        </p:txBody>
+      </p:sp>
+      <p:sp>
+        <p:nvSpPr>
+          <p:cNvPr id="3" name="Content Placeholder 2"/>
           <p:cNvSpPr>
             <a:spLocks noGrp="1"/>
           </p:cNvSpPr>
@@ -1321,18 +1186,13 @@
               <a:rPr lang="it-IT"/>
               <a:t>Quinto livello</a:t>
             </a:r>
-          </a:p>
-        </p:txBody>
-      </p:sp>
-      <p:sp>
-        <p:nvSpPr>
-          <p:cNvPr id="4" name="Segnaposto contenuto 3">
-            <a:extLst>
-              <a:ext uri="{FF2B5EF4-FFF2-40B4-BE49-F238E27FC236}">
-                <a16:creationId xmlns:a16="http://schemas.microsoft.com/office/drawing/2014/main" id="{1E7D76C9-E0B9-356E-1B44-47BB729DD558}"/>
-              </a:ext>
-            </a:extLst>
-          </p:cNvPr>
+            <a:endParaRPr lang="en-US" dirty="0"/>
+          </a:p>
+        </p:txBody>
+      </p:sp>
+      <p:sp>
+        <p:nvSpPr>
+          <p:cNvPr id="4" name="Content Placeholder 3"/>
           <p:cNvSpPr>
             <a:spLocks noGrp="1"/>
           </p:cNvSpPr>
@@ -1383,18 +1243,13 @@
               <a:rPr lang="it-IT"/>
               <a:t>Quinto livello</a:t>
             </a:r>
-          </a:p>
-        </p:txBody>
-      </p:sp>
-      <p:sp>
-        <p:nvSpPr>
-          <p:cNvPr id="5" name="Segnaposto data 4">
-            <a:extLst>
-              <a:ext uri="{FF2B5EF4-FFF2-40B4-BE49-F238E27FC236}">
-                <a16:creationId xmlns:a16="http://schemas.microsoft.com/office/drawing/2014/main" id="{08FA66C6-2F09-9650-FEE3-105A4152A429}"/>
-              </a:ext>
-            </a:extLst>
-          </p:cNvPr>
+            <a:endParaRPr lang="en-US" dirty="0"/>
+          </a:p>
+        </p:txBody>
+      </p:sp>
+      <p:sp>
+        <p:nvSpPr>
+          <p:cNvPr id="5" name="Date Placeholder 4"/>
           <p:cNvSpPr>
             <a:spLocks noGrp="1"/>
           </p:cNvSpPr>
@@ -1409,7 +1264,7 @@
           <a:p>
             <a:fld id="{1A270AA3-85FD-4336-B0B7-87033A430298}" type="datetimeFigureOut">
               <a:rPr lang="it-IT" smtClean="0"/>
-              <a:t>17/04/2023</a:t>
+              <a:t>18/04/2023</a:t>
             </a:fld>
             <a:endParaRPr lang="it-IT"/>
           </a:p>
@@ -1417,13 +1272,7 @@
       </p:sp>
       <p:sp>
         <p:nvSpPr>
-          <p:cNvPr id="6" name="Segnaposto piè di pagina 5">
-            <a:extLst>
-              <a:ext uri="{FF2B5EF4-FFF2-40B4-BE49-F238E27FC236}">
-                <a16:creationId xmlns:a16="http://schemas.microsoft.com/office/drawing/2014/main" id="{E2503CB7-CF9E-3DE0-73DF-C7DDD858758B}"/>
-              </a:ext>
-            </a:extLst>
-          </p:cNvPr>
+          <p:cNvPr id="6" name="Footer Placeholder 5"/>
           <p:cNvSpPr>
             <a:spLocks noGrp="1"/>
           </p:cNvSpPr>
@@ -1442,13 +1291,7 @@
       </p:sp>
       <p:sp>
         <p:nvSpPr>
-          <p:cNvPr id="7" name="Segnaposto numero diapositiva 6">
-            <a:extLst>
-              <a:ext uri="{FF2B5EF4-FFF2-40B4-BE49-F238E27FC236}">
-                <a16:creationId xmlns:a16="http://schemas.microsoft.com/office/drawing/2014/main" id="{8338207F-106B-BB01-0C19-629D3674C781}"/>
-              </a:ext>
-            </a:extLst>
-          </p:cNvPr>
+          <p:cNvPr id="7" name="Slide Number Placeholder 6"/>
           <p:cNvSpPr>
             <a:spLocks noGrp="1"/>
           </p:cNvSpPr>
@@ -1472,7 +1315,7 @@
     </p:spTree>
     <p:extLst>
       <p:ext uri="{BB962C8B-B14F-4D97-AF65-F5344CB8AC3E}">
-        <p14:creationId xmlns:p14="http://schemas.microsoft.com/office/powerpoint/2010/main" val="229650795"/>
+        <p14:creationId xmlns:p14="http://schemas.microsoft.com/office/powerpoint/2010/main" val="3831343288"/>
       </p:ext>
     </p:extLst>
   </p:cSld>
@@ -1501,13 +1344,7 @@
       </p:grpSpPr>
       <p:sp>
         <p:nvSpPr>
-          <p:cNvPr id="2" name="Titolo 1">
-            <a:extLst>
-              <a:ext uri="{FF2B5EF4-FFF2-40B4-BE49-F238E27FC236}">
-                <a16:creationId xmlns:a16="http://schemas.microsoft.com/office/drawing/2014/main" id="{E96C9E40-C54C-DFF6-F344-DF4FD1CB338F}"/>
-              </a:ext>
-            </a:extLst>
-          </p:cNvPr>
+          <p:cNvPr id="2" name="Title 1"/>
           <p:cNvSpPr>
             <a:spLocks noGrp="1"/>
           </p:cNvSpPr>
@@ -1529,18 +1366,13 @@
               <a:rPr lang="it-IT"/>
               <a:t>Fare clic per modificare lo stile del titolo dello schema</a:t>
             </a:r>
-          </a:p>
-        </p:txBody>
-      </p:sp>
-      <p:sp>
-        <p:nvSpPr>
-          <p:cNvPr id="3" name="Segnaposto testo 2">
-            <a:extLst>
-              <a:ext uri="{FF2B5EF4-FFF2-40B4-BE49-F238E27FC236}">
-                <a16:creationId xmlns:a16="http://schemas.microsoft.com/office/drawing/2014/main" id="{EF7CA3FC-6037-09A8-694F-AF2BF6A0493B}"/>
-              </a:ext>
-            </a:extLst>
-          </p:cNvPr>
+            <a:endParaRPr lang="en-US" dirty="0"/>
+          </a:p>
+        </p:txBody>
+      </p:sp>
+      <p:sp>
+        <p:nvSpPr>
+          <p:cNvPr id="3" name="Text Placeholder 2"/>
           <p:cNvSpPr>
             <a:spLocks noGrp="1"/>
           </p:cNvSpPr>
@@ -1605,13 +1437,7 @@
       </p:sp>
       <p:sp>
         <p:nvSpPr>
-          <p:cNvPr id="4" name="Segnaposto contenuto 3">
-            <a:extLst>
-              <a:ext uri="{FF2B5EF4-FFF2-40B4-BE49-F238E27FC236}">
-                <a16:creationId xmlns:a16="http://schemas.microsoft.com/office/drawing/2014/main" id="{D5426E27-97F1-C608-A9EF-D254AEF64BC1}"/>
-              </a:ext>
-            </a:extLst>
-          </p:cNvPr>
+          <p:cNvPr id="4" name="Content Placeholder 3"/>
           <p:cNvSpPr>
             <a:spLocks noGrp="1"/>
           </p:cNvSpPr>
@@ -1662,18 +1488,13 @@
               <a:rPr lang="it-IT"/>
               <a:t>Quinto livello</a:t>
             </a:r>
-          </a:p>
-        </p:txBody>
-      </p:sp>
-      <p:sp>
-        <p:nvSpPr>
-          <p:cNvPr id="5" name="Segnaposto testo 4">
-            <a:extLst>
-              <a:ext uri="{FF2B5EF4-FFF2-40B4-BE49-F238E27FC236}">
-                <a16:creationId xmlns:a16="http://schemas.microsoft.com/office/drawing/2014/main" id="{369445C1-25B2-38AE-93B3-ECF48A51CC43}"/>
-              </a:ext>
-            </a:extLst>
-          </p:cNvPr>
+            <a:endParaRPr lang="en-US" dirty="0"/>
+          </a:p>
+        </p:txBody>
+      </p:sp>
+      <p:sp>
+        <p:nvSpPr>
+          <p:cNvPr id="5" name="Text Placeholder 4"/>
           <p:cNvSpPr>
             <a:spLocks noGrp="1"/>
           </p:cNvSpPr>
@@ -1738,13 +1559,7 @@
       </p:sp>
       <p:sp>
         <p:nvSpPr>
-          <p:cNvPr id="6" name="Segnaposto contenuto 5">
-            <a:extLst>
-              <a:ext uri="{FF2B5EF4-FFF2-40B4-BE49-F238E27FC236}">
-                <a16:creationId xmlns:a16="http://schemas.microsoft.com/office/drawing/2014/main" id="{7365E28F-23F4-1F90-B582-BC20594B991B}"/>
-              </a:ext>
-            </a:extLst>
-          </p:cNvPr>
+          <p:cNvPr id="6" name="Content Placeholder 5"/>
           <p:cNvSpPr>
             <a:spLocks noGrp="1"/>
           </p:cNvSpPr>
@@ -1795,18 +1610,13 @@
               <a:rPr lang="it-IT"/>
               <a:t>Quinto livello</a:t>
             </a:r>
-          </a:p>
-        </p:txBody>
-      </p:sp>
-      <p:sp>
-        <p:nvSpPr>
-          <p:cNvPr id="7" name="Segnaposto data 6">
-            <a:extLst>
-              <a:ext uri="{FF2B5EF4-FFF2-40B4-BE49-F238E27FC236}">
-                <a16:creationId xmlns:a16="http://schemas.microsoft.com/office/drawing/2014/main" id="{F1A6B12A-CB17-EB97-5E80-6CB2BC465D3E}"/>
-              </a:ext>
-            </a:extLst>
-          </p:cNvPr>
+            <a:endParaRPr lang="en-US" dirty="0"/>
+          </a:p>
+        </p:txBody>
+      </p:sp>
+      <p:sp>
+        <p:nvSpPr>
+          <p:cNvPr id="7" name="Date Placeholder 6"/>
           <p:cNvSpPr>
             <a:spLocks noGrp="1"/>
           </p:cNvSpPr>
@@ -1821,7 +1631,7 @@
           <a:p>
             <a:fld id="{1A270AA3-85FD-4336-B0B7-87033A430298}" type="datetimeFigureOut">
               <a:rPr lang="it-IT" smtClean="0"/>
-              <a:t>17/04/2023</a:t>
+              <a:t>18/04/2023</a:t>
             </a:fld>
             <a:endParaRPr lang="it-IT"/>
           </a:p>
@@ -1829,13 +1639,7 @@
       </p:sp>
       <p:sp>
         <p:nvSpPr>
-          <p:cNvPr id="8" name="Segnaposto piè di pagina 7">
-            <a:extLst>
-              <a:ext uri="{FF2B5EF4-FFF2-40B4-BE49-F238E27FC236}">
-                <a16:creationId xmlns:a16="http://schemas.microsoft.com/office/drawing/2014/main" id="{A28F5F29-558E-1B49-C29A-BAC939026A36}"/>
-              </a:ext>
-            </a:extLst>
-          </p:cNvPr>
+          <p:cNvPr id="8" name="Footer Placeholder 7"/>
           <p:cNvSpPr>
             <a:spLocks noGrp="1"/>
           </p:cNvSpPr>
@@ -1854,13 +1658,7 @@
       </p:sp>
       <p:sp>
         <p:nvSpPr>
-          <p:cNvPr id="9" name="Segnaposto numero diapositiva 8">
-            <a:extLst>
-              <a:ext uri="{FF2B5EF4-FFF2-40B4-BE49-F238E27FC236}">
-                <a16:creationId xmlns:a16="http://schemas.microsoft.com/office/drawing/2014/main" id="{4F686225-8DB1-2D5B-5FC2-E738B973BA36}"/>
-              </a:ext>
-            </a:extLst>
-          </p:cNvPr>
+          <p:cNvPr id="9" name="Slide Number Placeholder 8"/>
           <p:cNvSpPr>
             <a:spLocks noGrp="1"/>
           </p:cNvSpPr>
@@ -1884,7 +1682,7 @@
     </p:spTree>
     <p:extLst>
       <p:ext uri="{BB962C8B-B14F-4D97-AF65-F5344CB8AC3E}">
-        <p14:creationId xmlns:p14="http://schemas.microsoft.com/office/powerpoint/2010/main" val="3607949253"/>
+        <p14:creationId xmlns:p14="http://schemas.microsoft.com/office/powerpoint/2010/main" val="1670117259"/>
       </p:ext>
     </p:extLst>
   </p:cSld>
@@ -1913,13 +1711,7 @@
       </p:grpSpPr>
       <p:sp>
         <p:nvSpPr>
-          <p:cNvPr id="2" name="Titolo 1">
-            <a:extLst>
-              <a:ext uri="{FF2B5EF4-FFF2-40B4-BE49-F238E27FC236}">
-                <a16:creationId xmlns:a16="http://schemas.microsoft.com/office/drawing/2014/main" id="{BD9253E5-667C-A6BC-DD52-45EEBC70483E}"/>
-              </a:ext>
-            </a:extLst>
-          </p:cNvPr>
+          <p:cNvPr id="2" name="Title 1"/>
           <p:cNvSpPr>
             <a:spLocks noGrp="1"/>
           </p:cNvSpPr>
@@ -1936,18 +1728,13 @@
               <a:rPr lang="it-IT"/>
               <a:t>Fare clic per modificare lo stile del titolo dello schema</a:t>
             </a:r>
-          </a:p>
-        </p:txBody>
-      </p:sp>
-      <p:sp>
-        <p:nvSpPr>
-          <p:cNvPr id="3" name="Segnaposto data 2">
-            <a:extLst>
-              <a:ext uri="{FF2B5EF4-FFF2-40B4-BE49-F238E27FC236}">
-                <a16:creationId xmlns:a16="http://schemas.microsoft.com/office/drawing/2014/main" id="{D96C040B-C1C7-9A09-0984-EC1A2E884E25}"/>
-              </a:ext>
-            </a:extLst>
-          </p:cNvPr>
+            <a:endParaRPr lang="en-US" dirty="0"/>
+          </a:p>
+        </p:txBody>
+      </p:sp>
+      <p:sp>
+        <p:nvSpPr>
+          <p:cNvPr id="3" name="Date Placeholder 2"/>
           <p:cNvSpPr>
             <a:spLocks noGrp="1"/>
           </p:cNvSpPr>
@@ -1962,7 +1749,7 @@
           <a:p>
             <a:fld id="{1A270AA3-85FD-4336-B0B7-87033A430298}" type="datetimeFigureOut">
               <a:rPr lang="it-IT" smtClean="0"/>
-              <a:t>17/04/2023</a:t>
+              <a:t>18/04/2023</a:t>
             </a:fld>
             <a:endParaRPr lang="it-IT"/>
           </a:p>
@@ -1970,13 +1757,7 @@
       </p:sp>
       <p:sp>
         <p:nvSpPr>
-          <p:cNvPr id="4" name="Segnaposto piè di pagina 3">
-            <a:extLst>
-              <a:ext uri="{FF2B5EF4-FFF2-40B4-BE49-F238E27FC236}">
-                <a16:creationId xmlns:a16="http://schemas.microsoft.com/office/drawing/2014/main" id="{7E78B310-B51F-F170-F287-4660263B9D70}"/>
-              </a:ext>
-            </a:extLst>
-          </p:cNvPr>
+          <p:cNvPr id="4" name="Footer Placeholder 3"/>
           <p:cNvSpPr>
             <a:spLocks noGrp="1"/>
           </p:cNvSpPr>
@@ -1995,13 +1776,7 @@
       </p:sp>
       <p:sp>
         <p:nvSpPr>
-          <p:cNvPr id="5" name="Segnaposto numero diapositiva 4">
-            <a:extLst>
-              <a:ext uri="{FF2B5EF4-FFF2-40B4-BE49-F238E27FC236}">
-                <a16:creationId xmlns:a16="http://schemas.microsoft.com/office/drawing/2014/main" id="{65187E48-59AC-972C-72D1-F936932B09FF}"/>
-              </a:ext>
-            </a:extLst>
-          </p:cNvPr>
+          <p:cNvPr id="5" name="Slide Number Placeholder 4"/>
           <p:cNvSpPr>
             <a:spLocks noGrp="1"/>
           </p:cNvSpPr>
@@ -2025,7 +1800,7 @@
     </p:spTree>
     <p:extLst>
       <p:ext uri="{BB962C8B-B14F-4D97-AF65-F5344CB8AC3E}">
-        <p14:creationId xmlns:p14="http://schemas.microsoft.com/office/powerpoint/2010/main" val="878035521"/>
+        <p14:creationId xmlns:p14="http://schemas.microsoft.com/office/powerpoint/2010/main" val="3873427049"/>
       </p:ext>
     </p:extLst>
   </p:cSld>
@@ -2054,13 +1829,7 @@
       </p:grpSpPr>
       <p:sp>
         <p:nvSpPr>
-          <p:cNvPr id="2" name="Segnaposto data 1">
-            <a:extLst>
-              <a:ext uri="{FF2B5EF4-FFF2-40B4-BE49-F238E27FC236}">
-                <a16:creationId xmlns:a16="http://schemas.microsoft.com/office/drawing/2014/main" id="{F53A58EC-362F-A541-87E6-3860B442BCAA}"/>
-              </a:ext>
-            </a:extLst>
-          </p:cNvPr>
+          <p:cNvPr id="2" name="Date Placeholder 1"/>
           <p:cNvSpPr>
             <a:spLocks noGrp="1"/>
           </p:cNvSpPr>
@@ -2075,7 +1844,7 @@
           <a:p>
             <a:fld id="{1A270AA3-85FD-4336-B0B7-87033A430298}" type="datetimeFigureOut">
               <a:rPr lang="it-IT" smtClean="0"/>
-              <a:t>17/04/2023</a:t>
+              <a:t>18/04/2023</a:t>
             </a:fld>
             <a:endParaRPr lang="it-IT"/>
           </a:p>
@@ -2083,13 +1852,7 @@
       </p:sp>
       <p:sp>
         <p:nvSpPr>
-          <p:cNvPr id="3" name="Segnaposto piè di pagina 2">
-            <a:extLst>
-              <a:ext uri="{FF2B5EF4-FFF2-40B4-BE49-F238E27FC236}">
-                <a16:creationId xmlns:a16="http://schemas.microsoft.com/office/drawing/2014/main" id="{18092009-2FA7-2260-B2D8-2C4908BCDE5F}"/>
-              </a:ext>
-            </a:extLst>
-          </p:cNvPr>
+          <p:cNvPr id="3" name="Footer Placeholder 2"/>
           <p:cNvSpPr>
             <a:spLocks noGrp="1"/>
           </p:cNvSpPr>
@@ -2108,13 +1871,7 @@
       </p:sp>
       <p:sp>
         <p:nvSpPr>
-          <p:cNvPr id="4" name="Segnaposto numero diapositiva 3">
-            <a:extLst>
-              <a:ext uri="{FF2B5EF4-FFF2-40B4-BE49-F238E27FC236}">
-                <a16:creationId xmlns:a16="http://schemas.microsoft.com/office/drawing/2014/main" id="{93185B92-9CB8-72B2-BDC5-52FB03CDF58C}"/>
-              </a:ext>
-            </a:extLst>
-          </p:cNvPr>
+          <p:cNvPr id="4" name="Slide Number Placeholder 3"/>
           <p:cNvSpPr>
             <a:spLocks noGrp="1"/>
           </p:cNvSpPr>
@@ -2138,7 +1895,7 @@
     </p:spTree>
     <p:extLst>
       <p:ext uri="{BB962C8B-B14F-4D97-AF65-F5344CB8AC3E}">
-        <p14:creationId xmlns:p14="http://schemas.microsoft.com/office/powerpoint/2010/main" val="1976782508"/>
+        <p14:creationId xmlns:p14="http://schemas.microsoft.com/office/powerpoint/2010/main" val="915210558"/>
       </p:ext>
     </p:extLst>
   </p:cSld>
@@ -2167,13 +1924,7 @@
       </p:grpSpPr>
       <p:sp>
         <p:nvSpPr>
-          <p:cNvPr id="2" name="Titolo 1">
-            <a:extLst>
-              <a:ext uri="{FF2B5EF4-FFF2-40B4-BE49-F238E27FC236}">
-                <a16:creationId xmlns:a16="http://schemas.microsoft.com/office/drawing/2014/main" id="{5EB7B537-367E-F285-0054-4C889087709B}"/>
-              </a:ext>
-            </a:extLst>
-          </p:cNvPr>
+          <p:cNvPr id="2" name="Title 1"/>
           <p:cNvSpPr>
             <a:spLocks noGrp="1"/>
           </p:cNvSpPr>
@@ -2199,18 +1950,13 @@
               <a:rPr lang="it-IT"/>
               <a:t>Fare clic per modificare lo stile del titolo dello schema</a:t>
             </a:r>
-          </a:p>
-        </p:txBody>
-      </p:sp>
-      <p:sp>
-        <p:nvSpPr>
-          <p:cNvPr id="3" name="Segnaposto contenuto 2">
-            <a:extLst>
-              <a:ext uri="{FF2B5EF4-FFF2-40B4-BE49-F238E27FC236}">
-                <a16:creationId xmlns:a16="http://schemas.microsoft.com/office/drawing/2014/main" id="{AE622DBC-FF25-34E1-3E4D-0FC60489A14C}"/>
-              </a:ext>
-            </a:extLst>
-          </p:cNvPr>
+            <a:endParaRPr lang="en-US" dirty="0"/>
+          </a:p>
+        </p:txBody>
+      </p:sp>
+      <p:sp>
+        <p:nvSpPr>
+          <p:cNvPr id="3" name="Content Placeholder 2"/>
           <p:cNvSpPr>
             <a:spLocks noGrp="1"/>
           </p:cNvSpPr>
@@ -2289,18 +2035,13 @@
               <a:rPr lang="it-IT"/>
               <a:t>Quinto livello</a:t>
             </a:r>
-          </a:p>
-        </p:txBody>
-      </p:sp>
-      <p:sp>
-        <p:nvSpPr>
-          <p:cNvPr id="4" name="Segnaposto testo 3">
-            <a:extLst>
-              <a:ext uri="{FF2B5EF4-FFF2-40B4-BE49-F238E27FC236}">
-                <a16:creationId xmlns:a16="http://schemas.microsoft.com/office/drawing/2014/main" id="{31A8E014-C43F-D661-2EF6-631B2962C3CD}"/>
-              </a:ext>
-            </a:extLst>
-          </p:cNvPr>
+            <a:endParaRPr lang="en-US" dirty="0"/>
+          </a:p>
+        </p:txBody>
+      </p:sp>
+      <p:sp>
+        <p:nvSpPr>
+          <p:cNvPr id="4" name="Text Placeholder 3"/>
           <p:cNvSpPr>
             <a:spLocks noGrp="1"/>
           </p:cNvSpPr>
@@ -2365,13 +2106,7 @@
       </p:sp>
       <p:sp>
         <p:nvSpPr>
-          <p:cNvPr id="5" name="Segnaposto data 4">
-            <a:extLst>
-              <a:ext uri="{FF2B5EF4-FFF2-40B4-BE49-F238E27FC236}">
-                <a16:creationId xmlns:a16="http://schemas.microsoft.com/office/drawing/2014/main" id="{82E47081-0C03-D952-DCF9-5F19CB3AABD4}"/>
-              </a:ext>
-            </a:extLst>
-          </p:cNvPr>
+          <p:cNvPr id="5" name="Date Placeholder 4"/>
           <p:cNvSpPr>
             <a:spLocks noGrp="1"/>
           </p:cNvSpPr>
@@ -2386,7 +2121,7 @@
           <a:p>
             <a:fld id="{1A270AA3-85FD-4336-B0B7-87033A430298}" type="datetimeFigureOut">
               <a:rPr lang="it-IT" smtClean="0"/>
-              <a:t>17/04/2023</a:t>
+              <a:t>18/04/2023</a:t>
             </a:fld>
             <a:endParaRPr lang="it-IT"/>
           </a:p>
@@ -2394,13 +2129,7 @@
       </p:sp>
       <p:sp>
         <p:nvSpPr>
-          <p:cNvPr id="6" name="Segnaposto piè di pagina 5">
-            <a:extLst>
-              <a:ext uri="{FF2B5EF4-FFF2-40B4-BE49-F238E27FC236}">
-                <a16:creationId xmlns:a16="http://schemas.microsoft.com/office/drawing/2014/main" id="{095E8A6A-3759-1979-F35B-669EB78DAE19}"/>
-              </a:ext>
-            </a:extLst>
-          </p:cNvPr>
+          <p:cNvPr id="6" name="Footer Placeholder 5"/>
           <p:cNvSpPr>
             <a:spLocks noGrp="1"/>
           </p:cNvSpPr>
@@ -2419,13 +2148,7 @@
       </p:sp>
       <p:sp>
         <p:nvSpPr>
-          <p:cNvPr id="7" name="Segnaposto numero diapositiva 6">
-            <a:extLst>
-              <a:ext uri="{FF2B5EF4-FFF2-40B4-BE49-F238E27FC236}">
-                <a16:creationId xmlns:a16="http://schemas.microsoft.com/office/drawing/2014/main" id="{A08337BE-4BA5-DF20-BEA2-C1D40E0299E0}"/>
-              </a:ext>
-            </a:extLst>
-          </p:cNvPr>
+          <p:cNvPr id="7" name="Slide Number Placeholder 6"/>
           <p:cNvSpPr>
             <a:spLocks noGrp="1"/>
           </p:cNvSpPr>
@@ -2449,7 +2172,7 @@
     </p:spTree>
     <p:extLst>
       <p:ext uri="{BB962C8B-B14F-4D97-AF65-F5344CB8AC3E}">
-        <p14:creationId xmlns:p14="http://schemas.microsoft.com/office/powerpoint/2010/main" val="2939104082"/>
+        <p14:creationId xmlns:p14="http://schemas.microsoft.com/office/powerpoint/2010/main" val="1430814557"/>
       </p:ext>
     </p:extLst>
   </p:cSld>
@@ -2478,13 +2201,7 @@
       </p:grpSpPr>
       <p:sp>
         <p:nvSpPr>
-          <p:cNvPr id="2" name="Titolo 1">
-            <a:extLst>
-              <a:ext uri="{FF2B5EF4-FFF2-40B4-BE49-F238E27FC236}">
-                <a16:creationId xmlns:a16="http://schemas.microsoft.com/office/drawing/2014/main" id="{8EE97C62-4056-2620-C4F1-DF1476FA4615}"/>
-              </a:ext>
-            </a:extLst>
-          </p:cNvPr>
+          <p:cNvPr id="2" name="Title 1"/>
           <p:cNvSpPr>
             <a:spLocks noGrp="1"/>
           </p:cNvSpPr>
@@ -2510,20 +2227,15 @@
               <a:rPr lang="it-IT"/>
               <a:t>Fare clic per modificare lo stile del titolo dello schema</a:t>
             </a:r>
-          </a:p>
-        </p:txBody>
-      </p:sp>
-      <p:sp>
-        <p:nvSpPr>
-          <p:cNvPr id="3" name="Segnaposto immagine 2">
-            <a:extLst>
-              <a:ext uri="{FF2B5EF4-FFF2-40B4-BE49-F238E27FC236}">
-                <a16:creationId xmlns:a16="http://schemas.microsoft.com/office/drawing/2014/main" id="{1B0ABC3E-3887-47BA-CE4C-50E05F75FA2D}"/>
-              </a:ext>
-            </a:extLst>
-          </p:cNvPr>
-          <p:cNvSpPr>
-            <a:spLocks noGrp="1"/>
+            <a:endParaRPr lang="en-US" dirty="0"/>
+          </a:p>
+        </p:txBody>
+      </p:sp>
+      <p:sp>
+        <p:nvSpPr>
+          <p:cNvPr id="3" name="Picture Placeholder 2"/>
+          <p:cNvSpPr>
+            <a:spLocks noGrp="1" noChangeAspect="1"/>
           </p:cNvSpPr>
           <p:nvPr>
             <p:ph type="pic" idx="1"/>
@@ -2536,7 +2248,7 @@
           </a:xfrm>
         </p:spPr>
         <p:txBody>
-          <a:bodyPr/>
+          <a:bodyPr anchor="t"/>
           <a:lstStyle>
             <a:lvl1pPr marL="0" indent="0">
               <a:buNone/>
@@ -2576,19 +2288,17 @@
             </a:lvl9pPr>
           </a:lstStyle>
           <a:p>
-            <a:endParaRPr lang="it-IT"/>
-          </a:p>
-        </p:txBody>
-      </p:sp>
-      <p:sp>
-        <p:nvSpPr>
-          <p:cNvPr id="4" name="Segnaposto testo 3">
-            <a:extLst>
-              <a:ext uri="{FF2B5EF4-FFF2-40B4-BE49-F238E27FC236}">
-                <a16:creationId xmlns:a16="http://schemas.microsoft.com/office/drawing/2014/main" id="{7B8FD5DA-CD5A-AD8D-A9A1-60277C9F8F30}"/>
-              </a:ext>
-            </a:extLst>
-          </p:cNvPr>
+            <a:r>
+              <a:rPr lang="it-IT"/>
+              <a:t>Fare clic sull'icona per inserire un'immagine</a:t>
+            </a:r>
+            <a:endParaRPr lang="en-US" dirty="0"/>
+          </a:p>
+        </p:txBody>
+      </p:sp>
+      <p:sp>
+        <p:nvSpPr>
+          <p:cNvPr id="4" name="Text Placeholder 3"/>
           <p:cNvSpPr>
             <a:spLocks noGrp="1"/>
           </p:cNvSpPr>
@@ -2653,13 +2363,7 @@
       </p:sp>
       <p:sp>
         <p:nvSpPr>
-          <p:cNvPr id="5" name="Segnaposto data 4">
-            <a:extLst>
-              <a:ext uri="{FF2B5EF4-FFF2-40B4-BE49-F238E27FC236}">
-                <a16:creationId xmlns:a16="http://schemas.microsoft.com/office/drawing/2014/main" id="{DC36F57A-6490-5A4C-0BF5-942446886856}"/>
-              </a:ext>
-            </a:extLst>
-          </p:cNvPr>
+          <p:cNvPr id="5" name="Date Placeholder 4"/>
           <p:cNvSpPr>
             <a:spLocks noGrp="1"/>
           </p:cNvSpPr>
@@ -2674,7 +2378,7 @@
           <a:p>
             <a:fld id="{1A270AA3-85FD-4336-B0B7-87033A430298}" type="datetimeFigureOut">
               <a:rPr lang="it-IT" smtClean="0"/>
-              <a:t>17/04/2023</a:t>
+              <a:t>18/04/2023</a:t>
             </a:fld>
             <a:endParaRPr lang="it-IT"/>
           </a:p>
@@ -2682,13 +2386,7 @@
       </p:sp>
       <p:sp>
         <p:nvSpPr>
-          <p:cNvPr id="6" name="Segnaposto piè di pagina 5">
-            <a:extLst>
-              <a:ext uri="{FF2B5EF4-FFF2-40B4-BE49-F238E27FC236}">
-                <a16:creationId xmlns:a16="http://schemas.microsoft.com/office/drawing/2014/main" id="{F28AD155-4017-631B-EFB1-802EE5361310}"/>
-              </a:ext>
-            </a:extLst>
-          </p:cNvPr>
+          <p:cNvPr id="6" name="Footer Placeholder 5"/>
           <p:cNvSpPr>
             <a:spLocks noGrp="1"/>
           </p:cNvSpPr>
@@ -2707,13 +2405,7 @@
       </p:sp>
       <p:sp>
         <p:nvSpPr>
-          <p:cNvPr id="7" name="Segnaposto numero diapositiva 6">
-            <a:extLst>
-              <a:ext uri="{FF2B5EF4-FFF2-40B4-BE49-F238E27FC236}">
-                <a16:creationId xmlns:a16="http://schemas.microsoft.com/office/drawing/2014/main" id="{56E0AC4A-7303-93E6-2D67-76FF4519110A}"/>
-              </a:ext>
-            </a:extLst>
-          </p:cNvPr>
+          <p:cNvPr id="7" name="Slide Number Placeholder 6"/>
           <p:cNvSpPr>
             <a:spLocks noGrp="1"/>
           </p:cNvSpPr>
@@ -2737,7 +2429,7 @@
     </p:spTree>
     <p:extLst>
       <p:ext uri="{BB962C8B-B14F-4D97-AF65-F5344CB8AC3E}">
-        <p14:creationId xmlns:p14="http://schemas.microsoft.com/office/powerpoint/2010/main" val="2489067521"/>
+        <p14:creationId xmlns:p14="http://schemas.microsoft.com/office/powerpoint/2010/main" val="2009665990"/>
       </p:ext>
     </p:extLst>
   </p:cSld>
@@ -2771,13 +2463,7 @@
       </p:grpSpPr>
       <p:sp>
         <p:nvSpPr>
-          <p:cNvPr id="2" name="Segnaposto titolo 1">
-            <a:extLst>
-              <a:ext uri="{FF2B5EF4-FFF2-40B4-BE49-F238E27FC236}">
-                <a16:creationId xmlns:a16="http://schemas.microsoft.com/office/drawing/2014/main" id="{B75EF6F2-3BEA-8EDF-89C5-61ECFFD39849}"/>
-              </a:ext>
-            </a:extLst>
-          </p:cNvPr>
+          <p:cNvPr id="2" name="Title Placeholder 1"/>
           <p:cNvSpPr>
             <a:spLocks noGrp="1"/>
           </p:cNvSpPr>
@@ -2804,18 +2490,13 @@
               <a:rPr lang="it-IT"/>
               <a:t>Fare clic per modificare lo stile del titolo dello schema</a:t>
             </a:r>
-          </a:p>
-        </p:txBody>
-      </p:sp>
-      <p:sp>
-        <p:nvSpPr>
-          <p:cNvPr id="3" name="Segnaposto testo 2">
-            <a:extLst>
-              <a:ext uri="{FF2B5EF4-FFF2-40B4-BE49-F238E27FC236}">
-                <a16:creationId xmlns:a16="http://schemas.microsoft.com/office/drawing/2014/main" id="{939AF4F4-9F9E-351E-15BF-5C6E0C0B84A6}"/>
-              </a:ext>
-            </a:extLst>
-          </p:cNvPr>
+            <a:endParaRPr lang="en-US" dirty="0"/>
+          </a:p>
+        </p:txBody>
+      </p:sp>
+      <p:sp>
+        <p:nvSpPr>
+          <p:cNvPr id="3" name="Text Placeholder 2"/>
           <p:cNvSpPr>
             <a:spLocks noGrp="1"/>
           </p:cNvSpPr>
@@ -2871,18 +2552,13 @@
               <a:rPr lang="it-IT"/>
               <a:t>Quinto livello</a:t>
             </a:r>
-          </a:p>
-        </p:txBody>
-      </p:sp>
-      <p:sp>
-        <p:nvSpPr>
-          <p:cNvPr id="4" name="Segnaposto data 3">
-            <a:extLst>
-              <a:ext uri="{FF2B5EF4-FFF2-40B4-BE49-F238E27FC236}">
-                <a16:creationId xmlns:a16="http://schemas.microsoft.com/office/drawing/2014/main" id="{20DAB987-5195-A63B-EE98-C85FEFFED11E}"/>
-              </a:ext>
-            </a:extLst>
-          </p:cNvPr>
+            <a:endParaRPr lang="en-US" dirty="0"/>
+          </a:p>
+        </p:txBody>
+      </p:sp>
+      <p:sp>
+        <p:nvSpPr>
+          <p:cNvPr id="4" name="Date Placeholder 3"/>
           <p:cNvSpPr>
             <a:spLocks noGrp="1"/>
           </p:cNvSpPr>
@@ -2915,7 +2591,7 @@
           <a:p>
             <a:fld id="{1A270AA3-85FD-4336-B0B7-87033A430298}" type="datetimeFigureOut">
               <a:rPr lang="it-IT" smtClean="0"/>
-              <a:t>17/04/2023</a:t>
+              <a:t>18/04/2023</a:t>
             </a:fld>
             <a:endParaRPr lang="it-IT"/>
           </a:p>
@@ -2923,13 +2599,7 @@
       </p:sp>
       <p:sp>
         <p:nvSpPr>
-          <p:cNvPr id="5" name="Segnaposto piè di pagina 4">
-            <a:extLst>
-              <a:ext uri="{FF2B5EF4-FFF2-40B4-BE49-F238E27FC236}">
-                <a16:creationId xmlns:a16="http://schemas.microsoft.com/office/drawing/2014/main" id="{A4A81F4E-EC1A-379B-8F05-5CAAB9FC984E}"/>
-              </a:ext>
-            </a:extLst>
-          </p:cNvPr>
+          <p:cNvPr id="5" name="Footer Placeholder 4"/>
           <p:cNvSpPr>
             <a:spLocks noGrp="1"/>
           </p:cNvSpPr>
@@ -2966,13 +2636,7 @@
       </p:sp>
       <p:sp>
         <p:nvSpPr>
-          <p:cNvPr id="6" name="Segnaposto numero diapositiva 5">
-            <a:extLst>
-              <a:ext uri="{FF2B5EF4-FFF2-40B4-BE49-F238E27FC236}">
-                <a16:creationId xmlns:a16="http://schemas.microsoft.com/office/drawing/2014/main" id="{20AC542A-1493-875B-65DB-878F60089FC2}"/>
-              </a:ext>
-            </a:extLst>
-          </p:cNvPr>
+          <p:cNvPr id="6" name="Slide Number Placeholder 5"/>
           <p:cNvSpPr>
             <a:spLocks noGrp="1"/>
           </p:cNvSpPr>
@@ -3014,23 +2678,23 @@
     </p:spTree>
     <p:extLst>
       <p:ext uri="{BB962C8B-B14F-4D97-AF65-F5344CB8AC3E}">
-        <p14:creationId xmlns:p14="http://schemas.microsoft.com/office/powerpoint/2010/main" val="2606241361"/>
+        <p14:creationId xmlns:p14="http://schemas.microsoft.com/office/powerpoint/2010/main" val="2054013758"/>
       </p:ext>
     </p:extLst>
   </p:cSld>
   <p:clrMap bg1="lt1" tx1="dk1" bg2="lt2" tx2="dk2" accent1="accent1" accent2="accent2" accent3="accent3" accent4="accent4" accent5="accent5" accent6="accent6" hlink="hlink" folHlink="folHlink"/>
   <p:sldLayoutIdLst>
-    <p:sldLayoutId id="2147483649" r:id="rId1"/>
-    <p:sldLayoutId id="2147483650" r:id="rId2"/>
-    <p:sldLayoutId id="2147483651" r:id="rId3"/>
-    <p:sldLayoutId id="2147483652" r:id="rId4"/>
-    <p:sldLayoutId id="2147483653" r:id="rId5"/>
-    <p:sldLayoutId id="2147483654" r:id="rId6"/>
-    <p:sldLayoutId id="2147483655" r:id="rId7"/>
-    <p:sldLayoutId id="2147483656" r:id="rId8"/>
-    <p:sldLayoutId id="2147483657" r:id="rId9"/>
-    <p:sldLayoutId id="2147483658" r:id="rId10"/>
-    <p:sldLayoutId id="2147483659" r:id="rId11"/>
+    <p:sldLayoutId id="2147483697" r:id="rId1"/>
+    <p:sldLayoutId id="2147483698" r:id="rId2"/>
+    <p:sldLayoutId id="2147483699" r:id="rId3"/>
+    <p:sldLayoutId id="2147483700" r:id="rId4"/>
+    <p:sldLayoutId id="2147483701" r:id="rId5"/>
+    <p:sldLayoutId id="2147483702" r:id="rId6"/>
+    <p:sldLayoutId id="2147483703" r:id="rId7"/>
+    <p:sldLayoutId id="2147483704" r:id="rId8"/>
+    <p:sldLayoutId id="2147483705" r:id="rId9"/>
+    <p:sldLayoutId id="2147483706" r:id="rId10"/>
+    <p:sldLayoutId id="2147483707" r:id="rId11"/>
   </p:sldLayoutIdLst>
   <p:txStyles>
     <p:titleStyle>
@@ -3218,7 +2882,7 @@
     </p:bodyStyle>
     <p:otherStyle>
       <a:defPPr>
-        <a:defRPr lang="it-IT"/>
+        <a:defRPr lang="en-US"/>
       </a:defPPr>
       <a:lvl1pPr marL="0" algn="l" defTabSz="914400" rtl="0" eaLnBrk="1" latinLnBrk="0" hangingPunct="1">
         <a:defRPr sz="1800" kern="1200">
@@ -3523,6 +3187,14 @@
 <file path=ppt/slides/slide11.xml><?xml version="1.0" encoding="utf-8"?>
 <p:sld xmlns:a="http://schemas.openxmlformats.org/drawingml/2006/main" xmlns:r="http://schemas.openxmlformats.org/officeDocument/2006/relationships" xmlns:p="http://schemas.openxmlformats.org/presentationml/2006/main">
   <p:cSld>
+    <p:bg>
+      <p:bgPr>
+        <a:solidFill>
+          <a:schemeClr val="bg1"/>
+        </a:solidFill>
+        <a:effectLst/>
+      </p:bgPr>
+    </p:bg>
     <p:spTree>
       <p:nvGrpSpPr>
         <p:cNvPr id="1" name=""/>
@@ -3553,43 +3225,668 @@
             <p:ph type="title"/>
           </p:nvPr>
         </p:nvSpPr>
-        <p:spPr/>
-        <p:txBody>
-          <a:bodyPr/>
-          <a:lstStyle/>
-          <a:p>
+        <p:spPr>
+          <a:xfrm>
+            <a:off x="2791441" y="5185853"/>
+            <a:ext cx="1483743" cy="624010"/>
+          </a:xfrm>
+          <a:noFill/>
+        </p:spPr>
+        <p:txBody>
+          <a:bodyPr vert="horz" lIns="91440" tIns="45720" rIns="91440" bIns="45720" rtlCol="0" anchor="ctr">
+            <a:normAutofit/>
+          </a:bodyPr>
+          <a:lstStyle/>
+          <a:p>
+            <a:pPr algn="ctr"/>
+            <a:endParaRPr lang="en-US" sz="3600" kern="1200" dirty="0">
+              <a:solidFill>
+                <a:srgbClr val="FFFFFF"/>
+              </a:solidFill>
+              <a:latin typeface="+mj-lt"/>
+              <a:ea typeface="+mj-ea"/>
+              <a:cs typeface="+mj-cs"/>
+            </a:endParaRPr>
+          </a:p>
+        </p:txBody>
+      </p:sp>
+      <p:pic>
+        <p:nvPicPr>
+          <p:cNvPr id="55" name="Immagine 54" descr="Immagine che contiene testo&#10;&#10;Descrizione generata automaticamente">
+            <a:extLst>
+              <a:ext uri="{FF2B5EF4-FFF2-40B4-BE49-F238E27FC236}">
+                <a16:creationId xmlns:a16="http://schemas.microsoft.com/office/drawing/2014/main" id="{19EB1030-11EA-1CE7-0599-14FD9F4116CC}"/>
+              </a:ext>
+            </a:extLst>
+          </p:cNvPr>
+          <p:cNvPicPr>
+            <a:picLocks noChangeAspect="1"/>
+          </p:cNvPicPr>
+          <p:nvPr/>
+        </p:nvPicPr>
+        <p:blipFill>
+          <a:blip r:embed="rId2">
+            <a:extLst>
+              <a:ext uri="{28A0092B-C50C-407E-A947-70E740481C1C}">
+                <a14:useLocalDpi xmlns:a14="http://schemas.microsoft.com/office/drawing/2010/main" val="0"/>
+              </a:ext>
+            </a:extLst>
+          </a:blip>
+          <a:stretch>
+            <a:fillRect/>
+          </a:stretch>
+        </p:blipFill>
+        <p:spPr>
+          <a:xfrm rot="5400000">
+            <a:off x="-333632" y="2512426"/>
+            <a:ext cx="4870412" cy="3716382"/>
+          </a:xfrm>
+          <a:prstGeom prst="rect">
+            <a:avLst/>
+          </a:prstGeom>
+        </p:spPr>
+      </p:pic>
+      <p:sp>
+        <p:nvSpPr>
+          <p:cNvPr id="50" name="Freccia a pentagono 49">
+            <a:extLst>
+              <a:ext uri="{FF2B5EF4-FFF2-40B4-BE49-F238E27FC236}">
+                <a16:creationId xmlns:a16="http://schemas.microsoft.com/office/drawing/2014/main" id="{242B7F2F-CD65-9BFE-6CA3-0527428DE06E}"/>
+              </a:ext>
+            </a:extLst>
+          </p:cNvPr>
+          <p:cNvSpPr/>
+          <p:nvPr/>
+        </p:nvSpPr>
+        <p:spPr>
+          <a:xfrm>
+            <a:off x="412060" y="52177"/>
+            <a:ext cx="3121253" cy="1915089"/>
+          </a:xfrm>
+          <a:prstGeom prst="homePlate">
+            <a:avLst/>
+          </a:prstGeom>
+        </p:spPr>
+        <p:style>
+          <a:lnRef idx="2">
+            <a:schemeClr val="accent3">
+              <a:shade val="50000"/>
+            </a:schemeClr>
+          </a:lnRef>
+          <a:fillRef idx="1">
+            <a:schemeClr val="accent3"/>
+          </a:fillRef>
+          <a:effectRef idx="0">
+            <a:schemeClr val="accent3"/>
+          </a:effectRef>
+          <a:fontRef idx="minor">
+            <a:schemeClr val="lt1"/>
+          </a:fontRef>
+        </p:style>
+        <p:txBody>
+          <a:bodyPr rtlCol="0" anchor="ctr"/>
+          <a:lstStyle/>
+          <a:p>
+            <a:pPr algn="ctr"/>
+            <a:endParaRPr lang="en-US" dirty="0"/>
+          </a:p>
+        </p:txBody>
+      </p:sp>
+      <p:sp>
+        <p:nvSpPr>
+          <p:cNvPr id="29" name="Rettangolo 28">
+            <a:extLst>
+              <a:ext uri="{FF2B5EF4-FFF2-40B4-BE49-F238E27FC236}">
+                <a16:creationId xmlns:a16="http://schemas.microsoft.com/office/drawing/2014/main" id="{E2FFAD3C-07E3-58C6-AAE5-FFEBEA7E115F}"/>
+              </a:ext>
+            </a:extLst>
+          </p:cNvPr>
+          <p:cNvSpPr/>
+          <p:nvPr/>
+        </p:nvSpPr>
+        <p:spPr>
+          <a:xfrm>
+            <a:off x="4275184" y="0"/>
+            <a:ext cx="7916816" cy="3429000"/>
+          </a:xfrm>
+          <a:prstGeom prst="rect">
+            <a:avLst/>
+          </a:prstGeom>
+        </p:spPr>
+        <p:style>
+          <a:lnRef idx="2">
+            <a:schemeClr val="accent1">
+              <a:shade val="50000"/>
+            </a:schemeClr>
+          </a:lnRef>
+          <a:fillRef idx="1">
+            <a:schemeClr val="accent1"/>
+          </a:fillRef>
+          <a:effectRef idx="0">
+            <a:schemeClr val="accent1"/>
+          </a:effectRef>
+          <a:fontRef idx="minor">
+            <a:schemeClr val="lt1"/>
+          </a:fontRef>
+        </p:style>
+        <p:txBody>
+          <a:bodyPr rtlCol="0" anchor="ctr"/>
+          <a:lstStyle/>
+          <a:p>
+            <a:pPr algn="ctr"/>
+            <a:endParaRPr lang="en-US" dirty="0">
+              <a:ln w="0"/>
+              <a:solidFill>
+                <a:schemeClr val="tx1"/>
+              </a:solidFill>
+              <a:effectLst>
+                <a:outerShdw blurRad="38100" dist="19050" dir="2700000" algn="tl" rotWithShape="0">
+                  <a:schemeClr val="dk1">
+                    <a:alpha val="40000"/>
+                  </a:schemeClr>
+                </a:outerShdw>
+              </a:effectLst>
+            </a:endParaRPr>
+          </a:p>
+        </p:txBody>
+      </p:sp>
+      <p:sp>
+        <p:nvSpPr>
+          <p:cNvPr id="51" name="CasellaDiTesto 50">
+            <a:extLst>
+              <a:ext uri="{FF2B5EF4-FFF2-40B4-BE49-F238E27FC236}">
+                <a16:creationId xmlns:a16="http://schemas.microsoft.com/office/drawing/2014/main" id="{2F1B6880-124C-F0B4-6214-08CC90BDB112}"/>
+              </a:ext>
+            </a:extLst>
+          </p:cNvPr>
+          <p:cNvSpPr txBox="1"/>
+          <p:nvPr/>
+        </p:nvSpPr>
+        <p:spPr>
+          <a:xfrm>
+            <a:off x="696024" y="762487"/>
+            <a:ext cx="2091609" cy="523220"/>
+          </a:xfrm>
+          <a:prstGeom prst="rect">
+            <a:avLst/>
+          </a:prstGeom>
+          <a:noFill/>
+        </p:spPr>
+        <p:txBody>
+          <a:bodyPr wrap="square" rtlCol="0">
+            <a:spAutoFit/>
+          </a:bodyPr>
+          <a:lstStyle/>
+          <a:p>
+            <a:r>
+              <a:rPr lang="it-IT" sz="2800" dirty="0"/>
+              <a:t>Autoencoder</a:t>
+            </a:r>
+            <a:endParaRPr lang="en-US" sz="2800" dirty="0"/>
+          </a:p>
+        </p:txBody>
+      </p:sp>
+      <p:sp>
+        <p:nvSpPr>
+          <p:cNvPr id="31" name="Rettangolo 30">
+            <a:extLst>
+              <a:ext uri="{FF2B5EF4-FFF2-40B4-BE49-F238E27FC236}">
+                <a16:creationId xmlns:a16="http://schemas.microsoft.com/office/drawing/2014/main" id="{37B9362A-CD26-7C04-A44C-7748284AB883}"/>
+              </a:ext>
+            </a:extLst>
+          </p:cNvPr>
+          <p:cNvSpPr/>
+          <p:nvPr/>
+        </p:nvSpPr>
+        <p:spPr>
+          <a:xfrm>
+            <a:off x="4266306" y="3429000"/>
+            <a:ext cx="7930857" cy="3429001"/>
+          </a:xfrm>
+          <a:prstGeom prst="rect">
+            <a:avLst/>
+          </a:prstGeom>
+        </p:spPr>
+        <p:style>
+          <a:lnRef idx="2">
+            <a:schemeClr val="accent2">
+              <a:shade val="50000"/>
+            </a:schemeClr>
+          </a:lnRef>
+          <a:fillRef idx="1">
+            <a:schemeClr val="accent2"/>
+          </a:fillRef>
+          <a:effectRef idx="0">
+            <a:schemeClr val="accent2"/>
+          </a:effectRef>
+          <a:fontRef idx="minor">
+            <a:schemeClr val="lt1"/>
+          </a:fontRef>
+        </p:style>
+        <p:txBody>
+          <a:bodyPr rtlCol="0" anchor="ctr"/>
+          <a:lstStyle/>
+          <a:p>
+            <a:pPr algn="ctr"/>
+            <a:endParaRPr lang="en-US"/>
+          </a:p>
+        </p:txBody>
+      </p:sp>
+      <p:pic>
+        <p:nvPicPr>
+          <p:cNvPr id="66" name="Immagine 65" descr="Immagine che contiene diagramma&#10;&#10;Descrizione generata automaticamente">
+            <a:extLst>
+              <a:ext uri="{FF2B5EF4-FFF2-40B4-BE49-F238E27FC236}">
+                <a16:creationId xmlns:a16="http://schemas.microsoft.com/office/drawing/2014/main" id="{34993745-140E-0F46-3D23-3689FEF6804E}"/>
+              </a:ext>
+            </a:extLst>
+          </p:cNvPr>
+          <p:cNvPicPr>
+            <a:picLocks noChangeAspect="1"/>
+          </p:cNvPicPr>
+          <p:nvPr/>
+        </p:nvPicPr>
+        <p:blipFill>
+          <a:blip r:embed="rId3">
+            <a:extLst>
+              <a:ext uri="{28A0092B-C50C-407E-A947-70E740481C1C}">
+                <a14:useLocalDpi xmlns:a14="http://schemas.microsoft.com/office/drawing/2010/main" val="0"/>
+              </a:ext>
+            </a:extLst>
+          </a:blip>
+          <a:stretch>
+            <a:fillRect/>
+          </a:stretch>
+        </p:blipFill>
+        <p:spPr>
+          <a:xfrm>
+            <a:off x="4346606" y="1024097"/>
+            <a:ext cx="3090212" cy="2342116"/>
+          </a:xfrm>
+          <a:prstGeom prst="rect">
+            <a:avLst/>
+          </a:prstGeom>
+        </p:spPr>
+      </p:pic>
+      <p:pic>
+        <p:nvPicPr>
+          <p:cNvPr id="67" name="Immagine 66">
+            <a:extLst>
+              <a:ext uri="{FF2B5EF4-FFF2-40B4-BE49-F238E27FC236}">
+                <a16:creationId xmlns:a16="http://schemas.microsoft.com/office/drawing/2014/main" id="{6C5C92B8-A856-F936-07FA-C4EE97CE0B5A}"/>
+              </a:ext>
+            </a:extLst>
+          </p:cNvPr>
+          <p:cNvPicPr>
+            <a:picLocks noChangeAspect="1"/>
+          </p:cNvPicPr>
+          <p:nvPr/>
+        </p:nvPicPr>
+        <p:blipFill>
+          <a:blip r:embed="rId4">
+            <a:extLst>
+              <a:ext uri="{28A0092B-C50C-407E-A947-70E740481C1C}">
+                <a14:useLocalDpi xmlns:a14="http://schemas.microsoft.com/office/drawing/2010/main" val="0"/>
+              </a:ext>
+            </a:extLst>
+          </a:blip>
+          <a:srcRect/>
+          <a:stretch/>
+        </p:blipFill>
+        <p:spPr>
+          <a:xfrm>
+            <a:off x="9035402" y="118272"/>
+            <a:ext cx="3090212" cy="2334869"/>
+          </a:xfrm>
+          <a:prstGeom prst="rect">
+            <a:avLst/>
+          </a:prstGeom>
+        </p:spPr>
+      </p:pic>
+      <p:cxnSp>
+        <p:nvCxnSpPr>
+          <p:cNvPr id="69" name="Connettore curvo 68">
+            <a:extLst>
+              <a:ext uri="{FF2B5EF4-FFF2-40B4-BE49-F238E27FC236}">
+                <a16:creationId xmlns:a16="http://schemas.microsoft.com/office/drawing/2014/main" id="{38175ADA-197E-8572-53F1-447A991D63EE}"/>
+              </a:ext>
+            </a:extLst>
+          </p:cNvPr>
+          <p:cNvCxnSpPr>
+            <a:cxnSpLocks/>
+            <a:stCxn id="66" idx="3"/>
+            <a:endCxn id="67" idx="1"/>
+          </p:cNvCxnSpPr>
+          <p:nvPr/>
+        </p:nvCxnSpPr>
+        <p:spPr>
+          <a:xfrm flipV="1">
+            <a:off x="7436818" y="1285707"/>
+            <a:ext cx="1598584" cy="909448"/>
+          </a:xfrm>
+          <a:prstGeom prst="curvedConnector3">
+            <a:avLst/>
+          </a:prstGeom>
+          <a:ln>
+            <a:tailEnd type="triangle"/>
+          </a:ln>
+        </p:spPr>
+        <p:style>
+          <a:lnRef idx="3">
+            <a:schemeClr val="accent2"/>
+          </a:lnRef>
+          <a:fillRef idx="0">
+            <a:schemeClr val="accent2"/>
+          </a:fillRef>
+          <a:effectRef idx="2">
+            <a:schemeClr val="accent2"/>
+          </a:effectRef>
+          <a:fontRef idx="minor">
+            <a:schemeClr val="tx1"/>
+          </a:fontRef>
+        </p:style>
+      </p:cxnSp>
+      <p:sp>
+        <p:nvSpPr>
+          <p:cNvPr id="72" name="CasellaDiTesto 71">
+            <a:extLst>
+              <a:ext uri="{FF2B5EF4-FFF2-40B4-BE49-F238E27FC236}">
+                <a16:creationId xmlns:a16="http://schemas.microsoft.com/office/drawing/2014/main" id="{C35B82CC-354C-6298-5775-97F026C57E07}"/>
+              </a:ext>
+            </a:extLst>
+          </p:cNvPr>
+          <p:cNvSpPr txBox="1"/>
+          <p:nvPr/>
+        </p:nvSpPr>
+        <p:spPr>
+          <a:xfrm>
+            <a:off x="4589754" y="176342"/>
+            <a:ext cx="2166153" cy="461665"/>
+          </a:xfrm>
+          <a:prstGeom prst="rect">
+            <a:avLst/>
+          </a:prstGeom>
+          <a:noFill/>
+        </p:spPr>
+        <p:txBody>
+          <a:bodyPr wrap="square" rtlCol="0">
+            <a:spAutoFit/>
+          </a:bodyPr>
+          <a:lstStyle/>
+          <a:p>
+            <a:r>
+              <a:rPr lang="it-IT" sz="2400" dirty="0"/>
+              <a:t>Data processing</a:t>
+            </a:r>
+            <a:endParaRPr lang="en-US" sz="2400" dirty="0"/>
+          </a:p>
+        </p:txBody>
+      </p:sp>
+      <p:sp>
+        <p:nvSpPr>
+          <p:cNvPr id="73" name="CasellaDiTesto 72">
+            <a:extLst>
+              <a:ext uri="{FF2B5EF4-FFF2-40B4-BE49-F238E27FC236}">
+                <a16:creationId xmlns:a16="http://schemas.microsoft.com/office/drawing/2014/main" id="{8208200B-8358-4BAC-4412-1C50091274A4}"/>
+              </a:ext>
+            </a:extLst>
+          </p:cNvPr>
+          <p:cNvSpPr txBox="1"/>
+          <p:nvPr/>
+        </p:nvSpPr>
+        <p:spPr>
+          <a:xfrm>
+            <a:off x="7666645" y="2606792"/>
+            <a:ext cx="2755739" cy="646331"/>
+          </a:xfrm>
+          <a:prstGeom prst="rect">
+            <a:avLst/>
+          </a:prstGeom>
+          <a:noFill/>
+        </p:spPr>
+        <p:txBody>
+          <a:bodyPr wrap="square" rtlCol="0">
+            <a:spAutoFit/>
+          </a:bodyPr>
+          <a:lstStyle/>
+          <a:p>
+            <a:r>
+              <a:rPr lang="it-IT" dirty="0"/>
+              <a:t>We </a:t>
+            </a:r>
             <a:r>
               <a:rPr lang="it-IT" dirty="0" err="1"/>
-              <a:t>Autoencoder</a:t>
-            </a:r>
-            <a:endParaRPr lang="it-IT" dirty="0"/>
-          </a:p>
-        </p:txBody>
-      </p:sp>
-      <p:sp>
-        <p:nvSpPr>
-          <p:cNvPr id="3" name="Segnaposto contenuto 2">
+              <a:t>stabilize</a:t>
+            </a:r>
+            <a:r>
+              <a:rPr lang="it-IT" dirty="0"/>
+              <a:t> the data and </a:t>
+            </a:r>
+            <a:r>
+              <a:rPr lang="it-IT" dirty="0" err="1"/>
+              <a:t>then</a:t>
+            </a:r>
+            <a:r>
+              <a:rPr lang="it-IT" dirty="0"/>
+              <a:t> </a:t>
+            </a:r>
+            <a:r>
+              <a:rPr lang="it-IT" dirty="0" err="1"/>
+              <a:t>apply</a:t>
+            </a:r>
+            <a:r>
+              <a:rPr lang="it-IT" dirty="0"/>
+              <a:t> z-scoring</a:t>
+            </a:r>
+            <a:endParaRPr lang="en-US" dirty="0"/>
+          </a:p>
+        </p:txBody>
+      </p:sp>
+      <p:pic>
+        <p:nvPicPr>
+          <p:cNvPr id="78" name="Immagine 77">
             <a:extLst>
               <a:ext uri="{FF2B5EF4-FFF2-40B4-BE49-F238E27FC236}">
-                <a16:creationId xmlns:a16="http://schemas.microsoft.com/office/drawing/2014/main" id="{F25DE4E4-12F8-E4B2-597B-24FF547497C9}"/>
+                <a16:creationId xmlns:a16="http://schemas.microsoft.com/office/drawing/2014/main" id="{3A0A0132-A69B-80F3-2C26-6D809107366C}"/>
               </a:ext>
             </a:extLst>
           </p:cNvPr>
-          <p:cNvSpPr>
-            <a:spLocks noGrp="1"/>
-          </p:cNvSpPr>
-          <p:nvPr>
-            <p:ph idx="1"/>
-          </p:nvPr>
-        </p:nvSpPr>
-        <p:spPr/>
-        <p:txBody>
-          <a:bodyPr/>
+          <p:cNvPicPr>
+            <a:picLocks noChangeAspect="1"/>
+          </p:cNvPicPr>
+          <p:nvPr/>
+        </p:nvPicPr>
+        <p:blipFill>
+          <a:blip r:embed="rId5">
+            <a:extLst>
+              <a:ext uri="{28A0092B-C50C-407E-A947-70E740481C1C}">
+                <a14:useLocalDpi xmlns:a14="http://schemas.microsoft.com/office/drawing/2010/main" val="0"/>
+              </a:ext>
+            </a:extLst>
+          </a:blip>
+          <a:srcRect/>
+          <a:stretch/>
+        </p:blipFill>
+        <p:spPr>
+          <a:xfrm>
+            <a:off x="4372284" y="3491787"/>
+            <a:ext cx="3038855" cy="2342116"/>
+          </a:xfrm>
+          <a:prstGeom prst="rect">
+            <a:avLst/>
+          </a:prstGeom>
+        </p:spPr>
+      </p:pic>
+      <p:pic>
+        <p:nvPicPr>
+          <p:cNvPr id="79" name="Immagine 78">
+            <a:extLst>
+              <a:ext uri="{FF2B5EF4-FFF2-40B4-BE49-F238E27FC236}">
+                <a16:creationId xmlns:a16="http://schemas.microsoft.com/office/drawing/2014/main" id="{3F8CC613-0E9E-95F5-E770-40305408B1D4}"/>
+              </a:ext>
+            </a:extLst>
+          </p:cNvPr>
+          <p:cNvPicPr>
+            <a:picLocks noChangeAspect="1"/>
+          </p:cNvPicPr>
+          <p:nvPr/>
+        </p:nvPicPr>
+        <p:blipFill>
+          <a:blip r:embed="rId6">
+            <a:extLst>
+              <a:ext uri="{28A0092B-C50C-407E-A947-70E740481C1C}">
+                <a14:useLocalDpi xmlns:a14="http://schemas.microsoft.com/office/drawing/2010/main" val="0"/>
+              </a:ext>
+            </a:extLst>
+          </a:blip>
+          <a:srcRect/>
+          <a:stretch/>
+        </p:blipFill>
+        <p:spPr>
+          <a:xfrm>
+            <a:off x="9146868" y="4405976"/>
+            <a:ext cx="2918636" cy="2342116"/>
+          </a:xfrm>
+          <a:prstGeom prst="rect">
+            <a:avLst/>
+          </a:prstGeom>
+        </p:spPr>
+      </p:pic>
+      <p:sp>
+        <p:nvSpPr>
+          <p:cNvPr id="80" name="CasellaDiTesto 79">
+            <a:extLst>
+              <a:ext uri="{FF2B5EF4-FFF2-40B4-BE49-F238E27FC236}">
+                <a16:creationId xmlns:a16="http://schemas.microsoft.com/office/drawing/2014/main" id="{A606782E-F70C-F09A-791D-D5578EE6BE4D}"/>
+              </a:ext>
+            </a:extLst>
+          </p:cNvPr>
+          <p:cNvSpPr txBox="1"/>
+          <p:nvPr/>
+        </p:nvSpPr>
+        <p:spPr>
+          <a:xfrm>
+            <a:off x="4589754" y="6107836"/>
+            <a:ext cx="2918636" cy="461665"/>
+          </a:xfrm>
+          <a:prstGeom prst="rect">
+            <a:avLst/>
+          </a:prstGeom>
+          <a:noFill/>
+        </p:spPr>
+        <p:txBody>
+          <a:bodyPr wrap="square" rtlCol="0">
+            <a:spAutoFit/>
+          </a:bodyPr>
+          <a:lstStyle/>
+          <a:p>
+            <a:r>
+              <a:rPr lang="it-IT" sz="2400" dirty="0"/>
+              <a:t>Best Learning rate</a:t>
+            </a:r>
+            <a:endParaRPr lang="en-US" sz="2400" dirty="0"/>
+          </a:p>
+        </p:txBody>
+      </p:sp>
+      <p:sp>
+        <p:nvSpPr>
+          <p:cNvPr id="81" name="Fascicolazione 80">
+            <a:extLst>
+              <a:ext uri="{FF2B5EF4-FFF2-40B4-BE49-F238E27FC236}">
+                <a16:creationId xmlns:a16="http://schemas.microsoft.com/office/drawing/2014/main" id="{509FDD7E-1C71-9D13-E6BF-3E21FD476055}"/>
+              </a:ext>
+            </a:extLst>
+          </p:cNvPr>
+          <p:cNvSpPr/>
+          <p:nvPr/>
+        </p:nvSpPr>
+        <p:spPr>
+          <a:xfrm rot="16200000">
+            <a:off x="7810258" y="4422345"/>
+            <a:ext cx="923277" cy="1527012"/>
+          </a:xfrm>
+          <a:prstGeom prst="flowChartCollate">
+            <a:avLst/>
+          </a:prstGeom>
+        </p:spPr>
+        <p:style>
+          <a:lnRef idx="2">
+            <a:schemeClr val="accent1">
+              <a:shade val="50000"/>
+            </a:schemeClr>
+          </a:lnRef>
+          <a:fillRef idx="1">
+            <a:schemeClr val="accent1"/>
+          </a:fillRef>
+          <a:effectRef idx="0">
+            <a:schemeClr val="accent1"/>
+          </a:effectRef>
+          <a:fontRef idx="minor">
+            <a:schemeClr val="lt1"/>
+          </a:fontRef>
+        </p:style>
+        <p:txBody>
+          <a:bodyPr rtlCol="0" anchor="ctr"/>
+          <a:lstStyle/>
+          <a:p>
+            <a:pPr algn="ctr"/>
+            <a:endParaRPr lang="en-US">
+              <a:solidFill>
+                <a:schemeClr val="tx1"/>
+              </a:solidFill>
+            </a:endParaRPr>
+          </a:p>
+        </p:txBody>
+      </p:sp>
+      <p:sp>
+        <p:nvSpPr>
+          <p:cNvPr id="82" name="CasellaDiTesto 81">
+            <a:extLst>
+              <a:ext uri="{FF2B5EF4-FFF2-40B4-BE49-F238E27FC236}">
+                <a16:creationId xmlns:a16="http://schemas.microsoft.com/office/drawing/2014/main" id="{D83C482D-DA5F-2BCE-A617-277D1D04AF53}"/>
+              </a:ext>
+            </a:extLst>
+          </p:cNvPr>
+          <p:cNvSpPr txBox="1"/>
+          <p:nvPr/>
+        </p:nvSpPr>
+        <p:spPr>
+          <a:xfrm>
+            <a:off x="7517117" y="3476441"/>
+            <a:ext cx="4206181" cy="923330"/>
+          </a:xfrm>
+          <a:prstGeom prst="rect">
+            <a:avLst/>
+          </a:prstGeom>
+          <a:noFill/>
+        </p:spPr>
+        <p:txBody>
+          <a:bodyPr wrap="square" rtlCol="0">
+            <a:spAutoFit/>
+          </a:bodyPr>
           <a:lstStyle/>
           <a:p>
             <a:r>
               <a:rPr lang="it-IT" dirty="0"/>
-              <a:t>Jacopo spiega in un paio di slides e fornisci grafici utili</a:t>
+              <a:t>We </a:t>
+            </a:r>
+            <a:r>
+              <a:rPr lang="it-IT" dirty="0" err="1"/>
+              <a:t>tested</a:t>
+            </a:r>
+            <a:r>
+              <a:rPr lang="it-IT" dirty="0"/>
+              <a:t> 100 LR</a:t>
+            </a:r>
+            <a:r>
+              <a:rPr lang="en-US" dirty="0"/>
+              <a:t>’s and select the one with the lowest validation loss</a:t>
+            </a:r>
+          </a:p>
+          <a:p>
+            <a:r>
+              <a:rPr lang="en-US" dirty="0"/>
+              <a:t>Best learning rate: 0.0012</a:t>
             </a:r>
           </a:p>
         </p:txBody>
@@ -3608,6 +3905,603 @@
 </file>
 
 <file path=ppt/slides/slide12.xml><?xml version="1.0" encoding="utf-8"?>
+<p:sld xmlns:a="http://schemas.openxmlformats.org/drawingml/2006/main" xmlns:r="http://schemas.openxmlformats.org/officeDocument/2006/relationships" xmlns:p="http://schemas.openxmlformats.org/presentationml/2006/main">
+  <p:cSld>
+    <p:bg>
+      <p:bgPr>
+        <a:solidFill>
+          <a:schemeClr val="bg1"/>
+        </a:solidFill>
+        <a:effectLst/>
+      </p:bgPr>
+    </p:bg>
+    <p:spTree>
+      <p:nvGrpSpPr>
+        <p:cNvPr id="1" name=""/>
+        <p:cNvGrpSpPr/>
+        <p:nvPr/>
+      </p:nvGrpSpPr>
+      <p:grpSpPr>
+        <a:xfrm>
+          <a:off x="0" y="0"/>
+          <a:ext cx="0" cy="0"/>
+          <a:chOff x="0" y="0"/>
+          <a:chExt cx="0" cy="0"/>
+        </a:xfrm>
+      </p:grpSpPr>
+      <p:sp>
+        <p:nvSpPr>
+          <p:cNvPr id="2" name="Titolo 1">
+            <a:extLst>
+              <a:ext uri="{FF2B5EF4-FFF2-40B4-BE49-F238E27FC236}">
+                <a16:creationId xmlns:a16="http://schemas.microsoft.com/office/drawing/2014/main" id="{7610D10B-29F2-CDE5-607B-085C33629175}"/>
+              </a:ext>
+            </a:extLst>
+          </p:cNvPr>
+          <p:cNvSpPr>
+            <a:spLocks noGrp="1"/>
+          </p:cNvSpPr>
+          <p:nvPr>
+            <p:ph type="title"/>
+          </p:nvPr>
+        </p:nvSpPr>
+        <p:spPr>
+          <a:xfrm>
+            <a:off x="4712591" y="5145946"/>
+            <a:ext cx="1483743" cy="624010"/>
+          </a:xfrm>
+          <a:noFill/>
+        </p:spPr>
+        <p:txBody>
+          <a:bodyPr vert="horz" lIns="91440" tIns="45720" rIns="91440" bIns="45720" rtlCol="0" anchor="ctr">
+            <a:normAutofit/>
+          </a:bodyPr>
+          <a:lstStyle/>
+          <a:p>
+            <a:pPr algn="ctr"/>
+            <a:endParaRPr lang="en-US" sz="3600" kern="1200" dirty="0">
+              <a:solidFill>
+                <a:srgbClr val="FFFFFF"/>
+              </a:solidFill>
+              <a:latin typeface="+mj-lt"/>
+              <a:ea typeface="+mj-ea"/>
+              <a:cs typeface="+mj-cs"/>
+            </a:endParaRPr>
+          </a:p>
+        </p:txBody>
+      </p:sp>
+      <p:sp>
+        <p:nvSpPr>
+          <p:cNvPr id="50" name="Freccia a pentagono 49">
+            <a:extLst>
+              <a:ext uri="{FF2B5EF4-FFF2-40B4-BE49-F238E27FC236}">
+                <a16:creationId xmlns:a16="http://schemas.microsoft.com/office/drawing/2014/main" id="{242B7F2F-CD65-9BFE-6CA3-0527428DE06E}"/>
+              </a:ext>
+            </a:extLst>
+          </p:cNvPr>
+          <p:cNvSpPr/>
+          <p:nvPr/>
+        </p:nvSpPr>
+        <p:spPr>
+          <a:xfrm>
+            <a:off x="412060" y="52177"/>
+            <a:ext cx="3121253" cy="1915089"/>
+          </a:xfrm>
+          <a:prstGeom prst="homePlate">
+            <a:avLst/>
+          </a:prstGeom>
+          <a:solidFill>
+            <a:schemeClr val="accent3"/>
+          </a:solidFill>
+        </p:spPr>
+        <p:style>
+          <a:lnRef idx="2">
+            <a:schemeClr val="accent3">
+              <a:shade val="50000"/>
+            </a:schemeClr>
+          </a:lnRef>
+          <a:fillRef idx="1">
+            <a:schemeClr val="accent3"/>
+          </a:fillRef>
+          <a:effectRef idx="0">
+            <a:schemeClr val="accent3"/>
+          </a:effectRef>
+          <a:fontRef idx="minor">
+            <a:schemeClr val="lt1"/>
+          </a:fontRef>
+        </p:style>
+        <p:txBody>
+          <a:bodyPr rtlCol="0" anchor="ctr"/>
+          <a:lstStyle/>
+          <a:p>
+            <a:pPr algn="ctr"/>
+            <a:endParaRPr lang="en-US" dirty="0"/>
+          </a:p>
+        </p:txBody>
+      </p:sp>
+      <p:sp>
+        <p:nvSpPr>
+          <p:cNvPr id="29" name="Rettangolo 28">
+            <a:extLst>
+              <a:ext uri="{FF2B5EF4-FFF2-40B4-BE49-F238E27FC236}">
+                <a16:creationId xmlns:a16="http://schemas.microsoft.com/office/drawing/2014/main" id="{E2FFAD3C-07E3-58C6-AAE5-FFEBEA7E115F}"/>
+              </a:ext>
+            </a:extLst>
+          </p:cNvPr>
+          <p:cNvSpPr/>
+          <p:nvPr/>
+        </p:nvSpPr>
+        <p:spPr>
+          <a:xfrm>
+            <a:off x="4275184" y="0"/>
+            <a:ext cx="7916816" cy="3429000"/>
+          </a:xfrm>
+          <a:prstGeom prst="rect">
+            <a:avLst/>
+          </a:prstGeom>
+          <a:solidFill>
+            <a:schemeClr val="accent6"/>
+          </a:solidFill>
+        </p:spPr>
+        <p:style>
+          <a:lnRef idx="2">
+            <a:schemeClr val="accent1">
+              <a:shade val="50000"/>
+            </a:schemeClr>
+          </a:lnRef>
+          <a:fillRef idx="1">
+            <a:schemeClr val="accent1"/>
+          </a:fillRef>
+          <a:effectRef idx="0">
+            <a:schemeClr val="accent1"/>
+          </a:effectRef>
+          <a:fontRef idx="minor">
+            <a:schemeClr val="lt1"/>
+          </a:fontRef>
+        </p:style>
+        <p:txBody>
+          <a:bodyPr rtlCol="0" anchor="ctr"/>
+          <a:lstStyle/>
+          <a:p>
+            <a:pPr algn="ctr"/>
+            <a:endParaRPr lang="en-US" dirty="0">
+              <a:ln w="0"/>
+              <a:solidFill>
+                <a:schemeClr val="tx1"/>
+              </a:solidFill>
+              <a:effectLst>
+                <a:outerShdw blurRad="38100" dist="19050" dir="2700000" algn="tl" rotWithShape="0">
+                  <a:schemeClr val="dk1">
+                    <a:alpha val="40000"/>
+                  </a:schemeClr>
+                </a:outerShdw>
+              </a:effectLst>
+            </a:endParaRPr>
+          </a:p>
+        </p:txBody>
+      </p:sp>
+      <p:sp>
+        <p:nvSpPr>
+          <p:cNvPr id="51" name="CasellaDiTesto 50">
+            <a:extLst>
+              <a:ext uri="{FF2B5EF4-FFF2-40B4-BE49-F238E27FC236}">
+                <a16:creationId xmlns:a16="http://schemas.microsoft.com/office/drawing/2014/main" id="{2F1B6880-124C-F0B4-6214-08CC90BDB112}"/>
+              </a:ext>
+            </a:extLst>
+          </p:cNvPr>
+          <p:cNvSpPr txBox="1"/>
+          <p:nvPr/>
+        </p:nvSpPr>
+        <p:spPr>
+          <a:xfrm>
+            <a:off x="638469" y="516740"/>
+            <a:ext cx="2091609" cy="954107"/>
+          </a:xfrm>
+          <a:prstGeom prst="rect">
+            <a:avLst/>
+          </a:prstGeom>
+          <a:noFill/>
+        </p:spPr>
+        <p:txBody>
+          <a:bodyPr wrap="square" rtlCol="0">
+            <a:spAutoFit/>
+          </a:bodyPr>
+          <a:lstStyle/>
+          <a:p>
+            <a:r>
+              <a:rPr lang="en-US" sz="2800" dirty="0"/>
+              <a:t>Model evaluation</a:t>
+            </a:r>
+          </a:p>
+        </p:txBody>
+      </p:sp>
+      <p:sp>
+        <p:nvSpPr>
+          <p:cNvPr id="31" name="Rettangolo 30">
+            <a:extLst>
+              <a:ext uri="{FF2B5EF4-FFF2-40B4-BE49-F238E27FC236}">
+                <a16:creationId xmlns:a16="http://schemas.microsoft.com/office/drawing/2014/main" id="{37B9362A-CD26-7C04-A44C-7748284AB883}"/>
+              </a:ext>
+            </a:extLst>
+          </p:cNvPr>
+          <p:cNvSpPr/>
+          <p:nvPr/>
+        </p:nvSpPr>
+        <p:spPr>
+          <a:xfrm>
+            <a:off x="4266306" y="3429000"/>
+            <a:ext cx="7930857" cy="3429001"/>
+          </a:xfrm>
+          <a:prstGeom prst="rect">
+            <a:avLst/>
+          </a:prstGeom>
+          <a:solidFill>
+            <a:srgbClr val="FFC000"/>
+          </a:solidFill>
+        </p:spPr>
+        <p:style>
+          <a:lnRef idx="2">
+            <a:schemeClr val="accent2">
+              <a:shade val="50000"/>
+            </a:schemeClr>
+          </a:lnRef>
+          <a:fillRef idx="1">
+            <a:schemeClr val="accent2"/>
+          </a:fillRef>
+          <a:effectRef idx="0">
+            <a:schemeClr val="accent2"/>
+          </a:effectRef>
+          <a:fontRef idx="minor">
+            <a:schemeClr val="lt1"/>
+          </a:fontRef>
+        </p:style>
+        <p:txBody>
+          <a:bodyPr rtlCol="0" anchor="ctr"/>
+          <a:lstStyle/>
+          <a:p>
+            <a:pPr algn="ctr"/>
+            <a:endParaRPr lang="en-US"/>
+          </a:p>
+        </p:txBody>
+      </p:sp>
+      <p:sp>
+        <p:nvSpPr>
+          <p:cNvPr id="72" name="CasellaDiTesto 71">
+            <a:extLst>
+              <a:ext uri="{FF2B5EF4-FFF2-40B4-BE49-F238E27FC236}">
+                <a16:creationId xmlns:a16="http://schemas.microsoft.com/office/drawing/2014/main" id="{C35B82CC-354C-6298-5775-97F026C57E07}"/>
+              </a:ext>
+            </a:extLst>
+          </p:cNvPr>
+          <p:cNvSpPr txBox="1"/>
+          <p:nvPr/>
+        </p:nvSpPr>
+        <p:spPr>
+          <a:xfrm>
+            <a:off x="4372284" y="-5090"/>
+            <a:ext cx="4552703" cy="1046440"/>
+          </a:xfrm>
+          <a:prstGeom prst="rect">
+            <a:avLst/>
+          </a:prstGeom>
+          <a:noFill/>
+        </p:spPr>
+        <p:txBody>
+          <a:bodyPr wrap="square" rtlCol="0">
+            <a:spAutoFit/>
+          </a:bodyPr>
+          <a:lstStyle/>
+          <a:p>
+            <a:r>
+              <a:rPr lang="it-IT" sz="2400" dirty="0"/>
+              <a:t>Best threshold</a:t>
+            </a:r>
+            <a:endParaRPr lang="en-US" sz="2400" dirty="0"/>
+          </a:p>
+          <a:p>
+            <a:r>
+              <a:rPr lang="en-US" sz="1400" dirty="0"/>
+              <a:t>We select the best threshold based on the F1 score</a:t>
+            </a:r>
+          </a:p>
+          <a:p>
+            <a:endParaRPr lang="en-US" sz="2400" dirty="0"/>
+          </a:p>
+        </p:txBody>
+      </p:sp>
+      <p:sp>
+        <p:nvSpPr>
+          <p:cNvPr id="80" name="CasellaDiTesto 79">
+            <a:extLst>
+              <a:ext uri="{FF2B5EF4-FFF2-40B4-BE49-F238E27FC236}">
+                <a16:creationId xmlns:a16="http://schemas.microsoft.com/office/drawing/2014/main" id="{A606782E-F70C-F09A-791D-D5578EE6BE4D}"/>
+              </a:ext>
+            </a:extLst>
+          </p:cNvPr>
+          <p:cNvSpPr txBox="1"/>
+          <p:nvPr/>
+        </p:nvSpPr>
+        <p:spPr>
+          <a:xfrm>
+            <a:off x="4372284" y="3524369"/>
+            <a:ext cx="1096863" cy="461665"/>
+          </a:xfrm>
+          <a:prstGeom prst="rect">
+            <a:avLst/>
+          </a:prstGeom>
+          <a:noFill/>
+        </p:spPr>
+        <p:txBody>
+          <a:bodyPr wrap="square" rtlCol="0">
+            <a:spAutoFit/>
+          </a:bodyPr>
+          <a:lstStyle/>
+          <a:p>
+            <a:r>
+              <a:rPr lang="it-IT" sz="2400" dirty="0"/>
+              <a:t>Results</a:t>
+            </a:r>
+            <a:endParaRPr lang="en-US" sz="2400" dirty="0"/>
+          </a:p>
+        </p:txBody>
+      </p:sp>
+      <p:pic>
+        <p:nvPicPr>
+          <p:cNvPr id="6" name="Immagine 5">
+            <a:extLst>
+              <a:ext uri="{FF2B5EF4-FFF2-40B4-BE49-F238E27FC236}">
+                <a16:creationId xmlns:a16="http://schemas.microsoft.com/office/drawing/2014/main" id="{5D87361C-A100-7C16-D127-F6262057B72B}"/>
+              </a:ext>
+            </a:extLst>
+          </p:cNvPr>
+          <p:cNvPicPr>
+            <a:picLocks noChangeAspect="1"/>
+          </p:cNvPicPr>
+          <p:nvPr/>
+        </p:nvPicPr>
+        <p:blipFill>
+          <a:blip r:embed="rId2">
+            <a:extLst>
+              <a:ext uri="{28A0092B-C50C-407E-A947-70E740481C1C}">
+                <a14:useLocalDpi xmlns:a14="http://schemas.microsoft.com/office/drawing/2010/main" val="0"/>
+              </a:ext>
+            </a:extLst>
+          </a:blip>
+          <a:srcRect/>
+          <a:stretch/>
+        </p:blipFill>
+        <p:spPr>
+          <a:xfrm>
+            <a:off x="4378035" y="728301"/>
+            <a:ext cx="3038855" cy="2307180"/>
+          </a:xfrm>
+          <a:prstGeom prst="rect">
+            <a:avLst/>
+          </a:prstGeom>
+        </p:spPr>
+      </p:pic>
+      <p:pic>
+        <p:nvPicPr>
+          <p:cNvPr id="7" name="Immagine 6">
+            <a:extLst>
+              <a:ext uri="{FF2B5EF4-FFF2-40B4-BE49-F238E27FC236}">
+                <a16:creationId xmlns:a16="http://schemas.microsoft.com/office/drawing/2014/main" id="{6CF9448C-0E78-5161-A340-9E30B243E6DE}"/>
+              </a:ext>
+            </a:extLst>
+          </p:cNvPr>
+          <p:cNvPicPr>
+            <a:picLocks noChangeAspect="1"/>
+          </p:cNvPicPr>
+          <p:nvPr/>
+        </p:nvPicPr>
+        <p:blipFill>
+          <a:blip r:embed="rId3">
+            <a:extLst>
+              <a:ext uri="{28A0092B-C50C-407E-A947-70E740481C1C}">
+                <a14:useLocalDpi xmlns:a14="http://schemas.microsoft.com/office/drawing/2010/main" val="0"/>
+              </a:ext>
+            </a:extLst>
+          </a:blip>
+          <a:srcRect/>
+          <a:stretch/>
+        </p:blipFill>
+        <p:spPr>
+          <a:xfrm>
+            <a:off x="7572672" y="724011"/>
+            <a:ext cx="3028173" cy="2307180"/>
+          </a:xfrm>
+          <a:prstGeom prst="rect">
+            <a:avLst/>
+          </a:prstGeom>
+        </p:spPr>
+      </p:pic>
+      <p:sp>
+        <p:nvSpPr>
+          <p:cNvPr id="10" name="CasellaDiTesto 9">
+            <a:extLst>
+              <a:ext uri="{FF2B5EF4-FFF2-40B4-BE49-F238E27FC236}">
+                <a16:creationId xmlns:a16="http://schemas.microsoft.com/office/drawing/2014/main" id="{241803F5-A2A5-8C48-911E-1DA6448AD859}"/>
+              </a:ext>
+            </a:extLst>
+          </p:cNvPr>
+          <p:cNvSpPr txBox="1"/>
+          <p:nvPr/>
+        </p:nvSpPr>
+        <p:spPr>
+          <a:xfrm>
+            <a:off x="10672309" y="1222615"/>
+            <a:ext cx="1448226" cy="1077218"/>
+          </a:xfrm>
+          <a:prstGeom prst="rect">
+            <a:avLst/>
+          </a:prstGeom>
+          <a:noFill/>
+        </p:spPr>
+        <p:txBody>
+          <a:bodyPr wrap="square" rtlCol="0">
+            <a:spAutoFit/>
+          </a:bodyPr>
+          <a:lstStyle/>
+          <a:p>
+            <a:r>
+              <a:rPr lang="en-US" sz="1600" dirty="0"/>
+              <a:t>AUC score:</a:t>
+            </a:r>
+          </a:p>
+          <a:p>
+            <a:r>
+              <a:rPr lang="en-US" sz="1600" dirty="0"/>
+              <a:t>0.743</a:t>
+            </a:r>
+          </a:p>
+          <a:p>
+            <a:r>
+              <a:rPr lang="en-US" sz="1600" dirty="0"/>
+              <a:t>Best threshold:</a:t>
+            </a:r>
+          </a:p>
+          <a:p>
+            <a:r>
+              <a:rPr lang="en-US" sz="1600" dirty="0"/>
+              <a:t>0.1846</a:t>
+            </a:r>
+          </a:p>
+        </p:txBody>
+      </p:sp>
+      <p:pic>
+        <p:nvPicPr>
+          <p:cNvPr id="14" name="Immagine 13">
+            <a:extLst>
+              <a:ext uri="{FF2B5EF4-FFF2-40B4-BE49-F238E27FC236}">
+                <a16:creationId xmlns:a16="http://schemas.microsoft.com/office/drawing/2014/main" id="{DDDB3919-9A3E-17B1-21D3-D15EB78EFF95}"/>
+              </a:ext>
+            </a:extLst>
+          </p:cNvPr>
+          <p:cNvPicPr>
+            <a:picLocks noChangeAspect="1"/>
+          </p:cNvPicPr>
+          <p:nvPr/>
+        </p:nvPicPr>
+        <p:blipFill>
+          <a:blip r:embed="rId4"/>
+          <a:stretch>
+            <a:fillRect/>
+          </a:stretch>
+        </p:blipFill>
+        <p:spPr>
+          <a:xfrm>
+            <a:off x="8840068" y="3575063"/>
+            <a:ext cx="3121253" cy="3221579"/>
+          </a:xfrm>
+          <a:prstGeom prst="rect">
+            <a:avLst/>
+          </a:prstGeom>
+        </p:spPr>
+      </p:pic>
+      <p:sp>
+        <p:nvSpPr>
+          <p:cNvPr id="15" name="CasellaDiTesto 14">
+            <a:extLst>
+              <a:ext uri="{FF2B5EF4-FFF2-40B4-BE49-F238E27FC236}">
+                <a16:creationId xmlns:a16="http://schemas.microsoft.com/office/drawing/2014/main" id="{928763AE-5F53-6A62-CC71-C010AE82127E}"/>
+              </a:ext>
+            </a:extLst>
+          </p:cNvPr>
+          <p:cNvSpPr txBox="1"/>
+          <p:nvPr/>
+        </p:nvSpPr>
+        <p:spPr>
+          <a:xfrm>
+            <a:off x="77990" y="2296413"/>
+            <a:ext cx="3672719" cy="1754326"/>
+          </a:xfrm>
+          <a:prstGeom prst="rect">
+            <a:avLst/>
+          </a:prstGeom>
+          <a:noFill/>
+        </p:spPr>
+        <p:txBody>
+          <a:bodyPr wrap="square" rtlCol="0">
+            <a:spAutoFit/>
+          </a:bodyPr>
+          <a:lstStyle/>
+          <a:p>
+            <a:r>
+              <a:rPr lang="en-US" dirty="0"/>
+              <a:t>We obtain the following results:</a:t>
+            </a:r>
+          </a:p>
+          <a:p>
+            <a:pPr marL="285750" indent="-285750">
+              <a:buFont typeface="Arial" panose="020B0604020202020204" pitchFamily="34" charset="0"/>
+              <a:buChar char="•"/>
+            </a:pPr>
+            <a:r>
+              <a:rPr lang="en-US" dirty="0"/>
+              <a:t>Recall 0.97: we are correctly identifying almost all the anomalies</a:t>
+            </a:r>
+          </a:p>
+          <a:p>
+            <a:pPr marL="285750" indent="-285750">
+              <a:buFont typeface="Arial" panose="020B0604020202020204" pitchFamily="34" charset="0"/>
+              <a:buChar char="•"/>
+            </a:pPr>
+            <a:r>
+              <a:rPr lang="en-US" dirty="0"/>
+              <a:t>Precision 0.63: we are misidentifying many normal days</a:t>
+            </a:r>
+          </a:p>
+        </p:txBody>
+      </p:sp>
+      <p:pic>
+        <p:nvPicPr>
+          <p:cNvPr id="16" name="Immagine 15">
+            <a:extLst>
+              <a:ext uri="{FF2B5EF4-FFF2-40B4-BE49-F238E27FC236}">
+                <a16:creationId xmlns:a16="http://schemas.microsoft.com/office/drawing/2014/main" id="{E062C997-6211-1498-AA3F-3EB522E6374B}"/>
+              </a:ext>
+            </a:extLst>
+          </p:cNvPr>
+          <p:cNvPicPr>
+            <a:picLocks noChangeAspect="1"/>
+          </p:cNvPicPr>
+          <p:nvPr/>
+        </p:nvPicPr>
+        <p:blipFill>
+          <a:blip r:embed="rId5">
+            <a:extLst>
+              <a:ext uri="{28A0092B-C50C-407E-A947-70E740481C1C}">
+                <a14:useLocalDpi xmlns:a14="http://schemas.microsoft.com/office/drawing/2010/main" val="0"/>
+              </a:ext>
+            </a:extLst>
+          </a:blip>
+          <a:srcRect/>
+          <a:stretch/>
+        </p:blipFill>
+        <p:spPr>
+          <a:xfrm>
+            <a:off x="5542580" y="3575063"/>
+            <a:ext cx="3121253" cy="3221579"/>
+          </a:xfrm>
+          <a:prstGeom prst="rect">
+            <a:avLst/>
+          </a:prstGeom>
+        </p:spPr>
+      </p:pic>
+    </p:spTree>
+    <p:extLst>
+      <p:ext uri="{BB962C8B-B14F-4D97-AF65-F5344CB8AC3E}">
+        <p14:creationId xmlns:p14="http://schemas.microsoft.com/office/powerpoint/2010/main" val="3368148799"/>
+      </p:ext>
+    </p:extLst>
+  </p:cSld>
+  <p:clrMapOvr>
+    <a:masterClrMapping/>
+  </p:clrMapOvr>
+</p:sld>
+</file>
+
+<file path=ppt/slides/slide13.xml><?xml version="1.0" encoding="utf-8"?>
 <p:sld xmlns:a="http://schemas.openxmlformats.org/drawingml/2006/main" xmlns:r="http://schemas.openxmlformats.org/officeDocument/2006/relationships" xmlns:p="http://schemas.openxmlformats.org/presentationml/2006/main">
   <p:cSld>
     <p:spTree>
@@ -4092,15 +4986,7 @@
           <a:p>
             <a:r>
               <a:rPr lang="it-IT" dirty="0"/>
-              <a:t>Strada alternativa: </a:t>
-            </a:r>
-            <a:r>
-              <a:rPr lang="it-IT" dirty="0" err="1"/>
-              <a:t>Autoencoder</a:t>
-            </a:r>
-            <a:r>
-              <a:rPr lang="it-IT" dirty="0"/>
-              <a:t> con ANN (Jacopo dimmi tu come inserirlo)</a:t>
+              <a:t>Strada alternativa: Autoencoder con ANN (Jacopo dimmi tu come inserirlo)</a:t>
             </a:r>
           </a:p>
           <a:p>
@@ -4589,7 +5475,7 @@
 <file path=ppt/theme/theme1.xml><?xml version="1.0" encoding="utf-8"?>
 <a:theme xmlns:a="http://schemas.openxmlformats.org/drawingml/2006/main" name="Tema di Office">
   <a:themeElements>
-    <a:clrScheme name="Office">
+    <a:clrScheme name="Tema di Office">
       <a:dk1>
         <a:sysClr val="windowText" lastClr="000000"/>
       </a:dk1>
@@ -4627,7 +5513,7 @@
         <a:srgbClr val="954F72"/>
       </a:folHlink>
     </a:clrScheme>
-    <a:fontScheme name="Office">
+    <a:fontScheme name="Tema di Office">
       <a:majorFont>
         <a:latin typeface="Calibri Light" panose="020F0302020204030204"/>
         <a:ea typeface=""/>
@@ -4662,23 +5548,6 @@
         <a:font script="Viet" typeface="Times New Roman"/>
         <a:font script="Uigh" typeface="Microsoft Uighur"/>
         <a:font script="Geor" typeface="Sylfaen"/>
-        <a:font script="Armn" typeface="Arial"/>
-        <a:font script="Bugi" typeface="Leelawadee UI"/>
-        <a:font script="Bopo" typeface="Microsoft JhengHei"/>
-        <a:font script="Java" typeface="Javanese Text"/>
-        <a:font script="Lisu" typeface="Segoe UI"/>
-        <a:font script="Mymr" typeface="Myanmar Text"/>
-        <a:font script="Nkoo" typeface="Ebrima"/>
-        <a:font script="Olck" typeface="Nirmala UI"/>
-        <a:font script="Osma" typeface="Ebrima"/>
-        <a:font script="Phag" typeface="Phagspa"/>
-        <a:font script="Syrn" typeface="Estrangelo Edessa"/>
-        <a:font script="Syrj" typeface="Estrangelo Edessa"/>
-        <a:font script="Syre" typeface="Estrangelo Edessa"/>
-        <a:font script="Sora" typeface="Nirmala UI"/>
-        <a:font script="Tale" typeface="Microsoft Tai Le"/>
-        <a:font script="Talu" typeface="Microsoft New Tai Lue"/>
-        <a:font script="Tfng" typeface="Ebrima"/>
       </a:majorFont>
       <a:minorFont>
         <a:latin typeface="Calibri" panose="020F0502020204030204"/>
@@ -4714,26 +5583,9 @@
         <a:font script="Viet" typeface="Arial"/>
         <a:font script="Uigh" typeface="Microsoft Uighur"/>
         <a:font script="Geor" typeface="Sylfaen"/>
-        <a:font script="Armn" typeface="Arial"/>
-        <a:font script="Bugi" typeface="Leelawadee UI"/>
-        <a:font script="Bopo" typeface="Microsoft JhengHei"/>
-        <a:font script="Java" typeface="Javanese Text"/>
-        <a:font script="Lisu" typeface="Segoe UI"/>
-        <a:font script="Mymr" typeface="Myanmar Text"/>
-        <a:font script="Nkoo" typeface="Ebrima"/>
-        <a:font script="Olck" typeface="Nirmala UI"/>
-        <a:font script="Osma" typeface="Ebrima"/>
-        <a:font script="Phag" typeface="Phagspa"/>
-        <a:font script="Syrn" typeface="Estrangelo Edessa"/>
-        <a:font script="Syrj" typeface="Estrangelo Edessa"/>
-        <a:font script="Syre" typeface="Estrangelo Edessa"/>
-        <a:font script="Sora" typeface="Nirmala UI"/>
-        <a:font script="Tale" typeface="Microsoft Tai Le"/>
-        <a:font script="Talu" typeface="Microsoft New Tai Lue"/>
-        <a:font script="Tfng" typeface="Ebrima"/>
       </a:minorFont>
     </a:fontScheme>
-    <a:fmtScheme name="Office">
+    <a:fmtScheme name="Tema di Office">
       <a:fillStyleLst>
         <a:solidFill>
           <a:schemeClr val="phClr"/>
@@ -4875,7 +5727,7 @@
   <a:extraClrSchemeLst/>
   <a:extLst>
     <a:ext uri="{05A4C25C-085E-4340-85A3-A5531E510DB2}">
-      <thm15:themeFamily xmlns:thm15="http://schemas.microsoft.com/office/thememl/2012/main" name="Office Theme" id="{62F939B6-93AF-4DB8-9C6B-D6C7DFDC589F}" vid="{4A3C46E8-61CC-4603-A589-7422A47A8E4A}"/>
+      <thm15:themeFamily xmlns:thm15="http://schemas.microsoft.com/office/thememl/2012/main" name="Office Theme 2013 - 2022" id="{62F939B6-93AF-4DB8-9C6B-D6C7DFDC589F}" vid="{4A3C46E8-61CC-4603-A589-7422A47A8E4A}"/>
     </a:ext>
   </a:extLst>
 </a:theme>

--- a/BC3/G/Bozza.pptx
+++ b/BC3/G/Bozza.pptx
@@ -2,7 +2,7 @@
 <file path=ppt/presentation.xml><?xml version="1.0" encoding="utf-8"?>
 <p:presentation xmlns:a="http://schemas.openxmlformats.org/drawingml/2006/main" xmlns:r="http://schemas.openxmlformats.org/officeDocument/2006/relationships" xmlns:p="http://schemas.openxmlformats.org/presentationml/2006/main" saveSubsetFonts="1">
   <p:sldMasterIdLst>
-    <p:sldMasterId id="2147483696" r:id="rId1"/>
+    <p:sldMasterId id="2147483708" r:id="rId1"/>
   </p:sldMasterIdLst>
   <p:sldIdLst>
     <p:sldId id="256" r:id="rId2"/>
@@ -15,9 +15,10 @@
     <p:sldId id="264" r:id="rId9"/>
     <p:sldId id="263" r:id="rId10"/>
     <p:sldId id="265" r:id="rId11"/>
-    <p:sldId id="266" r:id="rId12"/>
-    <p:sldId id="268" r:id="rId13"/>
-    <p:sldId id="267" r:id="rId14"/>
+    <p:sldId id="269" r:id="rId12"/>
+    <p:sldId id="266" r:id="rId13"/>
+    <p:sldId id="268" r:id="rId14"/>
+    <p:sldId id="267" r:id="rId15"/>
   </p:sldIdLst>
   <p:sldSz cx="12192000" cy="6858000"/>
   <p:notesSz cx="6858000" cy="9144000"/>
@@ -135,6 +136,766 @@
 </p:presentation>
 </file>
 
+<file path=ppt/revisionInfo.xml><?xml version="1.0" encoding="utf-8"?>
+<p1510:revInfo xmlns:a="http://schemas.openxmlformats.org/drawingml/2006/main" xmlns:r="http://schemas.openxmlformats.org/officeDocument/2006/relationships" xmlns:p1510="http://schemas.microsoft.com/office/powerpoint/2015/10/main">
+  <p1510:revLst>
+    <p1510:client id="{DEEE4860-BD04-4125-93D8-BAEA59BDBDD7}" v="62" dt="2023-04-18T23:03:16.183"/>
+  </p1510:revLst>
+</p1510:revInfo>
+</file>
+
+<file path=ppt/changesInfos/changesInfo1.xml><?xml version="1.0" encoding="utf-8"?>
+<pc:chgInfo xmlns:a="http://schemas.openxmlformats.org/drawingml/2006/main" xmlns:r="http://schemas.openxmlformats.org/officeDocument/2006/relationships" xmlns:ac="http://schemas.microsoft.com/office/drawing/2013/main/command" xmlns:pc="http://schemas.microsoft.com/office/powerpoint/2013/main/command">
+  <pc:docChgLst>
+    <pc:chgData name="Silvia Fiecchi" userId="e03677229424f528" providerId="LiveId" clId="{DEEE4860-BD04-4125-93D8-BAEA59BDBDD7}"/>
+    <pc:docChg chg="undo redo custSel addSld modSld">
+      <pc:chgData name="Silvia Fiecchi" userId="e03677229424f528" providerId="LiveId" clId="{DEEE4860-BD04-4125-93D8-BAEA59BDBDD7}" dt="2023-04-18T23:07:50.781" v="2474" actId="1076"/>
+      <pc:docMkLst>
+        <pc:docMk/>
+      </pc:docMkLst>
+      <pc:sldChg chg="modSp">
+        <pc:chgData name="Silvia Fiecchi" userId="e03677229424f528" providerId="LiveId" clId="{DEEE4860-BD04-4125-93D8-BAEA59BDBDD7}" dt="2023-04-18T21:44:17.045" v="616"/>
+        <pc:sldMkLst>
+          <pc:docMk/>
+          <pc:sldMk cId="4224793208" sldId="256"/>
+        </pc:sldMkLst>
+        <pc:spChg chg="mod">
+          <ac:chgData name="Silvia Fiecchi" userId="e03677229424f528" providerId="LiveId" clId="{DEEE4860-BD04-4125-93D8-BAEA59BDBDD7}" dt="2023-04-18T21:44:17.045" v="616"/>
+          <ac:spMkLst>
+            <pc:docMk/>
+            <pc:sldMk cId="4224793208" sldId="256"/>
+            <ac:spMk id="2" creationId="{34B3EC7F-6C5B-2474-B7DD-D203B19DD750}"/>
+          </ac:spMkLst>
+        </pc:spChg>
+        <pc:spChg chg="mod">
+          <ac:chgData name="Silvia Fiecchi" userId="e03677229424f528" providerId="LiveId" clId="{DEEE4860-BD04-4125-93D8-BAEA59BDBDD7}" dt="2023-04-18T21:44:17.045" v="616"/>
+          <ac:spMkLst>
+            <pc:docMk/>
+            <pc:sldMk cId="4224793208" sldId="256"/>
+            <ac:spMk id="3" creationId="{DFB19BB2-0F43-2DF3-FAB1-29AFC498DA45}"/>
+          </ac:spMkLst>
+        </pc:spChg>
+      </pc:sldChg>
+      <pc:sldChg chg="modSp">
+        <pc:chgData name="Silvia Fiecchi" userId="e03677229424f528" providerId="LiveId" clId="{DEEE4860-BD04-4125-93D8-BAEA59BDBDD7}" dt="2023-04-18T21:44:17.045" v="616"/>
+        <pc:sldMkLst>
+          <pc:docMk/>
+          <pc:sldMk cId="3319355184" sldId="257"/>
+        </pc:sldMkLst>
+        <pc:spChg chg="mod">
+          <ac:chgData name="Silvia Fiecchi" userId="e03677229424f528" providerId="LiveId" clId="{DEEE4860-BD04-4125-93D8-BAEA59BDBDD7}" dt="2023-04-18T21:44:17.045" v="616"/>
+          <ac:spMkLst>
+            <pc:docMk/>
+            <pc:sldMk cId="3319355184" sldId="257"/>
+            <ac:spMk id="2" creationId="{69EC7777-A58F-4C17-39F3-DC30B1A63C22}"/>
+          </ac:spMkLst>
+        </pc:spChg>
+        <pc:spChg chg="mod">
+          <ac:chgData name="Silvia Fiecchi" userId="e03677229424f528" providerId="LiveId" clId="{DEEE4860-BD04-4125-93D8-BAEA59BDBDD7}" dt="2023-04-18T21:44:17.045" v="616"/>
+          <ac:spMkLst>
+            <pc:docMk/>
+            <pc:sldMk cId="3319355184" sldId="257"/>
+            <ac:spMk id="3" creationId="{26491C98-F387-BBC7-C2FC-8CC3A03BF6B7}"/>
+          </ac:spMkLst>
+        </pc:spChg>
+      </pc:sldChg>
+      <pc:sldChg chg="modSp">
+        <pc:chgData name="Silvia Fiecchi" userId="e03677229424f528" providerId="LiveId" clId="{DEEE4860-BD04-4125-93D8-BAEA59BDBDD7}" dt="2023-04-18T21:44:17.045" v="616"/>
+        <pc:sldMkLst>
+          <pc:docMk/>
+          <pc:sldMk cId="3795181372" sldId="258"/>
+        </pc:sldMkLst>
+        <pc:spChg chg="mod">
+          <ac:chgData name="Silvia Fiecchi" userId="e03677229424f528" providerId="LiveId" clId="{DEEE4860-BD04-4125-93D8-BAEA59BDBDD7}" dt="2023-04-18T21:44:17.045" v="616"/>
+          <ac:spMkLst>
+            <pc:docMk/>
+            <pc:sldMk cId="3795181372" sldId="258"/>
+            <ac:spMk id="2" creationId="{0693B935-00FD-5846-E8D6-BBB063B56C65}"/>
+          </ac:spMkLst>
+        </pc:spChg>
+        <pc:spChg chg="mod">
+          <ac:chgData name="Silvia Fiecchi" userId="e03677229424f528" providerId="LiveId" clId="{DEEE4860-BD04-4125-93D8-BAEA59BDBDD7}" dt="2023-04-18T21:44:17.045" v="616"/>
+          <ac:spMkLst>
+            <pc:docMk/>
+            <pc:sldMk cId="3795181372" sldId="258"/>
+            <ac:spMk id="3" creationId="{0EED9E63-4A75-9F71-5262-AB3438F92F99}"/>
+          </ac:spMkLst>
+        </pc:spChg>
+      </pc:sldChg>
+      <pc:sldChg chg="modSp mod">
+        <pc:chgData name="Silvia Fiecchi" userId="e03677229424f528" providerId="LiveId" clId="{DEEE4860-BD04-4125-93D8-BAEA59BDBDD7}" dt="2023-04-18T21:44:19.968" v="619" actId="27636"/>
+        <pc:sldMkLst>
+          <pc:docMk/>
+          <pc:sldMk cId="83021580" sldId="259"/>
+        </pc:sldMkLst>
+        <pc:spChg chg="mod">
+          <ac:chgData name="Silvia Fiecchi" userId="e03677229424f528" providerId="LiveId" clId="{DEEE4860-BD04-4125-93D8-BAEA59BDBDD7}" dt="2023-04-18T21:44:17.045" v="616"/>
+          <ac:spMkLst>
+            <pc:docMk/>
+            <pc:sldMk cId="83021580" sldId="259"/>
+            <ac:spMk id="2" creationId="{BBFAD9E0-60E3-2EEF-43A0-5B8B5B8FF1E3}"/>
+          </ac:spMkLst>
+        </pc:spChg>
+        <pc:spChg chg="mod">
+          <ac:chgData name="Silvia Fiecchi" userId="e03677229424f528" providerId="LiveId" clId="{DEEE4860-BD04-4125-93D8-BAEA59BDBDD7}" dt="2023-04-18T21:44:19.968" v="619" actId="27636"/>
+          <ac:spMkLst>
+            <pc:docMk/>
+            <pc:sldMk cId="83021580" sldId="259"/>
+            <ac:spMk id="3" creationId="{7CD87854-7B48-8847-2C93-409C85643DB3}"/>
+          </ac:spMkLst>
+        </pc:spChg>
+      </pc:sldChg>
+      <pc:sldChg chg="modSp">
+        <pc:chgData name="Silvia Fiecchi" userId="e03677229424f528" providerId="LiveId" clId="{DEEE4860-BD04-4125-93D8-BAEA59BDBDD7}" dt="2023-04-18T21:44:17.045" v="616"/>
+        <pc:sldMkLst>
+          <pc:docMk/>
+          <pc:sldMk cId="3383923961" sldId="260"/>
+        </pc:sldMkLst>
+        <pc:spChg chg="mod">
+          <ac:chgData name="Silvia Fiecchi" userId="e03677229424f528" providerId="LiveId" clId="{DEEE4860-BD04-4125-93D8-BAEA59BDBDD7}" dt="2023-04-18T21:44:17.045" v="616"/>
+          <ac:spMkLst>
+            <pc:docMk/>
+            <pc:sldMk cId="3383923961" sldId="260"/>
+            <ac:spMk id="2" creationId="{506E3DA2-BE2B-F217-045D-07D49E226538}"/>
+          </ac:spMkLst>
+        </pc:spChg>
+        <pc:spChg chg="mod">
+          <ac:chgData name="Silvia Fiecchi" userId="e03677229424f528" providerId="LiveId" clId="{DEEE4860-BD04-4125-93D8-BAEA59BDBDD7}" dt="2023-04-18T21:44:17.045" v="616"/>
+          <ac:spMkLst>
+            <pc:docMk/>
+            <pc:sldMk cId="3383923961" sldId="260"/>
+            <ac:spMk id="3" creationId="{3C5DDFAE-9327-7229-0D7C-7FA82E9D396B}"/>
+          </ac:spMkLst>
+        </pc:spChg>
+      </pc:sldChg>
+      <pc:sldChg chg="modSp">
+        <pc:chgData name="Silvia Fiecchi" userId="e03677229424f528" providerId="LiveId" clId="{DEEE4860-BD04-4125-93D8-BAEA59BDBDD7}" dt="2023-04-18T21:44:17.045" v="616"/>
+        <pc:sldMkLst>
+          <pc:docMk/>
+          <pc:sldMk cId="491572139" sldId="261"/>
+        </pc:sldMkLst>
+        <pc:spChg chg="mod">
+          <ac:chgData name="Silvia Fiecchi" userId="e03677229424f528" providerId="LiveId" clId="{DEEE4860-BD04-4125-93D8-BAEA59BDBDD7}" dt="2023-04-18T21:44:17.045" v="616"/>
+          <ac:spMkLst>
+            <pc:docMk/>
+            <pc:sldMk cId="491572139" sldId="261"/>
+            <ac:spMk id="2" creationId="{9FD41CF1-05BB-30C7-CDBA-344BB22381EC}"/>
+          </ac:spMkLst>
+        </pc:spChg>
+        <pc:spChg chg="mod">
+          <ac:chgData name="Silvia Fiecchi" userId="e03677229424f528" providerId="LiveId" clId="{DEEE4860-BD04-4125-93D8-BAEA59BDBDD7}" dt="2023-04-18T21:44:17.045" v="616"/>
+          <ac:spMkLst>
+            <pc:docMk/>
+            <pc:sldMk cId="491572139" sldId="261"/>
+            <ac:spMk id="3" creationId="{7FE6804A-F011-2568-3A52-C31676AFDF58}"/>
+          </ac:spMkLst>
+        </pc:spChg>
+      </pc:sldChg>
+      <pc:sldChg chg="modSp">
+        <pc:chgData name="Silvia Fiecchi" userId="e03677229424f528" providerId="LiveId" clId="{DEEE4860-BD04-4125-93D8-BAEA59BDBDD7}" dt="2023-04-18T21:44:17.045" v="616"/>
+        <pc:sldMkLst>
+          <pc:docMk/>
+          <pc:sldMk cId="151096758" sldId="262"/>
+        </pc:sldMkLst>
+        <pc:spChg chg="mod">
+          <ac:chgData name="Silvia Fiecchi" userId="e03677229424f528" providerId="LiveId" clId="{DEEE4860-BD04-4125-93D8-BAEA59BDBDD7}" dt="2023-04-18T21:44:17.045" v="616"/>
+          <ac:spMkLst>
+            <pc:docMk/>
+            <pc:sldMk cId="151096758" sldId="262"/>
+            <ac:spMk id="2" creationId="{2882187D-B7F3-CB89-7590-31901C2E24FF}"/>
+          </ac:spMkLst>
+        </pc:spChg>
+        <pc:spChg chg="mod">
+          <ac:chgData name="Silvia Fiecchi" userId="e03677229424f528" providerId="LiveId" clId="{DEEE4860-BD04-4125-93D8-BAEA59BDBDD7}" dt="2023-04-18T21:44:17.045" v="616"/>
+          <ac:spMkLst>
+            <pc:docMk/>
+            <pc:sldMk cId="151096758" sldId="262"/>
+            <ac:spMk id="3" creationId="{B5EAD4D2-6542-F324-8A54-494D255726BD}"/>
+          </ac:spMkLst>
+        </pc:spChg>
+      </pc:sldChg>
+      <pc:sldChg chg="addSp delSp modSp mod">
+        <pc:chgData name="Silvia Fiecchi" userId="e03677229424f528" providerId="LiveId" clId="{DEEE4860-BD04-4125-93D8-BAEA59BDBDD7}" dt="2023-04-18T21:52:38.648" v="708" actId="1076"/>
+        <pc:sldMkLst>
+          <pc:docMk/>
+          <pc:sldMk cId="2868176127" sldId="263"/>
+        </pc:sldMkLst>
+        <pc:spChg chg="del">
+          <ac:chgData name="Silvia Fiecchi" userId="e03677229424f528" providerId="LiveId" clId="{DEEE4860-BD04-4125-93D8-BAEA59BDBDD7}" dt="2023-04-18T21:39:22.965" v="590" actId="478"/>
+          <ac:spMkLst>
+            <pc:docMk/>
+            <pc:sldMk cId="2868176127" sldId="263"/>
+            <ac:spMk id="2" creationId="{45EE49DB-5F62-B931-BFA6-4A8DB08F234C}"/>
+          </ac:spMkLst>
+        </pc:spChg>
+        <pc:spChg chg="del mod">
+          <ac:chgData name="Silvia Fiecchi" userId="e03677229424f528" providerId="LiveId" clId="{DEEE4860-BD04-4125-93D8-BAEA59BDBDD7}" dt="2023-04-18T21:48:14.585" v="643" actId="478"/>
+          <ac:spMkLst>
+            <pc:docMk/>
+            <pc:sldMk cId="2868176127" sldId="263"/>
+            <ac:spMk id="3" creationId="{8884176F-35D7-A25E-17B5-E182C5B088A8}"/>
+          </ac:spMkLst>
+        </pc:spChg>
+        <pc:spChg chg="add mod">
+          <ac:chgData name="Silvia Fiecchi" userId="e03677229424f528" providerId="LiveId" clId="{DEEE4860-BD04-4125-93D8-BAEA59BDBDD7}" dt="2023-04-18T21:45:41.488" v="621" actId="1076"/>
+          <ac:spMkLst>
+            <pc:docMk/>
+            <pc:sldMk cId="2868176127" sldId="263"/>
+            <ac:spMk id="4" creationId="{09CB4979-2A38-56F3-C822-CFD797127610}"/>
+          </ac:spMkLst>
+        </pc:spChg>
+        <pc:spChg chg="add del mod">
+          <ac:chgData name="Silvia Fiecchi" userId="e03677229424f528" providerId="LiveId" clId="{DEEE4860-BD04-4125-93D8-BAEA59BDBDD7}" dt="2023-04-18T21:39:25.314" v="591" actId="478"/>
+          <ac:spMkLst>
+            <pc:docMk/>
+            <pc:sldMk cId="2868176127" sldId="263"/>
+            <ac:spMk id="6" creationId="{55C255C5-5DC6-330D-1179-524FA81E6E5F}"/>
+          </ac:spMkLst>
+        </pc:spChg>
+        <pc:spChg chg="add del mod">
+          <ac:chgData name="Silvia Fiecchi" userId="e03677229424f528" providerId="LiveId" clId="{DEEE4860-BD04-4125-93D8-BAEA59BDBDD7}" dt="2023-04-18T21:39:48.372" v="593" actId="478"/>
+          <ac:spMkLst>
+            <pc:docMk/>
+            <pc:sldMk cId="2868176127" sldId="263"/>
+            <ac:spMk id="7" creationId="{1655D6D5-9BB9-B949-1ED3-A23547E0222C}"/>
+          </ac:spMkLst>
+        </pc:spChg>
+        <pc:spChg chg="add mod">
+          <ac:chgData name="Silvia Fiecchi" userId="e03677229424f528" providerId="LiveId" clId="{DEEE4860-BD04-4125-93D8-BAEA59BDBDD7}" dt="2023-04-18T21:47:21.276" v="638" actId="2711"/>
+          <ac:spMkLst>
+            <pc:docMk/>
+            <pc:sldMk cId="2868176127" sldId="263"/>
+            <ac:spMk id="9" creationId="{9282EFA2-D4D7-CE5E-D3E2-9B6C713C4932}"/>
+          </ac:spMkLst>
+        </pc:spChg>
+        <pc:spChg chg="add del mod">
+          <ac:chgData name="Silvia Fiecchi" userId="e03677229424f528" providerId="LiveId" clId="{DEEE4860-BD04-4125-93D8-BAEA59BDBDD7}" dt="2023-04-18T21:48:55.766" v="653" actId="122"/>
+          <ac:spMkLst>
+            <pc:docMk/>
+            <pc:sldMk cId="2868176127" sldId="263"/>
+            <ac:spMk id="11" creationId="{BF581973-3EF2-4A17-3A8D-1F5420578A44}"/>
+          </ac:spMkLst>
+        </pc:spChg>
+        <pc:spChg chg="add mod">
+          <ac:chgData name="Silvia Fiecchi" userId="e03677229424f528" providerId="LiveId" clId="{DEEE4860-BD04-4125-93D8-BAEA59BDBDD7}" dt="2023-04-18T21:52:28.726" v="707" actId="1076"/>
+          <ac:spMkLst>
+            <pc:docMk/>
+            <pc:sldMk cId="2868176127" sldId="263"/>
+            <ac:spMk id="13" creationId="{80BC8176-2BDC-43F3-B487-8DB1BD96A116}"/>
+          </ac:spMkLst>
+        </pc:spChg>
+        <pc:spChg chg="add mod">
+          <ac:chgData name="Silvia Fiecchi" userId="e03677229424f528" providerId="LiveId" clId="{DEEE4860-BD04-4125-93D8-BAEA59BDBDD7}" dt="2023-04-18T21:49:38.174" v="662" actId="1076"/>
+          <ac:spMkLst>
+            <pc:docMk/>
+            <pc:sldMk cId="2868176127" sldId="263"/>
+            <ac:spMk id="15" creationId="{A1E13B3F-D020-F02B-475D-5F83BC6B3254}"/>
+          </ac:spMkLst>
+        </pc:spChg>
+        <pc:spChg chg="add del mod">
+          <ac:chgData name="Silvia Fiecchi" userId="e03677229424f528" providerId="LiveId" clId="{DEEE4860-BD04-4125-93D8-BAEA59BDBDD7}" dt="2023-04-18T21:48:18.557" v="644" actId="478"/>
+          <ac:spMkLst>
+            <pc:docMk/>
+            <pc:sldMk cId="2868176127" sldId="263"/>
+            <ac:spMk id="17" creationId="{0A3396A4-3875-66C6-FB06-914379A61007}"/>
+          </ac:spMkLst>
+        </pc:spChg>
+        <pc:picChg chg="add mod">
+          <ac:chgData name="Silvia Fiecchi" userId="e03677229424f528" providerId="LiveId" clId="{DEEE4860-BD04-4125-93D8-BAEA59BDBDD7}" dt="2023-04-18T21:49:01.321" v="654" actId="1076"/>
+          <ac:picMkLst>
+            <pc:docMk/>
+            <pc:sldMk cId="2868176127" sldId="263"/>
+            <ac:picMk id="19" creationId="{C4E8A65B-117F-3EAB-5B94-817308D40317}"/>
+          </ac:picMkLst>
+        </pc:picChg>
+        <pc:picChg chg="add mod">
+          <ac:chgData name="Silvia Fiecchi" userId="e03677229424f528" providerId="LiveId" clId="{DEEE4860-BD04-4125-93D8-BAEA59BDBDD7}" dt="2023-04-18T21:52:38.648" v="708" actId="1076"/>
+          <ac:picMkLst>
+            <pc:docMk/>
+            <pc:sldMk cId="2868176127" sldId="263"/>
+            <ac:picMk id="21" creationId="{0EB64993-9A1D-7630-85C1-E7D4E0322E86}"/>
+          </ac:picMkLst>
+        </pc:picChg>
+      </pc:sldChg>
+      <pc:sldChg chg="modSp">
+        <pc:chgData name="Silvia Fiecchi" userId="e03677229424f528" providerId="LiveId" clId="{DEEE4860-BD04-4125-93D8-BAEA59BDBDD7}" dt="2023-04-18T21:44:17.045" v="616"/>
+        <pc:sldMkLst>
+          <pc:docMk/>
+          <pc:sldMk cId="3460718081" sldId="264"/>
+        </pc:sldMkLst>
+        <pc:spChg chg="mod">
+          <ac:chgData name="Silvia Fiecchi" userId="e03677229424f528" providerId="LiveId" clId="{DEEE4860-BD04-4125-93D8-BAEA59BDBDD7}" dt="2023-04-18T21:44:17.045" v="616"/>
+          <ac:spMkLst>
+            <pc:docMk/>
+            <pc:sldMk cId="3460718081" sldId="264"/>
+            <ac:spMk id="2" creationId="{D83D02C1-9E5B-6882-C5AC-0CC001CA3A3F}"/>
+          </ac:spMkLst>
+        </pc:spChg>
+        <pc:spChg chg="mod">
+          <ac:chgData name="Silvia Fiecchi" userId="e03677229424f528" providerId="LiveId" clId="{DEEE4860-BD04-4125-93D8-BAEA59BDBDD7}" dt="2023-04-18T21:44:17.045" v="616"/>
+          <ac:spMkLst>
+            <pc:docMk/>
+            <pc:sldMk cId="3460718081" sldId="264"/>
+            <ac:spMk id="3" creationId="{DB9944E5-E6E1-E1AC-69F6-5D36E6C35E6D}"/>
+          </ac:spMkLst>
+        </pc:spChg>
+      </pc:sldChg>
+      <pc:sldChg chg="addSp delSp modSp mod">
+        <pc:chgData name="Silvia Fiecchi" userId="e03677229424f528" providerId="LiveId" clId="{DEEE4860-BD04-4125-93D8-BAEA59BDBDD7}" dt="2023-04-18T22:57:09.777" v="2166" actId="1076"/>
+        <pc:sldMkLst>
+          <pc:docMk/>
+          <pc:sldMk cId="3486126377" sldId="265"/>
+        </pc:sldMkLst>
+        <pc:spChg chg="del mod">
+          <ac:chgData name="Silvia Fiecchi" userId="e03677229424f528" providerId="LiveId" clId="{DEEE4860-BD04-4125-93D8-BAEA59BDBDD7}" dt="2023-04-18T21:50:32.685" v="697" actId="478"/>
+          <ac:spMkLst>
+            <pc:docMk/>
+            <pc:sldMk cId="3486126377" sldId="265"/>
+            <ac:spMk id="2" creationId="{72CE86B0-0601-544E-10BC-2C5344A31A42}"/>
+          </ac:spMkLst>
+        </pc:spChg>
+        <pc:spChg chg="del mod">
+          <ac:chgData name="Silvia Fiecchi" userId="e03677229424f528" providerId="LiveId" clId="{DEEE4860-BD04-4125-93D8-BAEA59BDBDD7}" dt="2023-04-18T22:53:40.182" v="2136" actId="478"/>
+          <ac:spMkLst>
+            <pc:docMk/>
+            <pc:sldMk cId="3486126377" sldId="265"/>
+            <ac:spMk id="3" creationId="{BB1FC91B-AEDD-0593-2EDF-9FD51ADC23AD}"/>
+          </ac:spMkLst>
+        </pc:spChg>
+        <pc:spChg chg="add mod">
+          <ac:chgData name="Silvia Fiecchi" userId="e03677229424f528" providerId="LiveId" clId="{DEEE4860-BD04-4125-93D8-BAEA59BDBDD7}" dt="2023-04-18T22:57:09.777" v="2166" actId="1076"/>
+          <ac:spMkLst>
+            <pc:docMk/>
+            <pc:sldMk cId="3486126377" sldId="265"/>
+            <ac:spMk id="4" creationId="{FE4B3456-9577-3927-FCB7-92B2C01617BA}"/>
+          </ac:spMkLst>
+        </pc:spChg>
+        <pc:spChg chg="add del mod">
+          <ac:chgData name="Silvia Fiecchi" userId="e03677229424f528" providerId="LiveId" clId="{DEEE4860-BD04-4125-93D8-BAEA59BDBDD7}" dt="2023-04-18T21:50:35.327" v="698" actId="478"/>
+          <ac:spMkLst>
+            <pc:docMk/>
+            <pc:sldMk cId="3486126377" sldId="265"/>
+            <ac:spMk id="6" creationId="{BF696C50-5078-C1DE-562A-D2E900F92FE9}"/>
+          </ac:spMkLst>
+        </pc:spChg>
+        <pc:spChg chg="add mod">
+          <ac:chgData name="Silvia Fiecchi" userId="e03677229424f528" providerId="LiveId" clId="{DEEE4860-BD04-4125-93D8-BAEA59BDBDD7}" dt="2023-04-18T22:56:56.760" v="2165" actId="1076"/>
+          <ac:spMkLst>
+            <pc:docMk/>
+            <pc:sldMk cId="3486126377" sldId="265"/>
+            <ac:spMk id="7" creationId="{F9EB24CF-E6A8-3DE1-0B43-2DD0F2E4B863}"/>
+          </ac:spMkLst>
+        </pc:spChg>
+        <pc:spChg chg="add mod">
+          <ac:chgData name="Silvia Fiecchi" userId="e03677229424f528" providerId="LiveId" clId="{DEEE4860-BD04-4125-93D8-BAEA59BDBDD7}" dt="2023-04-18T22:55:51.173" v="2155" actId="1076"/>
+          <ac:spMkLst>
+            <pc:docMk/>
+            <pc:sldMk cId="3486126377" sldId="265"/>
+            <ac:spMk id="12" creationId="{84B187C6-D8A3-B501-6736-4D2A706917A1}"/>
+          </ac:spMkLst>
+        </pc:spChg>
+        <pc:spChg chg="add del mod">
+          <ac:chgData name="Silvia Fiecchi" userId="e03677229424f528" providerId="LiveId" clId="{DEEE4860-BD04-4125-93D8-BAEA59BDBDD7}" dt="2023-04-18T22:53:43.360" v="2137" actId="478"/>
+          <ac:spMkLst>
+            <pc:docMk/>
+            <pc:sldMk cId="3486126377" sldId="265"/>
+            <ac:spMk id="14" creationId="{5BA54A04-9834-3D0D-A0BB-1442B7BCF03C}"/>
+          </ac:spMkLst>
+        </pc:spChg>
+        <pc:picChg chg="add mod">
+          <ac:chgData name="Silvia Fiecchi" userId="e03677229424f528" providerId="LiveId" clId="{DEEE4860-BD04-4125-93D8-BAEA59BDBDD7}" dt="2023-04-18T22:55:59.553" v="2158" actId="14100"/>
+          <ac:picMkLst>
+            <pc:docMk/>
+            <pc:sldMk cId="3486126377" sldId="265"/>
+            <ac:picMk id="9" creationId="{EABDFE61-7C37-64D1-78D2-4A6522418C3D}"/>
+          </ac:picMkLst>
+        </pc:picChg>
+        <pc:picChg chg="add mod">
+          <ac:chgData name="Silvia Fiecchi" userId="e03677229424f528" providerId="LiveId" clId="{DEEE4860-BD04-4125-93D8-BAEA59BDBDD7}" dt="2023-04-18T22:55:53.097" v="2156" actId="1076"/>
+          <ac:picMkLst>
+            <pc:docMk/>
+            <pc:sldMk cId="3486126377" sldId="265"/>
+            <ac:picMk id="11" creationId="{81D1C97D-FEB9-D090-63BB-39BA089A4045}"/>
+          </ac:picMkLst>
+        </pc:picChg>
+      </pc:sldChg>
+      <pc:sldChg chg="addSp delSp modSp mod">
+        <pc:chgData name="Silvia Fiecchi" userId="e03677229424f528" providerId="LiveId" clId="{DEEE4860-BD04-4125-93D8-BAEA59BDBDD7}" dt="2023-04-18T22:08:38.698" v="969" actId="1076"/>
+        <pc:sldMkLst>
+          <pc:docMk/>
+          <pc:sldMk cId="1801023679" sldId="266"/>
+        </pc:sldMkLst>
+        <pc:spChg chg="del mod">
+          <ac:chgData name="Silvia Fiecchi" userId="e03677229424f528" providerId="LiveId" clId="{DEEE4860-BD04-4125-93D8-BAEA59BDBDD7}" dt="2023-04-18T21:53:25.206" v="725" actId="478"/>
+          <ac:spMkLst>
+            <pc:docMk/>
+            <pc:sldMk cId="1801023679" sldId="266"/>
+            <ac:spMk id="2" creationId="{7610D10B-29F2-CDE5-607B-085C33629175}"/>
+          </ac:spMkLst>
+        </pc:spChg>
+        <pc:spChg chg="add mod">
+          <ac:chgData name="Silvia Fiecchi" userId="e03677229424f528" providerId="LiveId" clId="{DEEE4860-BD04-4125-93D8-BAEA59BDBDD7}" dt="2023-04-18T22:02:15.435" v="896" actId="1076"/>
+          <ac:spMkLst>
+            <pc:docMk/>
+            <pc:sldMk cId="1801023679" sldId="266"/>
+            <ac:spMk id="3" creationId="{8C06431A-E8EB-F91F-58CE-1792D4649494}"/>
+          </ac:spMkLst>
+        </pc:spChg>
+        <pc:spChg chg="add mod">
+          <ac:chgData name="Silvia Fiecchi" userId="e03677229424f528" providerId="LiveId" clId="{DEEE4860-BD04-4125-93D8-BAEA59BDBDD7}" dt="2023-04-18T22:05:11.405" v="934" actId="1076"/>
+          <ac:spMkLst>
+            <pc:docMk/>
+            <pc:sldMk cId="1801023679" sldId="266"/>
+            <ac:spMk id="4" creationId="{1AB7608D-6631-BA67-34F7-CC2590F757ED}"/>
+          </ac:spMkLst>
+        </pc:spChg>
+        <pc:spChg chg="del">
+          <ac:chgData name="Silvia Fiecchi" userId="e03677229424f528" providerId="LiveId" clId="{DEEE4860-BD04-4125-93D8-BAEA59BDBDD7}" dt="2023-04-18T21:53:29.502" v="726" actId="478"/>
+          <ac:spMkLst>
+            <pc:docMk/>
+            <pc:sldMk cId="1801023679" sldId="266"/>
+            <ac:spMk id="29" creationId="{E2FFAD3C-07E3-58C6-AAE5-FFEBEA7E115F}"/>
+          </ac:spMkLst>
+        </pc:spChg>
+        <pc:spChg chg="del">
+          <ac:chgData name="Silvia Fiecchi" userId="e03677229424f528" providerId="LiveId" clId="{DEEE4860-BD04-4125-93D8-BAEA59BDBDD7}" dt="2023-04-18T21:53:32.469" v="727" actId="478"/>
+          <ac:spMkLst>
+            <pc:docMk/>
+            <pc:sldMk cId="1801023679" sldId="266"/>
+            <ac:spMk id="31" creationId="{37B9362A-CD26-7C04-A44C-7748284AB883}"/>
+          </ac:spMkLst>
+        </pc:spChg>
+        <pc:spChg chg="del">
+          <ac:chgData name="Silvia Fiecchi" userId="e03677229424f528" providerId="LiveId" clId="{DEEE4860-BD04-4125-93D8-BAEA59BDBDD7}" dt="2023-04-18T21:52:53.471" v="709" actId="478"/>
+          <ac:spMkLst>
+            <pc:docMk/>
+            <pc:sldMk cId="1801023679" sldId="266"/>
+            <ac:spMk id="50" creationId="{242B7F2F-CD65-9BFE-6CA3-0527428DE06E}"/>
+          </ac:spMkLst>
+        </pc:spChg>
+        <pc:spChg chg="del">
+          <ac:chgData name="Silvia Fiecchi" userId="e03677229424f528" providerId="LiveId" clId="{DEEE4860-BD04-4125-93D8-BAEA59BDBDD7}" dt="2023-04-18T21:53:16.415" v="723" actId="478"/>
+          <ac:spMkLst>
+            <pc:docMk/>
+            <pc:sldMk cId="1801023679" sldId="266"/>
+            <ac:spMk id="51" creationId="{2F1B6880-124C-F0B4-6214-08CC90BDB112}"/>
+          </ac:spMkLst>
+        </pc:spChg>
+        <pc:spChg chg="mod">
+          <ac:chgData name="Silvia Fiecchi" userId="e03677229424f528" providerId="LiveId" clId="{DEEE4860-BD04-4125-93D8-BAEA59BDBDD7}" dt="2023-04-18T22:08:14.737" v="966" actId="1076"/>
+          <ac:spMkLst>
+            <pc:docMk/>
+            <pc:sldMk cId="1801023679" sldId="266"/>
+            <ac:spMk id="72" creationId="{C35B82CC-354C-6298-5775-97F026C57E07}"/>
+          </ac:spMkLst>
+        </pc:spChg>
+        <pc:spChg chg="mod">
+          <ac:chgData name="Silvia Fiecchi" userId="e03677229424f528" providerId="LiveId" clId="{DEEE4860-BD04-4125-93D8-BAEA59BDBDD7}" dt="2023-04-18T22:08:10.494" v="965" actId="1076"/>
+          <ac:spMkLst>
+            <pc:docMk/>
+            <pc:sldMk cId="1801023679" sldId="266"/>
+            <ac:spMk id="73" creationId="{8208200B-8358-4BAC-4412-1C50091274A4}"/>
+          </ac:spMkLst>
+        </pc:spChg>
+        <pc:spChg chg="del mod">
+          <ac:chgData name="Silvia Fiecchi" userId="e03677229424f528" providerId="LiveId" clId="{DEEE4860-BD04-4125-93D8-BAEA59BDBDD7}" dt="2023-04-18T21:54:48.092" v="820" actId="478"/>
+          <ac:spMkLst>
+            <pc:docMk/>
+            <pc:sldMk cId="1801023679" sldId="266"/>
+            <ac:spMk id="80" creationId="{A606782E-F70C-F09A-791D-D5578EE6BE4D}"/>
+          </ac:spMkLst>
+        </pc:spChg>
+        <pc:spChg chg="del">
+          <ac:chgData name="Silvia Fiecchi" userId="e03677229424f528" providerId="LiveId" clId="{DEEE4860-BD04-4125-93D8-BAEA59BDBDD7}" dt="2023-04-18T21:53:36.001" v="728" actId="478"/>
+          <ac:spMkLst>
+            <pc:docMk/>
+            <pc:sldMk cId="1801023679" sldId="266"/>
+            <ac:spMk id="81" creationId="{509FDD7E-1C71-9D13-E6BF-3E21FD476055}"/>
+          </ac:spMkLst>
+        </pc:spChg>
+        <pc:spChg chg="mod">
+          <ac:chgData name="Silvia Fiecchi" userId="e03677229424f528" providerId="LiveId" clId="{DEEE4860-BD04-4125-93D8-BAEA59BDBDD7}" dt="2023-04-18T22:08:38.698" v="969" actId="1076"/>
+          <ac:spMkLst>
+            <pc:docMk/>
+            <pc:sldMk cId="1801023679" sldId="266"/>
+            <ac:spMk id="82" creationId="{D83C482D-DA5F-2BCE-A617-277D1D04AF53}"/>
+          </ac:spMkLst>
+        </pc:spChg>
+        <pc:picChg chg="mod">
+          <ac:chgData name="Silvia Fiecchi" userId="e03677229424f528" providerId="LiveId" clId="{DEEE4860-BD04-4125-93D8-BAEA59BDBDD7}" dt="2023-04-18T22:07:51.831" v="963" actId="1076"/>
+          <ac:picMkLst>
+            <pc:docMk/>
+            <pc:sldMk cId="1801023679" sldId="266"/>
+            <ac:picMk id="55" creationId="{19EB1030-11EA-1CE7-0599-14FD9F4116CC}"/>
+          </ac:picMkLst>
+        </pc:picChg>
+        <pc:picChg chg="mod">
+          <ac:chgData name="Silvia Fiecchi" userId="e03677229424f528" providerId="LiveId" clId="{DEEE4860-BD04-4125-93D8-BAEA59BDBDD7}" dt="2023-04-18T22:08:06.940" v="964" actId="1076"/>
+          <ac:picMkLst>
+            <pc:docMk/>
+            <pc:sldMk cId="1801023679" sldId="266"/>
+            <ac:picMk id="66" creationId="{34993745-140E-0F46-3D23-3689FEF6804E}"/>
+          </ac:picMkLst>
+        </pc:picChg>
+        <pc:picChg chg="mod">
+          <ac:chgData name="Silvia Fiecchi" userId="e03677229424f528" providerId="LiveId" clId="{DEEE4860-BD04-4125-93D8-BAEA59BDBDD7}" dt="2023-04-18T22:07:08.057" v="957" actId="1076"/>
+          <ac:picMkLst>
+            <pc:docMk/>
+            <pc:sldMk cId="1801023679" sldId="266"/>
+            <ac:picMk id="67" creationId="{6C5C92B8-A856-F936-07FA-C4EE97CE0B5A}"/>
+          </ac:picMkLst>
+        </pc:picChg>
+        <pc:picChg chg="mod">
+          <ac:chgData name="Silvia Fiecchi" userId="e03677229424f528" providerId="LiveId" clId="{DEEE4860-BD04-4125-93D8-BAEA59BDBDD7}" dt="2023-04-18T22:04:08.125" v="918" actId="1076"/>
+          <ac:picMkLst>
+            <pc:docMk/>
+            <pc:sldMk cId="1801023679" sldId="266"/>
+            <ac:picMk id="78" creationId="{3A0A0132-A69B-80F3-2C26-6D809107366C}"/>
+          </ac:picMkLst>
+        </pc:picChg>
+        <pc:picChg chg="mod modCrop">
+          <ac:chgData name="Silvia Fiecchi" userId="e03677229424f528" providerId="LiveId" clId="{DEEE4860-BD04-4125-93D8-BAEA59BDBDD7}" dt="2023-04-18T22:08:32.849" v="968" actId="1076"/>
+          <ac:picMkLst>
+            <pc:docMk/>
+            <pc:sldMk cId="1801023679" sldId="266"/>
+            <ac:picMk id="79" creationId="{3F8CC613-0E9E-95F5-E770-40305408B1D4}"/>
+          </ac:picMkLst>
+        </pc:picChg>
+        <pc:cxnChg chg="mod">
+          <ac:chgData name="Silvia Fiecchi" userId="e03677229424f528" providerId="LiveId" clId="{DEEE4860-BD04-4125-93D8-BAEA59BDBDD7}" dt="2023-04-18T22:08:06.940" v="964" actId="1076"/>
+          <ac:cxnSpMkLst>
+            <pc:docMk/>
+            <pc:sldMk cId="1801023679" sldId="266"/>
+            <ac:cxnSpMk id="69" creationId="{38175ADA-197E-8572-53F1-447A991D63EE}"/>
+          </ac:cxnSpMkLst>
+        </pc:cxnChg>
+      </pc:sldChg>
+      <pc:sldChg chg="addSp delSp modSp mod">
+        <pc:chgData name="Silvia Fiecchi" userId="e03677229424f528" providerId="LiveId" clId="{DEEE4860-BD04-4125-93D8-BAEA59BDBDD7}" dt="2023-04-18T22:38:56.701" v="1447" actId="207"/>
+        <pc:sldMkLst>
+          <pc:docMk/>
+          <pc:sldMk cId="2513982676" sldId="267"/>
+        </pc:sldMkLst>
+        <pc:spChg chg="del mod">
+          <ac:chgData name="Silvia Fiecchi" userId="e03677229424f528" providerId="LiveId" clId="{DEEE4860-BD04-4125-93D8-BAEA59BDBDD7}" dt="2023-04-18T22:16:21.691" v="1104" actId="478"/>
+          <ac:spMkLst>
+            <pc:docMk/>
+            <pc:sldMk cId="2513982676" sldId="267"/>
+            <ac:spMk id="2" creationId="{7A8532DA-0959-41FB-3560-32DA749914E8}"/>
+          </ac:spMkLst>
+        </pc:spChg>
+        <pc:spChg chg="mod">
+          <ac:chgData name="Silvia Fiecchi" userId="e03677229424f528" providerId="LiveId" clId="{DEEE4860-BD04-4125-93D8-BAEA59BDBDD7}" dt="2023-04-18T22:38:56.701" v="1447" actId="207"/>
+          <ac:spMkLst>
+            <pc:docMk/>
+            <pc:sldMk cId="2513982676" sldId="267"/>
+            <ac:spMk id="3" creationId="{F20CA9AA-392F-2E94-9DAC-EBFFFECF1162}"/>
+          </ac:spMkLst>
+        </pc:spChg>
+        <pc:spChg chg="add mod">
+          <ac:chgData name="Silvia Fiecchi" userId="e03677229424f528" providerId="LiveId" clId="{DEEE4860-BD04-4125-93D8-BAEA59BDBDD7}" dt="2023-04-18T22:17:24.974" v="1107" actId="1076"/>
+          <ac:spMkLst>
+            <pc:docMk/>
+            <pc:sldMk cId="2513982676" sldId="267"/>
+            <ac:spMk id="4" creationId="{2940C41F-A624-BAE7-247B-B368A9CEC560}"/>
+          </ac:spMkLst>
+        </pc:spChg>
+        <pc:spChg chg="add del mod">
+          <ac:chgData name="Silvia Fiecchi" userId="e03677229424f528" providerId="LiveId" clId="{DEEE4860-BD04-4125-93D8-BAEA59BDBDD7}" dt="2023-04-18T22:16:26.040" v="1105" actId="478"/>
+          <ac:spMkLst>
+            <pc:docMk/>
+            <pc:sldMk cId="2513982676" sldId="267"/>
+            <ac:spMk id="6" creationId="{D2430930-4D05-9AF4-35D5-CA841184C041}"/>
+          </ac:spMkLst>
+        </pc:spChg>
+      </pc:sldChg>
+      <pc:sldChg chg="addSp delSp modSp mod">
+        <pc:chgData name="Silvia Fiecchi" userId="e03677229424f528" providerId="LiveId" clId="{DEEE4860-BD04-4125-93D8-BAEA59BDBDD7}" dt="2023-04-18T22:15:48.178" v="1092" actId="1076"/>
+        <pc:sldMkLst>
+          <pc:docMk/>
+          <pc:sldMk cId="3368148799" sldId="268"/>
+        </pc:sldMkLst>
+        <pc:spChg chg="del mod">
+          <ac:chgData name="Silvia Fiecchi" userId="e03677229424f528" providerId="LiveId" clId="{DEEE4860-BD04-4125-93D8-BAEA59BDBDD7}" dt="2023-04-18T22:09:19.282" v="973" actId="478"/>
+          <ac:spMkLst>
+            <pc:docMk/>
+            <pc:sldMk cId="3368148799" sldId="268"/>
+            <ac:spMk id="2" creationId="{7610D10B-29F2-CDE5-607B-085C33629175}"/>
+          </ac:spMkLst>
+        </pc:spChg>
+        <pc:spChg chg="add mod">
+          <ac:chgData name="Silvia Fiecchi" userId="e03677229424f528" providerId="LiveId" clId="{DEEE4860-BD04-4125-93D8-BAEA59BDBDD7}" dt="2023-04-18T22:10:12.050" v="997" actId="1076"/>
+          <ac:spMkLst>
+            <pc:docMk/>
+            <pc:sldMk cId="3368148799" sldId="268"/>
+            <ac:spMk id="3" creationId="{32E6316E-DA18-8717-A7A6-3F19E81FBD61}"/>
+          </ac:spMkLst>
+        </pc:spChg>
+        <pc:spChg chg="mod">
+          <ac:chgData name="Silvia Fiecchi" userId="e03677229424f528" providerId="LiveId" clId="{DEEE4860-BD04-4125-93D8-BAEA59BDBDD7}" dt="2023-04-18T22:15:16.434" v="1088" actId="122"/>
+          <ac:spMkLst>
+            <pc:docMk/>
+            <pc:sldMk cId="3368148799" sldId="268"/>
+            <ac:spMk id="10" creationId="{241803F5-A2A5-8C48-911E-1DA6448AD859}"/>
+          </ac:spMkLst>
+        </pc:spChg>
+        <pc:spChg chg="mod">
+          <ac:chgData name="Silvia Fiecchi" userId="e03677229424f528" providerId="LiveId" clId="{DEEE4860-BD04-4125-93D8-BAEA59BDBDD7}" dt="2023-04-18T22:15:48.178" v="1092" actId="1076"/>
+          <ac:spMkLst>
+            <pc:docMk/>
+            <pc:sldMk cId="3368148799" sldId="268"/>
+            <ac:spMk id="15" creationId="{928763AE-5F53-6A62-CC71-C010AE82127E}"/>
+          </ac:spMkLst>
+        </pc:spChg>
+        <pc:spChg chg="del">
+          <ac:chgData name="Silvia Fiecchi" userId="e03677229424f528" providerId="LiveId" clId="{DEEE4860-BD04-4125-93D8-BAEA59BDBDD7}" dt="2023-04-18T22:09:12.053" v="971" actId="478"/>
+          <ac:spMkLst>
+            <pc:docMk/>
+            <pc:sldMk cId="3368148799" sldId="268"/>
+            <ac:spMk id="29" creationId="{E2FFAD3C-07E3-58C6-AAE5-FFEBEA7E115F}"/>
+          </ac:spMkLst>
+        </pc:spChg>
+        <pc:spChg chg="del">
+          <ac:chgData name="Silvia Fiecchi" userId="e03677229424f528" providerId="LiveId" clId="{DEEE4860-BD04-4125-93D8-BAEA59BDBDD7}" dt="2023-04-18T22:09:13.700" v="972" actId="478"/>
+          <ac:spMkLst>
+            <pc:docMk/>
+            <pc:sldMk cId="3368148799" sldId="268"/>
+            <ac:spMk id="31" creationId="{37B9362A-CD26-7C04-A44C-7748284AB883}"/>
+          </ac:spMkLst>
+        </pc:spChg>
+        <pc:spChg chg="del">
+          <ac:chgData name="Silvia Fiecchi" userId="e03677229424f528" providerId="LiveId" clId="{DEEE4860-BD04-4125-93D8-BAEA59BDBDD7}" dt="2023-04-18T22:08:54.434" v="970" actId="478"/>
+          <ac:spMkLst>
+            <pc:docMk/>
+            <pc:sldMk cId="3368148799" sldId="268"/>
+            <ac:spMk id="50" creationId="{242B7F2F-CD65-9BFE-6CA3-0527428DE06E}"/>
+          </ac:spMkLst>
+        </pc:spChg>
+        <pc:spChg chg="del">
+          <ac:chgData name="Silvia Fiecchi" userId="e03677229424f528" providerId="LiveId" clId="{DEEE4860-BD04-4125-93D8-BAEA59BDBDD7}" dt="2023-04-18T22:10:01.847" v="996" actId="478"/>
+          <ac:spMkLst>
+            <pc:docMk/>
+            <pc:sldMk cId="3368148799" sldId="268"/>
+            <ac:spMk id="51" creationId="{2F1B6880-124C-F0B4-6214-08CC90BDB112}"/>
+          </ac:spMkLst>
+        </pc:spChg>
+        <pc:spChg chg="mod">
+          <ac:chgData name="Silvia Fiecchi" userId="e03677229424f528" providerId="LiveId" clId="{DEEE4860-BD04-4125-93D8-BAEA59BDBDD7}" dt="2023-04-18T22:15:33.646" v="1090" actId="1076"/>
+          <ac:spMkLst>
+            <pc:docMk/>
+            <pc:sldMk cId="3368148799" sldId="268"/>
+            <ac:spMk id="72" creationId="{C35B82CC-354C-6298-5775-97F026C57E07}"/>
+          </ac:spMkLst>
+        </pc:spChg>
+        <pc:spChg chg="add del mod">
+          <ac:chgData name="Silvia Fiecchi" userId="e03677229424f528" providerId="LiveId" clId="{DEEE4860-BD04-4125-93D8-BAEA59BDBDD7}" dt="2023-04-18T22:14:39.958" v="1082" actId="1076"/>
+          <ac:spMkLst>
+            <pc:docMk/>
+            <pc:sldMk cId="3368148799" sldId="268"/>
+            <ac:spMk id="80" creationId="{A606782E-F70C-F09A-791D-D5578EE6BE4D}"/>
+          </ac:spMkLst>
+        </pc:spChg>
+        <pc:picChg chg="mod">
+          <ac:chgData name="Silvia Fiecchi" userId="e03677229424f528" providerId="LiveId" clId="{DEEE4860-BD04-4125-93D8-BAEA59BDBDD7}" dt="2023-04-18T22:15:37.918" v="1091" actId="1076"/>
+          <ac:picMkLst>
+            <pc:docMk/>
+            <pc:sldMk cId="3368148799" sldId="268"/>
+            <ac:picMk id="6" creationId="{5D87361C-A100-7C16-D127-F6262057B72B}"/>
+          </ac:picMkLst>
+        </pc:picChg>
+        <pc:picChg chg="mod">
+          <ac:chgData name="Silvia Fiecchi" userId="e03677229424f528" providerId="LiveId" clId="{DEEE4860-BD04-4125-93D8-BAEA59BDBDD7}" dt="2023-04-18T22:15:11.526" v="1086" actId="1076"/>
+          <ac:picMkLst>
+            <pc:docMk/>
+            <pc:sldMk cId="3368148799" sldId="268"/>
+            <ac:picMk id="7" creationId="{6CF9448C-0E78-5161-A340-9E30B243E6DE}"/>
+          </ac:picMkLst>
+        </pc:picChg>
+        <pc:picChg chg="add del mod modCrop">
+          <ac:chgData name="Silvia Fiecchi" userId="e03677229424f528" providerId="LiveId" clId="{DEEE4860-BD04-4125-93D8-BAEA59BDBDD7}" dt="2023-04-18T22:14:36.841" v="1081" actId="1076"/>
+          <ac:picMkLst>
+            <pc:docMk/>
+            <pc:sldMk cId="3368148799" sldId="268"/>
+            <ac:picMk id="14" creationId="{DDDB3919-9A3E-17B1-21D3-D15EB78EFF95}"/>
+          </ac:picMkLst>
+        </pc:picChg>
+        <pc:picChg chg="del mod">
+          <ac:chgData name="Silvia Fiecchi" userId="e03677229424f528" providerId="LiveId" clId="{DEEE4860-BD04-4125-93D8-BAEA59BDBDD7}" dt="2023-04-18T22:13:09.810" v="1035" actId="478"/>
+          <ac:picMkLst>
+            <pc:docMk/>
+            <pc:sldMk cId="3368148799" sldId="268"/>
+            <ac:picMk id="16" creationId="{E062C997-6211-1498-AA3F-3EB522E6374B}"/>
+          </ac:picMkLst>
+        </pc:picChg>
+      </pc:sldChg>
+      <pc:sldChg chg="addSp delSp modSp new mod">
+        <pc:chgData name="Silvia Fiecchi" userId="e03677229424f528" providerId="LiveId" clId="{DEEE4860-BD04-4125-93D8-BAEA59BDBDD7}" dt="2023-04-18T23:07:50.781" v="2474" actId="1076"/>
+        <pc:sldMkLst>
+          <pc:docMk/>
+          <pc:sldMk cId="2075369970" sldId="269"/>
+        </pc:sldMkLst>
+        <pc:spChg chg="del">
+          <ac:chgData name="Silvia Fiecchi" userId="e03677229424f528" providerId="LiveId" clId="{DEEE4860-BD04-4125-93D8-BAEA59BDBDD7}" dt="2023-04-18T22:57:26.042" v="2168"/>
+          <ac:spMkLst>
+            <pc:docMk/>
+            <pc:sldMk cId="2075369970" sldId="269"/>
+            <ac:spMk id="2" creationId="{033B673A-F009-E38D-5083-A451504DA6B8}"/>
+          </ac:spMkLst>
+        </pc:spChg>
+        <pc:spChg chg="mod">
+          <ac:chgData name="Silvia Fiecchi" userId="e03677229424f528" providerId="LiveId" clId="{DEEE4860-BD04-4125-93D8-BAEA59BDBDD7}" dt="2023-04-18T23:07:50.781" v="2474" actId="1076"/>
+          <ac:spMkLst>
+            <pc:docMk/>
+            <pc:sldMk cId="2075369970" sldId="269"/>
+            <ac:spMk id="3" creationId="{CB7239C8-21FD-8891-4A52-AAF8CA1876B9}"/>
+          </ac:spMkLst>
+        </pc:spChg>
+        <pc:spChg chg="add mod">
+          <ac:chgData name="Silvia Fiecchi" userId="e03677229424f528" providerId="LiveId" clId="{DEEE4860-BD04-4125-93D8-BAEA59BDBDD7}" dt="2023-04-18T23:01:52.793" v="2308" actId="1076"/>
+          <ac:spMkLst>
+            <pc:docMk/>
+            <pc:sldMk cId="2075369970" sldId="269"/>
+            <ac:spMk id="4" creationId="{3C165F69-5648-58AA-5CFE-7FA9858EAD5F}"/>
+          </ac:spMkLst>
+        </pc:spChg>
+        <pc:spChg chg="add mod">
+          <ac:chgData name="Silvia Fiecchi" userId="e03677229424f528" providerId="LiveId" clId="{DEEE4860-BD04-4125-93D8-BAEA59BDBDD7}" dt="2023-04-18T23:07:22.251" v="2470" actId="1076"/>
+          <ac:spMkLst>
+            <pc:docMk/>
+            <pc:sldMk cId="2075369970" sldId="269"/>
+            <ac:spMk id="7" creationId="{580E4318-819C-6018-8944-58F25E5A9559}"/>
+          </ac:spMkLst>
+        </pc:spChg>
+        <pc:picChg chg="add mod">
+          <ac:chgData name="Silvia Fiecchi" userId="e03677229424f528" providerId="LiveId" clId="{DEEE4860-BD04-4125-93D8-BAEA59BDBDD7}" dt="2023-04-18T23:02:01.827" v="2310" actId="1076"/>
+          <ac:picMkLst>
+            <pc:docMk/>
+            <pc:sldMk cId="2075369970" sldId="269"/>
+            <ac:picMk id="6" creationId="{5655CEC4-6696-8D50-9E83-23B3FAA7238E}"/>
+          </ac:picMkLst>
+        </pc:picChg>
+        <pc:picChg chg="add mod">
+          <ac:chgData name="Silvia Fiecchi" userId="e03677229424f528" providerId="LiveId" clId="{DEEE4860-BD04-4125-93D8-BAEA59BDBDD7}" dt="2023-04-18T23:07:07.998" v="2466" actId="1076"/>
+          <ac:picMkLst>
+            <pc:docMk/>
+            <pc:sldMk cId="2075369970" sldId="269"/>
+            <ac:picMk id="9" creationId="{2FD5891C-5441-A25D-8C80-E60C489FF502}"/>
+          </ac:picMkLst>
+        </pc:picChg>
+        <pc:picChg chg="add mod modCrop">
+          <ac:chgData name="Silvia Fiecchi" userId="e03677229424f528" providerId="LiveId" clId="{DEEE4860-BD04-4125-93D8-BAEA59BDBDD7}" dt="2023-04-18T23:07:10.618" v="2467" actId="1076"/>
+          <ac:picMkLst>
+            <pc:docMk/>
+            <pc:sldMk cId="2075369970" sldId="269"/>
+            <ac:picMk id="11" creationId="{CE0F67FB-5D77-3F2C-6E65-E0B16D268A32}"/>
+          </ac:picMkLst>
+        </pc:picChg>
+      </pc:sldChg>
+    </pc:docChg>
+  </pc:docChgLst>
+</pc:chgInfo>
+</file>
+
 <file path=ppt/slideLayouts/slideLayout1.xml><?xml version="1.0" encoding="utf-8"?>
 <p:sldLayout xmlns:a="http://schemas.openxmlformats.org/drawingml/2006/main" xmlns:r="http://schemas.openxmlformats.org/officeDocument/2006/relationships" xmlns:p="http://schemas.openxmlformats.org/presentationml/2006/main" type="title" preserve="1">
   <p:cSld name="Diapositiva titolo">
@@ -164,15 +925,17 @@
         </p:nvSpPr>
         <p:spPr>
           <a:xfrm>
-            <a:off x="1524000" y="1122363"/>
-            <a:ext cx="9144000" cy="2387600"/>
+            <a:off x="1370693" y="1769540"/>
+            <a:ext cx="9440034" cy="1828801"/>
           </a:xfrm>
         </p:spPr>
         <p:txBody>
-          <a:bodyPr anchor="b"/>
+          <a:bodyPr anchor="b">
+            <a:normAutofit/>
+          </a:bodyPr>
           <a:lstStyle>
             <a:lvl1pPr algn="ctr">
-              <a:defRPr sz="6000"/>
+              <a:defRPr sz="5400"/>
             </a:lvl1pPr>
           </a:lstStyle>
           <a:p>
@@ -196,48 +959,100 @@
         </p:nvSpPr>
         <p:spPr>
           <a:xfrm>
-            <a:off x="1524000" y="3602038"/>
-            <a:ext cx="9144000" cy="1655762"/>
+            <a:off x="1370693" y="3598339"/>
+            <a:ext cx="9440034" cy="1049867"/>
           </a:xfrm>
         </p:spPr>
         <p:txBody>
-          <a:bodyPr/>
+          <a:bodyPr anchor="t"/>
           <a:lstStyle>
             <a:lvl1pPr marL="0" indent="0" algn="ctr">
               <a:buNone/>
-              <a:defRPr sz="2400"/>
+              <a:defRPr>
+                <a:solidFill>
+                  <a:schemeClr val="tx1"/>
+                </a:solidFill>
+              </a:defRPr>
             </a:lvl1pPr>
             <a:lvl2pPr marL="457200" indent="0" algn="ctr">
               <a:buNone/>
-              <a:defRPr sz="2000"/>
+              <a:defRPr>
+                <a:solidFill>
+                  <a:schemeClr val="tx1">
+                    <a:tint val="75000"/>
+                  </a:schemeClr>
+                </a:solidFill>
+              </a:defRPr>
             </a:lvl2pPr>
             <a:lvl3pPr marL="914400" indent="0" algn="ctr">
               <a:buNone/>
-              <a:defRPr sz="1800"/>
+              <a:defRPr>
+                <a:solidFill>
+                  <a:schemeClr val="tx1">
+                    <a:tint val="75000"/>
+                  </a:schemeClr>
+                </a:solidFill>
+              </a:defRPr>
             </a:lvl3pPr>
             <a:lvl4pPr marL="1371600" indent="0" algn="ctr">
               <a:buNone/>
-              <a:defRPr sz="1600"/>
+              <a:defRPr>
+                <a:solidFill>
+                  <a:schemeClr val="tx1">
+                    <a:tint val="75000"/>
+                  </a:schemeClr>
+                </a:solidFill>
+              </a:defRPr>
             </a:lvl4pPr>
             <a:lvl5pPr marL="1828800" indent="0" algn="ctr">
               <a:buNone/>
-              <a:defRPr sz="1600"/>
+              <a:defRPr>
+                <a:solidFill>
+                  <a:schemeClr val="tx1">
+                    <a:tint val="75000"/>
+                  </a:schemeClr>
+                </a:solidFill>
+              </a:defRPr>
             </a:lvl5pPr>
             <a:lvl6pPr marL="2286000" indent="0" algn="ctr">
               <a:buNone/>
-              <a:defRPr sz="1600"/>
+              <a:defRPr>
+                <a:solidFill>
+                  <a:schemeClr val="tx1">
+                    <a:tint val="75000"/>
+                  </a:schemeClr>
+                </a:solidFill>
+              </a:defRPr>
             </a:lvl6pPr>
             <a:lvl7pPr marL="2743200" indent="0" algn="ctr">
               <a:buNone/>
-              <a:defRPr sz="1600"/>
+              <a:defRPr>
+                <a:solidFill>
+                  <a:schemeClr val="tx1">
+                    <a:tint val="75000"/>
+                  </a:schemeClr>
+                </a:solidFill>
+              </a:defRPr>
             </a:lvl7pPr>
             <a:lvl8pPr marL="3200400" indent="0" algn="ctr">
               <a:buNone/>
-              <a:defRPr sz="1600"/>
+              <a:defRPr>
+                <a:solidFill>
+                  <a:schemeClr val="tx1">
+                    <a:tint val="75000"/>
+                  </a:schemeClr>
+                </a:solidFill>
+              </a:defRPr>
             </a:lvl8pPr>
             <a:lvl9pPr marL="3657600" indent="0" algn="ctr">
               <a:buNone/>
-              <a:defRPr sz="1600"/>
+              <a:defRPr>
+                <a:solidFill>
+                  <a:schemeClr val="tx1">
+                    <a:tint val="75000"/>
+                  </a:schemeClr>
+                </a:solidFill>
+              </a:defRPr>
             </a:lvl9pPr>
           </a:lstStyle>
           <a:p>
@@ -268,7 +1083,7 @@
               <a:rPr lang="it-IT" smtClean="0"/>
               <a:t>18/04/2023</a:t>
             </a:fld>
-            <a:endParaRPr lang="it-IT"/>
+            <a:endParaRPr lang="it-IT" dirty="0"/>
           </a:p>
         </p:txBody>
       </p:sp>
@@ -287,7 +1102,7 @@
           <a:bodyPr/>
           <a:lstStyle/>
           <a:p>
-            <a:endParaRPr lang="it-IT"/>
+            <a:endParaRPr lang="it-IT" dirty="0"/>
           </a:p>
         </p:txBody>
       </p:sp>
@@ -310,14 +1125,14 @@
               <a:rPr lang="it-IT" smtClean="0"/>
               <a:t>‹N›</a:t>
             </a:fld>
-            <a:endParaRPr lang="it-IT"/>
+            <a:endParaRPr lang="it-IT" dirty="0"/>
           </a:p>
         </p:txBody>
       </p:sp>
     </p:spTree>
     <p:extLst>
       <p:ext uri="{BB962C8B-B14F-4D97-AF65-F5344CB8AC3E}">
-        <p14:creationId xmlns:p14="http://schemas.microsoft.com/office/powerpoint/2010/main" val="247758086"/>
+        <p14:creationId xmlns:p14="http://schemas.microsoft.com/office/powerpoint/2010/main" val="2990640047"/>
       </p:ext>
     </p:extLst>
   </p:cSld>
@@ -328,6 +1143,2582 @@
 </file>
 
 <file path=ppt/slideLayouts/slideLayout10.xml><?xml version="1.0" encoding="utf-8"?>
+<p:sldLayout xmlns:a="http://schemas.openxmlformats.org/drawingml/2006/main" xmlns:r="http://schemas.openxmlformats.org/officeDocument/2006/relationships" xmlns:p="http://schemas.openxmlformats.org/presentationml/2006/main" preserve="1">
+  <p:cSld name="Immagine panoramica con didascalia">
+    <p:spTree>
+      <p:nvGrpSpPr>
+        <p:cNvPr id="1" name=""/>
+        <p:cNvGrpSpPr/>
+        <p:nvPr/>
+      </p:nvGrpSpPr>
+      <p:grpSpPr>
+        <a:xfrm>
+          <a:off x="0" y="0"/>
+          <a:ext cx="0" cy="0"/>
+          <a:chOff x="0" y="0"/>
+          <a:chExt cx="0" cy="0"/>
+        </a:xfrm>
+      </p:grpSpPr>
+      <p:pic>
+        <p:nvPicPr>
+          <p:cNvPr id="16" name="Picture 15" descr="Slate-V2-HD-panoPhotoInset.png"/>
+          <p:cNvPicPr>
+            <a:picLocks noChangeAspect="1"/>
+          </p:cNvPicPr>
+          <p:nvPr/>
+        </p:nvPicPr>
+        <p:blipFill>
+          <a:blip r:embed="rId2">
+            <a:extLst>
+              <a:ext uri="{28A0092B-C50C-407E-A947-70E740481C1C}">
+                <a14:useLocalDpi xmlns:a14="http://schemas.microsoft.com/office/drawing/2010/main" val="0"/>
+              </a:ext>
+            </a:extLst>
+          </a:blip>
+          <a:stretch>
+            <a:fillRect/>
+          </a:stretch>
+        </p:blipFill>
+        <p:spPr>
+          <a:xfrm>
+            <a:off x="1013883" y="547807"/>
+            <a:ext cx="10141799" cy="3816806"/>
+          </a:xfrm>
+          <a:prstGeom prst="rect">
+            <a:avLst/>
+          </a:prstGeom>
+        </p:spPr>
+      </p:pic>
+      <p:sp>
+        <p:nvSpPr>
+          <p:cNvPr id="2" name="Title 1"/>
+          <p:cNvSpPr>
+            <a:spLocks noGrp="1"/>
+          </p:cNvSpPr>
+          <p:nvPr>
+            <p:ph type="title"/>
+          </p:nvPr>
+        </p:nvSpPr>
+        <p:spPr>
+          <a:xfrm>
+            <a:off x="913806" y="4565255"/>
+            <a:ext cx="10355326" cy="543472"/>
+          </a:xfrm>
+        </p:spPr>
+        <p:txBody>
+          <a:bodyPr anchor="b">
+            <a:normAutofit/>
+          </a:bodyPr>
+          <a:lstStyle>
+            <a:lvl1pPr algn="ctr">
+              <a:defRPr sz="2800"/>
+            </a:lvl1pPr>
+          </a:lstStyle>
+          <a:p>
+            <a:r>
+              <a:rPr lang="it-IT"/>
+              <a:t>Fare clic per modificare lo stile del titolo dello schema</a:t>
+            </a:r>
+            <a:endParaRPr lang="en-US" dirty="0"/>
+          </a:p>
+        </p:txBody>
+      </p:sp>
+      <p:sp>
+        <p:nvSpPr>
+          <p:cNvPr id="3" name="Picture Placeholder 2"/>
+          <p:cNvSpPr>
+            <a:spLocks noGrp="1" noChangeAspect="1"/>
+          </p:cNvSpPr>
+          <p:nvPr>
+            <p:ph type="pic" idx="1"/>
+          </p:nvPr>
+        </p:nvSpPr>
+        <p:spPr>
+          <a:xfrm>
+            <a:off x="1169349" y="695009"/>
+            <a:ext cx="9845346" cy="3525671"/>
+          </a:xfrm>
+          <a:effectLst>
+            <a:outerShdw blurRad="38100" dist="25400" dir="4440000">
+              <a:srgbClr val="000000">
+                <a:alpha val="36000"/>
+              </a:srgbClr>
+            </a:outerShdw>
+          </a:effectLst>
+        </p:spPr>
+        <p:txBody>
+          <a:bodyPr anchor="t">
+            <a:normAutofit/>
+          </a:bodyPr>
+          <a:lstStyle>
+            <a:lvl1pPr marL="0" indent="0" algn="ctr">
+              <a:buNone/>
+              <a:defRPr sz="2000"/>
+            </a:lvl1pPr>
+            <a:lvl2pPr marL="457200" indent="0">
+              <a:buNone/>
+              <a:defRPr sz="2000"/>
+            </a:lvl2pPr>
+            <a:lvl3pPr marL="914400" indent="0">
+              <a:buNone/>
+              <a:defRPr sz="2000"/>
+            </a:lvl3pPr>
+            <a:lvl4pPr marL="1371600" indent="0">
+              <a:buNone/>
+              <a:defRPr sz="2000"/>
+            </a:lvl4pPr>
+            <a:lvl5pPr marL="1828800" indent="0">
+              <a:buNone/>
+              <a:defRPr sz="2000"/>
+            </a:lvl5pPr>
+            <a:lvl6pPr marL="2286000" indent="0">
+              <a:buNone/>
+              <a:defRPr sz="2000"/>
+            </a:lvl6pPr>
+            <a:lvl7pPr marL="2743200" indent="0">
+              <a:buNone/>
+              <a:defRPr sz="2000"/>
+            </a:lvl7pPr>
+            <a:lvl8pPr marL="3200400" indent="0">
+              <a:buNone/>
+              <a:defRPr sz="2000"/>
+            </a:lvl8pPr>
+            <a:lvl9pPr marL="3657600" indent="0">
+              <a:buNone/>
+              <a:defRPr sz="2000"/>
+            </a:lvl9pPr>
+          </a:lstStyle>
+          <a:p>
+            <a:r>
+              <a:rPr lang="it-IT" dirty="0"/>
+              <a:t>Fare clic sull'icona per inserire un'immagine</a:t>
+            </a:r>
+            <a:endParaRPr lang="en-US" dirty="0"/>
+          </a:p>
+        </p:txBody>
+      </p:sp>
+      <p:sp>
+        <p:nvSpPr>
+          <p:cNvPr id="4" name="Text Placeholder 3"/>
+          <p:cNvSpPr>
+            <a:spLocks noGrp="1"/>
+          </p:cNvSpPr>
+          <p:nvPr>
+            <p:ph type="body" sz="half" idx="2"/>
+          </p:nvPr>
+        </p:nvSpPr>
+        <p:spPr>
+          <a:xfrm>
+            <a:off x="913795" y="5108728"/>
+            <a:ext cx="10353762" cy="682472"/>
+          </a:xfrm>
+        </p:spPr>
+        <p:txBody>
+          <a:bodyPr anchor="t"/>
+          <a:lstStyle>
+            <a:lvl1pPr marL="0" indent="0" algn="ctr">
+              <a:buNone/>
+              <a:defRPr sz="1600"/>
+            </a:lvl1pPr>
+            <a:lvl2pPr marL="457200" indent="0">
+              <a:buNone/>
+              <a:defRPr sz="1400"/>
+            </a:lvl2pPr>
+            <a:lvl3pPr marL="914400" indent="0">
+              <a:buNone/>
+              <a:defRPr sz="1200"/>
+            </a:lvl3pPr>
+            <a:lvl4pPr marL="1371600" indent="0">
+              <a:buNone/>
+              <a:defRPr sz="1000"/>
+            </a:lvl4pPr>
+            <a:lvl5pPr marL="1828800" indent="0">
+              <a:buNone/>
+              <a:defRPr sz="1000"/>
+            </a:lvl5pPr>
+            <a:lvl6pPr marL="2286000" indent="0">
+              <a:buNone/>
+              <a:defRPr sz="1000"/>
+            </a:lvl6pPr>
+            <a:lvl7pPr marL="2743200" indent="0">
+              <a:buNone/>
+              <a:defRPr sz="1000"/>
+            </a:lvl7pPr>
+            <a:lvl8pPr marL="3200400" indent="0">
+              <a:buNone/>
+              <a:defRPr sz="1000"/>
+            </a:lvl8pPr>
+            <a:lvl9pPr marL="3657600" indent="0">
+              <a:buNone/>
+              <a:defRPr sz="1000"/>
+            </a:lvl9pPr>
+          </a:lstStyle>
+          <a:p>
+            <a:pPr lvl="0"/>
+            <a:r>
+              <a:rPr lang="it-IT"/>
+              <a:t>Fare clic per modificare gli stili del testo dello schema</a:t>
+            </a:r>
+          </a:p>
+        </p:txBody>
+      </p:sp>
+      <p:sp>
+        <p:nvSpPr>
+          <p:cNvPr id="5" name="Date Placeholder 4"/>
+          <p:cNvSpPr>
+            <a:spLocks noGrp="1"/>
+          </p:cNvSpPr>
+          <p:nvPr>
+            <p:ph type="dt" sz="half" idx="10"/>
+          </p:nvPr>
+        </p:nvSpPr>
+        <p:spPr/>
+        <p:txBody>
+          <a:bodyPr/>
+          <a:lstStyle/>
+          <a:p>
+            <a:fld id="{1A270AA3-85FD-4336-B0B7-87033A430298}" type="datetimeFigureOut">
+              <a:rPr lang="it-IT" smtClean="0"/>
+              <a:t>18/04/2023</a:t>
+            </a:fld>
+            <a:endParaRPr lang="it-IT" dirty="0"/>
+          </a:p>
+        </p:txBody>
+      </p:sp>
+      <p:sp>
+        <p:nvSpPr>
+          <p:cNvPr id="6" name="Footer Placeholder 5"/>
+          <p:cNvSpPr>
+            <a:spLocks noGrp="1"/>
+          </p:cNvSpPr>
+          <p:nvPr>
+            <p:ph type="ftr" sz="quarter" idx="11"/>
+          </p:nvPr>
+        </p:nvSpPr>
+        <p:spPr/>
+        <p:txBody>
+          <a:bodyPr/>
+          <a:lstStyle/>
+          <a:p>
+            <a:endParaRPr lang="it-IT" dirty="0"/>
+          </a:p>
+        </p:txBody>
+      </p:sp>
+      <p:sp>
+        <p:nvSpPr>
+          <p:cNvPr id="7" name="Slide Number Placeholder 6"/>
+          <p:cNvSpPr>
+            <a:spLocks noGrp="1"/>
+          </p:cNvSpPr>
+          <p:nvPr>
+            <p:ph type="sldNum" sz="quarter" idx="12"/>
+          </p:nvPr>
+        </p:nvSpPr>
+        <p:spPr/>
+        <p:txBody>
+          <a:bodyPr/>
+          <a:lstStyle/>
+          <a:p>
+            <a:fld id="{B79E2095-E266-4349-B343-9AFCE9515DB3}" type="slidenum">
+              <a:rPr lang="it-IT" smtClean="0"/>
+              <a:t>‹N›</a:t>
+            </a:fld>
+            <a:endParaRPr lang="it-IT" dirty="0"/>
+          </a:p>
+        </p:txBody>
+      </p:sp>
+    </p:spTree>
+    <p:extLst>
+      <p:ext uri="{BB962C8B-B14F-4D97-AF65-F5344CB8AC3E}">
+        <p14:creationId xmlns:p14="http://schemas.microsoft.com/office/powerpoint/2010/main" val="765279512"/>
+      </p:ext>
+    </p:extLst>
+  </p:cSld>
+  <p:clrMapOvr>
+    <a:masterClrMapping/>
+  </p:clrMapOvr>
+</p:sldLayout>
+</file>
+
+<file path=ppt/slideLayouts/slideLayout11.xml><?xml version="1.0" encoding="utf-8"?>
+<p:sldLayout xmlns:a="http://schemas.openxmlformats.org/drawingml/2006/main" xmlns:r="http://schemas.openxmlformats.org/officeDocument/2006/relationships" xmlns:p="http://schemas.openxmlformats.org/presentationml/2006/main" preserve="1">
+  <p:cSld name="Titolo e sottotitolo">
+    <p:spTree>
+      <p:nvGrpSpPr>
+        <p:cNvPr id="1" name=""/>
+        <p:cNvGrpSpPr/>
+        <p:nvPr/>
+      </p:nvGrpSpPr>
+      <p:grpSpPr>
+        <a:xfrm>
+          <a:off x="0" y="0"/>
+          <a:ext cx="0" cy="0"/>
+          <a:chOff x="0" y="0"/>
+          <a:chExt cx="0" cy="0"/>
+        </a:xfrm>
+      </p:grpSpPr>
+      <p:sp>
+        <p:nvSpPr>
+          <p:cNvPr id="2" name="Title 1"/>
+          <p:cNvSpPr>
+            <a:spLocks noGrp="1"/>
+          </p:cNvSpPr>
+          <p:nvPr>
+            <p:ph type="title"/>
+          </p:nvPr>
+        </p:nvSpPr>
+        <p:spPr>
+          <a:xfrm>
+            <a:off x="913795" y="608437"/>
+            <a:ext cx="10353762" cy="3534344"/>
+          </a:xfrm>
+        </p:spPr>
+        <p:txBody>
+          <a:bodyPr anchor="ctr"/>
+          <a:lstStyle>
+            <a:lvl1pPr>
+              <a:defRPr sz="3200"/>
+            </a:lvl1pPr>
+          </a:lstStyle>
+          <a:p>
+            <a:r>
+              <a:rPr lang="it-IT"/>
+              <a:t>Fare clic per modificare lo stile del titolo dello schema</a:t>
+            </a:r>
+            <a:endParaRPr lang="en-US" dirty="0"/>
+          </a:p>
+        </p:txBody>
+      </p:sp>
+      <p:sp>
+        <p:nvSpPr>
+          <p:cNvPr id="4" name="Text Placeholder 3"/>
+          <p:cNvSpPr>
+            <a:spLocks noGrp="1"/>
+          </p:cNvSpPr>
+          <p:nvPr>
+            <p:ph type="body" sz="half" idx="2"/>
+          </p:nvPr>
+        </p:nvSpPr>
+        <p:spPr>
+          <a:xfrm>
+            <a:off x="913794" y="4295180"/>
+            <a:ext cx="10353763" cy="1501826"/>
+          </a:xfrm>
+        </p:spPr>
+        <p:txBody>
+          <a:bodyPr anchor="ctr"/>
+          <a:lstStyle>
+            <a:lvl1pPr marL="0" indent="0" algn="ctr">
+              <a:buNone/>
+              <a:defRPr sz="1600"/>
+            </a:lvl1pPr>
+            <a:lvl2pPr marL="457200" indent="0">
+              <a:buNone/>
+              <a:defRPr sz="1400"/>
+            </a:lvl2pPr>
+            <a:lvl3pPr marL="914400" indent="0">
+              <a:buNone/>
+              <a:defRPr sz="1200"/>
+            </a:lvl3pPr>
+            <a:lvl4pPr marL="1371600" indent="0">
+              <a:buNone/>
+              <a:defRPr sz="1000"/>
+            </a:lvl4pPr>
+            <a:lvl5pPr marL="1828800" indent="0">
+              <a:buNone/>
+              <a:defRPr sz="1000"/>
+            </a:lvl5pPr>
+            <a:lvl6pPr marL="2286000" indent="0">
+              <a:buNone/>
+              <a:defRPr sz="1000"/>
+            </a:lvl6pPr>
+            <a:lvl7pPr marL="2743200" indent="0">
+              <a:buNone/>
+              <a:defRPr sz="1000"/>
+            </a:lvl7pPr>
+            <a:lvl8pPr marL="3200400" indent="0">
+              <a:buNone/>
+              <a:defRPr sz="1000"/>
+            </a:lvl8pPr>
+            <a:lvl9pPr marL="3657600" indent="0">
+              <a:buNone/>
+              <a:defRPr sz="1000"/>
+            </a:lvl9pPr>
+          </a:lstStyle>
+          <a:p>
+            <a:pPr lvl="0"/>
+            <a:r>
+              <a:rPr lang="it-IT"/>
+              <a:t>Fare clic per modificare gli stili del testo dello schema</a:t>
+            </a:r>
+          </a:p>
+        </p:txBody>
+      </p:sp>
+      <p:sp>
+        <p:nvSpPr>
+          <p:cNvPr id="5" name="Date Placeholder 4"/>
+          <p:cNvSpPr>
+            <a:spLocks noGrp="1"/>
+          </p:cNvSpPr>
+          <p:nvPr>
+            <p:ph type="dt" sz="half" idx="10"/>
+          </p:nvPr>
+        </p:nvSpPr>
+        <p:spPr/>
+        <p:txBody>
+          <a:bodyPr/>
+          <a:lstStyle/>
+          <a:p>
+            <a:fld id="{1A270AA3-85FD-4336-B0B7-87033A430298}" type="datetimeFigureOut">
+              <a:rPr lang="it-IT" smtClean="0"/>
+              <a:t>18/04/2023</a:t>
+            </a:fld>
+            <a:endParaRPr lang="it-IT" dirty="0"/>
+          </a:p>
+        </p:txBody>
+      </p:sp>
+      <p:sp>
+        <p:nvSpPr>
+          <p:cNvPr id="6" name="Footer Placeholder 5"/>
+          <p:cNvSpPr>
+            <a:spLocks noGrp="1"/>
+          </p:cNvSpPr>
+          <p:nvPr>
+            <p:ph type="ftr" sz="quarter" idx="11"/>
+          </p:nvPr>
+        </p:nvSpPr>
+        <p:spPr/>
+        <p:txBody>
+          <a:bodyPr/>
+          <a:lstStyle/>
+          <a:p>
+            <a:endParaRPr lang="it-IT" dirty="0"/>
+          </a:p>
+        </p:txBody>
+      </p:sp>
+      <p:sp>
+        <p:nvSpPr>
+          <p:cNvPr id="7" name="Slide Number Placeholder 6"/>
+          <p:cNvSpPr>
+            <a:spLocks noGrp="1"/>
+          </p:cNvSpPr>
+          <p:nvPr>
+            <p:ph type="sldNum" sz="quarter" idx="12"/>
+          </p:nvPr>
+        </p:nvSpPr>
+        <p:spPr/>
+        <p:txBody>
+          <a:bodyPr/>
+          <a:lstStyle/>
+          <a:p>
+            <a:fld id="{B79E2095-E266-4349-B343-9AFCE9515DB3}" type="slidenum">
+              <a:rPr lang="it-IT" smtClean="0"/>
+              <a:t>‹N›</a:t>
+            </a:fld>
+            <a:endParaRPr lang="it-IT" dirty="0"/>
+          </a:p>
+        </p:txBody>
+      </p:sp>
+    </p:spTree>
+    <p:extLst>
+      <p:ext uri="{BB962C8B-B14F-4D97-AF65-F5344CB8AC3E}">
+        <p14:creationId xmlns:p14="http://schemas.microsoft.com/office/powerpoint/2010/main" val="3359431939"/>
+      </p:ext>
+    </p:extLst>
+  </p:cSld>
+  <p:clrMapOvr>
+    <a:masterClrMapping/>
+  </p:clrMapOvr>
+</p:sldLayout>
+</file>
+
+<file path=ppt/slideLayouts/slideLayout12.xml><?xml version="1.0" encoding="utf-8"?>
+<p:sldLayout xmlns:a="http://schemas.openxmlformats.org/drawingml/2006/main" xmlns:r="http://schemas.openxmlformats.org/officeDocument/2006/relationships" xmlns:p="http://schemas.openxmlformats.org/presentationml/2006/main" preserve="1">
+  <p:cSld name="Citazione con didascalia">
+    <p:spTree>
+      <p:nvGrpSpPr>
+        <p:cNvPr id="1" name=""/>
+        <p:cNvGrpSpPr/>
+        <p:nvPr/>
+      </p:nvGrpSpPr>
+      <p:grpSpPr>
+        <a:xfrm>
+          <a:off x="0" y="0"/>
+          <a:ext cx="0" cy="0"/>
+          <a:chOff x="0" y="0"/>
+          <a:chExt cx="0" cy="0"/>
+        </a:xfrm>
+      </p:grpSpPr>
+      <p:sp>
+        <p:nvSpPr>
+          <p:cNvPr id="2" name="Title 1"/>
+          <p:cNvSpPr>
+            <a:spLocks noGrp="1"/>
+          </p:cNvSpPr>
+          <p:nvPr>
+            <p:ph type="title"/>
+          </p:nvPr>
+        </p:nvSpPr>
+        <p:spPr>
+          <a:xfrm>
+            <a:off x="1446212" y="609600"/>
+            <a:ext cx="9302752" cy="2992904"/>
+          </a:xfrm>
+        </p:spPr>
+        <p:txBody>
+          <a:bodyPr anchor="ctr"/>
+          <a:lstStyle>
+            <a:lvl1pPr>
+              <a:defRPr sz="3200"/>
+            </a:lvl1pPr>
+          </a:lstStyle>
+          <a:p>
+            <a:r>
+              <a:rPr lang="it-IT"/>
+              <a:t>Fare clic per modificare lo stile del titolo dello schema</a:t>
+            </a:r>
+            <a:endParaRPr lang="en-US" dirty="0"/>
+          </a:p>
+        </p:txBody>
+      </p:sp>
+      <p:sp>
+        <p:nvSpPr>
+          <p:cNvPr id="12" name="Text Placeholder 3"/>
+          <p:cNvSpPr>
+            <a:spLocks noGrp="1"/>
+          </p:cNvSpPr>
+          <p:nvPr>
+            <p:ph type="body" sz="half" idx="13"/>
+          </p:nvPr>
+        </p:nvSpPr>
+        <p:spPr>
+          <a:xfrm>
+            <a:off x="1720644" y="3610032"/>
+            <a:ext cx="8752299" cy="532749"/>
+          </a:xfrm>
+        </p:spPr>
+        <p:txBody>
+          <a:bodyPr anchor="t">
+            <a:normAutofit/>
+          </a:bodyPr>
+          <a:lstStyle>
+            <a:lvl1pPr marL="0" indent="0" algn="r">
+              <a:buNone/>
+              <a:defRPr sz="1400"/>
+            </a:lvl1pPr>
+            <a:lvl2pPr marL="457200" indent="0">
+              <a:buNone/>
+              <a:defRPr sz="1400"/>
+            </a:lvl2pPr>
+            <a:lvl3pPr marL="914400" indent="0">
+              <a:buNone/>
+              <a:defRPr sz="1200"/>
+            </a:lvl3pPr>
+            <a:lvl4pPr marL="1371600" indent="0">
+              <a:buNone/>
+              <a:defRPr sz="1000"/>
+            </a:lvl4pPr>
+            <a:lvl5pPr marL="1828800" indent="0">
+              <a:buNone/>
+              <a:defRPr sz="1000"/>
+            </a:lvl5pPr>
+            <a:lvl6pPr marL="2286000" indent="0">
+              <a:buNone/>
+              <a:defRPr sz="1000"/>
+            </a:lvl6pPr>
+            <a:lvl7pPr marL="2743200" indent="0">
+              <a:buNone/>
+              <a:defRPr sz="1000"/>
+            </a:lvl7pPr>
+            <a:lvl8pPr marL="3200400" indent="0">
+              <a:buNone/>
+              <a:defRPr sz="1000"/>
+            </a:lvl8pPr>
+            <a:lvl9pPr marL="3657600" indent="0">
+              <a:buNone/>
+              <a:defRPr sz="1000"/>
+            </a:lvl9pPr>
+          </a:lstStyle>
+          <a:p>
+            <a:pPr lvl="0"/>
+            <a:r>
+              <a:rPr lang="it-IT"/>
+              <a:t>Fare clic per modificare gli stili del testo dello schema</a:t>
+            </a:r>
+          </a:p>
+        </p:txBody>
+      </p:sp>
+      <p:sp>
+        <p:nvSpPr>
+          <p:cNvPr id="4" name="Text Placeholder 3"/>
+          <p:cNvSpPr>
+            <a:spLocks noGrp="1"/>
+          </p:cNvSpPr>
+          <p:nvPr>
+            <p:ph type="body" sz="half" idx="2"/>
+          </p:nvPr>
+        </p:nvSpPr>
+        <p:spPr>
+          <a:xfrm>
+            <a:off x="913794" y="4304353"/>
+            <a:ext cx="10353763" cy="1489496"/>
+          </a:xfrm>
+        </p:spPr>
+        <p:txBody>
+          <a:bodyPr anchor="ctr">
+            <a:normAutofit/>
+          </a:bodyPr>
+          <a:lstStyle>
+            <a:lvl1pPr marL="0" indent="0" algn="ctr">
+              <a:buNone/>
+              <a:defRPr sz="1600"/>
+            </a:lvl1pPr>
+            <a:lvl2pPr marL="457200" indent="0">
+              <a:buNone/>
+              <a:defRPr sz="1400"/>
+            </a:lvl2pPr>
+            <a:lvl3pPr marL="914400" indent="0">
+              <a:buNone/>
+              <a:defRPr sz="1200"/>
+            </a:lvl3pPr>
+            <a:lvl4pPr marL="1371600" indent="0">
+              <a:buNone/>
+              <a:defRPr sz="1000"/>
+            </a:lvl4pPr>
+            <a:lvl5pPr marL="1828800" indent="0">
+              <a:buNone/>
+              <a:defRPr sz="1000"/>
+            </a:lvl5pPr>
+            <a:lvl6pPr marL="2286000" indent="0">
+              <a:buNone/>
+              <a:defRPr sz="1000"/>
+            </a:lvl6pPr>
+            <a:lvl7pPr marL="2743200" indent="0">
+              <a:buNone/>
+              <a:defRPr sz="1000"/>
+            </a:lvl7pPr>
+            <a:lvl8pPr marL="3200400" indent="0">
+              <a:buNone/>
+              <a:defRPr sz="1000"/>
+            </a:lvl8pPr>
+            <a:lvl9pPr marL="3657600" indent="0">
+              <a:buNone/>
+              <a:defRPr sz="1000"/>
+            </a:lvl9pPr>
+          </a:lstStyle>
+          <a:p>
+            <a:pPr lvl="0"/>
+            <a:r>
+              <a:rPr lang="it-IT"/>
+              <a:t>Fare clic per modificare gli stili del testo dello schema</a:t>
+            </a:r>
+          </a:p>
+        </p:txBody>
+      </p:sp>
+      <p:sp>
+        <p:nvSpPr>
+          <p:cNvPr id="5" name="Date Placeholder 4"/>
+          <p:cNvSpPr>
+            <a:spLocks noGrp="1"/>
+          </p:cNvSpPr>
+          <p:nvPr>
+            <p:ph type="dt" sz="half" idx="10"/>
+          </p:nvPr>
+        </p:nvSpPr>
+        <p:spPr/>
+        <p:txBody>
+          <a:bodyPr/>
+          <a:lstStyle/>
+          <a:p>
+            <a:fld id="{1A270AA3-85FD-4336-B0B7-87033A430298}" type="datetimeFigureOut">
+              <a:rPr lang="it-IT" smtClean="0"/>
+              <a:t>18/04/2023</a:t>
+            </a:fld>
+            <a:endParaRPr lang="it-IT" dirty="0"/>
+          </a:p>
+        </p:txBody>
+      </p:sp>
+      <p:sp>
+        <p:nvSpPr>
+          <p:cNvPr id="6" name="Footer Placeholder 5"/>
+          <p:cNvSpPr>
+            <a:spLocks noGrp="1"/>
+          </p:cNvSpPr>
+          <p:nvPr>
+            <p:ph type="ftr" sz="quarter" idx="11"/>
+          </p:nvPr>
+        </p:nvSpPr>
+        <p:spPr/>
+        <p:txBody>
+          <a:bodyPr/>
+          <a:lstStyle/>
+          <a:p>
+            <a:endParaRPr lang="it-IT" dirty="0"/>
+          </a:p>
+        </p:txBody>
+      </p:sp>
+      <p:sp>
+        <p:nvSpPr>
+          <p:cNvPr id="7" name="Slide Number Placeholder 6"/>
+          <p:cNvSpPr>
+            <a:spLocks noGrp="1"/>
+          </p:cNvSpPr>
+          <p:nvPr>
+            <p:ph type="sldNum" sz="quarter" idx="12"/>
+          </p:nvPr>
+        </p:nvSpPr>
+        <p:spPr/>
+        <p:txBody>
+          <a:bodyPr/>
+          <a:lstStyle/>
+          <a:p>
+            <a:fld id="{B79E2095-E266-4349-B343-9AFCE9515DB3}" type="slidenum">
+              <a:rPr lang="it-IT" smtClean="0"/>
+              <a:t>‹N›</a:t>
+            </a:fld>
+            <a:endParaRPr lang="it-IT" dirty="0"/>
+          </a:p>
+        </p:txBody>
+      </p:sp>
+      <p:sp>
+        <p:nvSpPr>
+          <p:cNvPr id="11" name="TextBox 10"/>
+          <p:cNvSpPr txBox="1"/>
+          <p:nvPr/>
+        </p:nvSpPr>
+        <p:spPr>
+          <a:xfrm>
+            <a:off x="990600" y="884796"/>
+            <a:ext cx="609600" cy="584776"/>
+          </a:xfrm>
+          <a:prstGeom prst="rect">
+            <a:avLst/>
+          </a:prstGeom>
+        </p:spPr>
+        <p:txBody>
+          <a:bodyPr vert="horz" lIns="91440" tIns="45720" rIns="91440" bIns="45720" rtlCol="0" anchor="ctr">
+            <a:noAutofit/>
+          </a:bodyPr>
+          <a:lstStyle>
+            <a:lvl1pPr>
+              <a:spcBef>
+                <a:spcPct val="0"/>
+              </a:spcBef>
+              <a:buNone/>
+              <a:defRPr sz="3200" b="0" cap="all">
+                <a:ln w="3175" cmpd="sng">
+                  <a:noFill/>
+                </a:ln>
+                <a:effectLst>
+                  <a:glow rad="38100">
+                    <a:schemeClr val="bg1">
+                      <a:lumMod val="65000"/>
+                      <a:lumOff val="35000"/>
+                      <a:alpha val="40000"/>
+                    </a:schemeClr>
+                  </a:glow>
+                  <a:outerShdw blurRad="28575" dist="38100" dir="14040000" algn="tl" rotWithShape="0">
+                    <a:srgbClr val="000000">
+                      <a:alpha val="25000"/>
+                    </a:srgbClr>
+                  </a:outerShdw>
+                </a:effectLst>
+              </a:defRPr>
+            </a:lvl1pPr>
+            <a:lvl2pPr>
+              <a:defRPr>
+                <a:solidFill>
+                  <a:schemeClr val="tx2"/>
+                </a:solidFill>
+              </a:defRPr>
+            </a:lvl2pPr>
+            <a:lvl3pPr>
+              <a:defRPr>
+                <a:solidFill>
+                  <a:schemeClr val="tx2"/>
+                </a:solidFill>
+              </a:defRPr>
+            </a:lvl3pPr>
+            <a:lvl4pPr>
+              <a:defRPr>
+                <a:solidFill>
+                  <a:schemeClr val="tx2"/>
+                </a:solidFill>
+              </a:defRPr>
+            </a:lvl4pPr>
+            <a:lvl5pPr>
+              <a:defRPr>
+                <a:solidFill>
+                  <a:schemeClr val="tx2"/>
+                </a:solidFill>
+              </a:defRPr>
+            </a:lvl5pPr>
+            <a:lvl6pPr>
+              <a:defRPr>
+                <a:solidFill>
+                  <a:schemeClr val="tx2"/>
+                </a:solidFill>
+              </a:defRPr>
+            </a:lvl6pPr>
+            <a:lvl7pPr>
+              <a:defRPr>
+                <a:solidFill>
+                  <a:schemeClr val="tx2"/>
+                </a:solidFill>
+              </a:defRPr>
+            </a:lvl7pPr>
+            <a:lvl8pPr>
+              <a:defRPr>
+                <a:solidFill>
+                  <a:schemeClr val="tx2"/>
+                </a:solidFill>
+              </a:defRPr>
+            </a:lvl8pPr>
+            <a:lvl9pPr>
+              <a:defRPr>
+                <a:solidFill>
+                  <a:schemeClr val="tx2"/>
+                </a:solidFill>
+              </a:defRPr>
+            </a:lvl9pPr>
+          </a:lstStyle>
+          <a:p>
+            <a:pPr lvl="0"/>
+            <a:r>
+              <a:rPr lang="en-US" sz="8000" dirty="0">
+                <a:solidFill>
+                  <a:schemeClr val="tx1"/>
+                </a:solidFill>
+                <a:effectLst/>
+              </a:rPr>
+              <a:t>“</a:t>
+            </a:r>
+          </a:p>
+        </p:txBody>
+      </p:sp>
+      <p:sp>
+        <p:nvSpPr>
+          <p:cNvPr id="13" name="TextBox 12"/>
+          <p:cNvSpPr txBox="1"/>
+          <p:nvPr/>
+        </p:nvSpPr>
+        <p:spPr>
+          <a:xfrm>
+            <a:off x="10504716" y="2928258"/>
+            <a:ext cx="609600" cy="584776"/>
+          </a:xfrm>
+          <a:prstGeom prst="rect">
+            <a:avLst/>
+          </a:prstGeom>
+        </p:spPr>
+        <p:txBody>
+          <a:bodyPr vert="horz" lIns="91440" tIns="45720" rIns="91440" bIns="45720" rtlCol="0" anchor="ctr">
+            <a:noAutofit/>
+          </a:bodyPr>
+          <a:lstStyle>
+            <a:lvl1pPr>
+              <a:spcBef>
+                <a:spcPct val="0"/>
+              </a:spcBef>
+              <a:buNone/>
+              <a:defRPr sz="3200" b="0" cap="all">
+                <a:ln w="3175" cmpd="sng">
+                  <a:noFill/>
+                </a:ln>
+                <a:effectLst>
+                  <a:glow rad="38100">
+                    <a:schemeClr val="bg1">
+                      <a:lumMod val="65000"/>
+                      <a:lumOff val="35000"/>
+                      <a:alpha val="40000"/>
+                    </a:schemeClr>
+                  </a:glow>
+                  <a:outerShdw blurRad="28575" dist="38100" dir="14040000" algn="tl" rotWithShape="0">
+                    <a:srgbClr val="000000">
+                      <a:alpha val="25000"/>
+                    </a:srgbClr>
+                  </a:outerShdw>
+                </a:effectLst>
+              </a:defRPr>
+            </a:lvl1pPr>
+            <a:lvl2pPr>
+              <a:defRPr>
+                <a:solidFill>
+                  <a:schemeClr val="tx2"/>
+                </a:solidFill>
+              </a:defRPr>
+            </a:lvl2pPr>
+            <a:lvl3pPr>
+              <a:defRPr>
+                <a:solidFill>
+                  <a:schemeClr val="tx2"/>
+                </a:solidFill>
+              </a:defRPr>
+            </a:lvl3pPr>
+            <a:lvl4pPr>
+              <a:defRPr>
+                <a:solidFill>
+                  <a:schemeClr val="tx2"/>
+                </a:solidFill>
+              </a:defRPr>
+            </a:lvl4pPr>
+            <a:lvl5pPr>
+              <a:defRPr>
+                <a:solidFill>
+                  <a:schemeClr val="tx2"/>
+                </a:solidFill>
+              </a:defRPr>
+            </a:lvl5pPr>
+            <a:lvl6pPr>
+              <a:defRPr>
+                <a:solidFill>
+                  <a:schemeClr val="tx2"/>
+                </a:solidFill>
+              </a:defRPr>
+            </a:lvl6pPr>
+            <a:lvl7pPr>
+              <a:defRPr>
+                <a:solidFill>
+                  <a:schemeClr val="tx2"/>
+                </a:solidFill>
+              </a:defRPr>
+            </a:lvl7pPr>
+            <a:lvl8pPr>
+              <a:defRPr>
+                <a:solidFill>
+                  <a:schemeClr val="tx2"/>
+                </a:solidFill>
+              </a:defRPr>
+            </a:lvl8pPr>
+            <a:lvl9pPr>
+              <a:defRPr>
+                <a:solidFill>
+                  <a:schemeClr val="tx2"/>
+                </a:solidFill>
+              </a:defRPr>
+            </a:lvl9pPr>
+          </a:lstStyle>
+          <a:p>
+            <a:pPr lvl="0" algn="r"/>
+            <a:r>
+              <a:rPr lang="en-US" sz="8000" dirty="0">
+                <a:solidFill>
+                  <a:schemeClr val="tx1"/>
+                </a:solidFill>
+                <a:effectLst/>
+              </a:rPr>
+              <a:t>”</a:t>
+            </a:r>
+          </a:p>
+        </p:txBody>
+      </p:sp>
+    </p:spTree>
+    <p:extLst>
+      <p:ext uri="{BB962C8B-B14F-4D97-AF65-F5344CB8AC3E}">
+        <p14:creationId xmlns:p14="http://schemas.microsoft.com/office/powerpoint/2010/main" val="1571850045"/>
+      </p:ext>
+    </p:extLst>
+  </p:cSld>
+  <p:clrMapOvr>
+    <a:masterClrMapping/>
+  </p:clrMapOvr>
+</p:sldLayout>
+</file>
+
+<file path=ppt/slideLayouts/slideLayout13.xml><?xml version="1.0" encoding="utf-8"?>
+<p:sldLayout xmlns:a="http://schemas.openxmlformats.org/drawingml/2006/main" xmlns:r="http://schemas.openxmlformats.org/officeDocument/2006/relationships" xmlns:p="http://schemas.openxmlformats.org/presentationml/2006/main" preserve="1">
+  <p:cSld name="Scheda nome">
+    <p:spTree>
+      <p:nvGrpSpPr>
+        <p:cNvPr id="1" name=""/>
+        <p:cNvGrpSpPr/>
+        <p:nvPr/>
+      </p:nvGrpSpPr>
+      <p:grpSpPr>
+        <a:xfrm>
+          <a:off x="0" y="0"/>
+          <a:ext cx="0" cy="0"/>
+          <a:chOff x="0" y="0"/>
+          <a:chExt cx="0" cy="0"/>
+        </a:xfrm>
+      </p:grpSpPr>
+      <p:sp>
+        <p:nvSpPr>
+          <p:cNvPr id="2" name="Title 1"/>
+          <p:cNvSpPr>
+            <a:spLocks noGrp="1"/>
+          </p:cNvSpPr>
+          <p:nvPr>
+            <p:ph type="title"/>
+          </p:nvPr>
+        </p:nvSpPr>
+        <p:spPr>
+          <a:xfrm>
+            <a:off x="913794" y="2126942"/>
+            <a:ext cx="10353763" cy="2511835"/>
+          </a:xfrm>
+        </p:spPr>
+        <p:txBody>
+          <a:bodyPr anchor="b"/>
+          <a:lstStyle>
+            <a:lvl1pPr>
+              <a:defRPr sz="3200"/>
+            </a:lvl1pPr>
+          </a:lstStyle>
+          <a:p>
+            <a:r>
+              <a:rPr lang="it-IT"/>
+              <a:t>Fare clic per modificare lo stile del titolo dello schema</a:t>
+            </a:r>
+            <a:endParaRPr lang="en-US" dirty="0"/>
+          </a:p>
+        </p:txBody>
+      </p:sp>
+      <p:sp>
+        <p:nvSpPr>
+          <p:cNvPr id="4" name="Text Placeholder 3"/>
+          <p:cNvSpPr>
+            <a:spLocks noGrp="1"/>
+          </p:cNvSpPr>
+          <p:nvPr>
+            <p:ph type="body" sz="half" idx="2"/>
+          </p:nvPr>
+        </p:nvSpPr>
+        <p:spPr>
+          <a:xfrm>
+            <a:off x="913784" y="4650556"/>
+            <a:ext cx="10352199" cy="1140644"/>
+          </a:xfrm>
+        </p:spPr>
+        <p:txBody>
+          <a:bodyPr anchor="t"/>
+          <a:lstStyle>
+            <a:lvl1pPr marL="0" indent="0" algn="ctr">
+              <a:buNone/>
+              <a:defRPr sz="1600"/>
+            </a:lvl1pPr>
+            <a:lvl2pPr marL="457200" indent="0">
+              <a:buNone/>
+              <a:defRPr sz="1400"/>
+            </a:lvl2pPr>
+            <a:lvl3pPr marL="914400" indent="0">
+              <a:buNone/>
+              <a:defRPr sz="1200"/>
+            </a:lvl3pPr>
+            <a:lvl4pPr marL="1371600" indent="0">
+              <a:buNone/>
+              <a:defRPr sz="1000"/>
+            </a:lvl4pPr>
+            <a:lvl5pPr marL="1828800" indent="0">
+              <a:buNone/>
+              <a:defRPr sz="1000"/>
+            </a:lvl5pPr>
+            <a:lvl6pPr marL="2286000" indent="0">
+              <a:buNone/>
+              <a:defRPr sz="1000"/>
+            </a:lvl6pPr>
+            <a:lvl7pPr marL="2743200" indent="0">
+              <a:buNone/>
+              <a:defRPr sz="1000"/>
+            </a:lvl7pPr>
+            <a:lvl8pPr marL="3200400" indent="0">
+              <a:buNone/>
+              <a:defRPr sz="1000"/>
+            </a:lvl8pPr>
+            <a:lvl9pPr marL="3657600" indent="0">
+              <a:buNone/>
+              <a:defRPr sz="1000"/>
+            </a:lvl9pPr>
+          </a:lstStyle>
+          <a:p>
+            <a:pPr lvl="0"/>
+            <a:r>
+              <a:rPr lang="it-IT"/>
+              <a:t>Fare clic per modificare gli stili del testo dello schema</a:t>
+            </a:r>
+          </a:p>
+        </p:txBody>
+      </p:sp>
+      <p:sp>
+        <p:nvSpPr>
+          <p:cNvPr id="5" name="Date Placeholder 4"/>
+          <p:cNvSpPr>
+            <a:spLocks noGrp="1"/>
+          </p:cNvSpPr>
+          <p:nvPr>
+            <p:ph type="dt" sz="half" idx="10"/>
+          </p:nvPr>
+        </p:nvSpPr>
+        <p:spPr/>
+        <p:txBody>
+          <a:bodyPr/>
+          <a:lstStyle/>
+          <a:p>
+            <a:fld id="{1A270AA3-85FD-4336-B0B7-87033A430298}" type="datetimeFigureOut">
+              <a:rPr lang="it-IT" smtClean="0"/>
+              <a:t>18/04/2023</a:t>
+            </a:fld>
+            <a:endParaRPr lang="it-IT" dirty="0"/>
+          </a:p>
+        </p:txBody>
+      </p:sp>
+      <p:sp>
+        <p:nvSpPr>
+          <p:cNvPr id="6" name="Footer Placeholder 5"/>
+          <p:cNvSpPr>
+            <a:spLocks noGrp="1"/>
+          </p:cNvSpPr>
+          <p:nvPr>
+            <p:ph type="ftr" sz="quarter" idx="11"/>
+          </p:nvPr>
+        </p:nvSpPr>
+        <p:spPr/>
+        <p:txBody>
+          <a:bodyPr/>
+          <a:lstStyle/>
+          <a:p>
+            <a:endParaRPr lang="it-IT" dirty="0"/>
+          </a:p>
+        </p:txBody>
+      </p:sp>
+      <p:sp>
+        <p:nvSpPr>
+          <p:cNvPr id="7" name="Slide Number Placeholder 6"/>
+          <p:cNvSpPr>
+            <a:spLocks noGrp="1"/>
+          </p:cNvSpPr>
+          <p:nvPr>
+            <p:ph type="sldNum" sz="quarter" idx="12"/>
+          </p:nvPr>
+        </p:nvSpPr>
+        <p:spPr/>
+        <p:txBody>
+          <a:bodyPr/>
+          <a:lstStyle/>
+          <a:p>
+            <a:fld id="{B79E2095-E266-4349-B343-9AFCE9515DB3}" type="slidenum">
+              <a:rPr lang="it-IT" smtClean="0"/>
+              <a:t>‹N›</a:t>
+            </a:fld>
+            <a:endParaRPr lang="it-IT" dirty="0"/>
+          </a:p>
+        </p:txBody>
+      </p:sp>
+    </p:spTree>
+    <p:extLst>
+      <p:ext uri="{BB962C8B-B14F-4D97-AF65-F5344CB8AC3E}">
+        <p14:creationId xmlns:p14="http://schemas.microsoft.com/office/powerpoint/2010/main" val="1250363946"/>
+      </p:ext>
+    </p:extLst>
+  </p:cSld>
+  <p:clrMapOvr>
+    <a:masterClrMapping/>
+  </p:clrMapOvr>
+</p:sldLayout>
+</file>
+
+<file path=ppt/slideLayouts/slideLayout14.xml><?xml version="1.0" encoding="utf-8"?>
+<p:sldLayout xmlns:a="http://schemas.openxmlformats.org/drawingml/2006/main" xmlns:r="http://schemas.openxmlformats.org/officeDocument/2006/relationships" xmlns:p="http://schemas.openxmlformats.org/presentationml/2006/main" preserve="1">
+  <p:cSld name="3 colonne">
+    <p:spTree>
+      <p:nvGrpSpPr>
+        <p:cNvPr id="1" name=""/>
+        <p:cNvGrpSpPr/>
+        <p:nvPr/>
+      </p:nvGrpSpPr>
+      <p:grpSpPr>
+        <a:xfrm>
+          <a:off x="0" y="0"/>
+          <a:ext cx="0" cy="0"/>
+          <a:chOff x="0" y="0"/>
+          <a:chExt cx="0" cy="0"/>
+        </a:xfrm>
+      </p:grpSpPr>
+      <p:sp>
+        <p:nvSpPr>
+          <p:cNvPr id="15" name="Title 1"/>
+          <p:cNvSpPr>
+            <a:spLocks noGrp="1"/>
+          </p:cNvSpPr>
+          <p:nvPr>
+            <p:ph type="title"/>
+          </p:nvPr>
+        </p:nvSpPr>
+        <p:spPr>
+          <a:xfrm>
+            <a:off x="913795" y="609600"/>
+            <a:ext cx="10353762" cy="970450"/>
+          </a:xfrm>
+        </p:spPr>
+        <p:txBody>
+          <a:bodyPr/>
+          <a:lstStyle/>
+          <a:p>
+            <a:r>
+              <a:rPr lang="it-IT"/>
+              <a:t>Fare clic per modificare lo stile del titolo dello schema</a:t>
+            </a:r>
+            <a:endParaRPr lang="en-US" dirty="0"/>
+          </a:p>
+        </p:txBody>
+      </p:sp>
+      <p:sp>
+        <p:nvSpPr>
+          <p:cNvPr id="7" name="Text Placeholder 2"/>
+          <p:cNvSpPr>
+            <a:spLocks noGrp="1"/>
+          </p:cNvSpPr>
+          <p:nvPr>
+            <p:ph type="body" idx="1"/>
+          </p:nvPr>
+        </p:nvSpPr>
+        <p:spPr>
+          <a:xfrm>
+            <a:off x="913795" y="1885950"/>
+            <a:ext cx="3300984" cy="576262"/>
+          </a:xfrm>
+        </p:spPr>
+        <p:txBody>
+          <a:bodyPr anchor="b">
+            <a:noAutofit/>
+          </a:bodyPr>
+          <a:lstStyle>
+            <a:lvl1pPr marL="0" indent="0" algn="ctr">
+              <a:buNone/>
+              <a:defRPr sz="2400" b="0">
+                <a:solidFill>
+                  <a:schemeClr val="tx1"/>
+                </a:solidFill>
+              </a:defRPr>
+            </a:lvl1pPr>
+            <a:lvl2pPr marL="457200" indent="0">
+              <a:buNone/>
+              <a:defRPr sz="2000" b="1"/>
+            </a:lvl2pPr>
+            <a:lvl3pPr marL="914400" indent="0">
+              <a:buNone/>
+              <a:defRPr sz="1800" b="1"/>
+            </a:lvl3pPr>
+            <a:lvl4pPr marL="1371600" indent="0">
+              <a:buNone/>
+              <a:defRPr sz="1600" b="1"/>
+            </a:lvl4pPr>
+            <a:lvl5pPr marL="1828800" indent="0">
+              <a:buNone/>
+              <a:defRPr sz="1600" b="1"/>
+            </a:lvl5pPr>
+            <a:lvl6pPr marL="2286000" indent="0">
+              <a:buNone/>
+              <a:defRPr sz="1600" b="1"/>
+            </a:lvl6pPr>
+            <a:lvl7pPr marL="2743200" indent="0">
+              <a:buNone/>
+              <a:defRPr sz="1600" b="1"/>
+            </a:lvl7pPr>
+            <a:lvl8pPr marL="3200400" indent="0">
+              <a:buNone/>
+              <a:defRPr sz="1600" b="1"/>
+            </a:lvl8pPr>
+            <a:lvl9pPr marL="3657600" indent="0">
+              <a:buNone/>
+              <a:defRPr sz="1600" b="1"/>
+            </a:lvl9pPr>
+          </a:lstStyle>
+          <a:p>
+            <a:pPr lvl="0"/>
+            <a:r>
+              <a:rPr lang="it-IT"/>
+              <a:t>Fare clic per modificare gli stili del testo dello schema</a:t>
+            </a:r>
+          </a:p>
+        </p:txBody>
+      </p:sp>
+      <p:sp>
+        <p:nvSpPr>
+          <p:cNvPr id="8" name="Text Placeholder 3"/>
+          <p:cNvSpPr>
+            <a:spLocks noGrp="1"/>
+          </p:cNvSpPr>
+          <p:nvPr>
+            <p:ph type="body" sz="half" idx="15"/>
+          </p:nvPr>
+        </p:nvSpPr>
+        <p:spPr>
+          <a:xfrm>
+            <a:off x="913795" y="2571750"/>
+            <a:ext cx="3300984" cy="3219450"/>
+          </a:xfrm>
+        </p:spPr>
+        <p:txBody>
+          <a:bodyPr anchor="t">
+            <a:normAutofit/>
+          </a:bodyPr>
+          <a:lstStyle>
+            <a:lvl1pPr marL="0" indent="0" algn="ctr">
+              <a:buNone/>
+              <a:defRPr sz="1400"/>
+            </a:lvl1pPr>
+            <a:lvl2pPr marL="457200" indent="0">
+              <a:buNone/>
+              <a:defRPr sz="1200"/>
+            </a:lvl2pPr>
+            <a:lvl3pPr marL="914400" indent="0">
+              <a:buNone/>
+              <a:defRPr sz="1000"/>
+            </a:lvl3pPr>
+            <a:lvl4pPr marL="1371600" indent="0">
+              <a:buNone/>
+              <a:defRPr sz="900"/>
+            </a:lvl4pPr>
+            <a:lvl5pPr marL="1828800" indent="0">
+              <a:buNone/>
+              <a:defRPr sz="900"/>
+            </a:lvl5pPr>
+            <a:lvl6pPr marL="2286000" indent="0">
+              <a:buNone/>
+              <a:defRPr sz="900"/>
+            </a:lvl6pPr>
+            <a:lvl7pPr marL="2743200" indent="0">
+              <a:buNone/>
+              <a:defRPr sz="900"/>
+            </a:lvl7pPr>
+            <a:lvl8pPr marL="3200400" indent="0">
+              <a:buNone/>
+              <a:defRPr sz="900"/>
+            </a:lvl8pPr>
+            <a:lvl9pPr marL="3657600" indent="0">
+              <a:buNone/>
+              <a:defRPr sz="900"/>
+            </a:lvl9pPr>
+          </a:lstStyle>
+          <a:p>
+            <a:pPr lvl="0"/>
+            <a:r>
+              <a:rPr lang="it-IT"/>
+              <a:t>Fare clic per modificare gli stili del testo dello schema</a:t>
+            </a:r>
+          </a:p>
+        </p:txBody>
+      </p:sp>
+      <p:sp>
+        <p:nvSpPr>
+          <p:cNvPr id="9" name="Text Placeholder 4"/>
+          <p:cNvSpPr>
+            <a:spLocks noGrp="1"/>
+          </p:cNvSpPr>
+          <p:nvPr>
+            <p:ph type="body" sz="quarter" idx="3"/>
+          </p:nvPr>
+        </p:nvSpPr>
+        <p:spPr>
+          <a:xfrm>
+            <a:off x="4446711" y="1885950"/>
+            <a:ext cx="3300984" cy="576262"/>
+          </a:xfrm>
+        </p:spPr>
+        <p:txBody>
+          <a:bodyPr anchor="b">
+            <a:noAutofit/>
+          </a:bodyPr>
+          <a:lstStyle>
+            <a:lvl1pPr marL="0" indent="0" algn="ctr">
+              <a:buNone/>
+              <a:defRPr sz="2400" b="0">
+                <a:solidFill>
+                  <a:schemeClr val="tx1"/>
+                </a:solidFill>
+              </a:defRPr>
+            </a:lvl1pPr>
+            <a:lvl2pPr marL="457200" indent="0">
+              <a:buNone/>
+              <a:defRPr sz="2000" b="1"/>
+            </a:lvl2pPr>
+            <a:lvl3pPr marL="914400" indent="0">
+              <a:buNone/>
+              <a:defRPr sz="1800" b="1"/>
+            </a:lvl3pPr>
+            <a:lvl4pPr marL="1371600" indent="0">
+              <a:buNone/>
+              <a:defRPr sz="1600" b="1"/>
+            </a:lvl4pPr>
+            <a:lvl5pPr marL="1828800" indent="0">
+              <a:buNone/>
+              <a:defRPr sz="1600" b="1"/>
+            </a:lvl5pPr>
+            <a:lvl6pPr marL="2286000" indent="0">
+              <a:buNone/>
+              <a:defRPr sz="1600" b="1"/>
+            </a:lvl6pPr>
+            <a:lvl7pPr marL="2743200" indent="0">
+              <a:buNone/>
+              <a:defRPr sz="1600" b="1"/>
+            </a:lvl7pPr>
+            <a:lvl8pPr marL="3200400" indent="0">
+              <a:buNone/>
+              <a:defRPr sz="1600" b="1"/>
+            </a:lvl8pPr>
+            <a:lvl9pPr marL="3657600" indent="0">
+              <a:buNone/>
+              <a:defRPr sz="1600" b="1"/>
+            </a:lvl9pPr>
+          </a:lstStyle>
+          <a:p>
+            <a:pPr lvl="0"/>
+            <a:r>
+              <a:rPr lang="it-IT"/>
+              <a:t>Fare clic per modificare gli stili del testo dello schema</a:t>
+            </a:r>
+          </a:p>
+        </p:txBody>
+      </p:sp>
+      <p:sp>
+        <p:nvSpPr>
+          <p:cNvPr id="10" name="Text Placeholder 3"/>
+          <p:cNvSpPr>
+            <a:spLocks noGrp="1"/>
+          </p:cNvSpPr>
+          <p:nvPr>
+            <p:ph type="body" sz="half" idx="16"/>
+          </p:nvPr>
+        </p:nvSpPr>
+        <p:spPr>
+          <a:xfrm>
+            <a:off x="4441435" y="2571750"/>
+            <a:ext cx="3300984" cy="3219450"/>
+          </a:xfrm>
+        </p:spPr>
+        <p:txBody>
+          <a:bodyPr anchor="t">
+            <a:normAutofit/>
+          </a:bodyPr>
+          <a:lstStyle>
+            <a:lvl1pPr marL="0" indent="0" algn="ctr">
+              <a:buNone/>
+              <a:defRPr sz="1400"/>
+            </a:lvl1pPr>
+            <a:lvl2pPr marL="457200" indent="0">
+              <a:buNone/>
+              <a:defRPr sz="1200"/>
+            </a:lvl2pPr>
+            <a:lvl3pPr marL="914400" indent="0">
+              <a:buNone/>
+              <a:defRPr sz="1000"/>
+            </a:lvl3pPr>
+            <a:lvl4pPr marL="1371600" indent="0">
+              <a:buNone/>
+              <a:defRPr sz="900"/>
+            </a:lvl4pPr>
+            <a:lvl5pPr marL="1828800" indent="0">
+              <a:buNone/>
+              <a:defRPr sz="900"/>
+            </a:lvl5pPr>
+            <a:lvl6pPr marL="2286000" indent="0">
+              <a:buNone/>
+              <a:defRPr sz="900"/>
+            </a:lvl6pPr>
+            <a:lvl7pPr marL="2743200" indent="0">
+              <a:buNone/>
+              <a:defRPr sz="900"/>
+            </a:lvl7pPr>
+            <a:lvl8pPr marL="3200400" indent="0">
+              <a:buNone/>
+              <a:defRPr sz="900"/>
+            </a:lvl8pPr>
+            <a:lvl9pPr marL="3657600" indent="0">
+              <a:buNone/>
+              <a:defRPr sz="900"/>
+            </a:lvl9pPr>
+          </a:lstStyle>
+          <a:p>
+            <a:pPr lvl="0"/>
+            <a:r>
+              <a:rPr lang="it-IT"/>
+              <a:t>Fare clic per modificare gli stili del testo dello schema</a:t>
+            </a:r>
+          </a:p>
+        </p:txBody>
+      </p:sp>
+      <p:sp>
+        <p:nvSpPr>
+          <p:cNvPr id="11" name="Text Placeholder 4"/>
+          <p:cNvSpPr>
+            <a:spLocks noGrp="1"/>
+          </p:cNvSpPr>
+          <p:nvPr>
+            <p:ph type="body" sz="quarter" idx="13"/>
+          </p:nvPr>
+        </p:nvSpPr>
+        <p:spPr>
+          <a:xfrm>
+            <a:off x="7966572" y="1885950"/>
+            <a:ext cx="3300984" cy="576262"/>
+          </a:xfrm>
+        </p:spPr>
+        <p:txBody>
+          <a:bodyPr anchor="b">
+            <a:noAutofit/>
+          </a:bodyPr>
+          <a:lstStyle>
+            <a:lvl1pPr marL="0" indent="0" algn="ctr">
+              <a:buNone/>
+              <a:defRPr sz="2400" b="0">
+                <a:solidFill>
+                  <a:schemeClr val="tx1"/>
+                </a:solidFill>
+              </a:defRPr>
+            </a:lvl1pPr>
+            <a:lvl2pPr marL="457200" indent="0">
+              <a:buNone/>
+              <a:defRPr sz="2000" b="1"/>
+            </a:lvl2pPr>
+            <a:lvl3pPr marL="914400" indent="0">
+              <a:buNone/>
+              <a:defRPr sz="1800" b="1"/>
+            </a:lvl3pPr>
+            <a:lvl4pPr marL="1371600" indent="0">
+              <a:buNone/>
+              <a:defRPr sz="1600" b="1"/>
+            </a:lvl4pPr>
+            <a:lvl5pPr marL="1828800" indent="0">
+              <a:buNone/>
+              <a:defRPr sz="1600" b="1"/>
+            </a:lvl5pPr>
+            <a:lvl6pPr marL="2286000" indent="0">
+              <a:buNone/>
+              <a:defRPr sz="1600" b="1"/>
+            </a:lvl6pPr>
+            <a:lvl7pPr marL="2743200" indent="0">
+              <a:buNone/>
+              <a:defRPr sz="1600" b="1"/>
+            </a:lvl7pPr>
+            <a:lvl8pPr marL="3200400" indent="0">
+              <a:buNone/>
+              <a:defRPr sz="1600" b="1"/>
+            </a:lvl8pPr>
+            <a:lvl9pPr marL="3657600" indent="0">
+              <a:buNone/>
+              <a:defRPr sz="1600" b="1"/>
+            </a:lvl9pPr>
+          </a:lstStyle>
+          <a:p>
+            <a:pPr lvl="0"/>
+            <a:r>
+              <a:rPr lang="it-IT"/>
+              <a:t>Fare clic per modificare gli stili del testo dello schema</a:t>
+            </a:r>
+          </a:p>
+        </p:txBody>
+      </p:sp>
+      <p:sp>
+        <p:nvSpPr>
+          <p:cNvPr id="12" name="Text Placeholder 3"/>
+          <p:cNvSpPr>
+            <a:spLocks noGrp="1"/>
+          </p:cNvSpPr>
+          <p:nvPr>
+            <p:ph type="body" sz="half" idx="17"/>
+          </p:nvPr>
+        </p:nvSpPr>
+        <p:spPr>
+          <a:xfrm>
+            <a:off x="7966572" y="2571750"/>
+            <a:ext cx="3300984" cy="3219450"/>
+          </a:xfrm>
+        </p:spPr>
+        <p:txBody>
+          <a:bodyPr anchor="t">
+            <a:normAutofit/>
+          </a:bodyPr>
+          <a:lstStyle>
+            <a:lvl1pPr marL="0" indent="0" algn="ctr">
+              <a:buNone/>
+              <a:defRPr sz="1400"/>
+            </a:lvl1pPr>
+            <a:lvl2pPr marL="457200" indent="0">
+              <a:buNone/>
+              <a:defRPr sz="1200"/>
+            </a:lvl2pPr>
+            <a:lvl3pPr marL="914400" indent="0">
+              <a:buNone/>
+              <a:defRPr sz="1000"/>
+            </a:lvl3pPr>
+            <a:lvl4pPr marL="1371600" indent="0">
+              <a:buNone/>
+              <a:defRPr sz="900"/>
+            </a:lvl4pPr>
+            <a:lvl5pPr marL="1828800" indent="0">
+              <a:buNone/>
+              <a:defRPr sz="900"/>
+            </a:lvl5pPr>
+            <a:lvl6pPr marL="2286000" indent="0">
+              <a:buNone/>
+              <a:defRPr sz="900"/>
+            </a:lvl6pPr>
+            <a:lvl7pPr marL="2743200" indent="0">
+              <a:buNone/>
+              <a:defRPr sz="900"/>
+            </a:lvl7pPr>
+            <a:lvl8pPr marL="3200400" indent="0">
+              <a:buNone/>
+              <a:defRPr sz="900"/>
+            </a:lvl8pPr>
+            <a:lvl9pPr marL="3657600" indent="0">
+              <a:buNone/>
+              <a:defRPr sz="900"/>
+            </a:lvl9pPr>
+          </a:lstStyle>
+          <a:p>
+            <a:pPr lvl="0"/>
+            <a:r>
+              <a:rPr lang="it-IT"/>
+              <a:t>Fare clic per modificare gli stili del testo dello schema</a:t>
+            </a:r>
+          </a:p>
+        </p:txBody>
+      </p:sp>
+      <p:sp>
+        <p:nvSpPr>
+          <p:cNvPr id="3" name="Date Placeholder 2"/>
+          <p:cNvSpPr>
+            <a:spLocks noGrp="1"/>
+          </p:cNvSpPr>
+          <p:nvPr>
+            <p:ph type="dt" sz="half" idx="10"/>
+          </p:nvPr>
+        </p:nvSpPr>
+        <p:spPr/>
+        <p:txBody>
+          <a:bodyPr/>
+          <a:lstStyle/>
+          <a:p>
+            <a:fld id="{1A270AA3-85FD-4336-B0B7-87033A430298}" type="datetimeFigureOut">
+              <a:rPr lang="it-IT" smtClean="0"/>
+              <a:t>18/04/2023</a:t>
+            </a:fld>
+            <a:endParaRPr lang="it-IT" dirty="0"/>
+          </a:p>
+        </p:txBody>
+      </p:sp>
+      <p:sp>
+        <p:nvSpPr>
+          <p:cNvPr id="4" name="Footer Placeholder 3"/>
+          <p:cNvSpPr>
+            <a:spLocks noGrp="1"/>
+          </p:cNvSpPr>
+          <p:nvPr>
+            <p:ph type="ftr" sz="quarter" idx="11"/>
+          </p:nvPr>
+        </p:nvSpPr>
+        <p:spPr/>
+        <p:txBody>
+          <a:bodyPr/>
+          <a:lstStyle/>
+          <a:p>
+            <a:endParaRPr lang="it-IT" dirty="0"/>
+          </a:p>
+        </p:txBody>
+      </p:sp>
+      <p:sp>
+        <p:nvSpPr>
+          <p:cNvPr id="5" name="Slide Number Placeholder 4"/>
+          <p:cNvSpPr>
+            <a:spLocks noGrp="1"/>
+          </p:cNvSpPr>
+          <p:nvPr>
+            <p:ph type="sldNum" sz="quarter" idx="12"/>
+          </p:nvPr>
+        </p:nvSpPr>
+        <p:spPr/>
+        <p:txBody>
+          <a:bodyPr/>
+          <a:lstStyle/>
+          <a:p>
+            <a:fld id="{B79E2095-E266-4349-B343-9AFCE9515DB3}" type="slidenum">
+              <a:rPr lang="it-IT" smtClean="0"/>
+              <a:t>‹N›</a:t>
+            </a:fld>
+            <a:endParaRPr lang="it-IT" dirty="0"/>
+          </a:p>
+        </p:txBody>
+      </p:sp>
+    </p:spTree>
+    <p:extLst>
+      <p:ext uri="{BB962C8B-B14F-4D97-AF65-F5344CB8AC3E}">
+        <p14:creationId xmlns:p14="http://schemas.microsoft.com/office/powerpoint/2010/main" val="1544915204"/>
+      </p:ext>
+    </p:extLst>
+  </p:cSld>
+  <p:clrMapOvr>
+    <a:masterClrMapping/>
+  </p:clrMapOvr>
+</p:sldLayout>
+</file>
+
+<file path=ppt/slideLayouts/slideLayout15.xml><?xml version="1.0" encoding="utf-8"?>
+<p:sldLayout xmlns:a="http://schemas.openxmlformats.org/drawingml/2006/main" xmlns:r="http://schemas.openxmlformats.org/officeDocument/2006/relationships" xmlns:p="http://schemas.openxmlformats.org/presentationml/2006/main" preserve="1">
+  <p:cSld name="3 colonne immagine">
+    <p:spTree>
+      <p:nvGrpSpPr>
+        <p:cNvPr id="1" name=""/>
+        <p:cNvGrpSpPr/>
+        <p:nvPr/>
+      </p:nvGrpSpPr>
+      <p:grpSpPr>
+        <a:xfrm>
+          <a:off x="0" y="0"/>
+          <a:ext cx="0" cy="0"/>
+          <a:chOff x="0" y="0"/>
+          <a:chExt cx="0" cy="0"/>
+        </a:xfrm>
+      </p:grpSpPr>
+      <p:pic>
+        <p:nvPicPr>
+          <p:cNvPr id="2" name="Picture 1" descr="Slate-V2-HD-3colPhotoInset.png"/>
+          <p:cNvPicPr>
+            <a:picLocks noChangeAspect="1"/>
+          </p:cNvPicPr>
+          <p:nvPr/>
+        </p:nvPicPr>
+        <p:blipFill>
+          <a:blip r:embed="rId2">
+            <a:extLst>
+              <a:ext uri="{28A0092B-C50C-407E-A947-70E740481C1C}">
+                <a14:useLocalDpi xmlns:a14="http://schemas.microsoft.com/office/drawing/2010/main" val="0"/>
+              </a:ext>
+            </a:extLst>
+          </a:blip>
+          <a:stretch>
+            <a:fillRect/>
+          </a:stretch>
+        </p:blipFill>
+        <p:spPr>
+          <a:xfrm>
+            <a:off x="897962" y="1818214"/>
+            <a:ext cx="3339972" cy="1847851"/>
+          </a:xfrm>
+          <a:prstGeom prst="rect">
+            <a:avLst/>
+          </a:prstGeom>
+        </p:spPr>
+      </p:pic>
+      <p:pic>
+        <p:nvPicPr>
+          <p:cNvPr id="36" name="Picture 35" descr="Slate-V2-HD-3colPhotoInset.png"/>
+          <p:cNvPicPr>
+            <a:picLocks noChangeAspect="1"/>
+          </p:cNvPicPr>
+          <p:nvPr/>
+        </p:nvPicPr>
+        <p:blipFill>
+          <a:blip r:embed="rId2">
+            <a:extLst>
+              <a:ext uri="{28A0092B-C50C-407E-A947-70E740481C1C}">
+                <a14:useLocalDpi xmlns:a14="http://schemas.microsoft.com/office/drawing/2010/main" val="0"/>
+              </a:ext>
+            </a:extLst>
+          </a:blip>
+          <a:stretch>
+            <a:fillRect/>
+          </a:stretch>
+        </p:blipFill>
+        <p:spPr>
+          <a:xfrm>
+            <a:off x="4403800" y="1818214"/>
+            <a:ext cx="3339972" cy="1847851"/>
+          </a:xfrm>
+          <a:prstGeom prst="rect">
+            <a:avLst/>
+          </a:prstGeom>
+        </p:spPr>
+      </p:pic>
+      <p:pic>
+        <p:nvPicPr>
+          <p:cNvPr id="37" name="Picture 36" descr="Slate-V2-HD-3colPhotoInset.png"/>
+          <p:cNvPicPr>
+            <a:picLocks noChangeAspect="1"/>
+          </p:cNvPicPr>
+          <p:nvPr/>
+        </p:nvPicPr>
+        <p:blipFill>
+          <a:blip r:embed="rId2">
+            <a:extLst>
+              <a:ext uri="{28A0092B-C50C-407E-A947-70E740481C1C}">
+                <a14:useLocalDpi xmlns:a14="http://schemas.microsoft.com/office/drawing/2010/main" val="0"/>
+              </a:ext>
+            </a:extLst>
+          </a:blip>
+          <a:stretch>
+            <a:fillRect/>
+          </a:stretch>
+        </p:blipFill>
+        <p:spPr>
+          <a:xfrm>
+            <a:off x="7936051" y="1818214"/>
+            <a:ext cx="3339972" cy="1847851"/>
+          </a:xfrm>
+          <a:prstGeom prst="rect">
+            <a:avLst/>
+          </a:prstGeom>
+        </p:spPr>
+      </p:pic>
+      <p:sp>
+        <p:nvSpPr>
+          <p:cNvPr id="30" name="Title 1"/>
+          <p:cNvSpPr>
+            <a:spLocks noGrp="1"/>
+          </p:cNvSpPr>
+          <p:nvPr>
+            <p:ph type="title"/>
+          </p:nvPr>
+        </p:nvSpPr>
+        <p:spPr>
+          <a:xfrm>
+            <a:off x="913794" y="609600"/>
+            <a:ext cx="10353763" cy="970450"/>
+          </a:xfrm>
+        </p:spPr>
+        <p:txBody>
+          <a:bodyPr/>
+          <a:lstStyle/>
+          <a:p>
+            <a:r>
+              <a:rPr lang="it-IT"/>
+              <a:t>Fare clic per modificare lo stile del titolo dello schema</a:t>
+            </a:r>
+            <a:endParaRPr lang="en-US" dirty="0"/>
+          </a:p>
+        </p:txBody>
+      </p:sp>
+      <p:sp>
+        <p:nvSpPr>
+          <p:cNvPr id="19" name="Text Placeholder 2"/>
+          <p:cNvSpPr>
+            <a:spLocks noGrp="1"/>
+          </p:cNvSpPr>
+          <p:nvPr>
+            <p:ph type="body" idx="1"/>
+          </p:nvPr>
+        </p:nvSpPr>
+        <p:spPr>
+          <a:xfrm>
+            <a:off x="913795" y="3904106"/>
+            <a:ext cx="3300984" cy="576262"/>
+          </a:xfrm>
+        </p:spPr>
+        <p:txBody>
+          <a:bodyPr anchor="b">
+            <a:noAutofit/>
+          </a:bodyPr>
+          <a:lstStyle>
+            <a:lvl1pPr marL="0" indent="0" algn="ctr">
+              <a:buNone/>
+              <a:defRPr sz="2000" b="0">
+                <a:solidFill>
+                  <a:schemeClr val="tx1"/>
+                </a:solidFill>
+              </a:defRPr>
+            </a:lvl1pPr>
+            <a:lvl2pPr marL="457200" indent="0">
+              <a:buNone/>
+              <a:defRPr sz="2000" b="1"/>
+            </a:lvl2pPr>
+            <a:lvl3pPr marL="914400" indent="0">
+              <a:buNone/>
+              <a:defRPr sz="1800" b="1"/>
+            </a:lvl3pPr>
+            <a:lvl4pPr marL="1371600" indent="0">
+              <a:buNone/>
+              <a:defRPr sz="1600" b="1"/>
+            </a:lvl4pPr>
+            <a:lvl5pPr marL="1828800" indent="0">
+              <a:buNone/>
+              <a:defRPr sz="1600" b="1"/>
+            </a:lvl5pPr>
+            <a:lvl6pPr marL="2286000" indent="0">
+              <a:buNone/>
+              <a:defRPr sz="1600" b="1"/>
+            </a:lvl6pPr>
+            <a:lvl7pPr marL="2743200" indent="0">
+              <a:buNone/>
+              <a:defRPr sz="1600" b="1"/>
+            </a:lvl7pPr>
+            <a:lvl8pPr marL="3200400" indent="0">
+              <a:buNone/>
+              <a:defRPr sz="1600" b="1"/>
+            </a:lvl8pPr>
+            <a:lvl9pPr marL="3657600" indent="0">
+              <a:buNone/>
+              <a:defRPr sz="1600" b="1"/>
+            </a:lvl9pPr>
+          </a:lstStyle>
+          <a:p>
+            <a:pPr lvl="0"/>
+            <a:r>
+              <a:rPr lang="it-IT"/>
+              <a:t>Fare clic per modificare gli stili del testo dello schema</a:t>
+            </a:r>
+          </a:p>
+        </p:txBody>
+      </p:sp>
+      <p:sp>
+        <p:nvSpPr>
+          <p:cNvPr id="20" name="Picture Placeholder 2"/>
+          <p:cNvSpPr>
+            <a:spLocks noGrp="1" noChangeAspect="1"/>
+          </p:cNvSpPr>
+          <p:nvPr>
+            <p:ph type="pic" idx="15"/>
+          </p:nvPr>
+        </p:nvSpPr>
+        <p:spPr>
+          <a:xfrm>
+            <a:off x="1018102" y="1938918"/>
+            <a:ext cx="3092368" cy="1602954"/>
+          </a:xfrm>
+          <a:prstGeom prst="roundRect">
+            <a:avLst>
+              <a:gd name="adj" fmla="val 1858"/>
+            </a:avLst>
+          </a:prstGeom>
+          <a:effectLst>
+            <a:outerShdw blurRad="38100" dist="25400" dir="4440000">
+              <a:srgbClr val="000000">
+                <a:alpha val="36000"/>
+              </a:srgbClr>
+            </a:outerShdw>
+          </a:effectLst>
+        </p:spPr>
+        <p:txBody>
+          <a:bodyPr anchor="t">
+            <a:normAutofit/>
+          </a:bodyPr>
+          <a:lstStyle>
+            <a:lvl1pPr marL="0" indent="0" algn="ctr">
+              <a:buNone/>
+              <a:defRPr sz="1600"/>
+            </a:lvl1pPr>
+            <a:lvl2pPr marL="457200" indent="0">
+              <a:buNone/>
+              <a:defRPr sz="1600"/>
+            </a:lvl2pPr>
+            <a:lvl3pPr marL="914400" indent="0">
+              <a:buNone/>
+              <a:defRPr sz="1600"/>
+            </a:lvl3pPr>
+            <a:lvl4pPr marL="1371600" indent="0">
+              <a:buNone/>
+              <a:defRPr sz="1600"/>
+            </a:lvl4pPr>
+            <a:lvl5pPr marL="1828800" indent="0">
+              <a:buNone/>
+              <a:defRPr sz="1600"/>
+            </a:lvl5pPr>
+            <a:lvl6pPr marL="2286000" indent="0">
+              <a:buNone/>
+              <a:defRPr sz="1600"/>
+            </a:lvl6pPr>
+            <a:lvl7pPr marL="2743200" indent="0">
+              <a:buNone/>
+              <a:defRPr sz="1600"/>
+            </a:lvl7pPr>
+            <a:lvl8pPr marL="3200400" indent="0">
+              <a:buNone/>
+              <a:defRPr sz="1600"/>
+            </a:lvl8pPr>
+            <a:lvl9pPr marL="3657600" indent="0">
+              <a:buNone/>
+              <a:defRPr sz="1600"/>
+            </a:lvl9pPr>
+          </a:lstStyle>
+          <a:p>
+            <a:r>
+              <a:rPr lang="it-IT" dirty="0"/>
+              <a:t>Fare clic sull'icona per inserire un'immagine</a:t>
+            </a:r>
+            <a:endParaRPr lang="en-US" dirty="0"/>
+          </a:p>
+        </p:txBody>
+      </p:sp>
+      <p:sp>
+        <p:nvSpPr>
+          <p:cNvPr id="21" name="Text Placeholder 3"/>
+          <p:cNvSpPr>
+            <a:spLocks noGrp="1"/>
+          </p:cNvSpPr>
+          <p:nvPr>
+            <p:ph type="body" sz="half" idx="18"/>
+          </p:nvPr>
+        </p:nvSpPr>
+        <p:spPr>
+          <a:xfrm>
+            <a:off x="913795" y="4480368"/>
+            <a:ext cx="3300984" cy="1310833"/>
+          </a:xfrm>
+        </p:spPr>
+        <p:txBody>
+          <a:bodyPr anchor="t">
+            <a:normAutofit/>
+          </a:bodyPr>
+          <a:lstStyle>
+            <a:lvl1pPr marL="0" indent="0" algn="ctr">
+              <a:buNone/>
+              <a:defRPr sz="1400"/>
+            </a:lvl1pPr>
+            <a:lvl2pPr marL="457200" indent="0">
+              <a:buNone/>
+              <a:defRPr sz="1200"/>
+            </a:lvl2pPr>
+            <a:lvl3pPr marL="914400" indent="0">
+              <a:buNone/>
+              <a:defRPr sz="1000"/>
+            </a:lvl3pPr>
+            <a:lvl4pPr marL="1371600" indent="0">
+              <a:buNone/>
+              <a:defRPr sz="900"/>
+            </a:lvl4pPr>
+            <a:lvl5pPr marL="1828800" indent="0">
+              <a:buNone/>
+              <a:defRPr sz="900"/>
+            </a:lvl5pPr>
+            <a:lvl6pPr marL="2286000" indent="0">
+              <a:buNone/>
+              <a:defRPr sz="900"/>
+            </a:lvl6pPr>
+            <a:lvl7pPr marL="2743200" indent="0">
+              <a:buNone/>
+              <a:defRPr sz="900"/>
+            </a:lvl7pPr>
+            <a:lvl8pPr marL="3200400" indent="0">
+              <a:buNone/>
+              <a:defRPr sz="900"/>
+            </a:lvl8pPr>
+            <a:lvl9pPr marL="3657600" indent="0">
+              <a:buNone/>
+              <a:defRPr sz="900"/>
+            </a:lvl9pPr>
+          </a:lstStyle>
+          <a:p>
+            <a:pPr lvl="0"/>
+            <a:r>
+              <a:rPr lang="it-IT"/>
+              <a:t>Fare clic per modificare gli stili del testo dello schema</a:t>
+            </a:r>
+          </a:p>
+        </p:txBody>
+      </p:sp>
+      <p:sp>
+        <p:nvSpPr>
+          <p:cNvPr id="22" name="Text Placeholder 4"/>
+          <p:cNvSpPr>
+            <a:spLocks noGrp="1"/>
+          </p:cNvSpPr>
+          <p:nvPr>
+            <p:ph type="body" sz="quarter" idx="3"/>
+          </p:nvPr>
+        </p:nvSpPr>
+        <p:spPr>
+          <a:xfrm>
+            <a:off x="4442788" y="3904106"/>
+            <a:ext cx="3300984" cy="576262"/>
+          </a:xfrm>
+        </p:spPr>
+        <p:txBody>
+          <a:bodyPr anchor="b">
+            <a:noAutofit/>
+          </a:bodyPr>
+          <a:lstStyle>
+            <a:lvl1pPr marL="0" indent="0" algn="ctr">
+              <a:buNone/>
+              <a:defRPr sz="2000" b="0">
+                <a:solidFill>
+                  <a:schemeClr val="tx1"/>
+                </a:solidFill>
+              </a:defRPr>
+            </a:lvl1pPr>
+            <a:lvl2pPr marL="457200" indent="0">
+              <a:buNone/>
+              <a:defRPr sz="2000" b="1"/>
+            </a:lvl2pPr>
+            <a:lvl3pPr marL="914400" indent="0">
+              <a:buNone/>
+              <a:defRPr sz="1800" b="1"/>
+            </a:lvl3pPr>
+            <a:lvl4pPr marL="1371600" indent="0">
+              <a:buNone/>
+              <a:defRPr sz="1600" b="1"/>
+            </a:lvl4pPr>
+            <a:lvl5pPr marL="1828800" indent="0">
+              <a:buNone/>
+              <a:defRPr sz="1600" b="1"/>
+            </a:lvl5pPr>
+            <a:lvl6pPr marL="2286000" indent="0">
+              <a:buNone/>
+              <a:defRPr sz="1600" b="1"/>
+            </a:lvl6pPr>
+            <a:lvl7pPr marL="2743200" indent="0">
+              <a:buNone/>
+              <a:defRPr sz="1600" b="1"/>
+            </a:lvl7pPr>
+            <a:lvl8pPr marL="3200400" indent="0">
+              <a:buNone/>
+              <a:defRPr sz="1600" b="1"/>
+            </a:lvl8pPr>
+            <a:lvl9pPr marL="3657600" indent="0">
+              <a:buNone/>
+              <a:defRPr sz="1600" b="1"/>
+            </a:lvl9pPr>
+          </a:lstStyle>
+          <a:p>
+            <a:pPr lvl="0"/>
+            <a:r>
+              <a:rPr lang="it-IT"/>
+              <a:t>Fare clic per modificare gli stili del testo dello schema</a:t>
+            </a:r>
+          </a:p>
+        </p:txBody>
+      </p:sp>
+      <p:sp>
+        <p:nvSpPr>
+          <p:cNvPr id="23" name="Picture Placeholder 2"/>
+          <p:cNvSpPr>
+            <a:spLocks noGrp="1" noChangeAspect="1"/>
+          </p:cNvSpPr>
+          <p:nvPr>
+            <p:ph type="pic" idx="21"/>
+          </p:nvPr>
+        </p:nvSpPr>
+        <p:spPr>
+          <a:xfrm>
+            <a:off x="4545743" y="1939094"/>
+            <a:ext cx="3092368" cy="1608164"/>
+          </a:xfrm>
+          <a:prstGeom prst="roundRect">
+            <a:avLst>
+              <a:gd name="adj" fmla="val 1858"/>
+            </a:avLst>
+          </a:prstGeom>
+          <a:effectLst>
+            <a:outerShdw blurRad="38100" dist="25400" dir="4440000">
+              <a:srgbClr val="000000">
+                <a:alpha val="36000"/>
+              </a:srgbClr>
+            </a:outerShdw>
+          </a:effectLst>
+        </p:spPr>
+        <p:txBody>
+          <a:bodyPr anchor="t">
+            <a:normAutofit/>
+          </a:bodyPr>
+          <a:lstStyle>
+            <a:lvl1pPr marL="0" indent="0" algn="ctr">
+              <a:buNone/>
+              <a:defRPr sz="1600"/>
+            </a:lvl1pPr>
+            <a:lvl2pPr marL="457200" indent="0">
+              <a:buNone/>
+              <a:defRPr sz="1600"/>
+            </a:lvl2pPr>
+            <a:lvl3pPr marL="914400" indent="0">
+              <a:buNone/>
+              <a:defRPr sz="1600"/>
+            </a:lvl3pPr>
+            <a:lvl4pPr marL="1371600" indent="0">
+              <a:buNone/>
+              <a:defRPr sz="1600"/>
+            </a:lvl4pPr>
+            <a:lvl5pPr marL="1828800" indent="0">
+              <a:buNone/>
+              <a:defRPr sz="1600"/>
+            </a:lvl5pPr>
+            <a:lvl6pPr marL="2286000" indent="0">
+              <a:buNone/>
+              <a:defRPr sz="1600"/>
+            </a:lvl6pPr>
+            <a:lvl7pPr marL="2743200" indent="0">
+              <a:buNone/>
+              <a:defRPr sz="1600"/>
+            </a:lvl7pPr>
+            <a:lvl8pPr marL="3200400" indent="0">
+              <a:buNone/>
+              <a:defRPr sz="1600"/>
+            </a:lvl8pPr>
+            <a:lvl9pPr marL="3657600" indent="0">
+              <a:buNone/>
+              <a:defRPr sz="1600"/>
+            </a:lvl9pPr>
+          </a:lstStyle>
+          <a:p>
+            <a:r>
+              <a:rPr lang="it-IT" dirty="0"/>
+              <a:t>Fare clic sull'icona per inserire un'immagine</a:t>
+            </a:r>
+            <a:endParaRPr lang="en-US" dirty="0"/>
+          </a:p>
+        </p:txBody>
+      </p:sp>
+      <p:sp>
+        <p:nvSpPr>
+          <p:cNvPr id="24" name="Text Placeholder 3"/>
+          <p:cNvSpPr>
+            <a:spLocks noGrp="1"/>
+          </p:cNvSpPr>
+          <p:nvPr>
+            <p:ph type="body" sz="half" idx="19"/>
+          </p:nvPr>
+        </p:nvSpPr>
+        <p:spPr>
+          <a:xfrm>
+            <a:off x="4441435" y="4480367"/>
+            <a:ext cx="3300984" cy="1310833"/>
+          </a:xfrm>
+        </p:spPr>
+        <p:txBody>
+          <a:bodyPr anchor="t">
+            <a:normAutofit/>
+          </a:bodyPr>
+          <a:lstStyle>
+            <a:lvl1pPr marL="0" indent="0" algn="ctr">
+              <a:buNone/>
+              <a:defRPr sz="1400"/>
+            </a:lvl1pPr>
+            <a:lvl2pPr marL="457200" indent="0">
+              <a:buNone/>
+              <a:defRPr sz="1200"/>
+            </a:lvl2pPr>
+            <a:lvl3pPr marL="914400" indent="0">
+              <a:buNone/>
+              <a:defRPr sz="1000"/>
+            </a:lvl3pPr>
+            <a:lvl4pPr marL="1371600" indent="0">
+              <a:buNone/>
+              <a:defRPr sz="900"/>
+            </a:lvl4pPr>
+            <a:lvl5pPr marL="1828800" indent="0">
+              <a:buNone/>
+              <a:defRPr sz="900"/>
+            </a:lvl5pPr>
+            <a:lvl6pPr marL="2286000" indent="0">
+              <a:buNone/>
+              <a:defRPr sz="900"/>
+            </a:lvl6pPr>
+            <a:lvl7pPr marL="2743200" indent="0">
+              <a:buNone/>
+              <a:defRPr sz="900"/>
+            </a:lvl7pPr>
+            <a:lvl8pPr marL="3200400" indent="0">
+              <a:buNone/>
+              <a:defRPr sz="900"/>
+            </a:lvl8pPr>
+            <a:lvl9pPr marL="3657600" indent="0">
+              <a:buNone/>
+              <a:defRPr sz="900"/>
+            </a:lvl9pPr>
+          </a:lstStyle>
+          <a:p>
+            <a:pPr lvl="0"/>
+            <a:r>
+              <a:rPr lang="it-IT"/>
+              <a:t>Fare clic per modificare gli stili del testo dello schema</a:t>
+            </a:r>
+          </a:p>
+        </p:txBody>
+      </p:sp>
+      <p:sp>
+        <p:nvSpPr>
+          <p:cNvPr id="25" name="Text Placeholder 4"/>
+          <p:cNvSpPr>
+            <a:spLocks noGrp="1"/>
+          </p:cNvSpPr>
+          <p:nvPr>
+            <p:ph type="body" sz="quarter" idx="13"/>
+          </p:nvPr>
+        </p:nvSpPr>
+        <p:spPr>
+          <a:xfrm>
+            <a:off x="7966697" y="3904106"/>
+            <a:ext cx="3300984" cy="576262"/>
+          </a:xfrm>
+        </p:spPr>
+        <p:txBody>
+          <a:bodyPr anchor="b">
+            <a:noAutofit/>
+          </a:bodyPr>
+          <a:lstStyle>
+            <a:lvl1pPr marL="0" indent="0" algn="ctr">
+              <a:buNone/>
+              <a:defRPr sz="2000" b="0">
+                <a:solidFill>
+                  <a:schemeClr val="tx1"/>
+                </a:solidFill>
+              </a:defRPr>
+            </a:lvl1pPr>
+            <a:lvl2pPr marL="457200" indent="0">
+              <a:buNone/>
+              <a:defRPr sz="2000" b="1"/>
+            </a:lvl2pPr>
+            <a:lvl3pPr marL="914400" indent="0">
+              <a:buNone/>
+              <a:defRPr sz="1800" b="1"/>
+            </a:lvl3pPr>
+            <a:lvl4pPr marL="1371600" indent="0">
+              <a:buNone/>
+              <a:defRPr sz="1600" b="1"/>
+            </a:lvl4pPr>
+            <a:lvl5pPr marL="1828800" indent="0">
+              <a:buNone/>
+              <a:defRPr sz="1600" b="1"/>
+            </a:lvl5pPr>
+            <a:lvl6pPr marL="2286000" indent="0">
+              <a:buNone/>
+              <a:defRPr sz="1600" b="1"/>
+            </a:lvl6pPr>
+            <a:lvl7pPr marL="2743200" indent="0">
+              <a:buNone/>
+              <a:defRPr sz="1600" b="1"/>
+            </a:lvl7pPr>
+            <a:lvl8pPr marL="3200400" indent="0">
+              <a:buNone/>
+              <a:defRPr sz="1600" b="1"/>
+            </a:lvl8pPr>
+            <a:lvl9pPr marL="3657600" indent="0">
+              <a:buNone/>
+              <a:defRPr sz="1600" b="1"/>
+            </a:lvl9pPr>
+          </a:lstStyle>
+          <a:p>
+            <a:pPr lvl="0"/>
+            <a:r>
+              <a:rPr lang="it-IT"/>
+              <a:t>Fare clic per modificare gli stili del testo dello schema</a:t>
+            </a:r>
+          </a:p>
+        </p:txBody>
+      </p:sp>
+      <p:sp>
+        <p:nvSpPr>
+          <p:cNvPr id="26" name="Picture Placeholder 2"/>
+          <p:cNvSpPr>
+            <a:spLocks noGrp="1" noChangeAspect="1"/>
+          </p:cNvSpPr>
+          <p:nvPr>
+            <p:ph type="pic" idx="22"/>
+          </p:nvPr>
+        </p:nvSpPr>
+        <p:spPr>
+          <a:xfrm>
+            <a:off x="8075698" y="1934432"/>
+            <a:ext cx="3092368" cy="1607294"/>
+          </a:xfrm>
+          <a:prstGeom prst="roundRect">
+            <a:avLst>
+              <a:gd name="adj" fmla="val 1858"/>
+            </a:avLst>
+          </a:prstGeom>
+          <a:effectLst>
+            <a:outerShdw blurRad="38100" dist="25400" dir="4440000">
+              <a:srgbClr val="000000">
+                <a:alpha val="36000"/>
+              </a:srgbClr>
+            </a:outerShdw>
+          </a:effectLst>
+        </p:spPr>
+        <p:txBody>
+          <a:bodyPr anchor="t">
+            <a:normAutofit/>
+          </a:bodyPr>
+          <a:lstStyle>
+            <a:lvl1pPr marL="0" indent="0" algn="ctr">
+              <a:buNone/>
+              <a:defRPr sz="1600"/>
+            </a:lvl1pPr>
+            <a:lvl2pPr marL="457200" indent="0">
+              <a:buNone/>
+              <a:defRPr sz="1600"/>
+            </a:lvl2pPr>
+            <a:lvl3pPr marL="914400" indent="0">
+              <a:buNone/>
+              <a:defRPr sz="1600"/>
+            </a:lvl3pPr>
+            <a:lvl4pPr marL="1371600" indent="0">
+              <a:buNone/>
+              <a:defRPr sz="1600"/>
+            </a:lvl4pPr>
+            <a:lvl5pPr marL="1828800" indent="0">
+              <a:buNone/>
+              <a:defRPr sz="1600"/>
+            </a:lvl5pPr>
+            <a:lvl6pPr marL="2286000" indent="0">
+              <a:buNone/>
+              <a:defRPr sz="1600"/>
+            </a:lvl6pPr>
+            <a:lvl7pPr marL="2743200" indent="0">
+              <a:buNone/>
+              <a:defRPr sz="1600"/>
+            </a:lvl7pPr>
+            <a:lvl8pPr marL="3200400" indent="0">
+              <a:buNone/>
+              <a:defRPr sz="1600"/>
+            </a:lvl8pPr>
+            <a:lvl9pPr marL="3657600" indent="0">
+              <a:buNone/>
+              <a:defRPr sz="1600"/>
+            </a:lvl9pPr>
+          </a:lstStyle>
+          <a:p>
+            <a:r>
+              <a:rPr lang="it-IT" dirty="0"/>
+              <a:t>Fare clic sull'icona per inserire un'immagine</a:t>
+            </a:r>
+            <a:endParaRPr lang="en-US" dirty="0"/>
+          </a:p>
+        </p:txBody>
+      </p:sp>
+      <p:sp>
+        <p:nvSpPr>
+          <p:cNvPr id="27" name="Text Placeholder 3"/>
+          <p:cNvSpPr>
+            <a:spLocks noGrp="1"/>
+          </p:cNvSpPr>
+          <p:nvPr>
+            <p:ph type="body" sz="half" idx="20"/>
+          </p:nvPr>
+        </p:nvSpPr>
+        <p:spPr>
+          <a:xfrm>
+            <a:off x="7966572" y="4480365"/>
+            <a:ext cx="3300984" cy="1310835"/>
+          </a:xfrm>
+        </p:spPr>
+        <p:txBody>
+          <a:bodyPr anchor="t">
+            <a:normAutofit/>
+          </a:bodyPr>
+          <a:lstStyle>
+            <a:lvl1pPr marL="0" indent="0" algn="ctr">
+              <a:buNone/>
+              <a:defRPr sz="1400"/>
+            </a:lvl1pPr>
+            <a:lvl2pPr marL="457200" indent="0">
+              <a:buNone/>
+              <a:defRPr sz="1200"/>
+            </a:lvl2pPr>
+            <a:lvl3pPr marL="914400" indent="0">
+              <a:buNone/>
+              <a:defRPr sz="1000"/>
+            </a:lvl3pPr>
+            <a:lvl4pPr marL="1371600" indent="0">
+              <a:buNone/>
+              <a:defRPr sz="900"/>
+            </a:lvl4pPr>
+            <a:lvl5pPr marL="1828800" indent="0">
+              <a:buNone/>
+              <a:defRPr sz="900"/>
+            </a:lvl5pPr>
+            <a:lvl6pPr marL="2286000" indent="0">
+              <a:buNone/>
+              <a:defRPr sz="900"/>
+            </a:lvl6pPr>
+            <a:lvl7pPr marL="2743200" indent="0">
+              <a:buNone/>
+              <a:defRPr sz="900"/>
+            </a:lvl7pPr>
+            <a:lvl8pPr marL="3200400" indent="0">
+              <a:buNone/>
+              <a:defRPr sz="900"/>
+            </a:lvl8pPr>
+            <a:lvl9pPr marL="3657600" indent="0">
+              <a:buNone/>
+              <a:defRPr sz="900"/>
+            </a:lvl9pPr>
+          </a:lstStyle>
+          <a:p>
+            <a:pPr lvl="0"/>
+            <a:r>
+              <a:rPr lang="it-IT"/>
+              <a:t>Fare clic per modificare gli stili del testo dello schema</a:t>
+            </a:r>
+          </a:p>
+        </p:txBody>
+      </p:sp>
+      <p:sp>
+        <p:nvSpPr>
+          <p:cNvPr id="3" name="Date Placeholder 2"/>
+          <p:cNvSpPr>
+            <a:spLocks noGrp="1"/>
+          </p:cNvSpPr>
+          <p:nvPr>
+            <p:ph type="dt" sz="half" idx="10"/>
+          </p:nvPr>
+        </p:nvSpPr>
+        <p:spPr/>
+        <p:txBody>
+          <a:bodyPr/>
+          <a:lstStyle/>
+          <a:p>
+            <a:fld id="{1A270AA3-85FD-4336-B0B7-87033A430298}" type="datetimeFigureOut">
+              <a:rPr lang="it-IT" smtClean="0"/>
+              <a:t>18/04/2023</a:t>
+            </a:fld>
+            <a:endParaRPr lang="it-IT" dirty="0"/>
+          </a:p>
+        </p:txBody>
+      </p:sp>
+      <p:sp>
+        <p:nvSpPr>
+          <p:cNvPr id="4" name="Footer Placeholder 3"/>
+          <p:cNvSpPr>
+            <a:spLocks noGrp="1"/>
+          </p:cNvSpPr>
+          <p:nvPr>
+            <p:ph type="ftr" sz="quarter" idx="11"/>
+          </p:nvPr>
+        </p:nvSpPr>
+        <p:spPr/>
+        <p:txBody>
+          <a:bodyPr/>
+          <a:lstStyle/>
+          <a:p>
+            <a:endParaRPr lang="it-IT" dirty="0"/>
+          </a:p>
+        </p:txBody>
+      </p:sp>
+      <p:sp>
+        <p:nvSpPr>
+          <p:cNvPr id="5" name="Slide Number Placeholder 4"/>
+          <p:cNvSpPr>
+            <a:spLocks noGrp="1"/>
+          </p:cNvSpPr>
+          <p:nvPr>
+            <p:ph type="sldNum" sz="quarter" idx="12"/>
+          </p:nvPr>
+        </p:nvSpPr>
+        <p:spPr/>
+        <p:txBody>
+          <a:bodyPr/>
+          <a:lstStyle/>
+          <a:p>
+            <a:fld id="{B79E2095-E266-4349-B343-9AFCE9515DB3}" type="slidenum">
+              <a:rPr lang="it-IT" smtClean="0"/>
+              <a:t>‹N›</a:t>
+            </a:fld>
+            <a:endParaRPr lang="it-IT" dirty="0"/>
+          </a:p>
+        </p:txBody>
+      </p:sp>
+    </p:spTree>
+    <p:extLst>
+      <p:ext uri="{BB962C8B-B14F-4D97-AF65-F5344CB8AC3E}">
+        <p14:creationId xmlns:p14="http://schemas.microsoft.com/office/powerpoint/2010/main" val="226219475"/>
+      </p:ext>
+    </p:extLst>
+  </p:cSld>
+  <p:clrMapOvr>
+    <a:masterClrMapping/>
+  </p:clrMapOvr>
+</p:sldLayout>
+</file>
+
+<file path=ppt/slideLayouts/slideLayout16.xml><?xml version="1.0" encoding="utf-8"?>
 <p:sldLayout xmlns:a="http://schemas.openxmlformats.org/drawingml/2006/main" xmlns:r="http://schemas.openxmlformats.org/officeDocument/2006/relationships" xmlns:p="http://schemas.openxmlformats.org/presentationml/2006/main" type="vertTx" preserve="1">
   <p:cSld name="Titolo e testo verticale">
     <p:spTree>
@@ -379,7 +3770,7 @@
         </p:nvSpPr>
         <p:spPr/>
         <p:txBody>
-          <a:bodyPr vert="eaVert"/>
+          <a:bodyPr vert="eaVert" anchor="t"/>
           <a:lstStyle/>
           <a:p>
             <a:pPr lvl="0"/>
@@ -438,7 +3829,7 @@
               <a:rPr lang="it-IT" smtClean="0"/>
               <a:t>18/04/2023</a:t>
             </a:fld>
-            <a:endParaRPr lang="it-IT"/>
+            <a:endParaRPr lang="it-IT" dirty="0"/>
           </a:p>
         </p:txBody>
       </p:sp>
@@ -457,7 +3848,7 @@
           <a:bodyPr/>
           <a:lstStyle/>
           <a:p>
-            <a:endParaRPr lang="it-IT"/>
+            <a:endParaRPr lang="it-IT" dirty="0"/>
           </a:p>
         </p:txBody>
       </p:sp>
@@ -480,14 +3871,14 @@
               <a:rPr lang="it-IT" smtClean="0"/>
               <a:t>‹N›</a:t>
             </a:fld>
-            <a:endParaRPr lang="it-IT"/>
+            <a:endParaRPr lang="it-IT" dirty="0"/>
           </a:p>
         </p:txBody>
       </p:sp>
     </p:spTree>
     <p:extLst>
       <p:ext uri="{BB962C8B-B14F-4D97-AF65-F5344CB8AC3E}">
-        <p14:creationId xmlns:p14="http://schemas.microsoft.com/office/powerpoint/2010/main" val="886629220"/>
+        <p14:creationId xmlns:p14="http://schemas.microsoft.com/office/powerpoint/2010/main" val="471215576"/>
       </p:ext>
     </p:extLst>
   </p:cSld>
@@ -497,7 +3888,7 @@
 </p:sldLayout>
 </file>
 
-<file path=ppt/slideLayouts/slideLayout11.xml><?xml version="1.0" encoding="utf-8"?>
+<file path=ppt/slideLayouts/slideLayout17.xml><?xml version="1.0" encoding="utf-8"?>
 <p:sldLayout xmlns:a="http://schemas.openxmlformats.org/drawingml/2006/main" xmlns:r="http://schemas.openxmlformats.org/officeDocument/2006/relationships" xmlns:p="http://schemas.openxmlformats.org/presentationml/2006/main" type="vertTitleAndTx" preserve="1">
   <p:cSld name="1_Titolo e testo verticale">
     <p:spTree>
@@ -526,13 +3917,17 @@
         </p:nvSpPr>
         <p:spPr>
           <a:xfrm>
-            <a:off x="8724900" y="365125"/>
-            <a:ext cx="2628900" cy="5811838"/>
+            <a:off x="8983068" y="609599"/>
+            <a:ext cx="2284487" cy="5181601"/>
           </a:xfrm>
         </p:spPr>
         <p:txBody>
           <a:bodyPr vert="eaVert"/>
-          <a:lstStyle/>
+          <a:lstStyle>
+            <a:lvl1pPr algn="l">
+              <a:defRPr/>
+            </a:lvl1pPr>
+          </a:lstStyle>
           <a:p>
             <a:r>
               <a:rPr lang="it-IT"/>
@@ -554,12 +3949,12 @@
         </p:nvSpPr>
         <p:spPr>
           <a:xfrm>
-            <a:off x="838200" y="365125"/>
-            <a:ext cx="7734300" cy="5811838"/>
+            <a:off x="913796" y="609599"/>
+            <a:ext cx="7916872" cy="5181601"/>
           </a:xfrm>
         </p:spPr>
         <p:txBody>
-          <a:bodyPr vert="eaVert"/>
+          <a:bodyPr vert="eaVert" anchor="t"/>
           <a:lstStyle/>
           <a:p>
             <a:pPr lvl="0"/>
@@ -618,7 +4013,7 @@
               <a:rPr lang="it-IT" smtClean="0"/>
               <a:t>18/04/2023</a:t>
             </a:fld>
-            <a:endParaRPr lang="it-IT"/>
+            <a:endParaRPr lang="it-IT" dirty="0"/>
           </a:p>
         </p:txBody>
       </p:sp>
@@ -637,7 +4032,7 @@
           <a:bodyPr/>
           <a:lstStyle/>
           <a:p>
-            <a:endParaRPr lang="it-IT"/>
+            <a:endParaRPr lang="it-IT" dirty="0"/>
           </a:p>
         </p:txBody>
       </p:sp>
@@ -660,14 +4055,14 @@
               <a:rPr lang="it-IT" smtClean="0"/>
               <a:t>‹N›</a:t>
             </a:fld>
-            <a:endParaRPr lang="it-IT"/>
+            <a:endParaRPr lang="it-IT" dirty="0"/>
           </a:p>
         </p:txBody>
       </p:sp>
     </p:spTree>
     <p:extLst>
       <p:ext uri="{BB962C8B-B14F-4D97-AF65-F5344CB8AC3E}">
-        <p14:creationId xmlns:p14="http://schemas.microsoft.com/office/powerpoint/2010/main" val="3753554813"/>
+        <p14:creationId xmlns:p14="http://schemas.microsoft.com/office/powerpoint/2010/main" val="1288034257"/>
       </p:ext>
     </p:extLst>
   </p:cSld>
@@ -788,7 +4183,7 @@
               <a:rPr lang="it-IT" smtClean="0"/>
               <a:t>18/04/2023</a:t>
             </a:fld>
-            <a:endParaRPr lang="it-IT"/>
+            <a:endParaRPr lang="it-IT" dirty="0"/>
           </a:p>
         </p:txBody>
       </p:sp>
@@ -807,7 +4202,7 @@
           <a:bodyPr/>
           <a:lstStyle/>
           <a:p>
-            <a:endParaRPr lang="it-IT"/>
+            <a:endParaRPr lang="it-IT" dirty="0"/>
           </a:p>
         </p:txBody>
       </p:sp>
@@ -830,14 +4225,14 @@
               <a:rPr lang="it-IT" smtClean="0"/>
               <a:t>‹N›</a:t>
             </a:fld>
-            <a:endParaRPr lang="it-IT"/>
+            <a:endParaRPr lang="it-IT" dirty="0"/>
           </a:p>
         </p:txBody>
       </p:sp>
     </p:spTree>
     <p:extLst>
       <p:ext uri="{BB962C8B-B14F-4D97-AF65-F5344CB8AC3E}">
-        <p14:creationId xmlns:p14="http://schemas.microsoft.com/office/powerpoint/2010/main" val="713618572"/>
+        <p14:creationId xmlns:p14="http://schemas.microsoft.com/office/powerpoint/2010/main" val="324016511"/>
       </p:ext>
     </p:extLst>
   </p:cSld>
@@ -876,15 +4271,15 @@
         </p:nvSpPr>
         <p:spPr>
           <a:xfrm>
-            <a:off x="831850" y="1709738"/>
-            <a:ext cx="10515600" cy="2852737"/>
+            <a:off x="1295401" y="1761067"/>
+            <a:ext cx="9590550" cy="1828813"/>
           </a:xfrm>
         </p:spPr>
         <p:txBody>
           <a:bodyPr anchor="b"/>
           <a:lstStyle>
-            <a:lvl1pPr>
-              <a:defRPr sz="6000"/>
+            <a:lvl1pPr algn="ctr">
+              <a:defRPr sz="4000" b="0" cap="none"/>
             </a:lvl1pPr>
           </a:lstStyle>
           <a:p>
@@ -908,96 +4303,94 @@
         </p:nvSpPr>
         <p:spPr>
           <a:xfrm>
-            <a:off x="831850" y="4589463"/>
-            <a:ext cx="10515600" cy="1500187"/>
+            <a:off x="1295401" y="3589879"/>
+            <a:ext cx="9590550" cy="1507054"/>
           </a:xfrm>
         </p:spPr>
         <p:txBody>
-          <a:bodyPr/>
+          <a:bodyPr anchor="t"/>
           <a:lstStyle>
-            <a:lvl1pPr marL="0" indent="0">
-              <a:buNone/>
-              <a:defRPr sz="2400">
+            <a:lvl1pPr marL="0" indent="0" algn="ctr">
+              <a:buNone/>
+              <a:defRPr sz="2000">
+                <a:solidFill>
+                  <a:schemeClr val="tx1"/>
+                </a:solidFill>
+              </a:defRPr>
+            </a:lvl1pPr>
+            <a:lvl2pPr marL="457200" indent="0">
+              <a:buNone/>
+              <a:defRPr sz="1800">
                 <a:solidFill>
                   <a:schemeClr val="tx1">
                     <a:tint val="75000"/>
                   </a:schemeClr>
                 </a:solidFill>
               </a:defRPr>
-            </a:lvl1pPr>
-            <a:lvl2pPr marL="457200" indent="0">
-              <a:buNone/>
-              <a:defRPr sz="2000">
+            </a:lvl2pPr>
+            <a:lvl3pPr marL="914400" indent="0">
+              <a:buNone/>
+              <a:defRPr sz="1600">
                 <a:solidFill>
                   <a:schemeClr val="tx1">
                     <a:tint val="75000"/>
                   </a:schemeClr>
                 </a:solidFill>
               </a:defRPr>
-            </a:lvl2pPr>
-            <a:lvl3pPr marL="914400" indent="0">
-              <a:buNone/>
-              <a:defRPr sz="1800">
+            </a:lvl3pPr>
+            <a:lvl4pPr marL="1371600" indent="0">
+              <a:buNone/>
+              <a:defRPr sz="1400">
                 <a:solidFill>
                   <a:schemeClr val="tx1">
                     <a:tint val="75000"/>
                   </a:schemeClr>
                 </a:solidFill>
               </a:defRPr>
-            </a:lvl3pPr>
-            <a:lvl4pPr marL="1371600" indent="0">
-              <a:buNone/>
-              <a:defRPr sz="1600">
+            </a:lvl4pPr>
+            <a:lvl5pPr marL="1828800" indent="0">
+              <a:buNone/>
+              <a:defRPr sz="1400">
                 <a:solidFill>
                   <a:schemeClr val="tx1">
                     <a:tint val="75000"/>
                   </a:schemeClr>
                 </a:solidFill>
               </a:defRPr>
-            </a:lvl4pPr>
-            <a:lvl5pPr marL="1828800" indent="0">
-              <a:buNone/>
-              <a:defRPr sz="1600">
+            </a:lvl5pPr>
+            <a:lvl6pPr marL="2286000" indent="0">
+              <a:buNone/>
+              <a:defRPr sz="1400">
                 <a:solidFill>
                   <a:schemeClr val="tx1">
                     <a:tint val="75000"/>
                   </a:schemeClr>
                 </a:solidFill>
               </a:defRPr>
-            </a:lvl5pPr>
-            <a:lvl6pPr marL="2286000" indent="0">
-              <a:buNone/>
-              <a:defRPr sz="1600">
+            </a:lvl6pPr>
+            <a:lvl7pPr marL="2743200" indent="0">
+              <a:buNone/>
+              <a:defRPr sz="1400">
                 <a:solidFill>
                   <a:schemeClr val="tx1">
                     <a:tint val="75000"/>
                   </a:schemeClr>
                 </a:solidFill>
               </a:defRPr>
-            </a:lvl6pPr>
-            <a:lvl7pPr marL="2743200" indent="0">
-              <a:buNone/>
-              <a:defRPr sz="1600">
+            </a:lvl7pPr>
+            <a:lvl8pPr marL="3200400" indent="0">
+              <a:buNone/>
+              <a:defRPr sz="1400">
                 <a:solidFill>
                   <a:schemeClr val="tx1">
                     <a:tint val="75000"/>
                   </a:schemeClr>
                 </a:solidFill>
               </a:defRPr>
-            </a:lvl7pPr>
-            <a:lvl8pPr marL="3200400" indent="0">
-              <a:buNone/>
-              <a:defRPr sz="1600">
-                <a:solidFill>
-                  <a:schemeClr val="tx1">
-                    <a:tint val="75000"/>
-                  </a:schemeClr>
-                </a:solidFill>
-              </a:defRPr>
             </a:lvl8pPr>
             <a:lvl9pPr marL="3657600" indent="0">
               <a:buNone/>
-              <a:defRPr sz="1600">
+              <a:defRPr sz="1400">
                 <a:solidFill>
                   <a:schemeClr val="tx1">
                     <a:tint val="75000"/>
@@ -1034,7 +4427,7 @@
               <a:rPr lang="it-IT" smtClean="0"/>
               <a:t>18/04/2023</a:t>
             </a:fld>
-            <a:endParaRPr lang="it-IT"/>
+            <a:endParaRPr lang="it-IT" dirty="0"/>
           </a:p>
         </p:txBody>
       </p:sp>
@@ -1053,7 +4446,7 @@
           <a:bodyPr/>
           <a:lstStyle/>
           <a:p>
-            <a:endParaRPr lang="it-IT"/>
+            <a:endParaRPr lang="it-IT" dirty="0"/>
           </a:p>
         </p:txBody>
       </p:sp>
@@ -1076,14 +4469,14 @@
               <a:rPr lang="it-IT" smtClean="0"/>
               <a:t>‹N›</a:t>
             </a:fld>
-            <a:endParaRPr lang="it-IT"/>
+            <a:endParaRPr lang="it-IT" dirty="0"/>
           </a:p>
         </p:txBody>
       </p:sp>
     </p:spTree>
     <p:extLst>
       <p:ext uri="{BB962C8B-B14F-4D97-AF65-F5344CB8AC3E}">
-        <p14:creationId xmlns:p14="http://schemas.microsoft.com/office/powerpoint/2010/main" val="3877966923"/>
+        <p14:creationId xmlns:p14="http://schemas.microsoft.com/office/powerpoint/2010/main" val="2038857957"/>
       </p:ext>
     </p:extLst>
   </p:cSld>
@@ -1145,12 +4538,14 @@
         </p:nvSpPr>
         <p:spPr>
           <a:xfrm>
-            <a:off x="838200" y="1825625"/>
-            <a:ext cx="5181600" cy="4351338"/>
+            <a:off x="913795" y="1732449"/>
+            <a:ext cx="5060497" cy="4058750"/>
           </a:xfrm>
         </p:spPr>
         <p:txBody>
-          <a:bodyPr/>
+          <a:bodyPr anchor="t">
+            <a:normAutofit/>
+          </a:bodyPr>
           <a:lstStyle/>
           <a:p>
             <a:pPr lvl="0"/>
@@ -1202,12 +4597,14 @@
         </p:nvSpPr>
         <p:spPr>
           <a:xfrm>
-            <a:off x="6172200" y="1825625"/>
-            <a:ext cx="5181600" cy="4351338"/>
+            <a:off x="6202892" y="1732449"/>
+            <a:ext cx="5064665" cy="4058751"/>
           </a:xfrm>
         </p:spPr>
         <p:txBody>
-          <a:bodyPr/>
+          <a:bodyPr anchor="t">
+            <a:normAutofit/>
+          </a:bodyPr>
           <a:lstStyle/>
           <a:p>
             <a:pPr lvl="0"/>
@@ -1266,7 +4663,7 @@
               <a:rPr lang="it-IT" smtClean="0"/>
               <a:t>18/04/2023</a:t>
             </a:fld>
-            <a:endParaRPr lang="it-IT"/>
+            <a:endParaRPr lang="it-IT" dirty="0"/>
           </a:p>
         </p:txBody>
       </p:sp>
@@ -1285,7 +4682,7 @@
           <a:bodyPr/>
           <a:lstStyle/>
           <a:p>
-            <a:endParaRPr lang="it-IT"/>
+            <a:endParaRPr lang="it-IT" dirty="0"/>
           </a:p>
         </p:txBody>
       </p:sp>
@@ -1308,14 +4705,14 @@
               <a:rPr lang="it-IT" smtClean="0"/>
               <a:t>‹N›</a:t>
             </a:fld>
-            <a:endParaRPr lang="it-IT"/>
+            <a:endParaRPr lang="it-IT" dirty="0"/>
           </a:p>
         </p:txBody>
       </p:sp>
     </p:spTree>
     <p:extLst>
       <p:ext uri="{BB962C8B-B14F-4D97-AF65-F5344CB8AC3E}">
-        <p14:creationId xmlns:p14="http://schemas.microsoft.com/office/powerpoint/2010/main" val="3831343288"/>
+        <p14:creationId xmlns:p14="http://schemas.microsoft.com/office/powerpoint/2010/main" val="2331818400"/>
       </p:ext>
     </p:extLst>
   </p:cSld>
@@ -1342,56 +4739,117 @@
           <a:chExt cx="0" cy="0"/>
         </a:xfrm>
       </p:grpSpPr>
-      <p:sp>
-        <p:nvSpPr>
-          <p:cNvPr id="2" name="Title 1"/>
-          <p:cNvSpPr>
-            <a:spLocks noGrp="1"/>
-          </p:cNvSpPr>
-          <p:nvPr>
-            <p:ph type="title"/>
-          </p:nvPr>
-        </p:nvSpPr>
+      <p:pic>
+        <p:nvPicPr>
+          <p:cNvPr id="20" name="Picture 19" descr="Slate-V2-HD-compPhotoInset.png"/>
+          <p:cNvPicPr>
+            <a:picLocks noChangeAspect="1"/>
+          </p:cNvPicPr>
+          <p:nvPr/>
+        </p:nvPicPr>
+        <p:blipFill>
+          <a:blip r:embed="rId2">
+            <a:extLst>
+              <a:ext uri="{28A0092B-C50C-407E-A947-70E740481C1C}">
+                <a14:useLocalDpi xmlns:a14="http://schemas.microsoft.com/office/drawing/2010/main" val="0"/>
+              </a:ext>
+            </a:extLst>
+          </a:blip>
+          <a:stretch>
+            <a:fillRect/>
+          </a:stretch>
+        </p:blipFill>
         <p:spPr>
           <a:xfrm>
-            <a:off x="839788" y="365125"/>
-            <a:ext cx="10515600" cy="1325563"/>
+            <a:off x="913795" y="1734506"/>
+            <a:ext cx="5089072" cy="4148769"/>
+          </a:xfrm>
+          <a:prstGeom prst="rect">
+            <a:avLst/>
+          </a:prstGeom>
+        </p:spPr>
+      </p:pic>
+      <p:pic>
+        <p:nvPicPr>
+          <p:cNvPr id="21" name="Picture 20" descr="Slate-V2-HD-compPhotoInset.png"/>
+          <p:cNvPicPr>
+            <a:picLocks noChangeAspect="1"/>
+          </p:cNvPicPr>
+          <p:nvPr/>
+        </p:nvPicPr>
+        <p:blipFill>
+          <a:blip r:embed="rId2">
+            <a:extLst>
+              <a:ext uri="{28A0092B-C50C-407E-A947-70E740481C1C}">
+                <a14:useLocalDpi xmlns:a14="http://schemas.microsoft.com/office/drawing/2010/main" val="0"/>
+              </a:ext>
+            </a:extLst>
+          </a:blip>
+          <a:stretch>
+            <a:fillRect/>
+          </a:stretch>
+        </p:blipFill>
+        <p:spPr>
+          <a:xfrm>
+            <a:off x="6178485" y="1734506"/>
+            <a:ext cx="5089072" cy="4148769"/>
+          </a:xfrm>
+          <a:prstGeom prst="rect">
+            <a:avLst/>
+          </a:prstGeom>
+        </p:spPr>
+      </p:pic>
+      <p:sp>
+        <p:nvSpPr>
+          <p:cNvPr id="2" name="Title 1"/>
+          <p:cNvSpPr>
+            <a:spLocks noGrp="1"/>
+          </p:cNvSpPr>
+          <p:nvPr>
+            <p:ph type="title"/>
+          </p:nvPr>
+        </p:nvSpPr>
+        <p:spPr/>
+        <p:txBody>
+          <a:bodyPr/>
+          <a:lstStyle>
+            <a:lvl1pPr>
+              <a:defRPr/>
+            </a:lvl1pPr>
+          </a:lstStyle>
+          <a:p>
+            <a:r>
+              <a:rPr lang="it-IT"/>
+              <a:t>Fare clic per modificare lo stile del titolo dello schema</a:t>
+            </a:r>
+            <a:endParaRPr lang="en-US" dirty="0"/>
+          </a:p>
+        </p:txBody>
+      </p:sp>
+      <p:sp>
+        <p:nvSpPr>
+          <p:cNvPr id="3" name="Text Placeholder 2"/>
+          <p:cNvSpPr>
+            <a:spLocks noGrp="1"/>
+          </p:cNvSpPr>
+          <p:nvPr>
+            <p:ph type="body" idx="1"/>
+          </p:nvPr>
+        </p:nvSpPr>
+        <p:spPr>
+          <a:xfrm>
+            <a:off x="1005872" y="1835254"/>
+            <a:ext cx="4876344" cy="544884"/>
           </a:xfrm>
         </p:spPr>
         <p:txBody>
-          <a:bodyPr/>
-          <a:lstStyle/>
-          <a:p>
-            <a:r>
-              <a:rPr lang="it-IT"/>
-              <a:t>Fare clic per modificare lo stile del titolo dello schema</a:t>
-            </a:r>
-            <a:endParaRPr lang="en-US" dirty="0"/>
-          </a:p>
-        </p:txBody>
-      </p:sp>
-      <p:sp>
-        <p:nvSpPr>
-          <p:cNvPr id="3" name="Text Placeholder 2"/>
-          <p:cNvSpPr>
-            <a:spLocks noGrp="1"/>
-          </p:cNvSpPr>
-          <p:nvPr>
-            <p:ph type="body" idx="1"/>
-          </p:nvPr>
-        </p:nvSpPr>
-        <p:spPr>
-          <a:xfrm>
-            <a:off x="839788" y="1681163"/>
-            <a:ext cx="5157787" cy="823912"/>
-          </a:xfrm>
-        </p:spPr>
-        <p:txBody>
-          <a:bodyPr anchor="b"/>
+          <a:bodyPr anchor="b">
+            <a:noAutofit/>
+          </a:bodyPr>
           <a:lstStyle>
-            <a:lvl1pPr marL="0" indent="0">
-              <a:buNone/>
-              <a:defRPr sz="2400" b="1"/>
+            <a:lvl1pPr marL="0" indent="0" algn="ctr">
+              <a:buNone/>
+              <a:defRPr sz="2400" b="0"/>
             </a:lvl1pPr>
             <a:lvl2pPr marL="457200" indent="0">
               <a:buNone/>
@@ -1447,13 +4905,31 @@
         </p:nvSpPr>
         <p:spPr>
           <a:xfrm>
-            <a:off x="839788" y="2505075"/>
-            <a:ext cx="5157787" cy="3684588"/>
+            <a:off x="1005872" y="2380137"/>
+            <a:ext cx="4876344" cy="3411063"/>
           </a:xfrm>
         </p:spPr>
         <p:txBody>
-          <a:bodyPr/>
-          <a:lstStyle/>
+          <a:bodyPr anchor="t">
+            <a:normAutofit/>
+          </a:bodyPr>
+          <a:lstStyle>
+            <a:lvl1pPr>
+              <a:defRPr sz="1800"/>
+            </a:lvl1pPr>
+            <a:lvl2pPr>
+              <a:defRPr sz="1600"/>
+            </a:lvl2pPr>
+            <a:lvl3pPr>
+              <a:defRPr sz="1400"/>
+            </a:lvl3pPr>
+            <a:lvl4pPr>
+              <a:defRPr sz="1200"/>
+            </a:lvl4pPr>
+            <a:lvl5pPr>
+              <a:defRPr sz="1200"/>
+            </a:lvl5pPr>
+          </a:lstStyle>
           <a:p>
             <a:pPr lvl="0"/>
             <a:r>
@@ -1504,16 +4980,18 @@
         </p:nvSpPr>
         <p:spPr>
           <a:xfrm>
-            <a:off x="6172200" y="1681163"/>
-            <a:ext cx="5183188" cy="823912"/>
+            <a:off x="6294967" y="1835254"/>
+            <a:ext cx="4895330" cy="544883"/>
           </a:xfrm>
         </p:spPr>
         <p:txBody>
-          <a:bodyPr anchor="b"/>
+          <a:bodyPr anchor="b">
+            <a:noAutofit/>
+          </a:bodyPr>
           <a:lstStyle>
-            <a:lvl1pPr marL="0" indent="0">
-              <a:buNone/>
-              <a:defRPr sz="2400" b="1"/>
+            <a:lvl1pPr marL="0" indent="0" algn="ctr">
+              <a:buNone/>
+              <a:defRPr sz="2400" b="0"/>
             </a:lvl1pPr>
             <a:lvl2pPr marL="457200" indent="0">
               <a:buNone/>
@@ -1569,13 +5047,31 @@
         </p:nvSpPr>
         <p:spPr>
           <a:xfrm>
-            <a:off x="6172200" y="2505075"/>
-            <a:ext cx="5183188" cy="3684588"/>
+            <a:off x="6294967" y="2380137"/>
+            <a:ext cx="4895330" cy="3411063"/>
           </a:xfrm>
         </p:spPr>
         <p:txBody>
-          <a:bodyPr/>
-          <a:lstStyle/>
+          <a:bodyPr anchor="t">
+            <a:normAutofit/>
+          </a:bodyPr>
+          <a:lstStyle>
+            <a:lvl1pPr>
+              <a:defRPr sz="1800"/>
+            </a:lvl1pPr>
+            <a:lvl2pPr>
+              <a:defRPr sz="1600"/>
+            </a:lvl2pPr>
+            <a:lvl3pPr>
+              <a:defRPr sz="1400"/>
+            </a:lvl3pPr>
+            <a:lvl4pPr>
+              <a:defRPr sz="1200"/>
+            </a:lvl4pPr>
+            <a:lvl5pPr>
+              <a:defRPr sz="1200"/>
+            </a:lvl5pPr>
+          </a:lstStyle>
           <a:p>
             <a:pPr lvl="0"/>
             <a:r>
@@ -1633,7 +5129,7 @@
               <a:rPr lang="it-IT" smtClean="0"/>
               <a:t>18/04/2023</a:t>
             </a:fld>
-            <a:endParaRPr lang="it-IT"/>
+            <a:endParaRPr lang="it-IT" dirty="0"/>
           </a:p>
         </p:txBody>
       </p:sp>
@@ -1652,7 +5148,7 @@
           <a:bodyPr/>
           <a:lstStyle/>
           <a:p>
-            <a:endParaRPr lang="it-IT"/>
+            <a:endParaRPr lang="it-IT" dirty="0"/>
           </a:p>
         </p:txBody>
       </p:sp>
@@ -1675,14 +5171,14 @@
               <a:rPr lang="it-IT" smtClean="0"/>
               <a:t>‹N›</a:t>
             </a:fld>
-            <a:endParaRPr lang="it-IT"/>
+            <a:endParaRPr lang="it-IT" dirty="0"/>
           </a:p>
         </p:txBody>
       </p:sp>
     </p:spTree>
     <p:extLst>
       <p:ext uri="{BB962C8B-B14F-4D97-AF65-F5344CB8AC3E}">
-        <p14:creationId xmlns:p14="http://schemas.microsoft.com/office/powerpoint/2010/main" val="1670117259"/>
+        <p14:creationId xmlns:p14="http://schemas.microsoft.com/office/powerpoint/2010/main" val="2499676052"/>
       </p:ext>
     </p:extLst>
   </p:cSld>
@@ -1751,7 +5247,7 @@
               <a:rPr lang="it-IT" smtClean="0"/>
               <a:t>18/04/2023</a:t>
             </a:fld>
-            <a:endParaRPr lang="it-IT"/>
+            <a:endParaRPr lang="it-IT" dirty="0"/>
           </a:p>
         </p:txBody>
       </p:sp>
@@ -1770,7 +5266,7 @@
           <a:bodyPr/>
           <a:lstStyle/>
           <a:p>
-            <a:endParaRPr lang="it-IT"/>
+            <a:endParaRPr lang="it-IT" dirty="0"/>
           </a:p>
         </p:txBody>
       </p:sp>
@@ -1793,14 +5289,14 @@
               <a:rPr lang="it-IT" smtClean="0"/>
               <a:t>‹N›</a:t>
             </a:fld>
-            <a:endParaRPr lang="it-IT"/>
+            <a:endParaRPr lang="it-IT" dirty="0"/>
           </a:p>
         </p:txBody>
       </p:sp>
     </p:spTree>
     <p:extLst>
       <p:ext uri="{BB962C8B-B14F-4D97-AF65-F5344CB8AC3E}">
-        <p14:creationId xmlns:p14="http://schemas.microsoft.com/office/powerpoint/2010/main" val="3873427049"/>
+        <p14:creationId xmlns:p14="http://schemas.microsoft.com/office/powerpoint/2010/main" val="2722746848"/>
       </p:ext>
     </p:extLst>
   </p:cSld>
@@ -1846,7 +5342,7 @@
               <a:rPr lang="it-IT" smtClean="0"/>
               <a:t>18/04/2023</a:t>
             </a:fld>
-            <a:endParaRPr lang="it-IT"/>
+            <a:endParaRPr lang="it-IT" dirty="0"/>
           </a:p>
         </p:txBody>
       </p:sp>
@@ -1865,7 +5361,7 @@
           <a:bodyPr/>
           <a:lstStyle/>
           <a:p>
-            <a:endParaRPr lang="it-IT"/>
+            <a:endParaRPr lang="it-IT" dirty="0"/>
           </a:p>
         </p:txBody>
       </p:sp>
@@ -1888,14 +5384,14 @@
               <a:rPr lang="it-IT" smtClean="0"/>
               <a:t>‹N›</a:t>
             </a:fld>
-            <a:endParaRPr lang="it-IT"/>
+            <a:endParaRPr lang="it-IT" dirty="0"/>
           </a:p>
         </p:txBody>
       </p:sp>
     </p:spTree>
     <p:extLst>
       <p:ext uri="{BB962C8B-B14F-4D97-AF65-F5344CB8AC3E}">
-        <p14:creationId xmlns:p14="http://schemas.microsoft.com/office/powerpoint/2010/main" val="915210558"/>
+        <p14:creationId xmlns:p14="http://schemas.microsoft.com/office/powerpoint/2010/main" val="1507991565"/>
       </p:ext>
     </p:extLst>
   </p:cSld>
@@ -1934,15 +5430,17 @@
         </p:nvSpPr>
         <p:spPr>
           <a:xfrm>
-            <a:off x="839788" y="457200"/>
-            <a:ext cx="3932237" cy="1600200"/>
+            <a:off x="913795" y="609600"/>
+            <a:ext cx="3706889" cy="1821918"/>
           </a:xfrm>
         </p:spPr>
         <p:txBody>
-          <a:bodyPr anchor="b"/>
+          <a:bodyPr anchor="b">
+            <a:normAutofit/>
+          </a:bodyPr>
           <a:lstStyle>
-            <a:lvl1pPr>
-              <a:defRPr sz="3200"/>
+            <a:lvl1pPr algn="ctr">
+              <a:defRPr sz="2400" b="0"/>
             </a:lvl1pPr>
           </a:lstStyle>
           <a:p>
@@ -1966,41 +5464,15 @@
         </p:nvSpPr>
         <p:spPr>
           <a:xfrm>
-            <a:off x="5183188" y="987425"/>
-            <a:ext cx="6172200" cy="4873625"/>
+            <a:off x="4855633" y="609600"/>
+            <a:ext cx="6411924" cy="5181600"/>
           </a:xfrm>
         </p:spPr>
         <p:txBody>
-          <a:bodyPr/>
-          <a:lstStyle>
-            <a:lvl1pPr>
-              <a:defRPr sz="3200"/>
-            </a:lvl1pPr>
-            <a:lvl2pPr>
-              <a:defRPr sz="2800"/>
-            </a:lvl2pPr>
-            <a:lvl3pPr>
-              <a:defRPr sz="2400"/>
-            </a:lvl3pPr>
-            <a:lvl4pPr>
-              <a:defRPr sz="2000"/>
-            </a:lvl4pPr>
-            <a:lvl5pPr>
-              <a:defRPr sz="2000"/>
-            </a:lvl5pPr>
-            <a:lvl6pPr>
-              <a:defRPr sz="2000"/>
-            </a:lvl6pPr>
-            <a:lvl7pPr>
-              <a:defRPr sz="2000"/>
-            </a:lvl7pPr>
-            <a:lvl8pPr>
-              <a:defRPr sz="2000"/>
-            </a:lvl8pPr>
-            <a:lvl9pPr>
-              <a:defRPr sz="2000"/>
-            </a:lvl9pPr>
-          </a:lstStyle>
+          <a:bodyPr>
+            <a:normAutofit/>
+          </a:bodyPr>
+          <a:lstStyle/>
           <a:p>
             <a:pPr lvl="0"/>
             <a:r>
@@ -2051,48 +5523,50 @@
         </p:nvSpPr>
         <p:spPr>
           <a:xfrm>
-            <a:off x="839788" y="2057400"/>
-            <a:ext cx="3932237" cy="3811588"/>
+            <a:off x="913795" y="2431518"/>
+            <a:ext cx="3706889" cy="3359681"/>
           </a:xfrm>
         </p:spPr>
         <p:txBody>
-          <a:bodyPr/>
+          <a:bodyPr anchor="t">
+            <a:normAutofit/>
+          </a:bodyPr>
           <a:lstStyle>
-            <a:lvl1pPr marL="0" indent="0">
+            <a:lvl1pPr marL="0" indent="0" algn="ctr">
               <a:buNone/>
               <a:defRPr sz="1600"/>
             </a:lvl1pPr>
             <a:lvl2pPr marL="457200" indent="0">
               <a:buNone/>
-              <a:defRPr sz="1400"/>
+              <a:defRPr sz="1200"/>
             </a:lvl2pPr>
             <a:lvl3pPr marL="914400" indent="0">
               <a:buNone/>
-              <a:defRPr sz="1200"/>
+              <a:defRPr sz="1000"/>
             </a:lvl3pPr>
             <a:lvl4pPr marL="1371600" indent="0">
               <a:buNone/>
-              <a:defRPr sz="1000"/>
+              <a:defRPr sz="900"/>
             </a:lvl4pPr>
             <a:lvl5pPr marL="1828800" indent="0">
               <a:buNone/>
-              <a:defRPr sz="1000"/>
+              <a:defRPr sz="900"/>
             </a:lvl5pPr>
             <a:lvl6pPr marL="2286000" indent="0">
               <a:buNone/>
-              <a:defRPr sz="1000"/>
+              <a:defRPr sz="900"/>
             </a:lvl6pPr>
             <a:lvl7pPr marL="2743200" indent="0">
               <a:buNone/>
-              <a:defRPr sz="1000"/>
+              <a:defRPr sz="900"/>
             </a:lvl7pPr>
             <a:lvl8pPr marL="3200400" indent="0">
               <a:buNone/>
-              <a:defRPr sz="1000"/>
+              <a:defRPr sz="900"/>
             </a:lvl8pPr>
             <a:lvl9pPr marL="3657600" indent="0">
               <a:buNone/>
-              <a:defRPr sz="1000"/>
+              <a:defRPr sz="900"/>
             </a:lvl9pPr>
           </a:lstStyle>
           <a:p>
@@ -2123,7 +5597,7 @@
               <a:rPr lang="it-IT" smtClean="0"/>
               <a:t>18/04/2023</a:t>
             </a:fld>
-            <a:endParaRPr lang="it-IT"/>
+            <a:endParaRPr lang="it-IT" dirty="0"/>
           </a:p>
         </p:txBody>
       </p:sp>
@@ -2142,7 +5616,7 @@
           <a:bodyPr/>
           <a:lstStyle/>
           <a:p>
-            <a:endParaRPr lang="it-IT"/>
+            <a:endParaRPr lang="it-IT" dirty="0"/>
           </a:p>
         </p:txBody>
       </p:sp>
@@ -2165,14 +5639,14 @@
               <a:rPr lang="it-IT" smtClean="0"/>
               <a:t>‹N›</a:t>
             </a:fld>
-            <a:endParaRPr lang="it-IT"/>
+            <a:endParaRPr lang="it-IT" dirty="0"/>
           </a:p>
         </p:txBody>
       </p:sp>
     </p:spTree>
     <p:extLst>
       <p:ext uri="{BB962C8B-B14F-4D97-AF65-F5344CB8AC3E}">
-        <p14:creationId xmlns:p14="http://schemas.microsoft.com/office/powerpoint/2010/main" val="1430814557"/>
+        <p14:creationId xmlns:p14="http://schemas.microsoft.com/office/powerpoint/2010/main" val="4173956876"/>
       </p:ext>
     </p:extLst>
   </p:cSld>
@@ -2199,27 +5673,59 @@
           <a:chExt cx="0" cy="0"/>
         </a:xfrm>
       </p:grpSpPr>
-      <p:sp>
-        <p:nvSpPr>
-          <p:cNvPr id="2" name="Title 1"/>
-          <p:cNvSpPr>
-            <a:spLocks noGrp="1"/>
-          </p:cNvSpPr>
-          <p:nvPr>
-            <p:ph type="title"/>
-          </p:nvPr>
-        </p:nvSpPr>
+      <p:pic>
+        <p:nvPicPr>
+          <p:cNvPr id="22" name="Picture 21" descr="Slate-V2-HD-vertPhotoInset.png"/>
+          <p:cNvPicPr>
+            <a:picLocks noChangeAspect="1"/>
+          </p:cNvPicPr>
+          <p:nvPr/>
+        </p:nvPicPr>
+        <p:blipFill>
+          <a:blip r:embed="rId2">
+            <a:extLst>
+              <a:ext uri="{28A0092B-C50C-407E-A947-70E740481C1C}">
+                <a14:useLocalDpi xmlns:a14="http://schemas.microsoft.com/office/drawing/2010/main" val="0"/>
+              </a:ext>
+            </a:extLst>
+          </a:blip>
+          <a:stretch>
+            <a:fillRect/>
+          </a:stretch>
+        </p:blipFill>
         <p:spPr>
           <a:xfrm>
-            <a:off x="839788" y="457200"/>
-            <a:ext cx="3932237" cy="1600200"/>
+            <a:off x="7293665" y="609600"/>
+            <a:ext cx="3584166" cy="5204832"/>
+          </a:xfrm>
+          <a:prstGeom prst="rect">
+            <a:avLst/>
+          </a:prstGeom>
+        </p:spPr>
+      </p:pic>
+      <p:sp>
+        <p:nvSpPr>
+          <p:cNvPr id="2" name="Title 1"/>
+          <p:cNvSpPr>
+            <a:spLocks noGrp="1"/>
+          </p:cNvSpPr>
+          <p:nvPr>
+            <p:ph type="title"/>
+          </p:nvPr>
+        </p:nvSpPr>
+        <p:spPr>
+          <a:xfrm>
+            <a:off x="913795" y="609923"/>
+            <a:ext cx="5934949" cy="1829338"/>
           </a:xfrm>
         </p:spPr>
         <p:txBody>
-          <a:bodyPr anchor="b"/>
+          <a:bodyPr anchor="b">
+            <a:noAutofit/>
+          </a:bodyPr>
           <a:lstStyle>
-            <a:lvl1pPr>
-              <a:defRPr sz="3200"/>
+            <a:lvl1pPr algn="ctr">
+              <a:defRPr sz="3200" b="0"/>
             </a:lvl1pPr>
           </a:lstStyle>
           <a:p>
@@ -2243,113 +5749,124 @@
         </p:nvSpPr>
         <p:spPr>
           <a:xfrm>
-            <a:off x="5183188" y="987425"/>
-            <a:ext cx="6172200" cy="4873625"/>
+            <a:off x="7442551" y="763702"/>
+            <a:ext cx="3275751" cy="4912822"/>
           </a:xfrm>
+          <a:effectLst>
+            <a:outerShdw blurRad="38100" dist="25400" dir="4440000">
+              <a:srgbClr val="000000">
+                <a:alpha val="36000"/>
+              </a:srgbClr>
+            </a:outerShdw>
+          </a:effectLst>
         </p:spPr>
         <p:txBody>
-          <a:bodyPr anchor="t"/>
+          <a:bodyPr anchor="t">
+            <a:normAutofit/>
+          </a:bodyPr>
           <a:lstStyle>
-            <a:lvl1pPr marL="0" indent="0">
-              <a:buNone/>
-              <a:defRPr sz="3200"/>
-            </a:lvl1pPr>
-            <a:lvl2pPr marL="457200" indent="0">
-              <a:buNone/>
-              <a:defRPr sz="2800"/>
-            </a:lvl2pPr>
-            <a:lvl3pPr marL="914400" indent="0">
-              <a:buNone/>
-              <a:defRPr sz="2400"/>
-            </a:lvl3pPr>
-            <a:lvl4pPr marL="1371600" indent="0">
-              <a:buNone/>
-              <a:defRPr sz="2000"/>
-            </a:lvl4pPr>
-            <a:lvl5pPr marL="1828800" indent="0">
-              <a:buNone/>
-              <a:defRPr sz="2000"/>
-            </a:lvl5pPr>
-            <a:lvl6pPr marL="2286000" indent="0">
-              <a:buNone/>
-              <a:defRPr sz="2000"/>
-            </a:lvl6pPr>
-            <a:lvl7pPr marL="2743200" indent="0">
-              <a:buNone/>
-              <a:defRPr sz="2000"/>
-            </a:lvl7pPr>
-            <a:lvl8pPr marL="3200400" indent="0">
-              <a:buNone/>
-              <a:defRPr sz="2000"/>
-            </a:lvl8pPr>
-            <a:lvl9pPr marL="3657600" indent="0">
-              <a:buNone/>
-              <a:defRPr sz="2000"/>
-            </a:lvl9pPr>
-          </a:lstStyle>
-          <a:p>
-            <a:r>
-              <a:rPr lang="it-IT"/>
-              <a:t>Fare clic sull'icona per inserire un'immagine</a:t>
-            </a:r>
-            <a:endParaRPr lang="en-US" dirty="0"/>
-          </a:p>
-        </p:txBody>
-      </p:sp>
-      <p:sp>
-        <p:nvSpPr>
-          <p:cNvPr id="4" name="Text Placeholder 3"/>
-          <p:cNvSpPr>
-            <a:spLocks noGrp="1"/>
-          </p:cNvSpPr>
-          <p:nvPr>
-            <p:ph type="body" sz="half" idx="2"/>
-          </p:nvPr>
-        </p:nvSpPr>
-        <p:spPr>
-          <a:xfrm>
-            <a:off x="839788" y="2057400"/>
-            <a:ext cx="3932237" cy="3811588"/>
-          </a:xfrm>
-        </p:spPr>
-        <p:txBody>
-          <a:bodyPr/>
-          <a:lstStyle>
-            <a:lvl1pPr marL="0" indent="0">
+            <a:lvl1pPr marL="0" indent="0" algn="ctr">
               <a:buNone/>
               <a:defRPr sz="1600"/>
             </a:lvl1pPr>
             <a:lvl2pPr marL="457200" indent="0">
               <a:buNone/>
-              <a:defRPr sz="1400"/>
+              <a:defRPr sz="1600"/>
             </a:lvl2pPr>
             <a:lvl3pPr marL="914400" indent="0">
               <a:buNone/>
-              <a:defRPr sz="1200"/>
+              <a:defRPr sz="1600"/>
             </a:lvl3pPr>
             <a:lvl4pPr marL="1371600" indent="0">
               <a:buNone/>
-              <a:defRPr sz="1000"/>
+              <a:defRPr sz="1600"/>
             </a:lvl4pPr>
             <a:lvl5pPr marL="1828800" indent="0">
               <a:buNone/>
-              <a:defRPr sz="1000"/>
+              <a:defRPr sz="1600"/>
             </a:lvl5pPr>
             <a:lvl6pPr marL="2286000" indent="0">
               <a:buNone/>
-              <a:defRPr sz="1000"/>
+              <a:defRPr sz="1600"/>
             </a:lvl6pPr>
             <a:lvl7pPr marL="2743200" indent="0">
               <a:buNone/>
-              <a:defRPr sz="1000"/>
+              <a:defRPr sz="1600"/>
             </a:lvl7pPr>
             <a:lvl8pPr marL="3200400" indent="0">
               <a:buNone/>
-              <a:defRPr sz="1000"/>
+              <a:defRPr sz="1600"/>
             </a:lvl8pPr>
             <a:lvl9pPr marL="3657600" indent="0">
               <a:buNone/>
+              <a:defRPr sz="1600"/>
+            </a:lvl9pPr>
+          </a:lstStyle>
+          <a:p>
+            <a:r>
+              <a:rPr lang="it-IT" dirty="0"/>
+              <a:t>Fare clic sull'icona per inserire un'immagine</a:t>
+            </a:r>
+            <a:endParaRPr lang="en-US" dirty="0"/>
+          </a:p>
+        </p:txBody>
+      </p:sp>
+      <p:sp>
+        <p:nvSpPr>
+          <p:cNvPr id="4" name="Text Placeholder 3"/>
+          <p:cNvSpPr>
+            <a:spLocks noGrp="1"/>
+          </p:cNvSpPr>
+          <p:nvPr>
+            <p:ph type="body" sz="half" idx="2"/>
+          </p:nvPr>
+        </p:nvSpPr>
+        <p:spPr>
+          <a:xfrm>
+            <a:off x="913795" y="2439261"/>
+            <a:ext cx="5934949" cy="3376134"/>
+          </a:xfrm>
+        </p:spPr>
+        <p:txBody>
+          <a:bodyPr anchor="t">
+            <a:normAutofit/>
+          </a:bodyPr>
+          <a:lstStyle>
+            <a:lvl1pPr marL="0" indent="0" algn="ctr">
+              <a:buNone/>
+              <a:defRPr sz="1600"/>
+            </a:lvl1pPr>
+            <a:lvl2pPr marL="457200" indent="0">
+              <a:buNone/>
+              <a:defRPr sz="1200"/>
+            </a:lvl2pPr>
+            <a:lvl3pPr marL="914400" indent="0">
+              <a:buNone/>
               <a:defRPr sz="1000"/>
+            </a:lvl3pPr>
+            <a:lvl4pPr marL="1371600" indent="0">
+              <a:buNone/>
+              <a:defRPr sz="900"/>
+            </a:lvl4pPr>
+            <a:lvl5pPr marL="1828800" indent="0">
+              <a:buNone/>
+              <a:defRPr sz="900"/>
+            </a:lvl5pPr>
+            <a:lvl6pPr marL="2286000" indent="0">
+              <a:buNone/>
+              <a:defRPr sz="900"/>
+            </a:lvl6pPr>
+            <a:lvl7pPr marL="2743200" indent="0">
+              <a:buNone/>
+              <a:defRPr sz="900"/>
+            </a:lvl7pPr>
+            <a:lvl8pPr marL="3200400" indent="0">
+              <a:buNone/>
+              <a:defRPr sz="900"/>
+            </a:lvl8pPr>
+            <a:lvl9pPr marL="3657600" indent="0">
+              <a:buNone/>
+              <a:defRPr sz="900"/>
             </a:lvl9pPr>
           </a:lstStyle>
           <a:p>
@@ -2380,7 +5897,7 @@
               <a:rPr lang="it-IT" smtClean="0"/>
               <a:t>18/04/2023</a:t>
             </a:fld>
-            <a:endParaRPr lang="it-IT"/>
+            <a:endParaRPr lang="it-IT" dirty="0"/>
           </a:p>
         </p:txBody>
       </p:sp>
@@ -2399,7 +5916,7 @@
           <a:bodyPr/>
           <a:lstStyle/>
           <a:p>
-            <a:endParaRPr lang="it-IT"/>
+            <a:endParaRPr lang="it-IT" dirty="0"/>
           </a:p>
         </p:txBody>
       </p:sp>
@@ -2422,14 +5939,14 @@
               <a:rPr lang="it-IT" smtClean="0"/>
               <a:t>‹N›</a:t>
             </a:fld>
-            <a:endParaRPr lang="it-IT"/>
+            <a:endParaRPr lang="it-IT" dirty="0"/>
           </a:p>
         </p:txBody>
       </p:sp>
     </p:spTree>
     <p:extLst>
       <p:ext uri="{BB962C8B-B14F-4D97-AF65-F5344CB8AC3E}">
-        <p14:creationId xmlns:p14="http://schemas.microsoft.com/office/powerpoint/2010/main" val="2009665990"/>
+        <p14:creationId xmlns:p14="http://schemas.microsoft.com/office/powerpoint/2010/main" val="4024778051"/>
       </p:ext>
     </p:extLst>
   </p:cSld>
@@ -2443,8 +5960,8 @@
 <p:sldMaster xmlns:a="http://schemas.openxmlformats.org/drawingml/2006/main" xmlns:r="http://schemas.openxmlformats.org/officeDocument/2006/relationships" xmlns:p="http://schemas.openxmlformats.org/presentationml/2006/main">
   <p:cSld>
     <p:bg>
-      <p:bgRef idx="1001">
-        <a:schemeClr val="bg1"/>
+      <p:bgRef idx="1003">
+        <a:schemeClr val="bg2"/>
       </p:bgRef>
     </p:bg>
     <p:spTree>
@@ -2473,12 +5990,19 @@
         </p:nvSpPr>
         <p:spPr>
           <a:xfrm>
-            <a:off x="838200" y="365125"/>
-            <a:ext cx="10515600" cy="1325563"/>
+            <a:off x="913795" y="609600"/>
+            <a:ext cx="10353762" cy="970450"/>
           </a:xfrm>
           <a:prstGeom prst="rect">
             <a:avLst/>
           </a:prstGeom>
+          <a:effectLst>
+            <a:outerShdw blurRad="25400" dir="17880000">
+              <a:srgbClr val="000000">
+                <a:alpha val="46000"/>
+              </a:srgbClr>
+            </a:outerShdw>
+          </a:effectLst>
         </p:spPr>
         <p:txBody>
           <a:bodyPr vert="horz" lIns="91440" tIns="45720" rIns="91440" bIns="45720" rtlCol="0" anchor="ctr">
@@ -2506,15 +6030,22 @@
         </p:nvSpPr>
         <p:spPr>
           <a:xfrm>
-            <a:off x="838200" y="1825625"/>
-            <a:ext cx="10515600" cy="4351338"/>
+            <a:off x="913795" y="1732449"/>
+            <a:ext cx="10353762" cy="4058751"/>
           </a:xfrm>
           <a:prstGeom prst="rect">
             <a:avLst/>
           </a:prstGeom>
+          <a:effectLst>
+            <a:outerShdw blurRad="25400" dir="17880000">
+              <a:srgbClr val="000000">
+                <a:alpha val="46000"/>
+              </a:srgbClr>
+            </a:outerShdw>
+          </a:effectLst>
         </p:spPr>
         <p:txBody>
-          <a:bodyPr vert="horz" lIns="91440" tIns="45720" rIns="91440" bIns="45720" rtlCol="0">
+          <a:bodyPr vert="horz" lIns="91440" tIns="45720" rIns="91440" bIns="45720" rtlCol="0" anchor="t">
             <a:normAutofit/>
           </a:bodyPr>
           <a:lstStyle/>
@@ -2568,7 +6099,7 @@
         </p:nvSpPr>
         <p:spPr>
           <a:xfrm>
-            <a:off x="838200" y="6356350"/>
+            <a:off x="7678736" y="5883275"/>
             <a:ext cx="2743200" cy="365125"/>
           </a:xfrm>
           <a:prstGeom prst="rect">
@@ -2578,13 +6109,20 @@
         <p:txBody>
           <a:bodyPr vert="horz" lIns="91440" tIns="45720" rIns="91440" bIns="45720" rtlCol="0" anchor="ctr"/>
           <a:lstStyle>
-            <a:lvl1pPr algn="l">
-              <a:defRPr sz="1200">
+            <a:lvl1pPr algn="r">
+              <a:defRPr sz="1000">
                 <a:solidFill>
                   <a:schemeClr val="tx1">
-                    <a:tint val="75000"/>
+                    <a:lumMod val="95000"/>
                   </a:schemeClr>
                 </a:solidFill>
+                <a:effectLst>
+                  <a:outerShdw blurRad="50800" dist="38100" dir="2700000" algn="tl" rotWithShape="0">
+                    <a:schemeClr val="bg1">
+                      <a:alpha val="43000"/>
+                    </a:schemeClr>
+                  </a:outerShdw>
+                </a:effectLst>
               </a:defRPr>
             </a:lvl1pPr>
           </a:lstStyle>
@@ -2593,7 +6131,7 @@
               <a:rPr lang="it-IT" smtClean="0"/>
               <a:t>18/04/2023</a:t>
             </a:fld>
-            <a:endParaRPr lang="it-IT"/>
+            <a:endParaRPr lang="it-IT" dirty="0"/>
           </a:p>
         </p:txBody>
       </p:sp>
@@ -2609,8 +6147,8 @@
         </p:nvSpPr>
         <p:spPr>
           <a:xfrm>
-            <a:off x="4038600" y="6356350"/>
-            <a:ext cx="4114800" cy="365125"/>
+            <a:off x="913795" y="5883275"/>
+            <a:ext cx="6672865" cy="365125"/>
           </a:xfrm>
           <a:prstGeom prst="rect">
             <a:avLst/>
@@ -2619,18 +6157,25 @@
         <p:txBody>
           <a:bodyPr vert="horz" lIns="91440" tIns="45720" rIns="91440" bIns="45720" rtlCol="0" anchor="ctr"/>
           <a:lstStyle>
-            <a:lvl1pPr algn="ctr">
-              <a:defRPr sz="1200">
+            <a:lvl1pPr algn="l">
+              <a:defRPr sz="1000">
                 <a:solidFill>
                   <a:schemeClr val="tx1">
-                    <a:tint val="75000"/>
+                    <a:lumMod val="95000"/>
                   </a:schemeClr>
                 </a:solidFill>
+                <a:effectLst>
+                  <a:outerShdw blurRad="50800" dist="38100" dir="2700000" algn="tl" rotWithShape="0">
+                    <a:schemeClr val="bg1">
+                      <a:alpha val="43000"/>
+                    </a:schemeClr>
+                  </a:outerShdw>
+                </a:effectLst>
               </a:defRPr>
             </a:lvl1pPr>
           </a:lstStyle>
           <a:p>
-            <a:endParaRPr lang="it-IT"/>
+            <a:endParaRPr lang="it-IT" dirty="0"/>
           </a:p>
         </p:txBody>
       </p:sp>
@@ -2646,8 +6191,8 @@
         </p:nvSpPr>
         <p:spPr>
           <a:xfrm>
-            <a:off x="8610600" y="6356350"/>
-            <a:ext cx="2743200" cy="365125"/>
+            <a:off x="10514011" y="5883275"/>
+            <a:ext cx="753545" cy="365125"/>
           </a:xfrm>
           <a:prstGeom prst="rect">
             <a:avLst/>
@@ -2657,12 +6202,19 @@
           <a:bodyPr vert="horz" lIns="91440" tIns="45720" rIns="91440" bIns="45720" rtlCol="0" anchor="ctr"/>
           <a:lstStyle>
             <a:lvl1pPr algn="r">
-              <a:defRPr sz="1200">
+              <a:defRPr sz="1000">
                 <a:solidFill>
                   <a:schemeClr val="tx1">
-                    <a:tint val="75000"/>
+                    <a:lumMod val="95000"/>
                   </a:schemeClr>
                 </a:solidFill>
+                <a:effectLst>
+                  <a:outerShdw blurRad="50800" dist="38100" dir="2700000" algn="tl" rotWithShape="0">
+                    <a:schemeClr val="bg1">
+                      <a:alpha val="43000"/>
+                    </a:schemeClr>
+                  </a:outerShdw>
+                </a:effectLst>
               </a:defRPr>
             </a:lvl1pPr>
           </a:lstStyle>
@@ -2671,209 +6223,464 @@
               <a:rPr lang="it-IT" smtClean="0"/>
               <a:t>‹N›</a:t>
             </a:fld>
-            <a:endParaRPr lang="it-IT"/>
+            <a:endParaRPr lang="it-IT" dirty="0"/>
           </a:p>
         </p:txBody>
       </p:sp>
     </p:spTree>
     <p:extLst>
       <p:ext uri="{BB962C8B-B14F-4D97-AF65-F5344CB8AC3E}">
-        <p14:creationId xmlns:p14="http://schemas.microsoft.com/office/powerpoint/2010/main" val="2054013758"/>
+        <p14:creationId xmlns:p14="http://schemas.microsoft.com/office/powerpoint/2010/main" val="3642757710"/>
       </p:ext>
     </p:extLst>
   </p:cSld>
-  <p:clrMap bg1="lt1" tx1="dk1" bg2="lt2" tx2="dk2" accent1="accent1" accent2="accent2" accent3="accent3" accent4="accent4" accent5="accent5" accent6="accent6" hlink="hlink" folHlink="folHlink"/>
+  <p:clrMap bg1="dk1" tx1="lt1" bg2="dk2" tx2="lt2" accent1="accent1" accent2="accent2" accent3="accent3" accent4="accent4" accent5="accent5" accent6="accent6" hlink="hlink" folHlink="folHlink"/>
   <p:sldLayoutIdLst>
-    <p:sldLayoutId id="2147483697" r:id="rId1"/>
-    <p:sldLayoutId id="2147483698" r:id="rId2"/>
-    <p:sldLayoutId id="2147483699" r:id="rId3"/>
-    <p:sldLayoutId id="2147483700" r:id="rId4"/>
-    <p:sldLayoutId id="2147483701" r:id="rId5"/>
-    <p:sldLayoutId id="2147483702" r:id="rId6"/>
-    <p:sldLayoutId id="2147483703" r:id="rId7"/>
-    <p:sldLayoutId id="2147483704" r:id="rId8"/>
-    <p:sldLayoutId id="2147483705" r:id="rId9"/>
-    <p:sldLayoutId id="2147483706" r:id="rId10"/>
-    <p:sldLayoutId id="2147483707" r:id="rId11"/>
+    <p:sldLayoutId id="2147483709" r:id="rId1"/>
+    <p:sldLayoutId id="2147483710" r:id="rId2"/>
+    <p:sldLayoutId id="2147483711" r:id="rId3"/>
+    <p:sldLayoutId id="2147483712" r:id="rId4"/>
+    <p:sldLayoutId id="2147483713" r:id="rId5"/>
+    <p:sldLayoutId id="2147483714" r:id="rId6"/>
+    <p:sldLayoutId id="2147483715" r:id="rId7"/>
+    <p:sldLayoutId id="2147483716" r:id="rId8"/>
+    <p:sldLayoutId id="2147483717" r:id="rId9"/>
+    <p:sldLayoutId id="2147483718" r:id="rId10"/>
+    <p:sldLayoutId id="2147483719" r:id="rId11"/>
+    <p:sldLayoutId id="2147483720" r:id="rId12"/>
+    <p:sldLayoutId id="2147483721" r:id="rId13"/>
+    <p:sldLayoutId id="2147483722" r:id="rId14"/>
+    <p:sldLayoutId id="2147483723" r:id="rId15"/>
+    <p:sldLayoutId id="2147483724" r:id="rId16"/>
+    <p:sldLayoutId id="2147483725" r:id="rId17"/>
   </p:sldLayoutIdLst>
   <p:txStyles>
     <p:titleStyle>
-      <a:lvl1pPr algn="l" defTabSz="914400" rtl="0" eaLnBrk="1" latinLnBrk="0" hangingPunct="1">
-        <a:lnSpc>
-          <a:spcPct val="90000"/>
-        </a:lnSpc>
+      <a:lvl1pPr algn="ctr" defTabSz="457200" rtl="0" eaLnBrk="1" latinLnBrk="0" hangingPunct="1">
         <a:spcBef>
           <a:spcPct val="0"/>
         </a:spcBef>
         <a:buNone/>
-        <a:defRPr sz="4400" kern="1200">
+        <a:defRPr sz="4000" kern="1200">
+          <a:ln>
+            <a:solidFill>
+              <a:schemeClr val="bg1">
+                <a:lumMod val="75000"/>
+                <a:lumOff val="25000"/>
+                <a:alpha val="10000"/>
+              </a:schemeClr>
+            </a:solidFill>
+          </a:ln>
           <a:solidFill>
-            <a:schemeClr val="tx1"/>
+            <a:schemeClr val="tx2"/>
           </a:solidFill>
+          <a:effectLst>
+            <a:outerShdw blurRad="9525" dist="25400" dir="14640000" algn="tl" rotWithShape="0">
+              <a:schemeClr val="bg1">
+                <a:alpha val="30000"/>
+              </a:schemeClr>
+            </a:outerShdw>
+          </a:effectLst>
           <a:latin typeface="+mj-lt"/>
           <a:ea typeface="+mj-ea"/>
-          <a:cs typeface="+mj-cs"/>
+          <a:cs typeface="Trebuchet MS"/>
         </a:defRPr>
       </a:lvl1pPr>
+      <a:lvl2pPr eaLnBrk="1" hangingPunct="1">
+        <a:defRPr>
+          <a:solidFill>
+            <a:schemeClr val="tx2"/>
+          </a:solidFill>
+        </a:defRPr>
+      </a:lvl2pPr>
+      <a:lvl3pPr eaLnBrk="1" hangingPunct="1">
+        <a:defRPr>
+          <a:solidFill>
+            <a:schemeClr val="tx2"/>
+          </a:solidFill>
+        </a:defRPr>
+      </a:lvl3pPr>
+      <a:lvl4pPr eaLnBrk="1" hangingPunct="1">
+        <a:defRPr>
+          <a:solidFill>
+            <a:schemeClr val="tx2"/>
+          </a:solidFill>
+        </a:defRPr>
+      </a:lvl4pPr>
+      <a:lvl5pPr eaLnBrk="1" hangingPunct="1">
+        <a:defRPr>
+          <a:solidFill>
+            <a:schemeClr val="tx2"/>
+          </a:solidFill>
+        </a:defRPr>
+      </a:lvl5pPr>
+      <a:lvl6pPr eaLnBrk="1" hangingPunct="1">
+        <a:defRPr>
+          <a:solidFill>
+            <a:schemeClr val="tx2"/>
+          </a:solidFill>
+        </a:defRPr>
+      </a:lvl6pPr>
+      <a:lvl7pPr eaLnBrk="1" hangingPunct="1">
+        <a:defRPr>
+          <a:solidFill>
+            <a:schemeClr val="tx2"/>
+          </a:solidFill>
+        </a:defRPr>
+      </a:lvl7pPr>
+      <a:lvl8pPr eaLnBrk="1" hangingPunct="1">
+        <a:defRPr>
+          <a:solidFill>
+            <a:schemeClr val="tx2"/>
+          </a:solidFill>
+        </a:defRPr>
+      </a:lvl8pPr>
+      <a:lvl9pPr eaLnBrk="1" hangingPunct="1">
+        <a:defRPr>
+          <a:solidFill>
+            <a:schemeClr val="tx2"/>
+          </a:solidFill>
+        </a:defRPr>
+      </a:lvl9pPr>
     </p:titleStyle>
     <p:bodyStyle>
-      <a:lvl1pPr marL="228600" indent="-228600" algn="l" defTabSz="914400" rtl="0" eaLnBrk="1" latinLnBrk="0" hangingPunct="1">
-        <a:lnSpc>
-          <a:spcPct val="90000"/>
-        </a:lnSpc>
+      <a:lvl1pPr marL="342900" indent="-306000" algn="l" defTabSz="457200" rtl="0" eaLnBrk="1" latinLnBrk="0" hangingPunct="1">
         <a:spcBef>
-          <a:spcPts val="1000"/>
+          <a:spcPct val="20000"/>
         </a:spcBef>
-        <a:buFont typeface="Arial" panose="020B0604020202020204" pitchFamily="34" charset="0"/>
-        <a:buChar char="•"/>
-        <a:defRPr sz="2800" kern="1200">
+        <a:spcAft>
+          <a:spcPts val="600"/>
+        </a:spcAft>
+        <a:buClr>
+          <a:schemeClr val="tx2"/>
+        </a:buClr>
+        <a:buSzPct val="70000"/>
+        <a:buFont typeface="Wingdings 2" charset="2"/>
+        <a:buChar char=""/>
+        <a:defRPr sz="2000" kern="1200">
+          <a:ln>
+            <a:solidFill>
+              <a:schemeClr val="bg1">
+                <a:lumMod val="75000"/>
+                <a:lumOff val="25000"/>
+                <a:alpha val="10000"/>
+              </a:schemeClr>
+            </a:solidFill>
+          </a:ln>
           <a:solidFill>
-            <a:schemeClr val="tx1"/>
+            <a:schemeClr val="tx2"/>
           </a:solidFill>
+          <a:effectLst>
+            <a:outerShdw blurRad="9525" dist="25400" dir="14640000" algn="tl" rotWithShape="0">
+              <a:schemeClr val="bg1">
+                <a:alpha val="30000"/>
+              </a:schemeClr>
+            </a:outerShdw>
+          </a:effectLst>
           <a:latin typeface="+mn-lt"/>
           <a:ea typeface="+mn-ea"/>
           <a:cs typeface="+mn-cs"/>
         </a:defRPr>
       </a:lvl1pPr>
-      <a:lvl2pPr marL="685800" indent="-228600" algn="l" defTabSz="914400" rtl="0" eaLnBrk="1" latinLnBrk="0" hangingPunct="1">
-        <a:lnSpc>
-          <a:spcPct val="90000"/>
-        </a:lnSpc>
+      <a:lvl2pPr marL="720000" indent="-270000" algn="l" defTabSz="457200" rtl="0" eaLnBrk="1" latinLnBrk="0" hangingPunct="1">
         <a:spcBef>
-          <a:spcPts val="500"/>
+          <a:spcPct val="20000"/>
         </a:spcBef>
-        <a:buFont typeface="Arial" panose="020B0604020202020204" pitchFamily="34" charset="0"/>
-        <a:buChar char="•"/>
-        <a:defRPr sz="2400" kern="1200">
+        <a:spcAft>
+          <a:spcPts val="600"/>
+        </a:spcAft>
+        <a:buClr>
+          <a:schemeClr val="tx2"/>
+        </a:buClr>
+        <a:buSzPct val="70000"/>
+        <a:buFont typeface="Wingdings 2" charset="2"/>
+        <a:buChar char=""/>
+        <a:defRPr sz="1800" kern="1200">
+          <a:ln>
+            <a:solidFill>
+              <a:schemeClr val="bg1">
+                <a:lumMod val="75000"/>
+                <a:lumOff val="25000"/>
+                <a:alpha val="10000"/>
+              </a:schemeClr>
+            </a:solidFill>
+          </a:ln>
           <a:solidFill>
-            <a:schemeClr val="tx1"/>
+            <a:schemeClr val="tx2"/>
           </a:solidFill>
+          <a:effectLst>
+            <a:outerShdw blurRad="9525" dist="25400" dir="14640000" algn="tl" rotWithShape="0">
+              <a:schemeClr val="bg1">
+                <a:alpha val="30000"/>
+              </a:schemeClr>
+            </a:outerShdw>
+          </a:effectLst>
           <a:latin typeface="+mn-lt"/>
           <a:ea typeface="+mn-ea"/>
           <a:cs typeface="+mn-cs"/>
         </a:defRPr>
       </a:lvl2pPr>
-      <a:lvl3pPr marL="1143000" indent="-228600" algn="l" defTabSz="914400" rtl="0" eaLnBrk="1" latinLnBrk="0" hangingPunct="1">
-        <a:lnSpc>
-          <a:spcPct val="90000"/>
-        </a:lnSpc>
+      <a:lvl3pPr marL="1026000" indent="-216000" algn="l" defTabSz="457200" rtl="0" eaLnBrk="1" latinLnBrk="0" hangingPunct="1">
         <a:spcBef>
-          <a:spcPts val="500"/>
+          <a:spcPct val="20000"/>
         </a:spcBef>
-        <a:buFont typeface="Arial" panose="020B0604020202020204" pitchFamily="34" charset="0"/>
-        <a:buChar char="•"/>
-        <a:defRPr sz="2000" kern="1200">
+        <a:spcAft>
+          <a:spcPts val="600"/>
+        </a:spcAft>
+        <a:buClr>
+          <a:schemeClr val="tx2"/>
+        </a:buClr>
+        <a:buSzPct val="70000"/>
+        <a:buFont typeface="Wingdings 2" charset="2"/>
+        <a:buChar char=""/>
+        <a:defRPr sz="1600" kern="1200">
+          <a:ln>
+            <a:solidFill>
+              <a:schemeClr val="bg1">
+                <a:lumMod val="75000"/>
+                <a:lumOff val="25000"/>
+                <a:alpha val="10000"/>
+              </a:schemeClr>
+            </a:solidFill>
+          </a:ln>
           <a:solidFill>
-            <a:schemeClr val="tx1"/>
+            <a:schemeClr val="tx2"/>
           </a:solidFill>
+          <a:effectLst>
+            <a:outerShdw blurRad="9525" dist="25400" dir="14640000" algn="tl" rotWithShape="0">
+              <a:schemeClr val="bg1">
+                <a:alpha val="30000"/>
+              </a:schemeClr>
+            </a:outerShdw>
+          </a:effectLst>
           <a:latin typeface="+mn-lt"/>
           <a:ea typeface="+mn-ea"/>
           <a:cs typeface="+mn-cs"/>
         </a:defRPr>
       </a:lvl3pPr>
-      <a:lvl4pPr marL="1600200" indent="-228600" algn="l" defTabSz="914400" rtl="0" eaLnBrk="1" latinLnBrk="0" hangingPunct="1">
-        <a:lnSpc>
-          <a:spcPct val="90000"/>
-        </a:lnSpc>
+      <a:lvl4pPr marL="1386000" indent="-216000" algn="l" defTabSz="457200" rtl="0" eaLnBrk="1" latinLnBrk="0" hangingPunct="1">
         <a:spcBef>
-          <a:spcPts val="500"/>
+          <a:spcPct val="20000"/>
         </a:spcBef>
-        <a:buFont typeface="Arial" panose="020B0604020202020204" pitchFamily="34" charset="0"/>
-        <a:buChar char="•"/>
-        <a:defRPr sz="1800" kern="1200">
+        <a:spcAft>
+          <a:spcPts val="600"/>
+        </a:spcAft>
+        <a:buClr>
+          <a:schemeClr val="tx2"/>
+        </a:buClr>
+        <a:buSzPct val="70000"/>
+        <a:buFont typeface="Wingdings 2" charset="2"/>
+        <a:buChar char=""/>
+        <a:defRPr sz="1400" kern="1200">
+          <a:ln>
+            <a:solidFill>
+              <a:schemeClr val="bg1">
+                <a:lumMod val="75000"/>
+                <a:lumOff val="25000"/>
+                <a:alpha val="10000"/>
+              </a:schemeClr>
+            </a:solidFill>
+          </a:ln>
           <a:solidFill>
-            <a:schemeClr val="tx1"/>
+            <a:schemeClr val="tx2"/>
           </a:solidFill>
+          <a:effectLst>
+            <a:outerShdw blurRad="9525" dist="25400" dir="14640000" algn="tl" rotWithShape="0">
+              <a:schemeClr val="bg1">
+                <a:alpha val="30000"/>
+              </a:schemeClr>
+            </a:outerShdw>
+          </a:effectLst>
           <a:latin typeface="+mn-lt"/>
           <a:ea typeface="+mn-ea"/>
           <a:cs typeface="+mn-cs"/>
         </a:defRPr>
       </a:lvl4pPr>
-      <a:lvl5pPr marL="2057400" indent="-228600" algn="l" defTabSz="914400" rtl="0" eaLnBrk="1" latinLnBrk="0" hangingPunct="1">
-        <a:lnSpc>
-          <a:spcPct val="90000"/>
-        </a:lnSpc>
+      <a:lvl5pPr marL="1674000" indent="-216000" algn="l" defTabSz="457200" rtl="0" eaLnBrk="1" latinLnBrk="0" hangingPunct="1">
         <a:spcBef>
-          <a:spcPts val="500"/>
+          <a:spcPct val="20000"/>
         </a:spcBef>
-        <a:buFont typeface="Arial" panose="020B0604020202020204" pitchFamily="34" charset="0"/>
-        <a:buChar char="•"/>
-        <a:defRPr sz="1800" kern="1200">
+        <a:spcAft>
+          <a:spcPts val="600"/>
+        </a:spcAft>
+        <a:buClr>
+          <a:schemeClr val="tx2"/>
+        </a:buClr>
+        <a:buSzPct val="70000"/>
+        <a:buFont typeface="Wingdings 2" charset="2"/>
+        <a:buChar char=""/>
+        <a:defRPr sz="1400" kern="1200">
+          <a:ln>
+            <a:solidFill>
+              <a:schemeClr val="bg1">
+                <a:lumMod val="75000"/>
+                <a:lumOff val="25000"/>
+                <a:alpha val="10000"/>
+              </a:schemeClr>
+            </a:solidFill>
+          </a:ln>
           <a:solidFill>
-            <a:schemeClr val="tx1"/>
+            <a:schemeClr val="tx2"/>
           </a:solidFill>
+          <a:effectLst>
+            <a:outerShdw blurRad="9525" dist="25400" dir="14640000" algn="tl" rotWithShape="0">
+              <a:schemeClr val="bg1">
+                <a:alpha val="30000"/>
+              </a:schemeClr>
+            </a:outerShdw>
+          </a:effectLst>
           <a:latin typeface="+mn-lt"/>
           <a:ea typeface="+mn-ea"/>
           <a:cs typeface="+mn-cs"/>
         </a:defRPr>
       </a:lvl5pPr>
-      <a:lvl6pPr marL="2514600" indent="-228600" algn="l" defTabSz="914400" rtl="0" eaLnBrk="1" latinLnBrk="0" hangingPunct="1">
-        <a:lnSpc>
-          <a:spcPct val="90000"/>
-        </a:lnSpc>
+      <a:lvl6pPr marL="2014600" indent="-228600" algn="l" defTabSz="457200" rtl="0" eaLnBrk="1" latinLnBrk="0" hangingPunct="1">
         <a:spcBef>
-          <a:spcPts val="500"/>
+          <a:spcPct val="20000"/>
         </a:spcBef>
-        <a:buFont typeface="Arial" panose="020B0604020202020204" pitchFamily="34" charset="0"/>
-        <a:buChar char="•"/>
-        <a:defRPr sz="1800" kern="1200">
+        <a:spcAft>
+          <a:spcPts val="600"/>
+        </a:spcAft>
+        <a:buClr>
+          <a:schemeClr val="tx2"/>
+        </a:buClr>
+        <a:buSzPct val="70000"/>
+        <a:buFont typeface="Wingdings 2" charset="2"/>
+        <a:buChar char=""/>
+        <a:defRPr sz="1400" kern="1200">
+          <a:ln>
+            <a:solidFill>
+              <a:schemeClr val="bg1">
+                <a:lumMod val="75000"/>
+                <a:lumOff val="25000"/>
+                <a:alpha val="10000"/>
+              </a:schemeClr>
+            </a:solidFill>
+          </a:ln>
           <a:solidFill>
-            <a:schemeClr val="tx1"/>
+            <a:schemeClr val="tx2"/>
           </a:solidFill>
+          <a:effectLst>
+            <a:outerShdw blurRad="9525" dist="25400" dir="14640000" algn="tl" rotWithShape="0">
+              <a:schemeClr val="bg1">
+                <a:alpha val="30000"/>
+              </a:schemeClr>
+            </a:outerShdw>
+          </a:effectLst>
           <a:latin typeface="+mn-lt"/>
           <a:ea typeface="+mn-ea"/>
           <a:cs typeface="+mn-cs"/>
         </a:defRPr>
       </a:lvl6pPr>
-      <a:lvl7pPr marL="2971800" indent="-228600" algn="l" defTabSz="914400" rtl="0" eaLnBrk="1" latinLnBrk="0" hangingPunct="1">
-        <a:lnSpc>
-          <a:spcPct val="90000"/>
-        </a:lnSpc>
+      <a:lvl7pPr marL="2401800" indent="-228600" algn="l" defTabSz="457200" rtl="0" eaLnBrk="1" latinLnBrk="0" hangingPunct="1">
         <a:spcBef>
-          <a:spcPts val="500"/>
+          <a:spcPct val="20000"/>
         </a:spcBef>
-        <a:buFont typeface="Arial" panose="020B0604020202020204" pitchFamily="34" charset="0"/>
-        <a:buChar char="•"/>
-        <a:defRPr sz="1800" kern="1200">
+        <a:spcAft>
+          <a:spcPts val="600"/>
+        </a:spcAft>
+        <a:buClr>
+          <a:schemeClr val="tx2"/>
+        </a:buClr>
+        <a:buSzPct val="70000"/>
+        <a:buFont typeface="Wingdings 2" charset="2"/>
+        <a:buChar char=""/>
+        <a:defRPr sz="1400" kern="1200">
+          <a:ln>
+            <a:solidFill>
+              <a:schemeClr val="bg1">
+                <a:lumMod val="75000"/>
+                <a:lumOff val="25000"/>
+                <a:alpha val="10000"/>
+              </a:schemeClr>
+            </a:solidFill>
+          </a:ln>
           <a:solidFill>
-            <a:schemeClr val="tx1"/>
+            <a:schemeClr val="tx2"/>
           </a:solidFill>
+          <a:effectLst>
+            <a:outerShdw blurRad="9525" dist="25400" dir="14640000" algn="tl" rotWithShape="0">
+              <a:schemeClr val="bg1">
+                <a:alpha val="30000"/>
+              </a:schemeClr>
+            </a:outerShdw>
+          </a:effectLst>
           <a:latin typeface="+mn-lt"/>
           <a:ea typeface="+mn-ea"/>
           <a:cs typeface="+mn-cs"/>
         </a:defRPr>
       </a:lvl7pPr>
-      <a:lvl8pPr marL="3429000" indent="-228600" algn="l" defTabSz="914400" rtl="0" eaLnBrk="1" latinLnBrk="0" hangingPunct="1">
-        <a:lnSpc>
-          <a:spcPct val="90000"/>
-        </a:lnSpc>
+      <a:lvl8pPr marL="2789000" indent="-228600" algn="l" defTabSz="457200" rtl="0" eaLnBrk="1" latinLnBrk="0" hangingPunct="1">
         <a:spcBef>
-          <a:spcPts val="500"/>
+          <a:spcPct val="20000"/>
         </a:spcBef>
-        <a:buFont typeface="Arial" panose="020B0604020202020204" pitchFamily="34" charset="0"/>
-        <a:buChar char="•"/>
-        <a:defRPr sz="1800" kern="1200">
+        <a:spcAft>
+          <a:spcPts val="600"/>
+        </a:spcAft>
+        <a:buClr>
+          <a:schemeClr val="tx2"/>
+        </a:buClr>
+        <a:buSzPct val="70000"/>
+        <a:buFont typeface="Wingdings 2" charset="2"/>
+        <a:buChar char=""/>
+        <a:defRPr sz="1400" kern="1200">
+          <a:ln>
+            <a:solidFill>
+              <a:schemeClr val="bg1">
+                <a:lumMod val="75000"/>
+                <a:lumOff val="25000"/>
+                <a:alpha val="10000"/>
+              </a:schemeClr>
+            </a:solidFill>
+          </a:ln>
           <a:solidFill>
-            <a:schemeClr val="tx1"/>
+            <a:schemeClr val="tx2"/>
           </a:solidFill>
+          <a:effectLst>
+            <a:outerShdw blurRad="9525" dist="25400" dir="14640000" algn="tl" rotWithShape="0">
+              <a:schemeClr val="bg1">
+                <a:alpha val="30000"/>
+              </a:schemeClr>
+            </a:outerShdw>
+          </a:effectLst>
           <a:latin typeface="+mn-lt"/>
           <a:ea typeface="+mn-ea"/>
           <a:cs typeface="+mn-cs"/>
         </a:defRPr>
       </a:lvl8pPr>
-      <a:lvl9pPr marL="3886200" indent="-228600" algn="l" defTabSz="914400" rtl="0" eaLnBrk="1" latinLnBrk="0" hangingPunct="1">
-        <a:lnSpc>
-          <a:spcPct val="90000"/>
-        </a:lnSpc>
+      <a:lvl9pPr marL="3106200" indent="-228600" algn="l" defTabSz="457200" rtl="0" eaLnBrk="1" latinLnBrk="0" hangingPunct="1">
         <a:spcBef>
-          <a:spcPts val="500"/>
+          <a:spcPct val="20000"/>
         </a:spcBef>
-        <a:buFont typeface="Arial" panose="020B0604020202020204" pitchFamily="34" charset="0"/>
-        <a:buChar char="•"/>
-        <a:defRPr sz="1800" kern="1200">
+        <a:spcAft>
+          <a:spcPts val="600"/>
+        </a:spcAft>
+        <a:buClr>
+          <a:schemeClr val="tx2"/>
+        </a:buClr>
+        <a:buSzPct val="70000"/>
+        <a:buFont typeface="Wingdings 2" charset="2"/>
+        <a:buChar char=""/>
+        <a:defRPr sz="1400" kern="1200">
+          <a:ln>
+            <a:solidFill>
+              <a:schemeClr val="bg1">
+                <a:lumMod val="75000"/>
+                <a:lumOff val="25000"/>
+                <a:alpha val="10000"/>
+              </a:schemeClr>
+            </a:solidFill>
+          </a:ln>
           <a:solidFill>
-            <a:schemeClr val="tx1"/>
+            <a:schemeClr val="tx2"/>
           </a:solidFill>
+          <a:effectLst>
+            <a:outerShdw blurRad="9525" dist="25400" dir="14640000" algn="tl" rotWithShape="0">
+              <a:schemeClr val="bg1">
+                <a:alpha val="30000"/>
+              </a:schemeClr>
+            </a:outerShdw>
+          </a:effectLst>
           <a:latin typeface="+mn-lt"/>
           <a:ea typeface="+mn-ea"/>
           <a:cs typeface="+mn-cs"/>
@@ -2884,7 +6691,7 @@
       <a:defPPr>
         <a:defRPr lang="en-US"/>
       </a:defPPr>
-      <a:lvl1pPr marL="0" algn="l" defTabSz="914400" rtl="0" eaLnBrk="1" latinLnBrk="0" hangingPunct="1">
+      <a:lvl1pPr marL="0" algn="l" defTabSz="457200" rtl="0" eaLnBrk="1" latinLnBrk="0" hangingPunct="1">
         <a:defRPr sz="1800" kern="1200">
           <a:solidFill>
             <a:schemeClr val="tx1"/>
@@ -2894,7 +6701,7 @@
           <a:cs typeface="+mn-cs"/>
         </a:defRPr>
       </a:lvl1pPr>
-      <a:lvl2pPr marL="457200" algn="l" defTabSz="914400" rtl="0" eaLnBrk="1" latinLnBrk="0" hangingPunct="1">
+      <a:lvl2pPr marL="457200" algn="l" defTabSz="457200" rtl="0" eaLnBrk="1" latinLnBrk="0" hangingPunct="1">
         <a:defRPr sz="1800" kern="1200">
           <a:solidFill>
             <a:schemeClr val="tx1"/>
@@ -2904,7 +6711,7 @@
           <a:cs typeface="+mn-cs"/>
         </a:defRPr>
       </a:lvl2pPr>
-      <a:lvl3pPr marL="914400" algn="l" defTabSz="914400" rtl="0" eaLnBrk="1" latinLnBrk="0" hangingPunct="1">
+      <a:lvl3pPr marL="914400" algn="l" defTabSz="457200" rtl="0" eaLnBrk="1" latinLnBrk="0" hangingPunct="1">
         <a:defRPr sz="1800" kern="1200">
           <a:solidFill>
             <a:schemeClr val="tx1"/>
@@ -2914,7 +6721,7 @@
           <a:cs typeface="+mn-cs"/>
         </a:defRPr>
       </a:lvl3pPr>
-      <a:lvl4pPr marL="1371600" algn="l" defTabSz="914400" rtl="0" eaLnBrk="1" latinLnBrk="0" hangingPunct="1">
+      <a:lvl4pPr marL="1371600" algn="l" defTabSz="457200" rtl="0" eaLnBrk="1" latinLnBrk="0" hangingPunct="1">
         <a:defRPr sz="1800" kern="1200">
           <a:solidFill>
             <a:schemeClr val="tx1"/>
@@ -2924,7 +6731,7 @@
           <a:cs typeface="+mn-cs"/>
         </a:defRPr>
       </a:lvl4pPr>
-      <a:lvl5pPr marL="1828800" algn="l" defTabSz="914400" rtl="0" eaLnBrk="1" latinLnBrk="0" hangingPunct="1">
+      <a:lvl5pPr marL="1828800" algn="l" defTabSz="457200" rtl="0" eaLnBrk="1" latinLnBrk="0" hangingPunct="1">
         <a:defRPr sz="1800" kern="1200">
           <a:solidFill>
             <a:schemeClr val="tx1"/>
@@ -2934,7 +6741,7 @@
           <a:cs typeface="+mn-cs"/>
         </a:defRPr>
       </a:lvl5pPr>
-      <a:lvl6pPr marL="2286000" algn="l" defTabSz="914400" rtl="0" eaLnBrk="1" latinLnBrk="0" hangingPunct="1">
+      <a:lvl6pPr marL="2286000" algn="l" defTabSz="457200" rtl="0" eaLnBrk="1" latinLnBrk="0" hangingPunct="1">
         <a:defRPr sz="1800" kern="1200">
           <a:solidFill>
             <a:schemeClr val="tx1"/>
@@ -2944,7 +6751,7 @@
           <a:cs typeface="+mn-cs"/>
         </a:defRPr>
       </a:lvl6pPr>
-      <a:lvl7pPr marL="2743200" algn="l" defTabSz="914400" rtl="0" eaLnBrk="1" latinLnBrk="0" hangingPunct="1">
+      <a:lvl7pPr marL="2743200" algn="l" defTabSz="457200" rtl="0" eaLnBrk="1" latinLnBrk="0" hangingPunct="1">
         <a:defRPr sz="1800" kern="1200">
           <a:solidFill>
             <a:schemeClr val="tx1"/>
@@ -2954,7 +6761,7 @@
           <a:cs typeface="+mn-cs"/>
         </a:defRPr>
       </a:lvl7pPr>
-      <a:lvl8pPr marL="3200400" algn="l" defTabSz="914400" rtl="0" eaLnBrk="1" latinLnBrk="0" hangingPunct="1">
+      <a:lvl8pPr marL="3200400" algn="l" defTabSz="457200" rtl="0" eaLnBrk="1" latinLnBrk="0" hangingPunct="1">
         <a:defRPr sz="1800" kern="1200">
           <a:solidFill>
             <a:schemeClr val="tx1"/>
@@ -2964,7 +6771,7 @@
           <a:cs typeface="+mn-cs"/>
         </a:defRPr>
       </a:lvl8pPr>
-      <a:lvl9pPr marL="3657600" algn="l" defTabSz="914400" rtl="0" eaLnBrk="1" latinLnBrk="0" hangingPunct="1">
+      <a:lvl9pPr marL="3657600" algn="l" defTabSz="457200" rtl="0" eaLnBrk="1" latinLnBrk="0" hangingPunct="1">
         <a:defRPr sz="1800" kern="1200">
           <a:solidFill>
             <a:schemeClr val="tx1"/>
@@ -3018,18 +6825,9 @@
           <a:lstStyle/>
           <a:p>
             <a:r>
-              <a:rPr lang="it-IT" dirty="0" err="1"/>
-              <a:t>Anomaly</a:t>
-            </a:r>
-            <a:r>
               <a:rPr lang="it-IT" dirty="0"/>
-              <a:t> </a:t>
-            </a:r>
-            <a:r>
-              <a:rPr lang="it-IT" dirty="0" err="1"/>
-              <a:t>Detection</a:t>
-            </a:r>
-            <a:endParaRPr lang="it-IT" dirty="0"/>
+              <a:t>Anomaly Detection</a:t>
+            </a:r>
           </a:p>
         </p:txBody>
       </p:sp>
@@ -3054,7 +6852,7 @@
           <a:bodyPr/>
           <a:lstStyle/>
           <a:p>
-            <a:endParaRPr lang="it-IT"/>
+            <a:endParaRPr lang="it-IT" dirty="0"/>
           </a:p>
         </p:txBody>
       </p:sp>
@@ -3090,83 +6888,849 @@
       </p:grpSpPr>
       <p:sp>
         <p:nvSpPr>
-          <p:cNvPr id="2" name="Titolo 1">
+          <p:cNvPr id="4" name="Rettangolo 3">
             <a:extLst>
               <a:ext uri="{FF2B5EF4-FFF2-40B4-BE49-F238E27FC236}">
-                <a16:creationId xmlns:a16="http://schemas.microsoft.com/office/drawing/2014/main" id="{72CE86B0-0601-544E-10BC-2C5344A31A42}"/>
+                <a16:creationId xmlns:a16="http://schemas.microsoft.com/office/drawing/2014/main" id="{FE4B3456-9577-3927-FCB7-92B2C01617BA}"/>
               </a:ext>
             </a:extLst>
           </p:cNvPr>
-          <p:cNvSpPr>
-            <a:spLocks noGrp="1"/>
-          </p:cNvSpPr>
-          <p:nvPr>
-            <p:ph type="title"/>
-          </p:nvPr>
-        </p:nvSpPr>
-        <p:spPr/>
-        <p:txBody>
-          <a:bodyPr/>
+          <p:cNvSpPr/>
+          <p:nvPr/>
+        </p:nvSpPr>
+        <p:spPr>
+          <a:xfrm>
+            <a:off x="428379" y="212035"/>
+            <a:ext cx="10957936" cy="923330"/>
+          </a:xfrm>
+          <a:prstGeom prst="rect">
+            <a:avLst/>
+          </a:prstGeom>
+          <a:noFill/>
+        </p:spPr>
+        <p:txBody>
+          <a:bodyPr wrap="none" lIns="91440" tIns="45720" rIns="91440" bIns="45720">
+            <a:spAutoFit/>
+            <a:scene3d>
+              <a:camera prst="orthographicFront"/>
+              <a:lightRig rig="soft" dir="t">
+                <a:rot lat="0" lon="0" rev="15600000"/>
+              </a:lightRig>
+            </a:scene3d>
+            <a:sp3d extrusionH="57150" prstMaterial="softEdge">
+              <a:bevelT w="25400" h="38100"/>
+            </a:sp3d>
+          </a:bodyPr>
           <a:lstStyle/>
           <a:p>
-            <a:r>
-              <a:rPr lang="it-IT" dirty="0" err="1"/>
-              <a:t>Supervised</a:t>
-            </a:r>
-            <a:r>
-              <a:rPr lang="it-IT" dirty="0"/>
-              <a:t> </a:t>
-            </a:r>
-            <a:r>
-              <a:rPr lang="it-IT" dirty="0" err="1"/>
-              <a:t>Classification</a:t>
-            </a:r>
-            <a:endParaRPr lang="it-IT" dirty="0"/>
-          </a:p>
-        </p:txBody>
-      </p:sp>
-      <p:sp>
-        <p:nvSpPr>
-          <p:cNvPr id="3" name="Segnaposto contenuto 2">
+            <a:pPr algn="ctr"/>
+            <a:r>
+              <a:rPr lang="it-IT" sz="5400" b="1" dirty="0">
+                <a:ln/>
+                <a:solidFill>
+                  <a:srgbClr val="FFC000"/>
+                </a:solidFill>
+              </a:rPr>
+              <a:t>SUPERVISED CLASSIFICATION</a:t>
+            </a:r>
+            <a:endParaRPr lang="it-IT" sz="5400" b="1" cap="none" spc="0" dirty="0">
+              <a:ln/>
+              <a:solidFill>
+                <a:srgbClr val="FFC000"/>
+              </a:solidFill>
+              <a:effectLst/>
+            </a:endParaRPr>
+          </a:p>
+        </p:txBody>
+      </p:sp>
+      <p:sp>
+        <p:nvSpPr>
+          <p:cNvPr id="7" name="Segnaposto contenuto 2">
             <a:extLst>
               <a:ext uri="{FF2B5EF4-FFF2-40B4-BE49-F238E27FC236}">
-                <a16:creationId xmlns:a16="http://schemas.microsoft.com/office/drawing/2014/main" id="{BB1FC91B-AEDD-0593-2EDF-9FD51ADC23AD}"/>
+                <a16:creationId xmlns:a16="http://schemas.microsoft.com/office/drawing/2014/main" id="{F9EB24CF-E6A8-3DE1-0B43-2DD0F2E4B863}"/>
               </a:ext>
             </a:extLst>
           </p:cNvPr>
-          <p:cNvSpPr>
-            <a:spLocks noGrp="1"/>
-          </p:cNvSpPr>
-          <p:nvPr>
-            <p:ph idx="1"/>
-          </p:nvPr>
-        </p:nvSpPr>
-        <p:spPr/>
-        <p:txBody>
-          <a:bodyPr/>
+          <p:cNvSpPr txBox="1">
+            <a:spLocks/>
+          </p:cNvSpPr>
+          <p:nvPr/>
+        </p:nvSpPr>
+        <p:spPr>
+          <a:xfrm>
+            <a:off x="322998" y="996304"/>
+            <a:ext cx="6756587" cy="1349387"/>
+          </a:xfrm>
+          <a:prstGeom prst="rect">
+            <a:avLst/>
+          </a:prstGeom>
+          <a:effectLst>
+            <a:outerShdw blurRad="25400" dir="17880000">
+              <a:srgbClr val="000000">
+                <a:alpha val="46000"/>
+              </a:srgbClr>
+            </a:outerShdw>
+          </a:effectLst>
+        </p:spPr>
+        <p:txBody>
+          <a:bodyPr vert="horz" lIns="91440" tIns="45720" rIns="91440" bIns="45720" rtlCol="0" anchor="t">
+            <a:noAutofit/>
+          </a:bodyPr>
+          <a:lstStyle>
+            <a:lvl1pPr marL="342900" indent="-306000" algn="l" defTabSz="457200" rtl="0" eaLnBrk="1" latinLnBrk="0" hangingPunct="1">
+              <a:spcBef>
+                <a:spcPct val="20000"/>
+              </a:spcBef>
+              <a:spcAft>
+                <a:spcPts val="600"/>
+              </a:spcAft>
+              <a:buClr>
+                <a:schemeClr val="tx2"/>
+              </a:buClr>
+              <a:buSzPct val="70000"/>
+              <a:buFont typeface="Wingdings 2" charset="2"/>
+              <a:buChar char=""/>
+              <a:defRPr sz="2000" kern="1200">
+                <a:ln>
+                  <a:solidFill>
+                    <a:schemeClr val="bg1">
+                      <a:lumMod val="75000"/>
+                      <a:lumOff val="25000"/>
+                      <a:alpha val="10000"/>
+                    </a:schemeClr>
+                  </a:solidFill>
+                </a:ln>
+                <a:solidFill>
+                  <a:schemeClr val="tx2"/>
+                </a:solidFill>
+                <a:effectLst>
+                  <a:outerShdw blurRad="9525" dist="25400" dir="14640000" algn="tl" rotWithShape="0">
+                    <a:schemeClr val="bg1">
+                      <a:alpha val="30000"/>
+                    </a:schemeClr>
+                  </a:outerShdw>
+                </a:effectLst>
+                <a:latin typeface="+mn-lt"/>
+                <a:ea typeface="+mn-ea"/>
+                <a:cs typeface="+mn-cs"/>
+              </a:defRPr>
+            </a:lvl1pPr>
+            <a:lvl2pPr marL="720000" indent="-270000" algn="l" defTabSz="457200" rtl="0" eaLnBrk="1" latinLnBrk="0" hangingPunct="1">
+              <a:spcBef>
+                <a:spcPct val="20000"/>
+              </a:spcBef>
+              <a:spcAft>
+                <a:spcPts val="600"/>
+              </a:spcAft>
+              <a:buClr>
+                <a:schemeClr val="tx2"/>
+              </a:buClr>
+              <a:buSzPct val="70000"/>
+              <a:buFont typeface="Wingdings 2" charset="2"/>
+              <a:buChar char=""/>
+              <a:defRPr sz="1800" kern="1200">
+                <a:ln>
+                  <a:solidFill>
+                    <a:schemeClr val="bg1">
+                      <a:lumMod val="75000"/>
+                      <a:lumOff val="25000"/>
+                      <a:alpha val="10000"/>
+                    </a:schemeClr>
+                  </a:solidFill>
+                </a:ln>
+                <a:solidFill>
+                  <a:schemeClr val="tx2"/>
+                </a:solidFill>
+                <a:effectLst>
+                  <a:outerShdw blurRad="9525" dist="25400" dir="14640000" algn="tl" rotWithShape="0">
+                    <a:schemeClr val="bg1">
+                      <a:alpha val="30000"/>
+                    </a:schemeClr>
+                  </a:outerShdw>
+                </a:effectLst>
+                <a:latin typeface="+mn-lt"/>
+                <a:ea typeface="+mn-ea"/>
+                <a:cs typeface="+mn-cs"/>
+              </a:defRPr>
+            </a:lvl2pPr>
+            <a:lvl3pPr marL="1026000" indent="-216000" algn="l" defTabSz="457200" rtl="0" eaLnBrk="1" latinLnBrk="0" hangingPunct="1">
+              <a:spcBef>
+                <a:spcPct val="20000"/>
+              </a:spcBef>
+              <a:spcAft>
+                <a:spcPts val="600"/>
+              </a:spcAft>
+              <a:buClr>
+                <a:schemeClr val="tx2"/>
+              </a:buClr>
+              <a:buSzPct val="70000"/>
+              <a:buFont typeface="Wingdings 2" charset="2"/>
+              <a:buChar char=""/>
+              <a:defRPr sz="1600" kern="1200">
+                <a:ln>
+                  <a:solidFill>
+                    <a:schemeClr val="bg1">
+                      <a:lumMod val="75000"/>
+                      <a:lumOff val="25000"/>
+                      <a:alpha val="10000"/>
+                    </a:schemeClr>
+                  </a:solidFill>
+                </a:ln>
+                <a:solidFill>
+                  <a:schemeClr val="tx2"/>
+                </a:solidFill>
+                <a:effectLst>
+                  <a:outerShdw blurRad="9525" dist="25400" dir="14640000" algn="tl" rotWithShape="0">
+                    <a:schemeClr val="bg1">
+                      <a:alpha val="30000"/>
+                    </a:schemeClr>
+                  </a:outerShdw>
+                </a:effectLst>
+                <a:latin typeface="+mn-lt"/>
+                <a:ea typeface="+mn-ea"/>
+                <a:cs typeface="+mn-cs"/>
+              </a:defRPr>
+            </a:lvl3pPr>
+            <a:lvl4pPr marL="1386000" indent="-216000" algn="l" defTabSz="457200" rtl="0" eaLnBrk="1" latinLnBrk="0" hangingPunct="1">
+              <a:spcBef>
+                <a:spcPct val="20000"/>
+              </a:spcBef>
+              <a:spcAft>
+                <a:spcPts val="600"/>
+              </a:spcAft>
+              <a:buClr>
+                <a:schemeClr val="tx2"/>
+              </a:buClr>
+              <a:buSzPct val="70000"/>
+              <a:buFont typeface="Wingdings 2" charset="2"/>
+              <a:buChar char=""/>
+              <a:defRPr sz="1400" kern="1200">
+                <a:ln>
+                  <a:solidFill>
+                    <a:schemeClr val="bg1">
+                      <a:lumMod val="75000"/>
+                      <a:lumOff val="25000"/>
+                      <a:alpha val="10000"/>
+                    </a:schemeClr>
+                  </a:solidFill>
+                </a:ln>
+                <a:solidFill>
+                  <a:schemeClr val="tx2"/>
+                </a:solidFill>
+                <a:effectLst>
+                  <a:outerShdw blurRad="9525" dist="25400" dir="14640000" algn="tl" rotWithShape="0">
+                    <a:schemeClr val="bg1">
+                      <a:alpha val="30000"/>
+                    </a:schemeClr>
+                  </a:outerShdw>
+                </a:effectLst>
+                <a:latin typeface="+mn-lt"/>
+                <a:ea typeface="+mn-ea"/>
+                <a:cs typeface="+mn-cs"/>
+              </a:defRPr>
+            </a:lvl4pPr>
+            <a:lvl5pPr marL="1674000" indent="-216000" algn="l" defTabSz="457200" rtl="0" eaLnBrk="1" latinLnBrk="0" hangingPunct="1">
+              <a:spcBef>
+                <a:spcPct val="20000"/>
+              </a:spcBef>
+              <a:spcAft>
+                <a:spcPts val="600"/>
+              </a:spcAft>
+              <a:buClr>
+                <a:schemeClr val="tx2"/>
+              </a:buClr>
+              <a:buSzPct val="70000"/>
+              <a:buFont typeface="Wingdings 2" charset="2"/>
+              <a:buChar char=""/>
+              <a:defRPr sz="1400" kern="1200">
+                <a:ln>
+                  <a:solidFill>
+                    <a:schemeClr val="bg1">
+                      <a:lumMod val="75000"/>
+                      <a:lumOff val="25000"/>
+                      <a:alpha val="10000"/>
+                    </a:schemeClr>
+                  </a:solidFill>
+                </a:ln>
+                <a:solidFill>
+                  <a:schemeClr val="tx2"/>
+                </a:solidFill>
+                <a:effectLst>
+                  <a:outerShdw blurRad="9525" dist="25400" dir="14640000" algn="tl" rotWithShape="0">
+                    <a:schemeClr val="bg1">
+                      <a:alpha val="30000"/>
+                    </a:schemeClr>
+                  </a:outerShdw>
+                </a:effectLst>
+                <a:latin typeface="+mn-lt"/>
+                <a:ea typeface="+mn-ea"/>
+                <a:cs typeface="+mn-cs"/>
+              </a:defRPr>
+            </a:lvl5pPr>
+            <a:lvl6pPr marL="2014600" indent="-228600" algn="l" defTabSz="457200" rtl="0" eaLnBrk="1" latinLnBrk="0" hangingPunct="1">
+              <a:spcBef>
+                <a:spcPct val="20000"/>
+              </a:spcBef>
+              <a:spcAft>
+                <a:spcPts val="600"/>
+              </a:spcAft>
+              <a:buClr>
+                <a:schemeClr val="tx2"/>
+              </a:buClr>
+              <a:buSzPct val="70000"/>
+              <a:buFont typeface="Wingdings 2" charset="2"/>
+              <a:buChar char=""/>
+              <a:defRPr sz="1400" kern="1200">
+                <a:ln>
+                  <a:solidFill>
+                    <a:schemeClr val="bg1">
+                      <a:lumMod val="75000"/>
+                      <a:lumOff val="25000"/>
+                      <a:alpha val="10000"/>
+                    </a:schemeClr>
+                  </a:solidFill>
+                </a:ln>
+                <a:solidFill>
+                  <a:schemeClr val="tx2"/>
+                </a:solidFill>
+                <a:effectLst>
+                  <a:outerShdw blurRad="9525" dist="25400" dir="14640000" algn="tl" rotWithShape="0">
+                    <a:schemeClr val="bg1">
+                      <a:alpha val="30000"/>
+                    </a:schemeClr>
+                  </a:outerShdw>
+                </a:effectLst>
+                <a:latin typeface="+mn-lt"/>
+                <a:ea typeface="+mn-ea"/>
+                <a:cs typeface="+mn-cs"/>
+              </a:defRPr>
+            </a:lvl6pPr>
+            <a:lvl7pPr marL="2401800" indent="-228600" algn="l" defTabSz="457200" rtl="0" eaLnBrk="1" latinLnBrk="0" hangingPunct="1">
+              <a:spcBef>
+                <a:spcPct val="20000"/>
+              </a:spcBef>
+              <a:spcAft>
+                <a:spcPts val="600"/>
+              </a:spcAft>
+              <a:buClr>
+                <a:schemeClr val="tx2"/>
+              </a:buClr>
+              <a:buSzPct val="70000"/>
+              <a:buFont typeface="Wingdings 2" charset="2"/>
+              <a:buChar char=""/>
+              <a:defRPr sz="1400" kern="1200">
+                <a:ln>
+                  <a:solidFill>
+                    <a:schemeClr val="bg1">
+                      <a:lumMod val="75000"/>
+                      <a:lumOff val="25000"/>
+                      <a:alpha val="10000"/>
+                    </a:schemeClr>
+                  </a:solidFill>
+                </a:ln>
+                <a:solidFill>
+                  <a:schemeClr val="tx2"/>
+                </a:solidFill>
+                <a:effectLst>
+                  <a:outerShdw blurRad="9525" dist="25400" dir="14640000" algn="tl" rotWithShape="0">
+                    <a:schemeClr val="bg1">
+                      <a:alpha val="30000"/>
+                    </a:schemeClr>
+                  </a:outerShdw>
+                </a:effectLst>
+                <a:latin typeface="+mn-lt"/>
+                <a:ea typeface="+mn-ea"/>
+                <a:cs typeface="+mn-cs"/>
+              </a:defRPr>
+            </a:lvl7pPr>
+            <a:lvl8pPr marL="2789000" indent="-228600" algn="l" defTabSz="457200" rtl="0" eaLnBrk="1" latinLnBrk="0" hangingPunct="1">
+              <a:spcBef>
+                <a:spcPct val="20000"/>
+              </a:spcBef>
+              <a:spcAft>
+                <a:spcPts val="600"/>
+              </a:spcAft>
+              <a:buClr>
+                <a:schemeClr val="tx2"/>
+              </a:buClr>
+              <a:buSzPct val="70000"/>
+              <a:buFont typeface="Wingdings 2" charset="2"/>
+              <a:buChar char=""/>
+              <a:defRPr sz="1400" kern="1200">
+                <a:ln>
+                  <a:solidFill>
+                    <a:schemeClr val="bg1">
+                      <a:lumMod val="75000"/>
+                      <a:lumOff val="25000"/>
+                      <a:alpha val="10000"/>
+                    </a:schemeClr>
+                  </a:solidFill>
+                </a:ln>
+                <a:solidFill>
+                  <a:schemeClr val="tx2"/>
+                </a:solidFill>
+                <a:effectLst>
+                  <a:outerShdw blurRad="9525" dist="25400" dir="14640000" algn="tl" rotWithShape="0">
+                    <a:schemeClr val="bg1">
+                      <a:alpha val="30000"/>
+                    </a:schemeClr>
+                  </a:outerShdw>
+                </a:effectLst>
+                <a:latin typeface="+mn-lt"/>
+                <a:ea typeface="+mn-ea"/>
+                <a:cs typeface="+mn-cs"/>
+              </a:defRPr>
+            </a:lvl8pPr>
+            <a:lvl9pPr marL="3106200" indent="-228600" algn="l" defTabSz="457200" rtl="0" eaLnBrk="1" latinLnBrk="0" hangingPunct="1">
+              <a:spcBef>
+                <a:spcPct val="20000"/>
+              </a:spcBef>
+              <a:spcAft>
+                <a:spcPts val="600"/>
+              </a:spcAft>
+              <a:buClr>
+                <a:schemeClr val="tx2"/>
+              </a:buClr>
+              <a:buSzPct val="70000"/>
+              <a:buFont typeface="Wingdings 2" charset="2"/>
+              <a:buChar char=""/>
+              <a:defRPr sz="1400" kern="1200">
+                <a:ln>
+                  <a:solidFill>
+                    <a:schemeClr val="bg1">
+                      <a:lumMod val="75000"/>
+                      <a:lumOff val="25000"/>
+                      <a:alpha val="10000"/>
+                    </a:schemeClr>
+                  </a:solidFill>
+                </a:ln>
+                <a:solidFill>
+                  <a:schemeClr val="tx2"/>
+                </a:solidFill>
+                <a:effectLst>
+                  <a:outerShdw blurRad="9525" dist="25400" dir="14640000" algn="tl" rotWithShape="0">
+                    <a:schemeClr val="bg1">
+                      <a:alpha val="30000"/>
+                    </a:schemeClr>
+                  </a:outerShdw>
+                </a:effectLst>
+                <a:latin typeface="+mn-lt"/>
+                <a:ea typeface="+mn-ea"/>
+                <a:cs typeface="+mn-cs"/>
+              </a:defRPr>
+            </a:lvl9pPr>
+          </a:lstStyle>
+          <a:p>
+            <a:pPr>
+              <a:spcBef>
+                <a:spcPts val="0"/>
+              </a:spcBef>
+              <a:spcAft>
+                <a:spcPts val="0"/>
+              </a:spcAft>
+            </a:pPr>
+            <a:r>
+              <a:rPr lang="it-IT" sz="1800" dirty="0">
+                <a:solidFill>
+                  <a:schemeClr val="tx1"/>
+                </a:solidFill>
+              </a:rPr>
+              <a:t>We </a:t>
+            </a:r>
+            <a:r>
+              <a:rPr lang="it-IT" sz="1800" dirty="0" err="1">
+                <a:solidFill>
+                  <a:schemeClr val="tx1"/>
+                </a:solidFill>
+              </a:rPr>
+              <a:t>assured</a:t>
+            </a:r>
+            <a:r>
+              <a:rPr lang="it-IT" sz="1800" dirty="0">
+                <a:solidFill>
+                  <a:schemeClr val="tx1"/>
+                </a:solidFill>
+              </a:rPr>
+              <a:t> </a:t>
+            </a:r>
+            <a:r>
+              <a:rPr lang="it-IT" sz="1800" dirty="0" err="1">
+                <a:solidFill>
+                  <a:schemeClr val="tx1"/>
+                </a:solidFill>
+              </a:rPr>
+              <a:t>stationarity</a:t>
+            </a:r>
+            <a:endParaRPr lang="it-IT" sz="1800" dirty="0">
+              <a:solidFill>
+                <a:schemeClr val="tx1"/>
+              </a:solidFill>
+            </a:endParaRPr>
+          </a:p>
+          <a:p>
+            <a:r>
+              <a:rPr lang="it-IT" sz="1800" dirty="0" err="1">
+                <a:solidFill>
+                  <a:schemeClr val="tx1"/>
+                </a:solidFill>
+              </a:rPr>
+              <a:t>Through</a:t>
+            </a:r>
+            <a:r>
+              <a:rPr lang="it-IT" sz="1800" dirty="0">
+                <a:solidFill>
+                  <a:schemeClr val="tx1"/>
+                </a:solidFill>
+              </a:rPr>
+              <a:t> a K-S test we </a:t>
+            </a:r>
+            <a:r>
+              <a:rPr lang="it-IT" sz="1800" dirty="0" err="1">
+                <a:solidFill>
+                  <a:schemeClr val="tx1"/>
+                </a:solidFill>
+              </a:rPr>
+              <a:t>eliminated</a:t>
+            </a:r>
+            <a:r>
+              <a:rPr lang="it-IT" sz="1800" dirty="0">
+                <a:solidFill>
+                  <a:schemeClr val="tx1"/>
+                </a:solidFill>
+              </a:rPr>
+              <a:t> all the </a:t>
+            </a:r>
+            <a:r>
+              <a:rPr lang="it-IT" sz="1800" dirty="0" err="1">
+                <a:solidFill>
+                  <a:schemeClr val="tx1"/>
+                </a:solidFill>
+              </a:rPr>
+              <a:t>variables</a:t>
+            </a:r>
+            <a:r>
+              <a:rPr lang="it-IT" sz="1800" dirty="0">
+                <a:solidFill>
+                  <a:schemeClr val="tx1"/>
+                </a:solidFill>
+              </a:rPr>
+              <a:t> </a:t>
+            </a:r>
+            <a:r>
+              <a:rPr lang="it-IT" sz="1800" dirty="0" err="1">
+                <a:solidFill>
+                  <a:schemeClr val="tx1"/>
+                </a:solidFill>
+              </a:rPr>
+              <a:t>characterized</a:t>
+            </a:r>
+            <a:r>
+              <a:rPr lang="it-IT" sz="1800" dirty="0">
+                <a:solidFill>
+                  <a:schemeClr val="tx1"/>
+                </a:solidFill>
+              </a:rPr>
+              <a:t> by a </a:t>
+            </a:r>
+            <a:r>
+              <a:rPr lang="it-IT" sz="1800" dirty="0" err="1">
+                <a:solidFill>
+                  <a:schemeClr val="tx1"/>
+                </a:solidFill>
+              </a:rPr>
+              <a:t>nonsignificant</a:t>
+            </a:r>
+            <a:r>
+              <a:rPr lang="it-IT" sz="1800" dirty="0">
+                <a:solidFill>
+                  <a:schemeClr val="tx1"/>
+                </a:solidFill>
+              </a:rPr>
+              <a:t> </a:t>
+            </a:r>
+            <a:r>
+              <a:rPr lang="it-IT" sz="1800" dirty="0" err="1">
+                <a:solidFill>
+                  <a:schemeClr val="tx1"/>
+                </a:solidFill>
+              </a:rPr>
+              <a:t>mean</a:t>
+            </a:r>
+            <a:r>
+              <a:rPr lang="it-IT" sz="1800" dirty="0">
+                <a:solidFill>
+                  <a:schemeClr val="tx1"/>
+                </a:solidFill>
+              </a:rPr>
+              <a:t> </a:t>
+            </a:r>
+            <a:r>
+              <a:rPr lang="it-IT" sz="1800" dirty="0" err="1">
+                <a:solidFill>
+                  <a:schemeClr val="tx1"/>
+                </a:solidFill>
+              </a:rPr>
+              <a:t>between</a:t>
+            </a:r>
+            <a:r>
+              <a:rPr lang="it-IT" sz="1800" dirty="0">
+                <a:solidFill>
+                  <a:schemeClr val="tx1"/>
+                </a:solidFill>
+              </a:rPr>
+              <a:t> more and </a:t>
+            </a:r>
+            <a:r>
+              <a:rPr lang="it-IT" sz="1800" dirty="0" err="1">
+                <a:solidFill>
+                  <a:schemeClr val="tx1"/>
+                </a:solidFill>
+              </a:rPr>
+              <a:t>less</a:t>
+            </a:r>
+            <a:r>
+              <a:rPr lang="it-IT" sz="1800" dirty="0">
+                <a:solidFill>
+                  <a:schemeClr val="tx1"/>
+                </a:solidFill>
+              </a:rPr>
+              <a:t> </a:t>
+            </a:r>
+            <a:r>
+              <a:rPr lang="it-IT" sz="1800" dirty="0" err="1">
+                <a:solidFill>
+                  <a:schemeClr val="tx1"/>
+                </a:solidFill>
+              </a:rPr>
+              <a:t>risky</a:t>
+            </a:r>
+            <a:r>
+              <a:rPr lang="it-IT" sz="1800" dirty="0">
+                <a:solidFill>
+                  <a:schemeClr val="tx1"/>
+                </a:solidFill>
+              </a:rPr>
+              <a:t> </a:t>
+            </a:r>
+            <a:r>
+              <a:rPr lang="it-IT" sz="1800" dirty="0" err="1">
+                <a:solidFill>
+                  <a:schemeClr val="tx1"/>
+                </a:solidFill>
+              </a:rPr>
+              <a:t>periods</a:t>
+            </a:r>
+            <a:endParaRPr lang="it-IT" sz="1800" dirty="0">
+              <a:solidFill>
+                <a:schemeClr val="tx1"/>
+              </a:solidFill>
+            </a:endParaRPr>
+          </a:p>
+          <a:p>
+            <a:r>
+              <a:rPr lang="it-IT" sz="1800" dirty="0">
+                <a:solidFill>
+                  <a:schemeClr val="tx1"/>
+                </a:solidFill>
+              </a:rPr>
+              <a:t>After some </a:t>
+            </a:r>
+            <a:r>
+              <a:rPr lang="it-IT" sz="1800" dirty="0" err="1">
+                <a:solidFill>
+                  <a:schemeClr val="tx1"/>
+                </a:solidFill>
+              </a:rPr>
+              <a:t>correlation</a:t>
+            </a:r>
+            <a:r>
+              <a:rPr lang="it-IT" sz="1800" dirty="0">
+                <a:solidFill>
+                  <a:schemeClr val="tx1"/>
+                </a:solidFill>
+              </a:rPr>
+              <a:t> study, we </a:t>
+            </a:r>
+            <a:r>
+              <a:rPr lang="it-IT" sz="1800" dirty="0" err="1">
+                <a:solidFill>
+                  <a:schemeClr val="tx1"/>
+                </a:solidFill>
+              </a:rPr>
+              <a:t>eliminated</a:t>
+            </a:r>
+            <a:r>
+              <a:rPr lang="it-IT" sz="1800" dirty="0">
+                <a:solidFill>
+                  <a:schemeClr val="tx1"/>
+                </a:solidFill>
+              </a:rPr>
+              <a:t> some </a:t>
+            </a:r>
+            <a:r>
+              <a:rPr lang="it-IT" sz="1800" dirty="0" err="1">
+                <a:solidFill>
+                  <a:schemeClr val="tx1"/>
+                </a:solidFill>
+              </a:rPr>
+              <a:t>other</a:t>
+            </a:r>
+            <a:r>
+              <a:rPr lang="it-IT" sz="1800" dirty="0">
+                <a:solidFill>
+                  <a:schemeClr val="tx1"/>
+                </a:solidFill>
+              </a:rPr>
+              <a:t> </a:t>
+            </a:r>
+            <a:r>
+              <a:rPr lang="it-IT" sz="1800" dirty="0" err="1">
+                <a:solidFill>
+                  <a:schemeClr val="tx1"/>
+                </a:solidFill>
+              </a:rPr>
+              <a:t>variables</a:t>
+            </a:r>
+            <a:endParaRPr lang="it-IT" sz="1800" dirty="0">
+              <a:solidFill>
+                <a:schemeClr val="tx1"/>
+              </a:solidFill>
+            </a:endParaRPr>
+          </a:p>
+        </p:txBody>
+      </p:sp>
+      <p:pic>
+        <p:nvPicPr>
+          <p:cNvPr id="9" name="Immagine 8" descr="Immagine che contiene grafico&#10;&#10;Descrizione generata automaticamente">
+            <a:extLst>
+              <a:ext uri="{FF2B5EF4-FFF2-40B4-BE49-F238E27FC236}">
+                <a16:creationId xmlns:a16="http://schemas.microsoft.com/office/drawing/2014/main" id="{EABDFE61-7C37-64D1-78D2-4A6522418C3D}"/>
+              </a:ext>
+            </a:extLst>
+          </p:cNvPr>
+          <p:cNvPicPr>
+            <a:picLocks noChangeAspect="1"/>
+          </p:cNvPicPr>
+          <p:nvPr/>
+        </p:nvPicPr>
+        <p:blipFill>
+          <a:blip r:embed="rId2">
+            <a:extLst>
+              <a:ext uri="{28A0092B-C50C-407E-A947-70E740481C1C}">
+                <a14:useLocalDpi xmlns:a14="http://schemas.microsoft.com/office/drawing/2010/main" val="0"/>
+              </a:ext>
+            </a:extLst>
+          </a:blip>
+          <a:stretch>
+            <a:fillRect/>
+          </a:stretch>
+        </p:blipFill>
+        <p:spPr>
+          <a:xfrm>
+            <a:off x="6858000" y="1780209"/>
+            <a:ext cx="5011002" cy="4645141"/>
+          </a:xfrm>
+          <a:prstGeom prst="rect">
+            <a:avLst/>
+          </a:prstGeom>
+        </p:spPr>
+      </p:pic>
+      <p:pic>
+        <p:nvPicPr>
+          <p:cNvPr id="11" name="Immagine 10" descr="Immagine che contiene grafico&#10;&#10;Descrizione generata automaticamente">
+            <a:extLst>
+              <a:ext uri="{FF2B5EF4-FFF2-40B4-BE49-F238E27FC236}">
+                <a16:creationId xmlns:a16="http://schemas.microsoft.com/office/drawing/2014/main" id="{81D1C97D-FEB9-D090-63BB-39BA089A4045}"/>
+              </a:ext>
+            </a:extLst>
+          </p:cNvPr>
+          <p:cNvPicPr>
+            <a:picLocks noChangeAspect="1"/>
+          </p:cNvPicPr>
+          <p:nvPr/>
+        </p:nvPicPr>
+        <p:blipFill>
+          <a:blip r:embed="rId3">
+            <a:extLst>
+              <a:ext uri="{28A0092B-C50C-407E-A947-70E740481C1C}">
+                <a14:useLocalDpi xmlns:a14="http://schemas.microsoft.com/office/drawing/2010/main" val="0"/>
+              </a:ext>
+            </a:extLst>
+          </a:blip>
+          <a:stretch>
+            <a:fillRect/>
+          </a:stretch>
+        </p:blipFill>
+        <p:spPr>
+          <a:xfrm>
+            <a:off x="428379" y="2668295"/>
+            <a:ext cx="5667621" cy="3757055"/>
+          </a:xfrm>
+          <a:prstGeom prst="rect">
+            <a:avLst/>
+          </a:prstGeom>
+        </p:spPr>
+      </p:pic>
+      <p:sp>
+        <p:nvSpPr>
+          <p:cNvPr id="12" name="CasellaDiTesto 11">
+            <a:extLst>
+              <a:ext uri="{FF2B5EF4-FFF2-40B4-BE49-F238E27FC236}">
+                <a16:creationId xmlns:a16="http://schemas.microsoft.com/office/drawing/2014/main" id="{84B187C6-D8A3-B501-6736-4D2A706917A1}"/>
+              </a:ext>
+            </a:extLst>
+          </p:cNvPr>
+          <p:cNvSpPr txBox="1"/>
+          <p:nvPr/>
+        </p:nvSpPr>
+        <p:spPr>
+          <a:xfrm>
+            <a:off x="2293164" y="6412103"/>
+            <a:ext cx="7605672" cy="369332"/>
+          </a:xfrm>
+          <a:prstGeom prst="rect">
+            <a:avLst/>
+          </a:prstGeom>
+          <a:noFill/>
+        </p:spPr>
+        <p:txBody>
+          <a:bodyPr wrap="none" rtlCol="0">
+            <a:spAutoFit/>
+          </a:bodyPr>
           <a:lstStyle/>
           <a:p>
             <a:r>
               <a:rPr lang="it-IT" dirty="0" err="1"/>
-              <a:t>Naive</a:t>
+              <a:t>These</a:t>
             </a:r>
             <a:r>
               <a:rPr lang="it-IT" dirty="0"/>
-              <a:t> </a:t>
+              <a:t> plots show that we’re </a:t>
             </a:r>
             <a:r>
               <a:rPr lang="it-IT" dirty="0" err="1"/>
-              <a:t>Oversampling</a:t>
+              <a:t>now</a:t>
             </a:r>
             <a:r>
               <a:rPr lang="it-IT" dirty="0"/>
-              <a:t> (si può fare anche altri metodi)</a:t>
-            </a:r>
-          </a:p>
-          <a:p>
+              <a:t> working with </a:t>
+            </a:r>
+            <a:r>
+              <a:rPr lang="it-IT" dirty="0" err="1"/>
+              <a:t>significant</a:t>
+            </a:r>
             <a:r>
               <a:rPr lang="it-IT" dirty="0"/>
-              <a:t>KNN: risultati buoni, ma soprattutto bilanciati</a:t>
+              <a:t> and </a:t>
+            </a:r>
+            <a:r>
+              <a:rPr lang="it-IT" dirty="0" err="1"/>
+              <a:t>balanced</a:t>
+            </a:r>
+            <a:r>
+              <a:rPr lang="it-IT" dirty="0"/>
+              <a:t> data</a:t>
             </a:r>
           </a:p>
         </p:txBody>
@@ -3185,6 +7749,687 @@
 </file>
 
 <file path=ppt/slides/slide11.xml><?xml version="1.0" encoding="utf-8"?>
+<p:sld xmlns:a="http://schemas.openxmlformats.org/drawingml/2006/main" xmlns:r="http://schemas.openxmlformats.org/officeDocument/2006/relationships" xmlns:p="http://schemas.openxmlformats.org/presentationml/2006/main">
+  <p:cSld>
+    <p:spTree>
+      <p:nvGrpSpPr>
+        <p:cNvPr id="1" name=""/>
+        <p:cNvGrpSpPr/>
+        <p:nvPr/>
+      </p:nvGrpSpPr>
+      <p:grpSpPr>
+        <a:xfrm>
+          <a:off x="0" y="0"/>
+          <a:ext cx="0" cy="0"/>
+          <a:chOff x="0" y="0"/>
+          <a:chExt cx="0" cy="0"/>
+        </a:xfrm>
+      </p:grpSpPr>
+      <p:sp>
+        <p:nvSpPr>
+          <p:cNvPr id="3" name="Segnaposto contenuto 2">
+            <a:extLst>
+              <a:ext uri="{FF2B5EF4-FFF2-40B4-BE49-F238E27FC236}">
+                <a16:creationId xmlns:a16="http://schemas.microsoft.com/office/drawing/2014/main" id="{CB7239C8-21FD-8891-4A52-AAF8CA1876B9}"/>
+              </a:ext>
+            </a:extLst>
+          </p:cNvPr>
+          <p:cNvSpPr>
+            <a:spLocks noGrp="1"/>
+          </p:cNvSpPr>
+          <p:nvPr>
+            <p:ph idx="1"/>
+          </p:nvPr>
+        </p:nvSpPr>
+        <p:spPr>
+          <a:xfrm>
+            <a:off x="312228" y="1585490"/>
+            <a:ext cx="4655213" cy="1568320"/>
+          </a:xfrm>
+        </p:spPr>
+        <p:txBody>
+          <a:bodyPr>
+            <a:noAutofit/>
+          </a:bodyPr>
+          <a:lstStyle/>
+          <a:p>
+            <a:pPr marL="36900" indent="0">
+              <a:buNone/>
+            </a:pPr>
+            <a:r>
+              <a:rPr lang="it-IT" sz="1800" dirty="0"/>
+              <a:t>We tried a </a:t>
+            </a:r>
+            <a:r>
+              <a:rPr lang="it-IT" sz="1800" dirty="0" err="1"/>
+              <a:t>naive</a:t>
+            </a:r>
+            <a:r>
+              <a:rPr lang="it-IT" sz="1800" dirty="0"/>
+              <a:t> Oversampling:</a:t>
+            </a:r>
+          </a:p>
+          <a:p>
+            <a:pPr marL="36900" indent="0">
+              <a:buNone/>
+            </a:pPr>
+            <a:r>
+              <a:rPr lang="en-US" sz="1800" dirty="0"/>
+              <a:t>Number of new anomalies added: 636</a:t>
+            </a:r>
+          </a:p>
+          <a:p>
+            <a:pPr marL="36900" indent="0">
+              <a:buNone/>
+            </a:pPr>
+            <a:r>
+              <a:rPr lang="en-US" sz="1800" dirty="0"/>
+              <a:t>NROS has added 268.354% more anomalies</a:t>
+            </a:r>
+          </a:p>
+          <a:p>
+            <a:pPr marL="36900" indent="0">
+              <a:buNone/>
+            </a:pPr>
+            <a:r>
+              <a:rPr lang="en-US" sz="1800" dirty="0"/>
+              <a:t>New ratio of 0-1: {0: 0.5, 1: 0.5}</a:t>
+            </a:r>
+          </a:p>
+        </p:txBody>
+      </p:sp>
+      <p:sp>
+        <p:nvSpPr>
+          <p:cNvPr id="4" name="Titolo 3">
+            <a:extLst>
+              <a:ext uri="{FF2B5EF4-FFF2-40B4-BE49-F238E27FC236}">
+                <a16:creationId xmlns:a16="http://schemas.microsoft.com/office/drawing/2014/main" id="{3C165F69-5648-58AA-5CFE-7FA9858EAD5F}"/>
+              </a:ext>
+            </a:extLst>
+          </p:cNvPr>
+          <p:cNvSpPr>
+            <a:spLocks noGrp="1"/>
+          </p:cNvSpPr>
+          <p:nvPr>
+            <p:ph type="title"/>
+          </p:nvPr>
+        </p:nvSpPr>
+        <p:spPr>
+          <a:xfrm>
+            <a:off x="312228" y="227058"/>
+            <a:ext cx="10945368" cy="923330"/>
+          </a:xfrm>
+          <a:prstGeom prst="rect">
+            <a:avLst/>
+          </a:prstGeom>
+          <a:noFill/>
+        </p:spPr>
+        <p:txBody>
+          <a:bodyPr wrap="square" lIns="91440" tIns="45720" rIns="91440" bIns="45720">
+            <a:spAutoFit/>
+            <a:scene3d>
+              <a:camera prst="orthographicFront"/>
+              <a:lightRig rig="soft" dir="t">
+                <a:rot lat="0" lon="0" rev="15600000"/>
+              </a:lightRig>
+            </a:scene3d>
+            <a:sp3d extrusionH="57150" prstMaterial="softEdge">
+              <a:bevelT w="25400" h="38100"/>
+            </a:sp3d>
+          </a:bodyPr>
+          <a:lstStyle/>
+          <a:p>
+            <a:pPr algn="ctr"/>
+            <a:r>
+              <a:rPr lang="it-IT" sz="5400" b="1" dirty="0">
+                <a:ln/>
+                <a:solidFill>
+                  <a:srgbClr val="FFC000"/>
+                </a:solidFill>
+              </a:rPr>
+              <a:t>SUPERVISED CLASSIFICATION</a:t>
+            </a:r>
+            <a:endParaRPr lang="it-IT" sz="5400" b="1" cap="none" spc="0" dirty="0">
+              <a:ln/>
+              <a:solidFill>
+                <a:srgbClr val="FFC000"/>
+              </a:solidFill>
+              <a:effectLst/>
+            </a:endParaRPr>
+          </a:p>
+        </p:txBody>
+      </p:sp>
+      <p:pic>
+        <p:nvPicPr>
+          <p:cNvPr id="6" name="Immagine 5" descr="Immagine che contiene testo&#10;&#10;Descrizione generata automaticamente">
+            <a:extLst>
+              <a:ext uri="{FF2B5EF4-FFF2-40B4-BE49-F238E27FC236}">
+                <a16:creationId xmlns:a16="http://schemas.microsoft.com/office/drawing/2014/main" id="{5655CEC4-6696-8D50-9E83-23B3FAA7238E}"/>
+              </a:ext>
+            </a:extLst>
+          </p:cNvPr>
+          <p:cNvPicPr>
+            <a:picLocks noChangeAspect="1"/>
+          </p:cNvPicPr>
+          <p:nvPr/>
+        </p:nvPicPr>
+        <p:blipFill>
+          <a:blip r:embed="rId2">
+            <a:extLst>
+              <a:ext uri="{28A0092B-C50C-407E-A947-70E740481C1C}">
+                <a14:useLocalDpi xmlns:a14="http://schemas.microsoft.com/office/drawing/2010/main" val="0"/>
+              </a:ext>
+            </a:extLst>
+          </a:blip>
+          <a:stretch>
+            <a:fillRect/>
+          </a:stretch>
+        </p:blipFill>
+        <p:spPr>
+          <a:xfrm>
+            <a:off x="4972204" y="1150388"/>
+            <a:ext cx="6902805" cy="2438525"/>
+          </a:xfrm>
+          <a:prstGeom prst="rect">
+            <a:avLst/>
+          </a:prstGeom>
+        </p:spPr>
+      </p:pic>
+      <p:sp>
+        <p:nvSpPr>
+          <p:cNvPr id="7" name="Segnaposto contenuto 2">
+            <a:extLst>
+              <a:ext uri="{FF2B5EF4-FFF2-40B4-BE49-F238E27FC236}">
+                <a16:creationId xmlns:a16="http://schemas.microsoft.com/office/drawing/2014/main" id="{580E4318-819C-6018-8944-58F25E5A9559}"/>
+              </a:ext>
+            </a:extLst>
+          </p:cNvPr>
+          <p:cNvSpPr txBox="1">
+            <a:spLocks/>
+          </p:cNvSpPr>
+          <p:nvPr/>
+        </p:nvSpPr>
+        <p:spPr>
+          <a:xfrm>
+            <a:off x="2436599" y="3734303"/>
+            <a:ext cx="7318802" cy="405766"/>
+          </a:xfrm>
+          <a:prstGeom prst="rect">
+            <a:avLst/>
+          </a:prstGeom>
+          <a:effectLst>
+            <a:outerShdw blurRad="25400" dir="17880000">
+              <a:srgbClr val="000000">
+                <a:alpha val="46000"/>
+              </a:srgbClr>
+            </a:outerShdw>
+          </a:effectLst>
+        </p:spPr>
+        <p:txBody>
+          <a:bodyPr vert="horz" lIns="91440" tIns="45720" rIns="91440" bIns="45720" rtlCol="0" anchor="t">
+            <a:noAutofit/>
+          </a:bodyPr>
+          <a:lstStyle>
+            <a:lvl1pPr marL="342900" indent="-306000" algn="l" defTabSz="457200" rtl="0" eaLnBrk="1" latinLnBrk="0" hangingPunct="1">
+              <a:spcBef>
+                <a:spcPct val="20000"/>
+              </a:spcBef>
+              <a:spcAft>
+                <a:spcPts val="600"/>
+              </a:spcAft>
+              <a:buClr>
+                <a:schemeClr val="tx2"/>
+              </a:buClr>
+              <a:buSzPct val="70000"/>
+              <a:buFont typeface="Wingdings 2" charset="2"/>
+              <a:buChar char=""/>
+              <a:defRPr sz="2000" kern="1200">
+                <a:ln>
+                  <a:solidFill>
+                    <a:schemeClr val="bg1">
+                      <a:lumMod val="75000"/>
+                      <a:lumOff val="25000"/>
+                      <a:alpha val="10000"/>
+                    </a:schemeClr>
+                  </a:solidFill>
+                </a:ln>
+                <a:solidFill>
+                  <a:schemeClr val="tx2"/>
+                </a:solidFill>
+                <a:effectLst>
+                  <a:outerShdw blurRad="9525" dist="25400" dir="14640000" algn="tl" rotWithShape="0">
+                    <a:schemeClr val="bg1">
+                      <a:alpha val="30000"/>
+                    </a:schemeClr>
+                  </a:outerShdw>
+                </a:effectLst>
+                <a:latin typeface="+mn-lt"/>
+                <a:ea typeface="+mn-ea"/>
+                <a:cs typeface="+mn-cs"/>
+              </a:defRPr>
+            </a:lvl1pPr>
+            <a:lvl2pPr marL="720000" indent="-270000" algn="l" defTabSz="457200" rtl="0" eaLnBrk="1" latinLnBrk="0" hangingPunct="1">
+              <a:spcBef>
+                <a:spcPct val="20000"/>
+              </a:spcBef>
+              <a:spcAft>
+                <a:spcPts val="600"/>
+              </a:spcAft>
+              <a:buClr>
+                <a:schemeClr val="tx2"/>
+              </a:buClr>
+              <a:buSzPct val="70000"/>
+              <a:buFont typeface="Wingdings 2" charset="2"/>
+              <a:buChar char=""/>
+              <a:defRPr sz="1800" kern="1200">
+                <a:ln>
+                  <a:solidFill>
+                    <a:schemeClr val="bg1">
+                      <a:lumMod val="75000"/>
+                      <a:lumOff val="25000"/>
+                      <a:alpha val="10000"/>
+                    </a:schemeClr>
+                  </a:solidFill>
+                </a:ln>
+                <a:solidFill>
+                  <a:schemeClr val="tx2"/>
+                </a:solidFill>
+                <a:effectLst>
+                  <a:outerShdw blurRad="9525" dist="25400" dir="14640000" algn="tl" rotWithShape="0">
+                    <a:schemeClr val="bg1">
+                      <a:alpha val="30000"/>
+                    </a:schemeClr>
+                  </a:outerShdw>
+                </a:effectLst>
+                <a:latin typeface="+mn-lt"/>
+                <a:ea typeface="+mn-ea"/>
+                <a:cs typeface="+mn-cs"/>
+              </a:defRPr>
+            </a:lvl2pPr>
+            <a:lvl3pPr marL="1026000" indent="-216000" algn="l" defTabSz="457200" rtl="0" eaLnBrk="1" latinLnBrk="0" hangingPunct="1">
+              <a:spcBef>
+                <a:spcPct val="20000"/>
+              </a:spcBef>
+              <a:spcAft>
+                <a:spcPts val="600"/>
+              </a:spcAft>
+              <a:buClr>
+                <a:schemeClr val="tx2"/>
+              </a:buClr>
+              <a:buSzPct val="70000"/>
+              <a:buFont typeface="Wingdings 2" charset="2"/>
+              <a:buChar char=""/>
+              <a:defRPr sz="1600" kern="1200">
+                <a:ln>
+                  <a:solidFill>
+                    <a:schemeClr val="bg1">
+                      <a:lumMod val="75000"/>
+                      <a:lumOff val="25000"/>
+                      <a:alpha val="10000"/>
+                    </a:schemeClr>
+                  </a:solidFill>
+                </a:ln>
+                <a:solidFill>
+                  <a:schemeClr val="tx2"/>
+                </a:solidFill>
+                <a:effectLst>
+                  <a:outerShdw blurRad="9525" dist="25400" dir="14640000" algn="tl" rotWithShape="0">
+                    <a:schemeClr val="bg1">
+                      <a:alpha val="30000"/>
+                    </a:schemeClr>
+                  </a:outerShdw>
+                </a:effectLst>
+                <a:latin typeface="+mn-lt"/>
+                <a:ea typeface="+mn-ea"/>
+                <a:cs typeface="+mn-cs"/>
+              </a:defRPr>
+            </a:lvl3pPr>
+            <a:lvl4pPr marL="1386000" indent="-216000" algn="l" defTabSz="457200" rtl="0" eaLnBrk="1" latinLnBrk="0" hangingPunct="1">
+              <a:spcBef>
+                <a:spcPct val="20000"/>
+              </a:spcBef>
+              <a:spcAft>
+                <a:spcPts val="600"/>
+              </a:spcAft>
+              <a:buClr>
+                <a:schemeClr val="tx2"/>
+              </a:buClr>
+              <a:buSzPct val="70000"/>
+              <a:buFont typeface="Wingdings 2" charset="2"/>
+              <a:buChar char=""/>
+              <a:defRPr sz="1400" kern="1200">
+                <a:ln>
+                  <a:solidFill>
+                    <a:schemeClr val="bg1">
+                      <a:lumMod val="75000"/>
+                      <a:lumOff val="25000"/>
+                      <a:alpha val="10000"/>
+                    </a:schemeClr>
+                  </a:solidFill>
+                </a:ln>
+                <a:solidFill>
+                  <a:schemeClr val="tx2"/>
+                </a:solidFill>
+                <a:effectLst>
+                  <a:outerShdw blurRad="9525" dist="25400" dir="14640000" algn="tl" rotWithShape="0">
+                    <a:schemeClr val="bg1">
+                      <a:alpha val="30000"/>
+                    </a:schemeClr>
+                  </a:outerShdw>
+                </a:effectLst>
+                <a:latin typeface="+mn-lt"/>
+                <a:ea typeface="+mn-ea"/>
+                <a:cs typeface="+mn-cs"/>
+              </a:defRPr>
+            </a:lvl4pPr>
+            <a:lvl5pPr marL="1674000" indent="-216000" algn="l" defTabSz="457200" rtl="0" eaLnBrk="1" latinLnBrk="0" hangingPunct="1">
+              <a:spcBef>
+                <a:spcPct val="20000"/>
+              </a:spcBef>
+              <a:spcAft>
+                <a:spcPts val="600"/>
+              </a:spcAft>
+              <a:buClr>
+                <a:schemeClr val="tx2"/>
+              </a:buClr>
+              <a:buSzPct val="70000"/>
+              <a:buFont typeface="Wingdings 2" charset="2"/>
+              <a:buChar char=""/>
+              <a:defRPr sz="1400" kern="1200">
+                <a:ln>
+                  <a:solidFill>
+                    <a:schemeClr val="bg1">
+                      <a:lumMod val="75000"/>
+                      <a:lumOff val="25000"/>
+                      <a:alpha val="10000"/>
+                    </a:schemeClr>
+                  </a:solidFill>
+                </a:ln>
+                <a:solidFill>
+                  <a:schemeClr val="tx2"/>
+                </a:solidFill>
+                <a:effectLst>
+                  <a:outerShdw blurRad="9525" dist="25400" dir="14640000" algn="tl" rotWithShape="0">
+                    <a:schemeClr val="bg1">
+                      <a:alpha val="30000"/>
+                    </a:schemeClr>
+                  </a:outerShdw>
+                </a:effectLst>
+                <a:latin typeface="+mn-lt"/>
+                <a:ea typeface="+mn-ea"/>
+                <a:cs typeface="+mn-cs"/>
+              </a:defRPr>
+            </a:lvl5pPr>
+            <a:lvl6pPr marL="2014600" indent="-228600" algn="l" defTabSz="457200" rtl="0" eaLnBrk="1" latinLnBrk="0" hangingPunct="1">
+              <a:spcBef>
+                <a:spcPct val="20000"/>
+              </a:spcBef>
+              <a:spcAft>
+                <a:spcPts val="600"/>
+              </a:spcAft>
+              <a:buClr>
+                <a:schemeClr val="tx2"/>
+              </a:buClr>
+              <a:buSzPct val="70000"/>
+              <a:buFont typeface="Wingdings 2" charset="2"/>
+              <a:buChar char=""/>
+              <a:defRPr sz="1400" kern="1200">
+                <a:ln>
+                  <a:solidFill>
+                    <a:schemeClr val="bg1">
+                      <a:lumMod val="75000"/>
+                      <a:lumOff val="25000"/>
+                      <a:alpha val="10000"/>
+                    </a:schemeClr>
+                  </a:solidFill>
+                </a:ln>
+                <a:solidFill>
+                  <a:schemeClr val="tx2"/>
+                </a:solidFill>
+                <a:effectLst>
+                  <a:outerShdw blurRad="9525" dist="25400" dir="14640000" algn="tl" rotWithShape="0">
+                    <a:schemeClr val="bg1">
+                      <a:alpha val="30000"/>
+                    </a:schemeClr>
+                  </a:outerShdw>
+                </a:effectLst>
+                <a:latin typeface="+mn-lt"/>
+                <a:ea typeface="+mn-ea"/>
+                <a:cs typeface="+mn-cs"/>
+              </a:defRPr>
+            </a:lvl6pPr>
+            <a:lvl7pPr marL="2401800" indent="-228600" algn="l" defTabSz="457200" rtl="0" eaLnBrk="1" latinLnBrk="0" hangingPunct="1">
+              <a:spcBef>
+                <a:spcPct val="20000"/>
+              </a:spcBef>
+              <a:spcAft>
+                <a:spcPts val="600"/>
+              </a:spcAft>
+              <a:buClr>
+                <a:schemeClr val="tx2"/>
+              </a:buClr>
+              <a:buSzPct val="70000"/>
+              <a:buFont typeface="Wingdings 2" charset="2"/>
+              <a:buChar char=""/>
+              <a:defRPr sz="1400" kern="1200">
+                <a:ln>
+                  <a:solidFill>
+                    <a:schemeClr val="bg1">
+                      <a:lumMod val="75000"/>
+                      <a:lumOff val="25000"/>
+                      <a:alpha val="10000"/>
+                    </a:schemeClr>
+                  </a:solidFill>
+                </a:ln>
+                <a:solidFill>
+                  <a:schemeClr val="tx2"/>
+                </a:solidFill>
+                <a:effectLst>
+                  <a:outerShdw blurRad="9525" dist="25400" dir="14640000" algn="tl" rotWithShape="0">
+                    <a:schemeClr val="bg1">
+                      <a:alpha val="30000"/>
+                    </a:schemeClr>
+                  </a:outerShdw>
+                </a:effectLst>
+                <a:latin typeface="+mn-lt"/>
+                <a:ea typeface="+mn-ea"/>
+                <a:cs typeface="+mn-cs"/>
+              </a:defRPr>
+            </a:lvl7pPr>
+            <a:lvl8pPr marL="2789000" indent="-228600" algn="l" defTabSz="457200" rtl="0" eaLnBrk="1" latinLnBrk="0" hangingPunct="1">
+              <a:spcBef>
+                <a:spcPct val="20000"/>
+              </a:spcBef>
+              <a:spcAft>
+                <a:spcPts val="600"/>
+              </a:spcAft>
+              <a:buClr>
+                <a:schemeClr val="tx2"/>
+              </a:buClr>
+              <a:buSzPct val="70000"/>
+              <a:buFont typeface="Wingdings 2" charset="2"/>
+              <a:buChar char=""/>
+              <a:defRPr sz="1400" kern="1200">
+                <a:ln>
+                  <a:solidFill>
+                    <a:schemeClr val="bg1">
+                      <a:lumMod val="75000"/>
+                      <a:lumOff val="25000"/>
+                      <a:alpha val="10000"/>
+                    </a:schemeClr>
+                  </a:solidFill>
+                </a:ln>
+                <a:solidFill>
+                  <a:schemeClr val="tx2"/>
+                </a:solidFill>
+                <a:effectLst>
+                  <a:outerShdw blurRad="9525" dist="25400" dir="14640000" algn="tl" rotWithShape="0">
+                    <a:schemeClr val="bg1">
+                      <a:alpha val="30000"/>
+                    </a:schemeClr>
+                  </a:outerShdw>
+                </a:effectLst>
+                <a:latin typeface="+mn-lt"/>
+                <a:ea typeface="+mn-ea"/>
+                <a:cs typeface="+mn-cs"/>
+              </a:defRPr>
+            </a:lvl8pPr>
+            <a:lvl9pPr marL="3106200" indent="-228600" algn="l" defTabSz="457200" rtl="0" eaLnBrk="1" latinLnBrk="0" hangingPunct="1">
+              <a:spcBef>
+                <a:spcPct val="20000"/>
+              </a:spcBef>
+              <a:spcAft>
+                <a:spcPts val="600"/>
+              </a:spcAft>
+              <a:buClr>
+                <a:schemeClr val="tx2"/>
+              </a:buClr>
+              <a:buSzPct val="70000"/>
+              <a:buFont typeface="Wingdings 2" charset="2"/>
+              <a:buChar char=""/>
+              <a:defRPr sz="1400" kern="1200">
+                <a:ln>
+                  <a:solidFill>
+                    <a:schemeClr val="bg1">
+                      <a:lumMod val="75000"/>
+                      <a:lumOff val="25000"/>
+                      <a:alpha val="10000"/>
+                    </a:schemeClr>
+                  </a:solidFill>
+                </a:ln>
+                <a:solidFill>
+                  <a:schemeClr val="tx2"/>
+                </a:solidFill>
+                <a:effectLst>
+                  <a:outerShdw blurRad="9525" dist="25400" dir="14640000" algn="tl" rotWithShape="0">
+                    <a:schemeClr val="bg1">
+                      <a:alpha val="30000"/>
+                    </a:schemeClr>
+                  </a:outerShdw>
+                </a:effectLst>
+                <a:latin typeface="+mn-lt"/>
+                <a:ea typeface="+mn-ea"/>
+                <a:cs typeface="+mn-cs"/>
+              </a:defRPr>
+            </a:lvl9pPr>
+          </a:lstStyle>
+          <a:p>
+            <a:pPr marL="36900" indent="0">
+              <a:buFont typeface="Wingdings 2" charset="2"/>
+              <a:buNone/>
+            </a:pPr>
+            <a:r>
+              <a:rPr lang="it-IT" sz="1800" dirty="0"/>
+              <a:t>We then tried an </a:t>
+            </a:r>
+            <a:r>
+              <a:rPr lang="it-IT" sz="1800" dirty="0" err="1"/>
+              <a:t>Isolation</a:t>
+            </a:r>
+            <a:r>
+              <a:rPr lang="it-IT" sz="1800" dirty="0"/>
+              <a:t> </a:t>
+            </a:r>
+            <a:r>
+              <a:rPr lang="it-IT" sz="1800" dirty="0" err="1"/>
+              <a:t>Forest</a:t>
+            </a:r>
+            <a:r>
+              <a:rPr lang="it-IT" sz="1800" dirty="0"/>
+              <a:t>, </a:t>
+            </a:r>
+            <a:r>
+              <a:rPr lang="it-IT" sz="1800" dirty="0" err="1"/>
+              <a:t>which</a:t>
+            </a:r>
+            <a:r>
+              <a:rPr lang="it-IT" sz="1800" dirty="0"/>
+              <a:t> seems to be </a:t>
+            </a:r>
+            <a:r>
+              <a:rPr lang="it-IT" sz="1800" dirty="0" err="1"/>
+              <a:t>too</a:t>
+            </a:r>
+            <a:r>
+              <a:rPr lang="it-IT" sz="1800" dirty="0"/>
+              <a:t> unbalanced</a:t>
+            </a:r>
+          </a:p>
+        </p:txBody>
+      </p:sp>
+      <p:pic>
+        <p:nvPicPr>
+          <p:cNvPr id="9" name="Immagine 8">
+            <a:extLst>
+              <a:ext uri="{FF2B5EF4-FFF2-40B4-BE49-F238E27FC236}">
+                <a16:creationId xmlns:a16="http://schemas.microsoft.com/office/drawing/2014/main" id="{2FD5891C-5441-A25D-8C80-E60C489FF502}"/>
+              </a:ext>
+            </a:extLst>
+          </p:cNvPr>
+          <p:cNvPicPr>
+            <a:picLocks noChangeAspect="1"/>
+          </p:cNvPicPr>
+          <p:nvPr/>
+        </p:nvPicPr>
+        <p:blipFill>
+          <a:blip r:embed="rId3"/>
+          <a:stretch>
+            <a:fillRect/>
+          </a:stretch>
+        </p:blipFill>
+        <p:spPr>
+          <a:xfrm>
+            <a:off x="2890159" y="4161976"/>
+            <a:ext cx="2635385" cy="2159111"/>
+          </a:xfrm>
+          <a:prstGeom prst="rect">
+            <a:avLst/>
+          </a:prstGeom>
+        </p:spPr>
+      </p:pic>
+      <p:pic>
+        <p:nvPicPr>
+          <p:cNvPr id="11" name="Immagine 10">
+            <a:extLst>
+              <a:ext uri="{FF2B5EF4-FFF2-40B4-BE49-F238E27FC236}">
+                <a16:creationId xmlns:a16="http://schemas.microsoft.com/office/drawing/2014/main" id="{CE0F67FB-5D77-3F2C-6E65-E0B16D268A32}"/>
+              </a:ext>
+            </a:extLst>
+          </p:cNvPr>
+          <p:cNvPicPr>
+            <a:picLocks noChangeAspect="1"/>
+          </p:cNvPicPr>
+          <p:nvPr/>
+        </p:nvPicPr>
+        <p:blipFill rotWithShape="1">
+          <a:blip r:embed="rId4"/>
+          <a:srcRect t="1" b="2159"/>
+          <a:stretch/>
+        </p:blipFill>
+        <p:spPr>
+          <a:xfrm>
+            <a:off x="6666458" y="4189959"/>
+            <a:ext cx="2705239" cy="2131128"/>
+          </a:xfrm>
+          <a:prstGeom prst="rect">
+            <a:avLst/>
+          </a:prstGeom>
+        </p:spPr>
+      </p:pic>
+    </p:spTree>
+    <p:extLst>
+      <p:ext uri="{BB962C8B-B14F-4D97-AF65-F5344CB8AC3E}">
+        <p14:creationId xmlns:p14="http://schemas.microsoft.com/office/powerpoint/2010/main" val="2075369970"/>
+      </p:ext>
+    </p:extLst>
+  </p:cSld>
+  <p:clrMapOvr>
+    <a:masterClrMapping/>
+  </p:clrMapOvr>
+</p:sld>
+</file>
+
+<file path=ppt/slides/slide12.xml><?xml version="1.0" encoding="utf-8"?>
 <p:sld xmlns:a="http://schemas.openxmlformats.org/drawingml/2006/main" xmlns:r="http://schemas.openxmlformats.org/officeDocument/2006/relationships" xmlns:p="http://schemas.openxmlformats.org/presentationml/2006/main">
   <p:cSld>
     <p:bg>
@@ -3209,47 +8454,6 @@
           <a:chExt cx="0" cy="0"/>
         </a:xfrm>
       </p:grpSpPr>
-      <p:sp>
-        <p:nvSpPr>
-          <p:cNvPr id="2" name="Titolo 1">
-            <a:extLst>
-              <a:ext uri="{FF2B5EF4-FFF2-40B4-BE49-F238E27FC236}">
-                <a16:creationId xmlns:a16="http://schemas.microsoft.com/office/drawing/2014/main" id="{7610D10B-29F2-CDE5-607B-085C33629175}"/>
-              </a:ext>
-            </a:extLst>
-          </p:cNvPr>
-          <p:cNvSpPr>
-            <a:spLocks noGrp="1"/>
-          </p:cNvSpPr>
-          <p:nvPr>
-            <p:ph type="title"/>
-          </p:nvPr>
-        </p:nvSpPr>
-        <p:spPr>
-          <a:xfrm>
-            <a:off x="2791441" y="5185853"/>
-            <a:ext cx="1483743" cy="624010"/>
-          </a:xfrm>
-          <a:noFill/>
-        </p:spPr>
-        <p:txBody>
-          <a:bodyPr vert="horz" lIns="91440" tIns="45720" rIns="91440" bIns="45720" rtlCol="0" anchor="ctr">
-            <a:normAutofit/>
-          </a:bodyPr>
-          <a:lstStyle/>
-          <a:p>
-            <a:pPr algn="ctr"/>
-            <a:endParaRPr lang="en-US" sz="3600" kern="1200" dirty="0">
-              <a:solidFill>
-                <a:srgbClr val="FFFFFF"/>
-              </a:solidFill>
-              <a:latin typeface="+mj-lt"/>
-              <a:ea typeface="+mj-ea"/>
-              <a:cs typeface="+mj-cs"/>
-            </a:endParaRPr>
-          </a:p>
-        </p:txBody>
-      </p:sp>
       <p:pic>
         <p:nvPicPr>
           <p:cNvPr id="55" name="Immagine 54" descr="Immagine che contiene testo&#10;&#10;Descrizione generata automaticamente">
@@ -3278,200 +8482,14 @@
         </p:blipFill>
         <p:spPr>
           <a:xfrm rot="5400000">
-            <a:off x="-333632" y="2512426"/>
-            <a:ext cx="4870412" cy="3716382"/>
+            <a:off x="-377813" y="2258050"/>
+            <a:ext cx="4653280" cy="3550699"/>
           </a:xfrm>
           <a:prstGeom prst="rect">
             <a:avLst/>
           </a:prstGeom>
         </p:spPr>
       </p:pic>
-      <p:sp>
-        <p:nvSpPr>
-          <p:cNvPr id="50" name="Freccia a pentagono 49">
-            <a:extLst>
-              <a:ext uri="{FF2B5EF4-FFF2-40B4-BE49-F238E27FC236}">
-                <a16:creationId xmlns:a16="http://schemas.microsoft.com/office/drawing/2014/main" id="{242B7F2F-CD65-9BFE-6CA3-0527428DE06E}"/>
-              </a:ext>
-            </a:extLst>
-          </p:cNvPr>
-          <p:cNvSpPr/>
-          <p:nvPr/>
-        </p:nvSpPr>
-        <p:spPr>
-          <a:xfrm>
-            <a:off x="412060" y="52177"/>
-            <a:ext cx="3121253" cy="1915089"/>
-          </a:xfrm>
-          <a:prstGeom prst="homePlate">
-            <a:avLst/>
-          </a:prstGeom>
-        </p:spPr>
-        <p:style>
-          <a:lnRef idx="2">
-            <a:schemeClr val="accent3">
-              <a:shade val="50000"/>
-            </a:schemeClr>
-          </a:lnRef>
-          <a:fillRef idx="1">
-            <a:schemeClr val="accent3"/>
-          </a:fillRef>
-          <a:effectRef idx="0">
-            <a:schemeClr val="accent3"/>
-          </a:effectRef>
-          <a:fontRef idx="minor">
-            <a:schemeClr val="lt1"/>
-          </a:fontRef>
-        </p:style>
-        <p:txBody>
-          <a:bodyPr rtlCol="0" anchor="ctr"/>
-          <a:lstStyle/>
-          <a:p>
-            <a:pPr algn="ctr"/>
-            <a:endParaRPr lang="en-US" dirty="0"/>
-          </a:p>
-        </p:txBody>
-      </p:sp>
-      <p:sp>
-        <p:nvSpPr>
-          <p:cNvPr id="29" name="Rettangolo 28">
-            <a:extLst>
-              <a:ext uri="{FF2B5EF4-FFF2-40B4-BE49-F238E27FC236}">
-                <a16:creationId xmlns:a16="http://schemas.microsoft.com/office/drawing/2014/main" id="{E2FFAD3C-07E3-58C6-AAE5-FFEBEA7E115F}"/>
-              </a:ext>
-            </a:extLst>
-          </p:cNvPr>
-          <p:cNvSpPr/>
-          <p:nvPr/>
-        </p:nvSpPr>
-        <p:spPr>
-          <a:xfrm>
-            <a:off x="4275184" y="0"/>
-            <a:ext cx="7916816" cy="3429000"/>
-          </a:xfrm>
-          <a:prstGeom prst="rect">
-            <a:avLst/>
-          </a:prstGeom>
-        </p:spPr>
-        <p:style>
-          <a:lnRef idx="2">
-            <a:schemeClr val="accent1">
-              <a:shade val="50000"/>
-            </a:schemeClr>
-          </a:lnRef>
-          <a:fillRef idx="1">
-            <a:schemeClr val="accent1"/>
-          </a:fillRef>
-          <a:effectRef idx="0">
-            <a:schemeClr val="accent1"/>
-          </a:effectRef>
-          <a:fontRef idx="minor">
-            <a:schemeClr val="lt1"/>
-          </a:fontRef>
-        </p:style>
-        <p:txBody>
-          <a:bodyPr rtlCol="0" anchor="ctr"/>
-          <a:lstStyle/>
-          <a:p>
-            <a:pPr algn="ctr"/>
-            <a:endParaRPr lang="en-US" dirty="0">
-              <a:ln w="0"/>
-              <a:solidFill>
-                <a:schemeClr val="tx1"/>
-              </a:solidFill>
-              <a:effectLst>
-                <a:outerShdw blurRad="38100" dist="19050" dir="2700000" algn="tl" rotWithShape="0">
-                  <a:schemeClr val="dk1">
-                    <a:alpha val="40000"/>
-                  </a:schemeClr>
-                </a:outerShdw>
-              </a:effectLst>
-            </a:endParaRPr>
-          </a:p>
-        </p:txBody>
-      </p:sp>
-      <p:sp>
-        <p:nvSpPr>
-          <p:cNvPr id="51" name="CasellaDiTesto 50">
-            <a:extLst>
-              <a:ext uri="{FF2B5EF4-FFF2-40B4-BE49-F238E27FC236}">
-                <a16:creationId xmlns:a16="http://schemas.microsoft.com/office/drawing/2014/main" id="{2F1B6880-124C-F0B4-6214-08CC90BDB112}"/>
-              </a:ext>
-            </a:extLst>
-          </p:cNvPr>
-          <p:cNvSpPr txBox="1"/>
-          <p:nvPr/>
-        </p:nvSpPr>
-        <p:spPr>
-          <a:xfrm>
-            <a:off x="696024" y="762487"/>
-            <a:ext cx="2091609" cy="523220"/>
-          </a:xfrm>
-          <a:prstGeom prst="rect">
-            <a:avLst/>
-          </a:prstGeom>
-          <a:noFill/>
-        </p:spPr>
-        <p:txBody>
-          <a:bodyPr wrap="square" rtlCol="0">
-            <a:spAutoFit/>
-          </a:bodyPr>
-          <a:lstStyle/>
-          <a:p>
-            <a:r>
-              <a:rPr lang="it-IT" sz="2800" dirty="0"/>
-              <a:t>Autoencoder</a:t>
-            </a:r>
-            <a:endParaRPr lang="en-US" sz="2800" dirty="0"/>
-          </a:p>
-        </p:txBody>
-      </p:sp>
-      <p:sp>
-        <p:nvSpPr>
-          <p:cNvPr id="31" name="Rettangolo 30">
-            <a:extLst>
-              <a:ext uri="{FF2B5EF4-FFF2-40B4-BE49-F238E27FC236}">
-                <a16:creationId xmlns:a16="http://schemas.microsoft.com/office/drawing/2014/main" id="{37B9362A-CD26-7C04-A44C-7748284AB883}"/>
-              </a:ext>
-            </a:extLst>
-          </p:cNvPr>
-          <p:cNvSpPr/>
-          <p:nvPr/>
-        </p:nvSpPr>
-        <p:spPr>
-          <a:xfrm>
-            <a:off x="4266306" y="3429000"/>
-            <a:ext cx="7930857" cy="3429001"/>
-          </a:xfrm>
-          <a:prstGeom prst="rect">
-            <a:avLst/>
-          </a:prstGeom>
-        </p:spPr>
-        <p:style>
-          <a:lnRef idx="2">
-            <a:schemeClr val="accent2">
-              <a:shade val="50000"/>
-            </a:schemeClr>
-          </a:lnRef>
-          <a:fillRef idx="1">
-            <a:schemeClr val="accent2"/>
-          </a:fillRef>
-          <a:effectRef idx="0">
-            <a:schemeClr val="accent2"/>
-          </a:effectRef>
-          <a:fontRef idx="minor">
-            <a:schemeClr val="lt1"/>
-          </a:fontRef>
-        </p:style>
-        <p:txBody>
-          <a:bodyPr rtlCol="0" anchor="ctr"/>
-          <a:lstStyle/>
-          <a:p>
-            <a:pPr algn="ctr"/>
-            <a:endParaRPr lang="en-US"/>
-          </a:p>
-        </p:txBody>
-      </p:sp>
       <p:pic>
         <p:nvPicPr>
           <p:cNvPr id="66" name="Immagine 65" descr="Immagine che contiene diagramma&#10;&#10;Descrizione generata automaticamente">
@@ -3500,7 +8518,7 @@
         </p:blipFill>
         <p:spPr>
           <a:xfrm>
-            <a:off x="4346606" y="1024097"/>
+            <a:off x="4116980" y="1462903"/>
             <a:ext cx="3090212" cy="2342116"/>
           </a:xfrm>
           <a:prstGeom prst="rect">
@@ -3535,7 +8553,7 @@
         </p:blipFill>
         <p:spPr>
           <a:xfrm>
-            <a:off x="9035402" y="118272"/>
+            <a:off x="8957467" y="1471264"/>
             <a:ext cx="3090212" cy="2334869"/>
           </a:xfrm>
           <a:prstGeom prst="rect">
@@ -3560,9 +8578,9 @@
           <p:nvPr/>
         </p:nvCxnSpPr>
         <p:spPr>
-          <a:xfrm flipV="1">
-            <a:off x="7436818" y="1285707"/>
-            <a:ext cx="1598584" cy="909448"/>
+          <a:xfrm>
+            <a:off x="7207192" y="2633961"/>
+            <a:ext cx="1750275" cy="4738"/>
           </a:xfrm>
           <a:prstGeom prst="curvedConnector3">
             <a:avLst/>
@@ -3600,8 +8618,8 @@
         </p:nvSpPr>
         <p:spPr>
           <a:xfrm>
-            <a:off x="4589754" y="176342"/>
-            <a:ext cx="2166153" cy="461665"/>
+            <a:off x="4773524" y="1124397"/>
+            <a:ext cx="1777124" cy="369332"/>
           </a:xfrm>
           <a:prstGeom prst="rect">
             <a:avLst/>
@@ -3615,10 +8633,10 @@
           <a:lstStyle/>
           <a:p>
             <a:r>
-              <a:rPr lang="it-IT" sz="2400" dirty="0"/>
+              <a:rPr lang="it-IT" dirty="0"/>
               <a:t>Data processing</a:t>
             </a:r>
-            <a:endParaRPr lang="en-US" sz="2400" dirty="0"/>
+            <a:endParaRPr lang="en-US" dirty="0"/>
           </a:p>
         </p:txBody>
       </p:sp>
@@ -3636,8 +8654,8 @@
         </p:nvSpPr>
         <p:spPr>
           <a:xfrm>
-            <a:off x="7666645" y="2606792"/>
-            <a:ext cx="2755739" cy="646331"/>
+            <a:off x="7180342" y="1706759"/>
+            <a:ext cx="1777125" cy="923330"/>
           </a:xfrm>
           <a:prstGeom prst="rect">
             <a:avLst/>
@@ -3650,33 +8668,10 @@
           </a:bodyPr>
           <a:lstStyle/>
           <a:p>
+            <a:pPr algn="ctr"/>
             <a:r>
               <a:rPr lang="it-IT" dirty="0"/>
-              <a:t>We </a:t>
-            </a:r>
-            <a:r>
-              <a:rPr lang="it-IT" dirty="0" err="1"/>
-              <a:t>stabilize</a:t>
-            </a:r>
-            <a:r>
-              <a:rPr lang="it-IT" dirty="0"/>
-              <a:t> the data and </a:t>
-            </a:r>
-            <a:r>
-              <a:rPr lang="it-IT" dirty="0" err="1"/>
-              <a:t>then</a:t>
-            </a:r>
-            <a:r>
-              <a:rPr lang="it-IT" dirty="0"/>
-              <a:t> </a:t>
-            </a:r>
-            <a:r>
-              <a:rPr lang="it-IT" dirty="0" err="1"/>
-              <a:t>apply</a:t>
-            </a:r>
-            <a:r>
-              <a:rPr lang="it-IT" dirty="0"/>
-              <a:t> z-scoring</a:t>
+              <a:t>We stabilize the data and apply z-scoring</a:t>
             </a:r>
             <a:endParaRPr lang="en-US" dirty="0"/>
           </a:p>
@@ -3709,7 +8704,7 @@
         </p:blipFill>
         <p:spPr>
           <a:xfrm>
-            <a:off x="4372284" y="3491787"/>
+            <a:off x="9008824" y="4033399"/>
             <a:ext cx="3038855" cy="2342116"/>
           </a:xfrm>
           <a:prstGeom prst="rect">
@@ -3731,7 +8726,7 @@
           </p:cNvPicPr>
           <p:nvPr/>
         </p:nvPicPr>
-        <p:blipFill>
+        <p:blipFill rotWithShape="1">
           <a:blip r:embed="rId6">
             <a:extLst>
               <a:ext uri="{28A0092B-C50C-407E-A947-70E740481C1C}">
@@ -3739,105 +8734,19 @@
               </a:ext>
             </a:extLst>
           </a:blip>
-          <a:srcRect/>
+          <a:srcRect t="2009"/>
           <a:stretch/>
         </p:blipFill>
         <p:spPr>
           <a:xfrm>
-            <a:off x="9146868" y="4405976"/>
-            <a:ext cx="2918636" cy="2342116"/>
+            <a:off x="4712958" y="4513537"/>
+            <a:ext cx="2766084" cy="2175106"/>
           </a:xfrm>
           <a:prstGeom prst="rect">
             <a:avLst/>
           </a:prstGeom>
         </p:spPr>
       </p:pic>
-      <p:sp>
-        <p:nvSpPr>
-          <p:cNvPr id="80" name="CasellaDiTesto 79">
-            <a:extLst>
-              <a:ext uri="{FF2B5EF4-FFF2-40B4-BE49-F238E27FC236}">
-                <a16:creationId xmlns:a16="http://schemas.microsoft.com/office/drawing/2014/main" id="{A606782E-F70C-F09A-791D-D5578EE6BE4D}"/>
-              </a:ext>
-            </a:extLst>
-          </p:cNvPr>
-          <p:cNvSpPr txBox="1"/>
-          <p:nvPr/>
-        </p:nvSpPr>
-        <p:spPr>
-          <a:xfrm>
-            <a:off x="4589754" y="6107836"/>
-            <a:ext cx="2918636" cy="461665"/>
-          </a:xfrm>
-          <a:prstGeom prst="rect">
-            <a:avLst/>
-          </a:prstGeom>
-          <a:noFill/>
-        </p:spPr>
-        <p:txBody>
-          <a:bodyPr wrap="square" rtlCol="0">
-            <a:spAutoFit/>
-          </a:bodyPr>
-          <a:lstStyle/>
-          <a:p>
-            <a:r>
-              <a:rPr lang="it-IT" sz="2400" dirty="0"/>
-              <a:t>Best Learning rate</a:t>
-            </a:r>
-            <a:endParaRPr lang="en-US" sz="2400" dirty="0"/>
-          </a:p>
-        </p:txBody>
-      </p:sp>
-      <p:sp>
-        <p:nvSpPr>
-          <p:cNvPr id="81" name="Fascicolazione 80">
-            <a:extLst>
-              <a:ext uri="{FF2B5EF4-FFF2-40B4-BE49-F238E27FC236}">
-                <a16:creationId xmlns:a16="http://schemas.microsoft.com/office/drawing/2014/main" id="{509FDD7E-1C71-9D13-E6BF-3E21FD476055}"/>
-              </a:ext>
-            </a:extLst>
-          </p:cNvPr>
-          <p:cNvSpPr/>
-          <p:nvPr/>
-        </p:nvSpPr>
-        <p:spPr>
-          <a:xfrm rot="16200000">
-            <a:off x="7810258" y="4422345"/>
-            <a:ext cx="923277" cy="1527012"/>
-          </a:xfrm>
-          <a:prstGeom prst="flowChartCollate">
-            <a:avLst/>
-          </a:prstGeom>
-        </p:spPr>
-        <p:style>
-          <a:lnRef idx="2">
-            <a:schemeClr val="accent1">
-              <a:shade val="50000"/>
-            </a:schemeClr>
-          </a:lnRef>
-          <a:fillRef idx="1">
-            <a:schemeClr val="accent1"/>
-          </a:fillRef>
-          <a:effectRef idx="0">
-            <a:schemeClr val="accent1"/>
-          </a:effectRef>
-          <a:fontRef idx="minor">
-            <a:schemeClr val="lt1"/>
-          </a:fontRef>
-        </p:style>
-        <p:txBody>
-          <a:bodyPr rtlCol="0" anchor="ctr"/>
-          <a:lstStyle/>
-          <a:p>
-            <a:pPr algn="ctr"/>
-            <a:endParaRPr lang="en-US">
-              <a:solidFill>
-                <a:schemeClr val="tx1"/>
-              </a:solidFill>
-            </a:endParaRPr>
-          </a:p>
-        </p:txBody>
-      </p:sp>
       <p:sp>
         <p:nvSpPr>
           <p:cNvPr id="82" name="CasellaDiTesto 81">
@@ -3852,8 +8761,8 @@
         </p:nvSpPr>
         <p:spPr>
           <a:xfrm>
-            <a:off x="7517117" y="3476441"/>
-            <a:ext cx="4206181" cy="923330"/>
+            <a:off x="3724177" y="3863775"/>
+            <a:ext cx="4822347" cy="646331"/>
           </a:xfrm>
           <a:prstGeom prst="rect">
             <a:avLst/>
@@ -3866,28 +8775,109 @@
           </a:bodyPr>
           <a:lstStyle/>
           <a:p>
+            <a:pPr algn="ctr"/>
             <a:r>
               <a:rPr lang="it-IT" dirty="0"/>
-              <a:t>We </a:t>
-            </a:r>
-            <a:r>
-              <a:rPr lang="it-IT" dirty="0" err="1"/>
-              <a:t>tested</a:t>
-            </a:r>
-            <a:r>
-              <a:rPr lang="it-IT" dirty="0"/>
-              <a:t> 100 LR</a:t>
+              <a:t>We tested 100 LR</a:t>
             </a:r>
             <a:r>
               <a:rPr lang="en-US" dirty="0"/>
               <a:t>’s and select the one with the lowest validation loss</a:t>
             </a:r>
           </a:p>
-          <a:p>
+        </p:txBody>
+      </p:sp>
+      <p:sp>
+        <p:nvSpPr>
+          <p:cNvPr id="3" name="Rettangolo 2">
+            <a:extLst>
+              <a:ext uri="{FF2B5EF4-FFF2-40B4-BE49-F238E27FC236}">
+                <a16:creationId xmlns:a16="http://schemas.microsoft.com/office/drawing/2014/main" id="{8C06431A-E8EB-F91F-58CE-1792D4649494}"/>
+              </a:ext>
+            </a:extLst>
+          </p:cNvPr>
+          <p:cNvSpPr/>
+          <p:nvPr/>
+        </p:nvSpPr>
+        <p:spPr>
+          <a:xfrm>
+            <a:off x="395519" y="357370"/>
+            <a:ext cx="5901552" cy="923330"/>
+          </a:xfrm>
+          <a:prstGeom prst="rect">
+            <a:avLst/>
+          </a:prstGeom>
+          <a:noFill/>
+        </p:spPr>
+        <p:txBody>
+          <a:bodyPr wrap="none" lIns="91440" tIns="45720" rIns="91440" bIns="45720">
+            <a:spAutoFit/>
+            <a:scene3d>
+              <a:camera prst="orthographicFront"/>
+              <a:lightRig rig="soft" dir="t">
+                <a:rot lat="0" lon="0" rev="15600000"/>
+              </a:lightRig>
+            </a:scene3d>
+            <a:sp3d extrusionH="57150" prstMaterial="softEdge">
+              <a:bevelT w="25400" h="38100"/>
+            </a:sp3d>
+          </a:bodyPr>
+          <a:lstStyle/>
+          <a:p>
+            <a:pPr algn="ctr"/>
+            <a:r>
+              <a:rPr lang="it-IT" sz="5400" b="1" cap="none" spc="0" dirty="0">
+                <a:ln/>
+                <a:solidFill>
+                  <a:srgbClr val="FFC000"/>
+                </a:solidFill>
+                <a:effectLst/>
+              </a:rPr>
+              <a:t>AUTOENCODER</a:t>
+            </a:r>
+          </a:p>
+        </p:txBody>
+      </p:sp>
+      <p:sp>
+        <p:nvSpPr>
+          <p:cNvPr id="4" name="CasellaDiTesto 3">
+            <a:extLst>
+              <a:ext uri="{FF2B5EF4-FFF2-40B4-BE49-F238E27FC236}">
+                <a16:creationId xmlns:a16="http://schemas.microsoft.com/office/drawing/2014/main" id="{1AB7608D-6631-BA67-34F7-CC2590F757ED}"/>
+              </a:ext>
+            </a:extLst>
+          </p:cNvPr>
+          <p:cNvSpPr txBox="1"/>
+          <p:nvPr/>
+        </p:nvSpPr>
+        <p:spPr>
+          <a:xfrm>
+            <a:off x="9115340" y="6396335"/>
+            <a:ext cx="2825821" cy="369332"/>
+          </a:xfrm>
+          <a:prstGeom prst="rect">
+            <a:avLst/>
+          </a:prstGeom>
+          <a:noFill/>
+        </p:spPr>
+        <p:txBody>
+          <a:bodyPr wrap="square">
+            <a:spAutoFit/>
+          </a:bodyPr>
+          <a:lstStyle/>
+          <a:p>
+            <a:pPr marL="0" indent="0">
+              <a:buNone/>
+            </a:pPr>
+            <a:r>
+              <a:rPr lang="it-IT" dirty="0"/>
+              <a:t>Best Learning rate:</a:t>
+            </a:r>
             <a:r>
               <a:rPr lang="en-US" dirty="0"/>
-              <a:t>Best learning rate: 0.0012</a:t>
-            </a:r>
+              <a:t> 0.0012</a:t>
+            </a:r>
+            <a:endParaRPr lang="it-IT" dirty="0"/>
           </a:p>
         </p:txBody>
       </p:sp>
@@ -3904,7 +8894,7 @@
 </p:sld>
 </file>
 
-<file path=ppt/slides/slide12.xml><?xml version="1.0" encoding="utf-8"?>
+<file path=ppt/slides/slide13.xml><?xml version="1.0" encoding="utf-8"?>
 <p:sld xmlns:a="http://schemas.openxmlformats.org/drawingml/2006/main" xmlns:r="http://schemas.openxmlformats.org/officeDocument/2006/relationships" xmlns:p="http://schemas.openxmlformats.org/presentationml/2006/main">
   <p:cSld>
     <p:bg>
@@ -3931,241 +8921,6 @@
       </p:grpSpPr>
       <p:sp>
         <p:nvSpPr>
-          <p:cNvPr id="2" name="Titolo 1">
-            <a:extLst>
-              <a:ext uri="{FF2B5EF4-FFF2-40B4-BE49-F238E27FC236}">
-                <a16:creationId xmlns:a16="http://schemas.microsoft.com/office/drawing/2014/main" id="{7610D10B-29F2-CDE5-607B-085C33629175}"/>
-              </a:ext>
-            </a:extLst>
-          </p:cNvPr>
-          <p:cNvSpPr>
-            <a:spLocks noGrp="1"/>
-          </p:cNvSpPr>
-          <p:nvPr>
-            <p:ph type="title"/>
-          </p:nvPr>
-        </p:nvSpPr>
-        <p:spPr>
-          <a:xfrm>
-            <a:off x="4712591" y="5145946"/>
-            <a:ext cx="1483743" cy="624010"/>
-          </a:xfrm>
-          <a:noFill/>
-        </p:spPr>
-        <p:txBody>
-          <a:bodyPr vert="horz" lIns="91440" tIns="45720" rIns="91440" bIns="45720" rtlCol="0" anchor="ctr">
-            <a:normAutofit/>
-          </a:bodyPr>
-          <a:lstStyle/>
-          <a:p>
-            <a:pPr algn="ctr"/>
-            <a:endParaRPr lang="en-US" sz="3600" kern="1200" dirty="0">
-              <a:solidFill>
-                <a:srgbClr val="FFFFFF"/>
-              </a:solidFill>
-              <a:latin typeface="+mj-lt"/>
-              <a:ea typeface="+mj-ea"/>
-              <a:cs typeface="+mj-cs"/>
-            </a:endParaRPr>
-          </a:p>
-        </p:txBody>
-      </p:sp>
-      <p:sp>
-        <p:nvSpPr>
-          <p:cNvPr id="50" name="Freccia a pentagono 49">
-            <a:extLst>
-              <a:ext uri="{FF2B5EF4-FFF2-40B4-BE49-F238E27FC236}">
-                <a16:creationId xmlns:a16="http://schemas.microsoft.com/office/drawing/2014/main" id="{242B7F2F-CD65-9BFE-6CA3-0527428DE06E}"/>
-              </a:ext>
-            </a:extLst>
-          </p:cNvPr>
-          <p:cNvSpPr/>
-          <p:nvPr/>
-        </p:nvSpPr>
-        <p:spPr>
-          <a:xfrm>
-            <a:off x="412060" y="52177"/>
-            <a:ext cx="3121253" cy="1915089"/>
-          </a:xfrm>
-          <a:prstGeom prst="homePlate">
-            <a:avLst/>
-          </a:prstGeom>
-          <a:solidFill>
-            <a:schemeClr val="accent3"/>
-          </a:solidFill>
-        </p:spPr>
-        <p:style>
-          <a:lnRef idx="2">
-            <a:schemeClr val="accent3">
-              <a:shade val="50000"/>
-            </a:schemeClr>
-          </a:lnRef>
-          <a:fillRef idx="1">
-            <a:schemeClr val="accent3"/>
-          </a:fillRef>
-          <a:effectRef idx="0">
-            <a:schemeClr val="accent3"/>
-          </a:effectRef>
-          <a:fontRef idx="minor">
-            <a:schemeClr val="lt1"/>
-          </a:fontRef>
-        </p:style>
-        <p:txBody>
-          <a:bodyPr rtlCol="0" anchor="ctr"/>
-          <a:lstStyle/>
-          <a:p>
-            <a:pPr algn="ctr"/>
-            <a:endParaRPr lang="en-US" dirty="0"/>
-          </a:p>
-        </p:txBody>
-      </p:sp>
-      <p:sp>
-        <p:nvSpPr>
-          <p:cNvPr id="29" name="Rettangolo 28">
-            <a:extLst>
-              <a:ext uri="{FF2B5EF4-FFF2-40B4-BE49-F238E27FC236}">
-                <a16:creationId xmlns:a16="http://schemas.microsoft.com/office/drawing/2014/main" id="{E2FFAD3C-07E3-58C6-AAE5-FFEBEA7E115F}"/>
-              </a:ext>
-            </a:extLst>
-          </p:cNvPr>
-          <p:cNvSpPr/>
-          <p:nvPr/>
-        </p:nvSpPr>
-        <p:spPr>
-          <a:xfrm>
-            <a:off x="4275184" y="0"/>
-            <a:ext cx="7916816" cy="3429000"/>
-          </a:xfrm>
-          <a:prstGeom prst="rect">
-            <a:avLst/>
-          </a:prstGeom>
-          <a:solidFill>
-            <a:schemeClr val="accent6"/>
-          </a:solidFill>
-        </p:spPr>
-        <p:style>
-          <a:lnRef idx="2">
-            <a:schemeClr val="accent1">
-              <a:shade val="50000"/>
-            </a:schemeClr>
-          </a:lnRef>
-          <a:fillRef idx="1">
-            <a:schemeClr val="accent1"/>
-          </a:fillRef>
-          <a:effectRef idx="0">
-            <a:schemeClr val="accent1"/>
-          </a:effectRef>
-          <a:fontRef idx="minor">
-            <a:schemeClr val="lt1"/>
-          </a:fontRef>
-        </p:style>
-        <p:txBody>
-          <a:bodyPr rtlCol="0" anchor="ctr"/>
-          <a:lstStyle/>
-          <a:p>
-            <a:pPr algn="ctr"/>
-            <a:endParaRPr lang="en-US" dirty="0">
-              <a:ln w="0"/>
-              <a:solidFill>
-                <a:schemeClr val="tx1"/>
-              </a:solidFill>
-              <a:effectLst>
-                <a:outerShdw blurRad="38100" dist="19050" dir="2700000" algn="tl" rotWithShape="0">
-                  <a:schemeClr val="dk1">
-                    <a:alpha val="40000"/>
-                  </a:schemeClr>
-                </a:outerShdw>
-              </a:effectLst>
-            </a:endParaRPr>
-          </a:p>
-        </p:txBody>
-      </p:sp>
-      <p:sp>
-        <p:nvSpPr>
-          <p:cNvPr id="51" name="CasellaDiTesto 50">
-            <a:extLst>
-              <a:ext uri="{FF2B5EF4-FFF2-40B4-BE49-F238E27FC236}">
-                <a16:creationId xmlns:a16="http://schemas.microsoft.com/office/drawing/2014/main" id="{2F1B6880-124C-F0B4-6214-08CC90BDB112}"/>
-              </a:ext>
-            </a:extLst>
-          </p:cNvPr>
-          <p:cNvSpPr txBox="1"/>
-          <p:nvPr/>
-        </p:nvSpPr>
-        <p:spPr>
-          <a:xfrm>
-            <a:off x="638469" y="516740"/>
-            <a:ext cx="2091609" cy="954107"/>
-          </a:xfrm>
-          <a:prstGeom prst="rect">
-            <a:avLst/>
-          </a:prstGeom>
-          <a:noFill/>
-        </p:spPr>
-        <p:txBody>
-          <a:bodyPr wrap="square" rtlCol="0">
-            <a:spAutoFit/>
-          </a:bodyPr>
-          <a:lstStyle/>
-          <a:p>
-            <a:r>
-              <a:rPr lang="en-US" sz="2800" dirty="0"/>
-              <a:t>Model evaluation</a:t>
-            </a:r>
-          </a:p>
-        </p:txBody>
-      </p:sp>
-      <p:sp>
-        <p:nvSpPr>
-          <p:cNvPr id="31" name="Rettangolo 30">
-            <a:extLst>
-              <a:ext uri="{FF2B5EF4-FFF2-40B4-BE49-F238E27FC236}">
-                <a16:creationId xmlns:a16="http://schemas.microsoft.com/office/drawing/2014/main" id="{37B9362A-CD26-7C04-A44C-7748284AB883}"/>
-              </a:ext>
-            </a:extLst>
-          </p:cNvPr>
-          <p:cNvSpPr/>
-          <p:nvPr/>
-        </p:nvSpPr>
-        <p:spPr>
-          <a:xfrm>
-            <a:off x="4266306" y="3429000"/>
-            <a:ext cx="7930857" cy="3429001"/>
-          </a:xfrm>
-          <a:prstGeom prst="rect">
-            <a:avLst/>
-          </a:prstGeom>
-          <a:solidFill>
-            <a:srgbClr val="FFC000"/>
-          </a:solidFill>
-        </p:spPr>
-        <p:style>
-          <a:lnRef idx="2">
-            <a:schemeClr val="accent2">
-              <a:shade val="50000"/>
-            </a:schemeClr>
-          </a:lnRef>
-          <a:fillRef idx="1">
-            <a:schemeClr val="accent2"/>
-          </a:fillRef>
-          <a:effectRef idx="0">
-            <a:schemeClr val="accent2"/>
-          </a:effectRef>
-          <a:fontRef idx="minor">
-            <a:schemeClr val="lt1"/>
-          </a:fontRef>
-        </p:style>
-        <p:txBody>
-          <a:bodyPr rtlCol="0" anchor="ctr"/>
-          <a:lstStyle/>
-          <a:p>
-            <a:pPr algn="ctr"/>
-            <a:endParaRPr lang="en-US"/>
-          </a:p>
-        </p:txBody>
-      </p:sp>
-      <p:sp>
-        <p:nvSpPr>
           <p:cNvPr id="72" name="CasellaDiTesto 71">
             <a:extLst>
               <a:ext uri="{FF2B5EF4-FFF2-40B4-BE49-F238E27FC236}">
@@ -4178,8 +8933,8 @@
         </p:nvSpPr>
         <p:spPr>
           <a:xfrm>
-            <a:off x="4372284" y="-5090"/>
-            <a:ext cx="4552703" cy="1046440"/>
+            <a:off x="341690" y="1598302"/>
+            <a:ext cx="3994862" cy="677108"/>
           </a:xfrm>
           <a:prstGeom prst="rect">
             <a:avLst/>
@@ -4192,6 +8947,7 @@
           </a:bodyPr>
           <a:lstStyle/>
           <a:p>
+            <a:pPr algn="ctr"/>
             <a:r>
               <a:rPr lang="it-IT" sz="2400" dirty="0"/>
               <a:t>Best threshold</a:t>
@@ -4199,13 +8955,11 @@
             <a:endParaRPr lang="en-US" sz="2400" dirty="0"/>
           </a:p>
           <a:p>
+            <a:pPr algn="ctr"/>
             <a:r>
               <a:rPr lang="en-US" sz="1400" dirty="0"/>
               <a:t>We select the best threshold based on the F1 score</a:t>
             </a:r>
-          </a:p>
-          <a:p>
-            <a:endParaRPr lang="en-US" sz="2400" dirty="0"/>
           </a:p>
         </p:txBody>
       </p:sp>
@@ -4223,8 +8977,8 @@
         </p:nvSpPr>
         <p:spPr>
           <a:xfrm>
-            <a:off x="4372284" y="3524369"/>
-            <a:ext cx="1096863" cy="461665"/>
+            <a:off x="9949968" y="3429000"/>
+            <a:ext cx="1177117" cy="461665"/>
           </a:xfrm>
           <a:prstGeom prst="rect">
             <a:avLst/>
@@ -4272,7 +9026,7 @@
         </p:blipFill>
         <p:spPr>
           <a:xfrm>
-            <a:off x="4378035" y="728301"/>
+            <a:off x="819693" y="2315435"/>
             <a:ext cx="3038855" cy="2307180"/>
           </a:xfrm>
           <a:prstGeom prst="rect">
@@ -4307,7 +9061,7 @@
         </p:blipFill>
         <p:spPr>
           <a:xfrm>
-            <a:off x="7572672" y="724011"/>
+            <a:off x="5392541" y="2275410"/>
             <a:ext cx="3028173" cy="2307180"/>
           </a:xfrm>
           <a:prstGeom prst="rect">
@@ -4329,8 +9083,8 @@
         </p:nvSpPr>
         <p:spPr>
           <a:xfrm>
-            <a:off x="10672309" y="1222615"/>
-            <a:ext cx="1448226" cy="1077218"/>
+            <a:off x="5753046" y="1586614"/>
+            <a:ext cx="2307162" cy="584775"/>
           </a:xfrm>
           <a:prstGeom prst="rect">
             <a:avLst/>
@@ -4343,27 +9097,17 @@
           </a:bodyPr>
           <a:lstStyle/>
           <a:p>
+            <a:pPr algn="ctr"/>
             <a:r>
               <a:rPr lang="en-US" sz="1600" dirty="0"/>
-              <a:t>AUC score:</a:t>
-            </a:r>
-          </a:p>
-          <a:p>
+              <a:t>AUC score: 0.743</a:t>
+            </a:r>
+          </a:p>
+          <a:p>
+            <a:pPr algn="ctr"/>
             <a:r>
               <a:rPr lang="en-US" sz="1600" dirty="0"/>
-              <a:t>0.743</a:t>
-            </a:r>
-          </a:p>
-          <a:p>
-            <a:r>
-              <a:rPr lang="en-US" sz="1600" dirty="0"/>
-              <a:t>Best threshold:</a:t>
-            </a:r>
-          </a:p>
-          <a:p>
-            <a:r>
-              <a:rPr lang="en-US" sz="1600" dirty="0"/>
-              <a:t>0.1846</a:t>
+              <a:t>Best threshold: 0.1846</a:t>
             </a:r>
           </a:p>
         </p:txBody>
@@ -4382,16 +9126,15 @@
           </p:cNvPicPr>
           <p:nvPr/>
         </p:nvPicPr>
-        <p:blipFill>
+        <p:blipFill rotWithShape="1">
           <a:blip r:embed="rId4"/>
-          <a:stretch>
-            <a:fillRect/>
-          </a:stretch>
+          <a:srcRect t="13127"/>
+          <a:stretch/>
         </p:blipFill>
         <p:spPr>
           <a:xfrm>
-            <a:off x="8840068" y="3575063"/>
-            <a:ext cx="3121253" cy="3221579"/>
+            <a:off x="8885055" y="3892817"/>
+            <a:ext cx="3306945" cy="2965183"/>
           </a:xfrm>
           <a:prstGeom prst="rect">
             <a:avLst/>
@@ -4412,8 +9155,8 @@
         </p:nvSpPr>
         <p:spPr>
           <a:xfrm>
-            <a:off x="77990" y="2296413"/>
-            <a:ext cx="3672719" cy="1754326"/>
+            <a:off x="924191" y="5141728"/>
+            <a:ext cx="6824722" cy="923330"/>
           </a:xfrm>
           <a:prstGeom prst="rect">
             <a:avLst/>
@@ -4426,6 +9169,7 @@
           </a:bodyPr>
           <a:lstStyle/>
           <a:p>
+            <a:pPr algn="ctr"/>
             <a:r>
               <a:rPr lang="en-US" dirty="0"/>
               <a:t>We obtain the following results:</a:t>
@@ -4453,41 +9197,57 @@
           </a:p>
         </p:txBody>
       </p:sp>
-      <p:pic>
-        <p:nvPicPr>
-          <p:cNvPr id="16" name="Immagine 15">
+      <p:sp>
+        <p:nvSpPr>
+          <p:cNvPr id="3" name="Rettangolo 2">
             <a:extLst>
               <a:ext uri="{FF2B5EF4-FFF2-40B4-BE49-F238E27FC236}">
-                <a16:creationId xmlns:a16="http://schemas.microsoft.com/office/drawing/2014/main" id="{E062C997-6211-1498-AA3F-3EB522E6374B}"/>
+                <a16:creationId xmlns:a16="http://schemas.microsoft.com/office/drawing/2014/main" id="{32E6316E-DA18-8717-A7A6-3F19E81FBD61}"/>
               </a:ext>
             </a:extLst>
           </p:cNvPr>
-          <p:cNvPicPr>
-            <a:picLocks noChangeAspect="1"/>
-          </p:cNvPicPr>
+          <p:cNvSpPr/>
           <p:nvPr/>
-        </p:nvPicPr>
-        <p:blipFill>
-          <a:blip r:embed="rId5">
-            <a:extLst>
-              <a:ext uri="{28A0092B-C50C-407E-A947-70E740481C1C}">
-                <a14:useLocalDpi xmlns:a14="http://schemas.microsoft.com/office/drawing/2010/main" val="0"/>
-              </a:ext>
-            </a:extLst>
-          </a:blip>
-          <a:srcRect/>
-          <a:stretch/>
-        </p:blipFill>
+        </p:nvSpPr>
         <p:spPr>
           <a:xfrm>
-            <a:off x="5542580" y="3575063"/>
-            <a:ext cx="3121253" cy="3221579"/>
+            <a:off x="419358" y="478933"/>
+            <a:ext cx="7834389" cy="923330"/>
           </a:xfrm>
           <a:prstGeom prst="rect">
             <a:avLst/>
           </a:prstGeom>
+          <a:noFill/>
         </p:spPr>
-      </p:pic>
+        <p:txBody>
+          <a:bodyPr wrap="none" lIns="91440" tIns="45720" rIns="91440" bIns="45720">
+            <a:spAutoFit/>
+            <a:scene3d>
+              <a:camera prst="orthographicFront"/>
+              <a:lightRig rig="soft" dir="t">
+                <a:rot lat="0" lon="0" rev="15600000"/>
+              </a:lightRig>
+            </a:scene3d>
+            <a:sp3d extrusionH="57150" prstMaterial="softEdge">
+              <a:bevelT w="25400" h="38100"/>
+            </a:sp3d>
+          </a:bodyPr>
+          <a:lstStyle/>
+          <a:p>
+            <a:pPr algn="ctr"/>
+            <a:r>
+              <a:rPr lang="it-IT" sz="5400" b="1" cap="none" spc="0" dirty="0">
+                <a:ln/>
+                <a:solidFill>
+                  <a:srgbClr val="FFC000"/>
+                </a:solidFill>
+                <a:effectLst/>
+              </a:rPr>
+              <a:t>MODEL EVALUATION</a:t>
+            </a:r>
+          </a:p>
+        </p:txBody>
+      </p:sp>
     </p:spTree>
     <p:extLst>
       <p:ext uri="{BB962C8B-B14F-4D97-AF65-F5344CB8AC3E}">
@@ -4501,7 +9261,7 @@
 </p:sld>
 </file>
 
-<file path=ppt/slides/slide13.xml><?xml version="1.0" encoding="utf-8"?>
+<file path=ppt/slides/slide14.xml><?xml version="1.0" encoding="utf-8"?>
 <p:sld xmlns:a="http://schemas.openxmlformats.org/drawingml/2006/main" xmlns:r="http://schemas.openxmlformats.org/officeDocument/2006/relationships" xmlns:p="http://schemas.openxmlformats.org/presentationml/2006/main">
   <p:cSld>
     <p:spTree>
@@ -4520,34 +9280,6 @@
       </p:grpSpPr>
       <p:sp>
         <p:nvSpPr>
-          <p:cNvPr id="2" name="Titolo 1">
-            <a:extLst>
-              <a:ext uri="{FF2B5EF4-FFF2-40B4-BE49-F238E27FC236}">
-                <a16:creationId xmlns:a16="http://schemas.microsoft.com/office/drawing/2014/main" id="{7A8532DA-0959-41FB-3560-32DA749914E8}"/>
-              </a:ext>
-            </a:extLst>
-          </p:cNvPr>
-          <p:cNvSpPr>
-            <a:spLocks noGrp="1"/>
-          </p:cNvSpPr>
-          <p:nvPr>
-            <p:ph type="title"/>
-          </p:nvPr>
-        </p:nvSpPr>
-        <p:spPr/>
-        <p:txBody>
-          <a:bodyPr/>
-          <a:lstStyle/>
-          <a:p>
-            <a:r>
-              <a:rPr lang="it-IT" dirty="0"/>
-              <a:t>Next steps</a:t>
-            </a:r>
-          </a:p>
-        </p:txBody>
-      </p:sp>
-      <p:sp>
-        <p:nvSpPr>
           <p:cNvPr id="3" name="Segnaposto contenuto 2">
             <a:extLst>
               <a:ext uri="{FF2B5EF4-FFF2-40B4-BE49-F238E27FC236}">
@@ -4562,56 +9294,197 @@
             <p:ph idx="1"/>
           </p:nvPr>
         </p:nvSpPr>
-        <p:spPr/>
+        <p:spPr>
+          <a:xfrm>
+            <a:off x="976258" y="1864529"/>
+            <a:ext cx="9134445" cy="1295231"/>
+          </a:xfrm>
+        </p:spPr>
         <p:txBody>
           <a:bodyPr/>
           <a:lstStyle/>
           <a:p>
             <a:r>
-              <a:rPr lang="it-IT" dirty="0"/>
-              <a:t>Dato che il dataset è così sbilanciato, si può sempre provare </a:t>
-            </a:r>
-            <a:r>
-              <a:rPr lang="it-IT" dirty="0" err="1"/>
-              <a:t>oversampling</a:t>
-            </a:r>
-            <a:r>
-              <a:rPr lang="it-IT" dirty="0"/>
-              <a:t> con varie tecniche (</a:t>
-            </a:r>
-            <a:r>
-              <a:rPr lang="it-IT" dirty="0" err="1"/>
-              <a:t>Smote</a:t>
-            </a:r>
-            <a:r>
-              <a:rPr lang="it-IT" dirty="0"/>
-              <a:t>, </a:t>
-            </a:r>
-            <a:r>
-              <a:rPr lang="it-IT" dirty="0" err="1"/>
-              <a:t>ecc</a:t>
-            </a:r>
-            <a:r>
-              <a:rPr lang="it-IT" dirty="0"/>
-              <a:t>)</a:t>
-            </a:r>
-          </a:p>
-          <a:p>
-            <a:r>
-              <a:rPr lang="it-IT" dirty="0"/>
-              <a:t>Nella feature </a:t>
-            </a:r>
-            <a:r>
-              <a:rPr lang="it-IT" dirty="0" err="1"/>
-              <a:t>selection</a:t>
-            </a:r>
-            <a:r>
-              <a:rPr lang="it-IT" dirty="0"/>
-              <a:t> si possono usare criteri diversi</a:t>
-            </a:r>
-          </a:p>
-          <a:p>
-            <a:endParaRPr lang="it-IT" dirty="0"/>
+              <a:rPr lang="it-IT" dirty="0" err="1">
+                <a:solidFill>
+                  <a:schemeClr val="tx1"/>
+                </a:solidFill>
+              </a:rPr>
+              <a:t>Since</a:t>
+            </a:r>
+            <a:r>
+              <a:rPr lang="it-IT" dirty="0">
+                <a:solidFill>
+                  <a:schemeClr val="tx1"/>
+                </a:solidFill>
+              </a:rPr>
+              <a:t> the dataset </a:t>
+            </a:r>
+            <a:r>
+              <a:rPr lang="it-IT" dirty="0" err="1">
+                <a:solidFill>
+                  <a:schemeClr val="tx1"/>
+                </a:solidFill>
+              </a:rPr>
+              <a:t>is</a:t>
+            </a:r>
+            <a:r>
+              <a:rPr lang="it-IT" dirty="0">
+                <a:solidFill>
+                  <a:schemeClr val="tx1"/>
+                </a:solidFill>
+              </a:rPr>
+              <a:t> unbalanced, we can </a:t>
+            </a:r>
+            <a:r>
+              <a:rPr lang="it-IT" dirty="0" err="1">
+                <a:solidFill>
+                  <a:schemeClr val="tx1"/>
+                </a:solidFill>
+              </a:rPr>
+              <a:t>try</a:t>
+            </a:r>
+            <a:r>
+              <a:rPr lang="it-IT" dirty="0">
+                <a:solidFill>
+                  <a:schemeClr val="tx1"/>
+                </a:solidFill>
+              </a:rPr>
+              <a:t> multiple techniques of oversampling (</a:t>
+            </a:r>
+            <a:r>
+              <a:rPr lang="it-IT" dirty="0" err="1">
+                <a:solidFill>
+                  <a:schemeClr val="tx1"/>
+                </a:solidFill>
+              </a:rPr>
+              <a:t>such</a:t>
+            </a:r>
+            <a:r>
+              <a:rPr lang="it-IT" dirty="0">
+                <a:solidFill>
+                  <a:schemeClr val="tx1"/>
+                </a:solidFill>
+              </a:rPr>
+              <a:t> </a:t>
+            </a:r>
+            <a:r>
+              <a:rPr lang="it-IT" dirty="0" err="1">
+                <a:solidFill>
+                  <a:schemeClr val="tx1"/>
+                </a:solidFill>
+              </a:rPr>
+              <a:t>as</a:t>
+            </a:r>
+            <a:r>
+              <a:rPr lang="it-IT" dirty="0">
+                <a:solidFill>
+                  <a:schemeClr val="tx1"/>
+                </a:solidFill>
+              </a:rPr>
+              <a:t> Smote)</a:t>
+            </a:r>
+          </a:p>
+          <a:p>
+            <a:r>
+              <a:rPr lang="it-IT" dirty="0" err="1">
+                <a:solidFill>
+                  <a:schemeClr val="tx1"/>
+                </a:solidFill>
+              </a:rPr>
+              <a:t>Try</a:t>
+            </a:r>
+            <a:r>
+              <a:rPr lang="it-IT" dirty="0">
+                <a:solidFill>
+                  <a:schemeClr val="tx1"/>
+                </a:solidFill>
+              </a:rPr>
+              <a:t> to use </a:t>
+            </a:r>
+            <a:r>
+              <a:rPr lang="it-IT" dirty="0" err="1">
+                <a:solidFill>
+                  <a:schemeClr val="tx1"/>
+                </a:solidFill>
+              </a:rPr>
+              <a:t>different</a:t>
+            </a:r>
+            <a:r>
+              <a:rPr lang="it-IT" dirty="0">
+                <a:solidFill>
+                  <a:schemeClr val="tx1"/>
+                </a:solidFill>
+              </a:rPr>
+              <a:t> </a:t>
+            </a:r>
+            <a:r>
+              <a:rPr lang="it-IT" dirty="0" err="1">
+                <a:solidFill>
+                  <a:schemeClr val="tx1"/>
+                </a:solidFill>
+              </a:rPr>
+              <a:t>criteria</a:t>
+            </a:r>
+            <a:r>
+              <a:rPr lang="it-IT" dirty="0">
+                <a:solidFill>
+                  <a:schemeClr val="tx1"/>
+                </a:solidFill>
+              </a:rPr>
+              <a:t> in the feature selection</a:t>
+            </a:r>
+          </a:p>
+        </p:txBody>
+      </p:sp>
+      <p:sp>
+        <p:nvSpPr>
+          <p:cNvPr id="4" name="Rettangolo 3">
+            <a:extLst>
+              <a:ext uri="{FF2B5EF4-FFF2-40B4-BE49-F238E27FC236}">
+                <a16:creationId xmlns:a16="http://schemas.microsoft.com/office/drawing/2014/main" id="{2940C41F-A624-BAE7-247B-B368A9CEC560}"/>
+              </a:ext>
+            </a:extLst>
+          </p:cNvPr>
+          <p:cNvSpPr/>
+          <p:nvPr/>
+        </p:nvSpPr>
+        <p:spPr>
+          <a:xfrm>
+            <a:off x="913795" y="235093"/>
+            <a:ext cx="4504759" cy="923330"/>
+          </a:xfrm>
+          <a:prstGeom prst="rect">
+            <a:avLst/>
+          </a:prstGeom>
+          <a:noFill/>
+        </p:spPr>
+        <p:txBody>
+          <a:bodyPr wrap="none" lIns="91440" tIns="45720" rIns="91440" bIns="45720">
+            <a:spAutoFit/>
+            <a:scene3d>
+              <a:camera prst="orthographicFront"/>
+              <a:lightRig rig="soft" dir="t">
+                <a:rot lat="0" lon="0" rev="15600000"/>
+              </a:lightRig>
+            </a:scene3d>
+            <a:sp3d extrusionH="57150" prstMaterial="softEdge">
+              <a:bevelT w="25400" h="38100"/>
+            </a:sp3d>
+          </a:bodyPr>
+          <a:lstStyle/>
+          <a:p>
+            <a:pPr algn="ctr"/>
+            <a:r>
+              <a:rPr lang="it-IT" sz="5400" b="1" cap="none" spc="0" dirty="0">
+                <a:ln/>
+                <a:solidFill>
+                  <a:srgbClr val="FFC000"/>
+                </a:solidFill>
+                <a:effectLst/>
+              </a:rPr>
+              <a:t>NEXT STEPS</a:t>
+            </a:r>
           </a:p>
         </p:txBody>
       </p:sp>
@@ -4781,18 +9654,9 @@
           <a:lstStyle/>
           <a:p>
             <a:r>
-              <a:rPr lang="it-IT" dirty="0" err="1"/>
-              <a:t>Anomaly</a:t>
-            </a:r>
-            <a:r>
               <a:rPr lang="it-IT" dirty="0"/>
-              <a:t> </a:t>
-            </a:r>
-            <a:r>
-              <a:rPr lang="it-IT" dirty="0" err="1"/>
-              <a:t>detection</a:t>
-            </a:r>
-            <a:endParaRPr lang="it-IT" dirty="0"/>
+              <a:t>Anomaly detection</a:t>
+            </a:r>
           </a:p>
         </p:txBody>
       </p:sp>
@@ -4873,25 +9737,13 @@
         <p:spPr/>
         <p:txBody>
           <a:bodyPr>
-            <a:normAutofit lnSpcReduction="10000"/>
+            <a:normAutofit/>
           </a:bodyPr>
           <a:lstStyle/>
           <a:p>
             <a:r>
-              <a:rPr lang="it-IT" dirty="0" err="1"/>
-              <a:t>Preprocessing</a:t>
-            </a:r>
-            <a:r>
               <a:rPr lang="it-IT" dirty="0"/>
-              <a:t> &amp; Feature </a:t>
-            </a:r>
-            <a:r>
-              <a:rPr lang="it-IT" dirty="0" err="1"/>
-              <a:t>selection</a:t>
-            </a:r>
-            <a:r>
-              <a:rPr lang="it-IT" dirty="0"/>
-              <a:t>:</a:t>
+              <a:t>Preprocessing &amp; Feature selection:</a:t>
             </a:r>
           </a:p>
           <a:p>
@@ -4910,66 +9762,22 @@
           </a:p>
           <a:p>
             <a:r>
-              <a:rPr lang="it-IT" dirty="0" err="1"/>
-              <a:t>Classification</a:t>
-            </a:r>
-            <a:r>
               <a:rPr lang="it-IT" dirty="0"/>
-              <a:t>:</a:t>
+              <a:t>Classification:</a:t>
             </a:r>
           </a:p>
           <a:p>
             <a:pPr lvl="1"/>
             <a:r>
-              <a:rPr lang="it-IT" dirty="0" err="1"/>
-              <a:t>Supervised</a:t>
-            </a:r>
-            <a:r>
               <a:rPr lang="it-IT" dirty="0"/>
-              <a:t> (KNN with </a:t>
-            </a:r>
-            <a:r>
-              <a:rPr lang="it-IT" dirty="0" err="1"/>
-              <a:t>Naive</a:t>
-            </a:r>
+              <a:t>Supervised (KNN with Naive oversampling)</a:t>
+            </a:r>
+          </a:p>
+          <a:p>
+            <a:pPr lvl="1"/>
             <a:r>
               <a:rPr lang="it-IT" dirty="0"/>
-              <a:t> </a:t>
-            </a:r>
-            <a:r>
-              <a:rPr lang="it-IT" dirty="0" err="1"/>
-              <a:t>oversampling</a:t>
-            </a:r>
-            <a:r>
-              <a:rPr lang="it-IT" dirty="0"/>
-              <a:t>)</a:t>
-            </a:r>
-          </a:p>
-          <a:p>
-            <a:pPr lvl="1"/>
-            <a:r>
-              <a:rPr lang="it-IT" dirty="0" err="1"/>
-              <a:t>Unsupervised</a:t>
-            </a:r>
-            <a:r>
-              <a:rPr lang="it-IT" dirty="0"/>
-              <a:t> (</a:t>
-            </a:r>
-            <a:r>
-              <a:rPr lang="it-IT" dirty="0" err="1"/>
-              <a:t>Kmeans</a:t>
-            </a:r>
-            <a:r>
-              <a:rPr lang="it-IT" dirty="0"/>
-              <a:t> and </a:t>
-            </a:r>
-            <a:r>
-              <a:rPr lang="it-IT" dirty="0" err="1"/>
-              <a:t>Hierarchical</a:t>
-            </a:r>
-            <a:r>
-              <a:rPr lang="it-IT" dirty="0"/>
-              <a:t> Clustering)</a:t>
+              <a:t>Unsupervised (Kmeans and Hierarchical Clustering)</a:t>
             </a:r>
           </a:p>
           <a:p>
@@ -5047,10 +9855,9 @@
           <a:lstStyle/>
           <a:p>
             <a:r>
-              <a:rPr lang="it-IT" dirty="0" err="1"/>
+              <a:rPr lang="it-IT" dirty="0"/>
               <a:t>Preprocessing</a:t>
             </a:r>
-            <a:endParaRPr lang="it-IT" dirty="0"/>
           </a:p>
         </p:txBody>
       </p:sp>
@@ -5076,12 +9883,8 @@
           <a:lstStyle/>
           <a:p>
             <a:r>
-              <a:rPr lang="it-IT" dirty="0" err="1"/>
-              <a:t>Stationarization</a:t>
-            </a:r>
-            <a:r>
               <a:rPr lang="it-IT" dirty="0"/>
-              <a:t>: 2 Grafici</a:t>
+              <a:t>Stationarization: 2 Grafici</a:t>
             </a:r>
           </a:p>
         </p:txBody>
@@ -5139,13 +9942,8 @@
           <a:p>
             <a:r>
               <a:rPr lang="it-IT" dirty="0"/>
-              <a:t>Feature </a:t>
-            </a:r>
-            <a:r>
-              <a:rPr lang="it-IT" dirty="0" err="1"/>
-              <a:t>selection</a:t>
-            </a:r>
-            <a:endParaRPr lang="it-IT" dirty="0"/>
+              <a:t>Feature selection</a:t>
+            </a:r>
           </a:p>
         </p:txBody>
       </p:sp>
@@ -5230,13 +10028,8 @@
           <a:p>
             <a:r>
               <a:rPr lang="it-IT" dirty="0"/>
-              <a:t>Feature </a:t>
-            </a:r>
-            <a:r>
-              <a:rPr lang="it-IT" dirty="0" err="1"/>
-              <a:t>selection</a:t>
-            </a:r>
-            <a:endParaRPr lang="it-IT" dirty="0"/>
+              <a:t>Feature selection</a:t>
+            </a:r>
           </a:p>
         </p:txBody>
       </p:sp>
@@ -5320,18 +10113,9 @@
           <a:lstStyle/>
           <a:p>
             <a:r>
-              <a:rPr lang="it-IT" dirty="0" err="1"/>
-              <a:t>Unsupervised</a:t>
-            </a:r>
-            <a:r>
               <a:rPr lang="it-IT" dirty="0"/>
-              <a:t> </a:t>
-            </a:r>
-            <a:r>
-              <a:rPr lang="it-IT" dirty="0" err="1"/>
-              <a:t>Classification</a:t>
-            </a:r>
-            <a:endParaRPr lang="it-IT" dirty="0"/>
+              <a:t>Unsupervised Classification</a:t>
+            </a:r>
           </a:p>
         </p:txBody>
       </p:sp>
@@ -5357,12 +10141,8 @@
           <a:lstStyle/>
           <a:p>
             <a:r>
-              <a:rPr lang="it-IT" dirty="0" err="1"/>
-              <a:t>Clusteriamo</a:t>
-            </a:r>
-            <a:r>
               <a:rPr lang="it-IT" dirty="0"/>
-              <a:t> e vediamo se ha beccato i due gruppi</a:t>
+              <a:t>Clusteriamo e vediamo se ha beccato i due gruppi</a:t>
             </a:r>
           </a:p>
           <a:p>
@@ -5405,60 +10185,288 @@
       </p:grpSpPr>
       <p:sp>
         <p:nvSpPr>
-          <p:cNvPr id="2" name="Titolo 1">
+          <p:cNvPr id="4" name="Rettangolo 3">
             <a:extLst>
               <a:ext uri="{FF2B5EF4-FFF2-40B4-BE49-F238E27FC236}">
-                <a16:creationId xmlns:a16="http://schemas.microsoft.com/office/drawing/2014/main" id="{45EE49DB-5F62-B931-BFA6-4A8DB08F234C}"/>
+                <a16:creationId xmlns:a16="http://schemas.microsoft.com/office/drawing/2014/main" id="{09CB4979-2A38-56F3-C822-CFD797127610}"/>
               </a:ext>
             </a:extLst>
           </p:cNvPr>
-          <p:cNvSpPr>
-            <a:spLocks noGrp="1"/>
-          </p:cNvSpPr>
-          <p:nvPr>
-            <p:ph type="title"/>
-          </p:nvPr>
-        </p:nvSpPr>
-        <p:spPr/>
-        <p:txBody>
-          <a:bodyPr/>
+          <p:cNvSpPr/>
+          <p:nvPr/>
+        </p:nvSpPr>
+        <p:spPr>
+          <a:xfrm>
+            <a:off x="552090" y="488226"/>
+            <a:ext cx="3256021" cy="923330"/>
+          </a:xfrm>
+          <a:prstGeom prst="rect">
+            <a:avLst/>
+          </a:prstGeom>
+          <a:noFill/>
+        </p:spPr>
+        <p:txBody>
+          <a:bodyPr wrap="none" lIns="91440" tIns="45720" rIns="91440" bIns="45720">
+            <a:spAutoFit/>
+            <a:scene3d>
+              <a:camera prst="orthographicFront"/>
+              <a:lightRig rig="soft" dir="t">
+                <a:rot lat="0" lon="0" rev="15600000"/>
+              </a:lightRig>
+            </a:scene3d>
+            <a:sp3d extrusionH="57150" prstMaterial="softEdge">
+              <a:bevelT w="25400" h="38100"/>
+            </a:sp3d>
+          </a:bodyPr>
           <a:lstStyle/>
           <a:p>
-            <a:r>
-              <a:rPr lang="it-IT" dirty="0"/>
-              <a:t>Copula</a:t>
-            </a:r>
-          </a:p>
-        </p:txBody>
-      </p:sp>
-      <p:sp>
-        <p:nvSpPr>
-          <p:cNvPr id="3" name="Segnaposto contenuto 2">
+            <a:pPr algn="ctr"/>
+            <a:r>
+              <a:rPr lang="it-IT" sz="5400" b="1" cap="none" spc="0" dirty="0">
+                <a:ln/>
+                <a:solidFill>
+                  <a:srgbClr val="FFC000"/>
+                </a:solidFill>
+                <a:effectLst/>
+              </a:rPr>
+              <a:t>COPULA</a:t>
+            </a:r>
+          </a:p>
+        </p:txBody>
+      </p:sp>
+      <p:sp>
+        <p:nvSpPr>
+          <p:cNvPr id="9" name="CasellaDiTesto 8">
             <a:extLst>
               <a:ext uri="{FF2B5EF4-FFF2-40B4-BE49-F238E27FC236}">
-                <a16:creationId xmlns:a16="http://schemas.microsoft.com/office/drawing/2014/main" id="{8884176F-35D7-A25E-17B5-E182C5B088A8}"/>
+                <a16:creationId xmlns:a16="http://schemas.microsoft.com/office/drawing/2014/main" id="{9282EFA2-D4D7-CE5E-D3E2-9B6C713C4932}"/>
               </a:ext>
             </a:extLst>
           </p:cNvPr>
-          <p:cNvSpPr>
-            <a:spLocks noGrp="1"/>
-          </p:cNvSpPr>
-          <p:nvPr>
-            <p:ph idx="1"/>
-          </p:nvPr>
-        </p:nvSpPr>
-        <p:spPr/>
-        <p:txBody>
-          <a:bodyPr/>
+          <p:cNvSpPr txBox="1"/>
+          <p:nvPr/>
+        </p:nvSpPr>
+        <p:spPr>
+          <a:xfrm>
+            <a:off x="2433415" y="1462832"/>
+            <a:ext cx="6752950" cy="369332"/>
+          </a:xfrm>
+          <a:prstGeom prst="rect">
+            <a:avLst/>
+          </a:prstGeom>
+          <a:noFill/>
+        </p:spPr>
+        <p:txBody>
+          <a:bodyPr wrap="square">
+            <a:spAutoFit/>
+          </a:bodyPr>
           <a:lstStyle/>
           <a:p>
+            <a:pPr marL="0" indent="0">
+              <a:buNone/>
+            </a:pPr>
             <a:r>
               <a:rPr lang="it-IT" dirty="0"/>
-              <a:t>Ora mi invento qualcosa</a:t>
-            </a:r>
-          </a:p>
-        </p:txBody>
-      </p:sp>
+              <a:t>We tried to detect anomalous data by means of copula</a:t>
+            </a:r>
+          </a:p>
+        </p:txBody>
+      </p:sp>
+      <p:sp>
+        <p:nvSpPr>
+          <p:cNvPr id="11" name="CasellaDiTesto 10">
+            <a:extLst>
+              <a:ext uri="{FF2B5EF4-FFF2-40B4-BE49-F238E27FC236}">
+                <a16:creationId xmlns:a16="http://schemas.microsoft.com/office/drawing/2014/main" id="{BF581973-3EF2-4A17-3A8D-1F5420578A44}"/>
+              </a:ext>
+            </a:extLst>
+          </p:cNvPr>
+          <p:cNvSpPr txBox="1"/>
+          <p:nvPr/>
+        </p:nvSpPr>
+        <p:spPr>
+          <a:xfrm>
+            <a:off x="511545" y="1883440"/>
+            <a:ext cx="4212855" cy="646331"/>
+          </a:xfrm>
+          <a:prstGeom prst="rect">
+            <a:avLst/>
+          </a:prstGeom>
+          <a:noFill/>
+        </p:spPr>
+        <p:txBody>
+          <a:bodyPr wrap="square">
+            <a:spAutoFit/>
+          </a:bodyPr>
+          <a:lstStyle/>
+          <a:p>
+            <a:pPr marL="0" indent="0" algn="ctr">
+              <a:buNone/>
+            </a:pPr>
+            <a:r>
+              <a:rPr lang="it-IT" dirty="0"/>
+              <a:t>We chose at first the t-student distrubtion, obtaining the following results</a:t>
+            </a:r>
+          </a:p>
+        </p:txBody>
+      </p:sp>
+      <p:sp>
+        <p:nvSpPr>
+          <p:cNvPr id="13" name="CasellaDiTesto 12">
+            <a:extLst>
+              <a:ext uri="{FF2B5EF4-FFF2-40B4-BE49-F238E27FC236}">
+                <a16:creationId xmlns:a16="http://schemas.microsoft.com/office/drawing/2014/main" id="{80BC8176-2BDC-43F3-B487-8DB1BD96A116}"/>
+              </a:ext>
+            </a:extLst>
+          </p:cNvPr>
+          <p:cNvSpPr txBox="1"/>
+          <p:nvPr/>
+        </p:nvSpPr>
+        <p:spPr>
+          <a:xfrm>
+            <a:off x="6436180" y="1927156"/>
+            <a:ext cx="4212855" cy="646331"/>
+          </a:xfrm>
+          <a:prstGeom prst="rect">
+            <a:avLst/>
+          </a:prstGeom>
+          <a:noFill/>
+        </p:spPr>
+        <p:txBody>
+          <a:bodyPr wrap="square">
+            <a:spAutoFit/>
+          </a:bodyPr>
+          <a:lstStyle/>
+          <a:p>
+            <a:pPr marL="0" indent="0" algn="ctr">
+              <a:buNone/>
+            </a:pPr>
+            <a:r>
+              <a:rPr lang="it-IT" dirty="0"/>
+              <a:t>Then, we tried the Gaussian distribution, and obtained</a:t>
+            </a:r>
+          </a:p>
+        </p:txBody>
+      </p:sp>
+      <p:sp>
+        <p:nvSpPr>
+          <p:cNvPr id="15" name="CasellaDiTesto 14">
+            <a:extLst>
+              <a:ext uri="{FF2B5EF4-FFF2-40B4-BE49-F238E27FC236}">
+                <a16:creationId xmlns:a16="http://schemas.microsoft.com/office/drawing/2014/main" id="{A1E13B3F-D020-F02B-475D-5F83BC6B3254}"/>
+              </a:ext>
+            </a:extLst>
+          </p:cNvPr>
+          <p:cNvSpPr txBox="1"/>
+          <p:nvPr/>
+        </p:nvSpPr>
+        <p:spPr>
+          <a:xfrm>
+            <a:off x="2761890" y="5975488"/>
+            <a:ext cx="6096000" cy="646331"/>
+          </a:xfrm>
+          <a:prstGeom prst="rect">
+            <a:avLst/>
+          </a:prstGeom>
+          <a:noFill/>
+        </p:spPr>
+        <p:txBody>
+          <a:bodyPr wrap="square">
+            <a:spAutoFit/>
+          </a:bodyPr>
+          <a:lstStyle/>
+          <a:p>
+            <a:pPr marL="0" indent="0" algn="ctr">
+              <a:buNone/>
+            </a:pPr>
+            <a:r>
+              <a:rPr lang="it-IT" dirty="0"/>
+              <a:t>In both cases, the results seems good in terms of recall.</a:t>
+            </a:r>
+          </a:p>
+          <a:p>
+            <a:pPr marL="0" indent="0" algn="ctr">
+              <a:buNone/>
+            </a:pPr>
+            <a:r>
+              <a:rPr lang="it-IT" dirty="0"/>
+              <a:t>But we’re aware there’s still the problem of unbalanced data.</a:t>
+            </a:r>
+          </a:p>
+        </p:txBody>
+      </p:sp>
+      <p:pic>
+        <p:nvPicPr>
+          <p:cNvPr id="19" name="Immagine 18" descr="Immagine che contiene testo&#10;&#10;Descrizione generata automaticamente">
+            <a:extLst>
+              <a:ext uri="{FF2B5EF4-FFF2-40B4-BE49-F238E27FC236}">
+                <a16:creationId xmlns:a16="http://schemas.microsoft.com/office/drawing/2014/main" id="{C4E8A65B-117F-3EAB-5B94-817308D40317}"/>
+              </a:ext>
+            </a:extLst>
+          </p:cNvPr>
+          <p:cNvPicPr>
+            <a:picLocks noChangeAspect="1"/>
+          </p:cNvPicPr>
+          <p:nvPr/>
+        </p:nvPicPr>
+        <p:blipFill>
+          <a:blip r:embed="rId2">
+            <a:extLst>
+              <a:ext uri="{28A0092B-C50C-407E-A947-70E740481C1C}">
+                <a14:useLocalDpi xmlns:a14="http://schemas.microsoft.com/office/drawing/2010/main" val="0"/>
+              </a:ext>
+            </a:extLst>
+          </a:blip>
+          <a:stretch>
+            <a:fillRect/>
+          </a:stretch>
+        </p:blipFill>
+        <p:spPr>
+          <a:xfrm>
+            <a:off x="802046" y="2668480"/>
+            <a:ext cx="3631851" cy="2962421"/>
+          </a:xfrm>
+          <a:prstGeom prst="rect">
+            <a:avLst/>
+          </a:prstGeom>
+        </p:spPr>
+      </p:pic>
+      <p:pic>
+        <p:nvPicPr>
+          <p:cNvPr id="21" name="Immagine 20" descr="Immagine che contiene testo&#10;&#10;Descrizione generata automaticamente">
+            <a:extLst>
+              <a:ext uri="{FF2B5EF4-FFF2-40B4-BE49-F238E27FC236}">
+                <a16:creationId xmlns:a16="http://schemas.microsoft.com/office/drawing/2014/main" id="{0EB64993-9A1D-7630-85C1-E7D4E0322E86}"/>
+              </a:ext>
+            </a:extLst>
+          </p:cNvPr>
+          <p:cNvPicPr>
+            <a:picLocks noChangeAspect="1"/>
+          </p:cNvPicPr>
+          <p:nvPr/>
+        </p:nvPicPr>
+        <p:blipFill>
+          <a:blip r:embed="rId3">
+            <a:extLst>
+              <a:ext uri="{28A0092B-C50C-407E-A947-70E740481C1C}">
+                <a14:useLocalDpi xmlns:a14="http://schemas.microsoft.com/office/drawing/2010/main" val="0"/>
+              </a:ext>
+            </a:extLst>
+          </a:blip>
+          <a:stretch>
+            <a:fillRect/>
+          </a:stretch>
+        </p:blipFill>
+        <p:spPr>
+          <a:xfrm>
+            <a:off x="6791246" y="2668479"/>
+            <a:ext cx="3502721" cy="2957521"/>
+          </a:xfrm>
+          <a:prstGeom prst="rect">
+            <a:avLst/>
+          </a:prstGeom>
+        </p:spPr>
+      </p:pic>
     </p:spTree>
     <p:extLst>
       <p:ext uri="{BB962C8B-B14F-4D97-AF65-F5344CB8AC3E}">
@@ -5473,9 +10481,9 @@
 </file>
 
 <file path=ppt/theme/theme1.xml><?xml version="1.0" encoding="utf-8"?>
-<a:theme xmlns:a="http://schemas.openxmlformats.org/drawingml/2006/main" name="Tema di Office">
+<a:theme xmlns:a="http://schemas.openxmlformats.org/drawingml/2006/main" name="Ardesia">
   <a:themeElements>
-    <a:clrScheme name="Tema di Office">
+    <a:clrScheme name="Ardesia">
       <a:dk1>
         <a:sysClr val="windowText" lastClr="000000"/>
       </a:dk1>
@@ -5483,52 +10491,52 @@
         <a:sysClr val="window" lastClr="FFFFFF"/>
       </a:lt1>
       <a:dk2>
-        <a:srgbClr val="44546A"/>
+        <a:srgbClr val="212123"/>
       </a:dk2>
       <a:lt2>
-        <a:srgbClr val="E7E6E6"/>
+        <a:srgbClr val="DADADA"/>
       </a:lt2>
       <a:accent1>
-        <a:srgbClr val="4472C4"/>
+        <a:srgbClr val="BC451B"/>
       </a:accent1>
       <a:accent2>
-        <a:srgbClr val="ED7D31"/>
+        <a:srgbClr val="D3BA68"/>
       </a:accent2>
       <a:accent3>
-        <a:srgbClr val="A5A5A5"/>
+        <a:srgbClr val="BB8640"/>
       </a:accent3>
       <a:accent4>
-        <a:srgbClr val="FFC000"/>
+        <a:srgbClr val="AD9277"/>
       </a:accent4>
       <a:accent5>
-        <a:srgbClr val="5B9BD5"/>
+        <a:srgbClr val="A55A43"/>
       </a:accent5>
       <a:accent6>
-        <a:srgbClr val="70AD47"/>
+        <a:srgbClr val="AD9D7B"/>
       </a:accent6>
       <a:hlink>
-        <a:srgbClr val="0563C1"/>
+        <a:srgbClr val="E98052"/>
       </a:hlink>
       <a:folHlink>
-        <a:srgbClr val="954F72"/>
+        <a:srgbClr val="F4B69B"/>
       </a:folHlink>
     </a:clrScheme>
-    <a:fontScheme name="Tema di Office">
+    <a:fontScheme name="Ardesia">
       <a:majorFont>
-        <a:latin typeface="Calibri Light" panose="020F0302020204030204"/>
+        <a:latin typeface="Calisto MT" panose="02040603050505030304"/>
         <a:ea typeface=""/>
         <a:cs typeface=""/>
-        <a:font script="Jpan" typeface="游ゴシック Light"/>
-        <a:font script="Hang" typeface="맑은 고딕"/>
-        <a:font script="Hans" typeface="等线 Light"/>
-        <a:font script="Hant" typeface="新細明體"/>
-        <a:font script="Arab" typeface="Times New Roman"/>
-        <a:font script="Hebr" typeface="Times New Roman"/>
-        <a:font script="Thai" typeface="Angsana New"/>
+        <a:font script="Jpan" typeface="ＭＳ Ｐゴシック"/>
+        <a:font script="Hang" typeface="돋움"/>
+        <a:font script="Hans" typeface="方正舒体"/>
+        <a:font script="Hant" typeface="微軟正黑體"/>
+        <a:font script="Arab" typeface="Arial"/>
+        <a:font script="Hebr" typeface="Arial"/>
+        <a:font script="Thai" typeface="Cordia New"/>
         <a:font script="Ethi" typeface="Nyala"/>
         <a:font script="Beng" typeface="Vrinda"/>
         <a:font script="Gujr" typeface="Shruti"/>
-        <a:font script="Khmr" typeface="MoolBoran"/>
+        <a:font script="Khmr" typeface="DaunPenh"/>
         <a:font script="Knda" typeface="Tunga"/>
         <a:font script="Guru" typeface="Raavi"/>
         <a:font script="Cans" typeface="Euphemia"/>
@@ -5545,18 +10553,18 @@
         <a:font script="Laoo" typeface="DokChampa"/>
         <a:font script="Sinh" typeface="Iskoola Pota"/>
         <a:font script="Mong" typeface="Mongolian Baiti"/>
-        <a:font script="Viet" typeface="Times New Roman"/>
+        <a:font script="Viet" typeface="Arial"/>
         <a:font script="Uigh" typeface="Microsoft Uighur"/>
         <a:font script="Geor" typeface="Sylfaen"/>
       </a:majorFont>
       <a:minorFont>
-        <a:latin typeface="Calibri" panose="020F0502020204030204"/>
+        <a:latin typeface="Calisto MT" panose="02040603050505030304"/>
         <a:ea typeface=""/>
         <a:cs typeface=""/>
-        <a:font script="Jpan" typeface="游ゴシック"/>
-        <a:font script="Hang" typeface="맑은 고딕"/>
-        <a:font script="Hans" typeface="等线"/>
-        <a:font script="Hant" typeface="新細明體"/>
+        <a:font script="Jpan" typeface="ＭＳ Ｐゴシック"/>
+        <a:font script="Hang" typeface="돋움"/>
+        <a:font script="Hans" typeface="方正舒体"/>
+        <a:font script="Hant" typeface="微軟正黑體"/>
         <a:font script="Arab" typeface="Arial"/>
         <a:font script="Hebr" typeface="Arial"/>
         <a:font script="Thai" typeface="Cordia New"/>
@@ -5585,7 +10593,7 @@
         <a:font script="Geor" typeface="Sylfaen"/>
       </a:minorFont>
     </a:fontScheme>
-    <a:fmtScheme name="Tema di Office">
+    <a:fmtScheme name="Ardesia">
       <a:fillStyleLst>
         <a:solidFill>
           <a:schemeClr val="phClr"/>
@@ -5594,23 +10602,13 @@
           <a:gsLst>
             <a:gs pos="0">
               <a:schemeClr val="phClr">
+                <a:tint val="60000"/>
                 <a:lumMod val="110000"/>
-                <a:satMod val="105000"/>
-                <a:tint val="67000"/>
-              </a:schemeClr>
-            </a:gs>
-            <a:gs pos="50000">
-              <a:schemeClr val="phClr">
-                <a:lumMod val="105000"/>
-                <a:satMod val="103000"/>
-                <a:tint val="73000"/>
               </a:schemeClr>
             </a:gs>
             <a:gs pos="100000">
               <a:schemeClr val="phClr">
-                <a:lumMod val="105000"/>
-                <a:satMod val="109000"/>
-                <a:tint val="81000"/>
+                <a:tint val="88000"/>
               </a:schemeClr>
             </a:gs>
           </a:gsLst>
@@ -5620,23 +10618,14 @@
           <a:gsLst>
             <a:gs pos="0">
               <a:schemeClr val="phClr">
-                <a:satMod val="103000"/>
-                <a:lumMod val="102000"/>
-                <a:tint val="94000"/>
-              </a:schemeClr>
-            </a:gs>
-            <a:gs pos="50000">
-              <a:schemeClr val="phClr">
-                <a:satMod val="110000"/>
-                <a:lumMod val="100000"/>
-                <a:shade val="100000"/>
+                <a:tint val="96000"/>
+                <a:lumMod val="104000"/>
               </a:schemeClr>
             </a:gs>
             <a:gs pos="100000">
               <a:schemeClr val="phClr">
-                <a:lumMod val="99000"/>
-                <a:satMod val="120000"/>
-                <a:shade val="78000"/>
+                <a:shade val="90000"/>
+                <a:lumMod val="90000"/>
               </a:schemeClr>
             </a:gs>
           </a:gsLst>
@@ -5644,26 +10633,25 @@
         </a:gradFill>
       </a:fillStyleLst>
       <a:lnStyleLst>
-        <a:ln w="6350" cap="flat" cmpd="sng" algn="ctr">
+        <a:ln w="9525" cap="rnd" cmpd="sng" algn="ctr">
+          <a:solidFill>
+            <a:schemeClr val="phClr">
+              <a:shade val="90000"/>
+            </a:schemeClr>
+          </a:solidFill>
+          <a:prstDash val="solid"/>
+        </a:ln>
+        <a:ln w="15875" cap="rnd" cmpd="sng" algn="ctr">
           <a:solidFill>
             <a:schemeClr val="phClr"/>
           </a:solidFill>
           <a:prstDash val="solid"/>
-          <a:miter lim="800000"/>
         </a:ln>
-        <a:ln w="12700" cap="flat" cmpd="sng" algn="ctr">
+        <a:ln w="25400" cap="rnd" cmpd="sng" algn="ctr">
           <a:solidFill>
             <a:schemeClr val="phClr"/>
           </a:solidFill>
           <a:prstDash val="solid"/>
-          <a:miter lim="800000"/>
-        </a:ln>
-        <a:ln w="19050" cap="flat" cmpd="sng" algn="ctr">
-          <a:solidFill>
-            <a:schemeClr val="phClr"/>
-          </a:solidFill>
-          <a:prstDash val="solid"/>
-          <a:miter lim="800000"/>
         </a:ln>
       </a:lnStyleLst>
       <a:effectStyleLst>
@@ -5671,16 +10659,33 @@
           <a:effectLst/>
         </a:effectStyle>
         <a:effectStyle>
-          <a:effectLst/>
+          <a:effectLst>
+            <a:outerShdw blurRad="63500" dist="25400" dir="5400000" rotWithShape="0">
+              <a:srgbClr val="000000">
+                <a:alpha val="60000"/>
+              </a:srgbClr>
+            </a:outerShdw>
+          </a:effectLst>
         </a:effectStyle>
         <a:effectStyle>
           <a:effectLst>
-            <a:outerShdw blurRad="57150" dist="19050" dir="5400000" algn="ctr" rotWithShape="0">
+            <a:outerShdw blurRad="76200" dist="38100" dir="5400000" rotWithShape="0">
               <a:srgbClr val="000000">
-                <a:alpha val="63000"/>
+                <a:alpha val="75000"/>
               </a:srgbClr>
             </a:outerShdw>
           </a:effectLst>
+          <a:scene3d>
+            <a:camera prst="orthographicFront">
+              <a:rot lat="0" lon="0" rev="0"/>
+            </a:camera>
+            <a:lightRig rig="threePt" dir="t">
+              <a:rot lat="0" lon="0" rev="1200000"/>
+            </a:lightRig>
+          </a:scene3d>
+          <a:sp3d>
+            <a:bevelT w="63500" h="25400" prst="hardEdge"/>
+          </a:sp3d>
         </a:effectStyle>
       </a:effectStyleLst>
       <a:bgFillStyleLst>
@@ -5688,38 +10693,22 @@
           <a:schemeClr val="phClr"/>
         </a:solidFill>
         <a:solidFill>
-          <a:schemeClr val="phClr">
-            <a:tint val="95000"/>
-            <a:satMod val="170000"/>
-          </a:schemeClr>
+          <a:schemeClr val="phClr"/>
         </a:solidFill>
-        <a:gradFill rotWithShape="1">
-          <a:gsLst>
-            <a:gs pos="0">
+        <a:blipFill rotWithShape="1">
+          <a:blip xmlns:r="http://schemas.openxmlformats.org/officeDocument/2006/relationships" r:embed="rId1">
+            <a:duotone>
               <a:schemeClr val="phClr">
-                <a:tint val="93000"/>
-                <a:satMod val="150000"/>
-                <a:shade val="98000"/>
-                <a:lumMod val="102000"/>
+                <a:shade val="80000"/>
+                <a:lumMod val="80000"/>
               </a:schemeClr>
-            </a:gs>
-            <a:gs pos="50000">
               <a:schemeClr val="phClr">
                 <a:tint val="98000"/>
-                <a:satMod val="130000"/>
-                <a:shade val="90000"/>
-                <a:lumMod val="103000"/>
               </a:schemeClr>
-            </a:gs>
-            <a:gs pos="100000">
-              <a:schemeClr val="phClr">
-                <a:shade val="63000"/>
-                <a:satMod val="120000"/>
-              </a:schemeClr>
-            </a:gs>
-          </a:gsLst>
-          <a:lin ang="5400000" scaled="0"/>
-        </a:gradFill>
+            </a:duotone>
+          </a:blip>
+          <a:stretch/>
+        </a:blipFill>
       </a:bgFillStyleLst>
     </a:fmtScheme>
   </a:themeElements>
@@ -5727,7 +10716,7 @@
   <a:extraClrSchemeLst/>
   <a:extLst>
     <a:ext uri="{05A4C25C-085E-4340-85A3-A5531E510DB2}">
-      <thm15:themeFamily xmlns:thm15="http://schemas.microsoft.com/office/thememl/2012/main" name="Office Theme 2013 - 2022" id="{62F939B6-93AF-4DB8-9C6B-D6C7DFDC589F}" vid="{4A3C46E8-61CC-4603-A589-7422A47A8E4A}"/>
+      <thm15:themeFamily xmlns:thm15="http://schemas.microsoft.com/office/thememl/2012/main" name="Slate" id="{C3F70B94-7CE9-428E-ADC1-3269CC2C3385}" vid="{3F2DE9A5-64E6-437C-A389-CC4477E817E8}"/>
     </a:ext>
   </a:extLst>
 </a:theme>

--- a/BC3/G/Bozza.pptx
+++ b/BC3/G/Bozza.pptx
@@ -11271,10 +11271,16 @@
               <a:t>     - </a:t>
             </a:r>
             <a:r>
+              <a:rPr lang="it-IT" sz="1900" dirty="0">
+                <a:latin typeface="+mj-lt"/>
+              </a:rPr>
+              <a:t>K-</a:t>
+            </a:r>
+            <a:r>
               <a:rPr lang="it-IT" sz="1900" dirty="0" err="1">
                 <a:latin typeface="+mj-lt"/>
               </a:rPr>
-              <a:t>Kmeans</a:t>
+              <a:t>means</a:t>
             </a:r>
             <a:r>
               <a:rPr lang="it-IT" sz="1900" dirty="0">
@@ -11805,7 +11811,7 @@
             </a:r>
             <a:r>
               <a:rPr lang="it-IT" b="1" dirty="0" err="1"/>
-              <a:t>normalize</a:t>
+              <a:t>normalizing</a:t>
             </a:r>
             <a:r>
               <a:rPr lang="it-IT" dirty="0"/>
@@ -12273,9 +12279,12 @@
             </a:r>
             <a:r>
               <a:rPr lang="it-IT" dirty="0" err="1"/>
-              <a:t>periods.ù</a:t>
-            </a:r>
-            <a:endParaRPr lang="it-IT" dirty="0"/>
+              <a:t>periods</a:t>
+            </a:r>
+            <a:r>
+              <a:rPr lang="it-IT" dirty="0"/>
+              <a:t>.</a:t>
+            </a:r>
           </a:p>
           <a:p>
             <a:r>
@@ -12296,7 +12305,7 @@
             </a:r>
             <a:r>
               <a:rPr lang="it-IT" b="1" dirty="0" err="1"/>
-              <a:t>valus</a:t>
+              <a:t>values</a:t>
             </a:r>
             <a:r>
               <a:rPr lang="it-IT" b="1" dirty="0"/>
@@ -12848,7 +12857,7 @@
             </a:r>
             <a:r>
               <a:rPr lang="it-IT" dirty="0"/>
-              <a:t> </a:t>
+              <a:t> by </a:t>
             </a:r>
             <a:r>
               <a:rPr lang="it-IT" dirty="0" err="1"/>
@@ -13352,8 +13361,12 @@
               <a:t> the </a:t>
             </a:r>
             <a:r>
+              <a:rPr lang="it-IT" b="1" dirty="0"/>
+              <a:t>K-</a:t>
+            </a:r>
+            <a:r>
               <a:rPr lang="it-IT" b="1" dirty="0" err="1"/>
-              <a:t>Kmeans</a:t>
+              <a:t>means</a:t>
             </a:r>
             <a:r>
               <a:rPr lang="it-IT" dirty="0"/>
@@ -13510,7 +13523,7 @@
             </a:r>
             <a:r>
               <a:rPr lang="it-IT" dirty="0" err="1"/>
-              <a:t>performe</a:t>
+              <a:t>perform</a:t>
             </a:r>
             <a:r>
               <a:rPr lang="it-IT" dirty="0"/>
@@ -13772,8 +13785,12 @@
           <a:lstStyle/>
           <a:p>
             <a:r>
+              <a:rPr lang="it-IT" sz="1500" i="1" dirty="0"/>
+              <a:t>K-</a:t>
+            </a:r>
+            <a:r>
               <a:rPr lang="it-IT" sz="1500" i="1" dirty="0" err="1"/>
-              <a:t>Kmeans</a:t>
+              <a:t>means</a:t>
             </a:r>
             <a:r>
               <a:rPr lang="it-IT" dirty="0"/>

--- a/BC3/G/Bozza.pptx
+++ b/BC3/G/Bozza.pptx
@@ -11805,7 +11805,7 @@
             </a:r>
             <a:r>
               <a:rPr lang="it-IT" b="1" dirty="0" err="1"/>
-              <a:t>normalize</a:t>
+              <a:t>normalizing</a:t>
             </a:r>
             <a:r>
               <a:rPr lang="it-IT" dirty="0"/>
@@ -11813,7 +11813,7 @@
             </a:r>
             <a:r>
               <a:rPr lang="it-IT" b="1" dirty="0" err="1"/>
-              <a:t>zscoring</a:t>
+              <a:t>zscore</a:t>
             </a:r>
             <a:r>
               <a:rPr lang="it-IT" dirty="0"/>
@@ -12273,9 +12273,12 @@
             </a:r>
             <a:r>
               <a:rPr lang="it-IT" dirty="0" err="1"/>
-              <a:t>periods.ù</a:t>
-            </a:r>
-            <a:endParaRPr lang="it-IT" dirty="0"/>
+              <a:t>periods</a:t>
+            </a:r>
+            <a:r>
+              <a:rPr lang="it-IT" dirty="0"/>
+              <a:t>.</a:t>
+            </a:r>
           </a:p>
           <a:p>
             <a:r>
@@ -13945,8 +13948,8 @@
         </p:nvSpPr>
         <p:spPr>
           <a:xfrm>
-            <a:off x="312228" y="1585490"/>
-            <a:ext cx="4655213" cy="1568320"/>
+            <a:off x="499041" y="1264714"/>
+            <a:ext cx="10375436" cy="821113"/>
           </a:xfrm>
         </p:spPr>
         <p:txBody>
@@ -13955,47 +13958,69 @@
           </a:bodyPr>
           <a:lstStyle/>
           <a:p>
-            <a:pPr marL="36900" indent="0">
+            <a:pPr marL="0" indent="0">
               <a:buNone/>
             </a:pPr>
             <a:r>
-              <a:rPr lang="it-IT" sz="1800" dirty="0"/>
+              <a:rPr lang="it-IT" sz="1800" dirty="0">
+                <a:solidFill>
+                  <a:schemeClr val="tx1"/>
+                </a:solidFill>
+              </a:rPr>
               <a:t>We tried a </a:t>
             </a:r>
             <a:r>
-              <a:rPr lang="it-IT" sz="1800" dirty="0" err="1"/>
+              <a:rPr lang="it-IT" sz="1800" dirty="0" err="1">
+                <a:solidFill>
+                  <a:schemeClr val="tx1"/>
+                </a:solidFill>
+              </a:rPr>
               <a:t>naive</a:t>
             </a:r>
             <a:r>
-              <a:rPr lang="it-IT" sz="1800" dirty="0"/>
-              <a:t> Oversampling:</a:t>
-            </a:r>
-          </a:p>
-          <a:p>
-            <a:pPr marL="36900" indent="0">
+              <a:rPr lang="it-IT" sz="1800" dirty="0">
+                <a:solidFill>
+                  <a:schemeClr val="tx1"/>
+                </a:solidFill>
+              </a:rPr>
+              <a:t> </a:t>
+            </a:r>
+            <a:r>
+              <a:rPr lang="it-IT" sz="1800" dirty="0" err="1">
+                <a:solidFill>
+                  <a:schemeClr val="tx1"/>
+                </a:solidFill>
+              </a:rPr>
+              <a:t>Oversampling</a:t>
+            </a:r>
+            <a:r>
+              <a:rPr lang="it-IT" sz="1800" dirty="0">
+                <a:solidFill>
+                  <a:schemeClr val="tx1"/>
+                </a:solidFill>
+              </a:rPr>
+              <a:t>:                            </a:t>
+            </a:r>
+            <a:r>
+              <a:rPr lang="en-US" sz="1800" dirty="0">
+                <a:solidFill>
+                  <a:schemeClr val="tx1"/>
+                </a:solidFill>
+              </a:rPr>
+              <a:t>Number of new anomalies added: 636 </a:t>
+            </a:r>
+          </a:p>
+          <a:p>
+            <a:pPr marL="0" indent="0">
               <a:buNone/>
             </a:pPr>
             <a:r>
-              <a:rPr lang="en-US" sz="1800" dirty="0"/>
-              <a:t>Number of new anomalies added: 636</a:t>
-            </a:r>
-          </a:p>
-          <a:p>
-            <a:pPr marL="36900" indent="0">
-              <a:buNone/>
-            </a:pPr>
-            <a:r>
-              <a:rPr lang="en-US" sz="1800" dirty="0"/>
-              <a:t>NROS has added 268.354% more anomalies</a:t>
-            </a:r>
-          </a:p>
-          <a:p>
-            <a:pPr marL="36900" indent="0">
-              <a:buNone/>
-            </a:pPr>
-            <a:r>
-              <a:rPr lang="en-US" sz="1800" dirty="0"/>
-              <a:t>New ratio of 0-1: {0: 0.5, 1: 0.5}</a:t>
+              <a:rPr lang="en-US" sz="1800" dirty="0">
+                <a:solidFill>
+                  <a:schemeClr val="tx1"/>
+                </a:solidFill>
+              </a:rPr>
+              <a:t>NROS has added 268.354% more anomalies       New ratio of 0-1: {0: 0.5, 1: 0.5}</a:t>
             </a:r>
           </a:p>
         </p:txBody>
@@ -14089,7 +14114,7 @@
         </p:blipFill>
         <p:spPr>
           <a:xfrm>
-            <a:off x="4972204" y="1150388"/>
+            <a:off x="2563301" y="3057846"/>
             <a:ext cx="6902805" cy="2438525"/>
           </a:xfrm>
           <a:prstGeom prst="rect">
@@ -14113,7 +14138,7 @@
         </p:nvSpPr>
         <p:spPr>
           <a:xfrm>
-            <a:off x="2436599" y="3734303"/>
+            <a:off x="2436599" y="5635126"/>
             <a:ext cx="7318802" cy="405766"/>
           </a:xfrm>
           <a:prstGeom prst="rect">
@@ -14481,103 +14506,80 @@
               <a:buNone/>
             </a:pPr>
             <a:r>
-              <a:rPr lang="it-IT" sz="1800" dirty="0"/>
+              <a:rPr lang="it-IT" sz="1800" dirty="0">
+                <a:solidFill>
+                  <a:schemeClr val="tx1"/>
+                </a:solidFill>
+              </a:rPr>
               <a:t>We then tried an </a:t>
             </a:r>
             <a:r>
-              <a:rPr lang="it-IT" sz="1800" dirty="0" err="1"/>
+              <a:rPr lang="it-IT" sz="1800" dirty="0" err="1">
+                <a:solidFill>
+                  <a:schemeClr val="tx1"/>
+                </a:solidFill>
+              </a:rPr>
               <a:t>Isolation</a:t>
             </a:r>
             <a:r>
-              <a:rPr lang="it-IT" sz="1800" dirty="0"/>
+              <a:rPr lang="it-IT" sz="1800" dirty="0">
+                <a:solidFill>
+                  <a:schemeClr val="tx1"/>
+                </a:solidFill>
+              </a:rPr>
               <a:t> </a:t>
             </a:r>
             <a:r>
-              <a:rPr lang="it-IT" sz="1800" dirty="0" err="1"/>
+              <a:rPr lang="it-IT" sz="1800" dirty="0" err="1">
+                <a:solidFill>
+                  <a:schemeClr val="tx1"/>
+                </a:solidFill>
+              </a:rPr>
               <a:t>Forest</a:t>
             </a:r>
             <a:r>
-              <a:rPr lang="it-IT" sz="1800" dirty="0"/>
+              <a:rPr lang="it-IT" sz="1800" dirty="0">
+                <a:solidFill>
+                  <a:schemeClr val="tx1"/>
+                </a:solidFill>
+              </a:rPr>
               <a:t>, </a:t>
             </a:r>
             <a:r>
-              <a:rPr lang="it-IT" sz="1800" dirty="0" err="1"/>
+              <a:rPr lang="it-IT" sz="1800" dirty="0" err="1">
+                <a:solidFill>
+                  <a:schemeClr val="tx1"/>
+                </a:solidFill>
+              </a:rPr>
               <a:t>which</a:t>
             </a:r>
             <a:r>
-              <a:rPr lang="it-IT" sz="1800" dirty="0"/>
+              <a:rPr lang="it-IT" sz="1800" dirty="0">
+                <a:solidFill>
+                  <a:schemeClr val="tx1"/>
+                </a:solidFill>
+              </a:rPr>
               <a:t> seems to be </a:t>
             </a:r>
             <a:r>
-              <a:rPr lang="it-IT" sz="1800" dirty="0" err="1"/>
+              <a:rPr lang="it-IT" sz="1800" dirty="0" err="1">
+                <a:solidFill>
+                  <a:schemeClr val="tx1"/>
+                </a:solidFill>
+              </a:rPr>
               <a:t>too</a:t>
             </a:r>
             <a:r>
-              <a:rPr lang="it-IT" sz="1800" dirty="0"/>
+              <a:rPr lang="it-IT" sz="1800" dirty="0">
+                <a:solidFill>
+                  <a:schemeClr val="tx1"/>
+                </a:solidFill>
+              </a:rPr>
               <a:t> unbalanced</a:t>
             </a:r>
           </a:p>
         </p:txBody>
       </p:sp>
-      <p:pic>
-        <p:nvPicPr>
-          <p:cNvPr id="9" name="Immagine 8">
-            <a:extLst>
-              <a:ext uri="{FF2B5EF4-FFF2-40B4-BE49-F238E27FC236}">
-                <a16:creationId xmlns:a16="http://schemas.microsoft.com/office/drawing/2014/main" id="{2FD5891C-5441-A25D-8C80-E60C489FF502}"/>
-              </a:ext>
-            </a:extLst>
-          </p:cNvPr>
-          <p:cNvPicPr>
-            <a:picLocks noChangeAspect="1"/>
-          </p:cNvPicPr>
-          <p:nvPr/>
-        </p:nvPicPr>
-        <p:blipFill>
-          <a:blip r:embed="rId3"/>
-          <a:stretch>
-            <a:fillRect/>
-          </a:stretch>
-        </p:blipFill>
-        <p:spPr>
-          <a:xfrm>
-            <a:off x="2890159" y="4161976"/>
-            <a:ext cx="2635385" cy="2159111"/>
-          </a:xfrm>
-          <a:prstGeom prst="rect">
-            <a:avLst/>
-          </a:prstGeom>
-        </p:spPr>
-      </p:pic>
-      <p:pic>
-        <p:nvPicPr>
-          <p:cNvPr id="11" name="Immagine 10">
-            <a:extLst>
-              <a:ext uri="{FF2B5EF4-FFF2-40B4-BE49-F238E27FC236}">
-                <a16:creationId xmlns:a16="http://schemas.microsoft.com/office/drawing/2014/main" id="{CE0F67FB-5D77-3F2C-6E65-E0B16D268A32}"/>
-              </a:ext>
-            </a:extLst>
-          </p:cNvPr>
-          <p:cNvPicPr>
-            <a:picLocks noChangeAspect="1"/>
-          </p:cNvPicPr>
-          <p:nvPr/>
-        </p:nvPicPr>
-        <p:blipFill rotWithShape="1">
-          <a:blip r:embed="rId4"/>
-          <a:srcRect t="1" b="2159"/>
-          <a:stretch/>
-        </p:blipFill>
-        <p:spPr>
-          <a:xfrm>
-            <a:off x="6666458" y="4189959"/>
-            <a:ext cx="2705239" cy="2131128"/>
-          </a:xfrm>
-          <a:prstGeom prst="rect">
-            <a:avLst/>
-          </a:prstGeom>
-        </p:spPr>
-      </p:pic>
       <p:sp>
         <p:nvSpPr>
           <p:cNvPr id="2" name="CasellaDiTesto 1">
@@ -14647,6 +14649,406 @@
               <a:rPr lang="en-US" dirty="0"/>
             </a:br>
             <a:endParaRPr lang="it-IT" dirty="0"/>
+          </a:p>
+        </p:txBody>
+      </p:sp>
+      <p:sp>
+        <p:nvSpPr>
+          <p:cNvPr id="12" name="CasellaDiTesto 11">
+            <a:extLst>
+              <a:ext uri="{FF2B5EF4-FFF2-40B4-BE49-F238E27FC236}">
+                <a16:creationId xmlns:a16="http://schemas.microsoft.com/office/drawing/2014/main" id="{02B033E7-5BB9-329A-5D9F-A2504E7520E7}"/>
+              </a:ext>
+            </a:extLst>
+          </p:cNvPr>
+          <p:cNvSpPr txBox="1"/>
+          <p:nvPr/>
+        </p:nvSpPr>
+        <p:spPr>
+          <a:xfrm>
+            <a:off x="1700980" y="2248671"/>
+            <a:ext cx="6282473" cy="646331"/>
+          </a:xfrm>
+          <a:prstGeom prst="rect">
+            <a:avLst/>
+          </a:prstGeom>
+          <a:noFill/>
+        </p:spPr>
+        <p:txBody>
+          <a:bodyPr wrap="square" rtlCol="0">
+            <a:spAutoFit/>
+          </a:bodyPr>
+          <a:lstStyle/>
+          <a:p>
+            <a:pPr>
+              <a:spcBef>
+                <a:spcPct val="20000"/>
+              </a:spcBef>
+              <a:spcAft>
+                <a:spcPts val="600"/>
+              </a:spcAft>
+              <a:buClr>
+                <a:schemeClr val="tx2"/>
+              </a:buClr>
+              <a:buSzPct val="70000"/>
+            </a:pPr>
+            <a:r>
+              <a:rPr lang="it-IT" dirty="0">
+                <a:ln>
+                  <a:solidFill>
+                    <a:schemeClr val="bg1">
+                      <a:lumMod val="75000"/>
+                      <a:lumOff val="25000"/>
+                      <a:alpha val="10000"/>
+                    </a:schemeClr>
+                  </a:solidFill>
+                </a:ln>
+                <a:effectLst>
+                  <a:outerShdw blurRad="9525" dist="25400" dir="14640000" algn="tl" rotWithShape="0">
+                    <a:schemeClr val="bg1">
+                      <a:alpha val="30000"/>
+                    </a:schemeClr>
+                  </a:outerShdw>
+                </a:effectLst>
+              </a:rPr>
+              <a:t>At </a:t>
+            </a:r>
+            <a:r>
+              <a:rPr lang="it-IT" dirty="0" err="1">
+                <a:ln>
+                  <a:solidFill>
+                    <a:schemeClr val="bg1">
+                      <a:lumMod val="75000"/>
+                      <a:lumOff val="25000"/>
+                      <a:alpha val="10000"/>
+                    </a:schemeClr>
+                  </a:solidFill>
+                </a:ln>
+                <a:effectLst>
+                  <a:outerShdw blurRad="9525" dist="25400" dir="14640000" algn="tl" rotWithShape="0">
+                    <a:schemeClr val="bg1">
+                      <a:alpha val="30000"/>
+                    </a:schemeClr>
+                  </a:outerShdw>
+                </a:effectLst>
+              </a:rPr>
+              <a:t>this</a:t>
+            </a:r>
+            <a:r>
+              <a:rPr lang="it-IT" dirty="0">
+                <a:ln>
+                  <a:solidFill>
+                    <a:schemeClr val="bg1">
+                      <a:lumMod val="75000"/>
+                      <a:lumOff val="25000"/>
+                      <a:alpha val="10000"/>
+                    </a:schemeClr>
+                  </a:solidFill>
+                </a:ln>
+                <a:effectLst>
+                  <a:outerShdw blurRad="9525" dist="25400" dir="14640000" algn="tl" rotWithShape="0">
+                    <a:schemeClr val="bg1">
+                      <a:alpha val="30000"/>
+                    </a:schemeClr>
+                  </a:outerShdw>
+                </a:effectLst>
+              </a:rPr>
+              <a:t> point, </a:t>
+            </a:r>
+            <a:r>
+              <a:rPr lang="it-IT" dirty="0" err="1">
+                <a:ln>
+                  <a:solidFill>
+                    <a:schemeClr val="bg1">
+                      <a:lumMod val="75000"/>
+                      <a:lumOff val="25000"/>
+                      <a:alpha val="10000"/>
+                    </a:schemeClr>
+                  </a:solidFill>
+                </a:ln>
+                <a:effectLst>
+                  <a:outerShdw blurRad="9525" dist="25400" dir="14640000" algn="tl" rotWithShape="0">
+                    <a:schemeClr val="bg1">
+                      <a:alpha val="30000"/>
+                    </a:schemeClr>
+                  </a:outerShdw>
+                </a:effectLst>
+              </a:rPr>
+              <a:t>we</a:t>
+            </a:r>
+            <a:r>
+              <a:rPr lang="it-IT" dirty="0">
+                <a:ln>
+                  <a:solidFill>
+                    <a:schemeClr val="bg1">
+                      <a:lumMod val="75000"/>
+                      <a:lumOff val="25000"/>
+                      <a:alpha val="10000"/>
+                    </a:schemeClr>
+                  </a:solidFill>
+                </a:ln>
+                <a:effectLst>
+                  <a:outerShdw blurRad="9525" dist="25400" dir="14640000" algn="tl" rotWithShape="0">
+                    <a:schemeClr val="bg1">
+                      <a:alpha val="30000"/>
+                    </a:schemeClr>
+                  </a:outerShdw>
+                </a:effectLst>
+              </a:rPr>
+              <a:t> </a:t>
+            </a:r>
+            <a:r>
+              <a:rPr lang="it-IT" dirty="0" err="1">
+                <a:ln>
+                  <a:solidFill>
+                    <a:schemeClr val="bg1">
+                      <a:lumMod val="75000"/>
+                      <a:lumOff val="25000"/>
+                      <a:alpha val="10000"/>
+                    </a:schemeClr>
+                  </a:solidFill>
+                </a:ln>
+                <a:effectLst>
+                  <a:outerShdw blurRad="9525" dist="25400" dir="14640000" algn="tl" rotWithShape="0">
+                    <a:schemeClr val="bg1">
+                      <a:alpha val="30000"/>
+                    </a:schemeClr>
+                  </a:outerShdw>
+                </a:effectLst>
+              </a:rPr>
+              <a:t>used</a:t>
+            </a:r>
+            <a:r>
+              <a:rPr lang="it-IT" dirty="0">
+                <a:ln>
+                  <a:solidFill>
+                    <a:schemeClr val="bg1">
+                      <a:lumMod val="75000"/>
+                      <a:lumOff val="25000"/>
+                      <a:alpha val="10000"/>
+                    </a:schemeClr>
+                  </a:solidFill>
+                </a:ln>
+                <a:effectLst>
+                  <a:outerShdw blurRad="9525" dist="25400" dir="14640000" algn="tl" rotWithShape="0">
+                    <a:schemeClr val="bg1">
+                      <a:alpha val="30000"/>
+                    </a:schemeClr>
+                  </a:outerShdw>
+                </a:effectLst>
+              </a:rPr>
+              <a:t> a K-</a:t>
+            </a:r>
+            <a:r>
+              <a:rPr lang="it-IT" dirty="0" err="1">
+                <a:ln>
+                  <a:solidFill>
+                    <a:schemeClr val="bg1">
+                      <a:lumMod val="75000"/>
+                      <a:lumOff val="25000"/>
+                      <a:alpha val="10000"/>
+                    </a:schemeClr>
+                  </a:solidFill>
+                </a:ln>
+                <a:effectLst>
+                  <a:outerShdw blurRad="9525" dist="25400" dir="14640000" algn="tl" rotWithShape="0">
+                    <a:schemeClr val="bg1">
+                      <a:alpha val="30000"/>
+                    </a:schemeClr>
+                  </a:outerShdw>
+                </a:effectLst>
+              </a:rPr>
+              <a:t>Nearest</a:t>
+            </a:r>
+            <a:r>
+              <a:rPr lang="it-IT" dirty="0">
+                <a:ln>
+                  <a:solidFill>
+                    <a:schemeClr val="bg1">
+                      <a:lumMod val="75000"/>
+                      <a:lumOff val="25000"/>
+                      <a:alpha val="10000"/>
+                    </a:schemeClr>
+                  </a:solidFill>
+                </a:ln>
+                <a:effectLst>
+                  <a:outerShdw blurRad="9525" dist="25400" dir="14640000" algn="tl" rotWithShape="0">
+                    <a:schemeClr val="bg1">
+                      <a:alpha val="30000"/>
+                    </a:schemeClr>
+                  </a:outerShdw>
+                </a:effectLst>
+              </a:rPr>
+              <a:t> </a:t>
+            </a:r>
+            <a:r>
+              <a:rPr lang="it-IT" dirty="0" err="1">
+                <a:ln>
+                  <a:solidFill>
+                    <a:schemeClr val="bg1">
+                      <a:lumMod val="75000"/>
+                      <a:lumOff val="25000"/>
+                      <a:alpha val="10000"/>
+                    </a:schemeClr>
+                  </a:solidFill>
+                </a:ln>
+                <a:effectLst>
+                  <a:outerShdw blurRad="9525" dist="25400" dir="14640000" algn="tl" rotWithShape="0">
+                    <a:schemeClr val="bg1">
+                      <a:alpha val="30000"/>
+                    </a:schemeClr>
+                  </a:outerShdw>
+                </a:effectLst>
+              </a:rPr>
+              <a:t>Neighbours</a:t>
+            </a:r>
+            <a:r>
+              <a:rPr lang="it-IT" dirty="0">
+                <a:ln>
+                  <a:solidFill>
+                    <a:schemeClr val="bg1">
+                      <a:lumMod val="75000"/>
+                      <a:lumOff val="25000"/>
+                      <a:alpha val="10000"/>
+                    </a:schemeClr>
+                  </a:solidFill>
+                </a:ln>
+                <a:effectLst>
+                  <a:outerShdw blurRad="9525" dist="25400" dir="14640000" algn="tl" rotWithShape="0">
+                    <a:schemeClr val="bg1">
+                      <a:alpha val="30000"/>
+                    </a:schemeClr>
+                  </a:outerShdw>
+                </a:effectLst>
+              </a:rPr>
+              <a:t> </a:t>
+            </a:r>
+            <a:r>
+              <a:rPr lang="it-IT" dirty="0" err="1">
+                <a:ln>
+                  <a:solidFill>
+                    <a:schemeClr val="bg1">
+                      <a:lumMod val="75000"/>
+                      <a:lumOff val="25000"/>
+                      <a:alpha val="10000"/>
+                    </a:schemeClr>
+                  </a:solidFill>
+                </a:ln>
+                <a:effectLst>
+                  <a:outerShdw blurRad="9525" dist="25400" dir="14640000" algn="tl" rotWithShape="0">
+                    <a:schemeClr val="bg1">
+                      <a:alpha val="30000"/>
+                    </a:schemeClr>
+                  </a:outerShdw>
+                </a:effectLst>
+              </a:rPr>
+              <a:t>algorithm</a:t>
+            </a:r>
+            <a:r>
+              <a:rPr lang="it-IT" dirty="0">
+                <a:ln>
+                  <a:solidFill>
+                    <a:schemeClr val="bg1">
+                      <a:lumMod val="75000"/>
+                      <a:lumOff val="25000"/>
+                      <a:alpha val="10000"/>
+                    </a:schemeClr>
+                  </a:solidFill>
+                </a:ln>
+                <a:effectLst>
+                  <a:outerShdw blurRad="9525" dist="25400" dir="14640000" algn="tl" rotWithShape="0">
+                    <a:schemeClr val="bg1">
+                      <a:alpha val="30000"/>
+                    </a:schemeClr>
+                  </a:outerShdw>
+                </a:effectLst>
+              </a:rPr>
+              <a:t>, </a:t>
+            </a:r>
+            <a:r>
+              <a:rPr lang="it-IT" dirty="0" err="1">
+                <a:ln>
+                  <a:solidFill>
+                    <a:schemeClr val="bg1">
+                      <a:lumMod val="75000"/>
+                      <a:lumOff val="25000"/>
+                      <a:alpha val="10000"/>
+                    </a:schemeClr>
+                  </a:solidFill>
+                </a:ln>
+                <a:effectLst>
+                  <a:outerShdw blurRad="9525" dist="25400" dir="14640000" algn="tl" rotWithShape="0">
+                    <a:schemeClr val="bg1">
+                      <a:alpha val="30000"/>
+                    </a:schemeClr>
+                  </a:outerShdw>
+                </a:effectLst>
+              </a:rPr>
+              <a:t>obtaing</a:t>
+            </a:r>
+            <a:r>
+              <a:rPr lang="it-IT" dirty="0">
+                <a:ln>
+                  <a:solidFill>
+                    <a:schemeClr val="bg1">
+                      <a:lumMod val="75000"/>
+                      <a:lumOff val="25000"/>
+                      <a:alpha val="10000"/>
+                    </a:schemeClr>
+                  </a:solidFill>
+                </a:ln>
+                <a:effectLst>
+                  <a:outerShdw blurRad="9525" dist="25400" dir="14640000" algn="tl" rotWithShape="0">
+                    <a:schemeClr val="bg1">
+                      <a:alpha val="30000"/>
+                    </a:schemeClr>
+                  </a:outerShdw>
+                </a:effectLst>
+              </a:rPr>
+              <a:t> the following </a:t>
+            </a:r>
+            <a:r>
+              <a:rPr lang="it-IT" dirty="0" err="1">
+                <a:ln>
+                  <a:solidFill>
+                    <a:schemeClr val="bg1">
+                      <a:lumMod val="75000"/>
+                      <a:lumOff val="25000"/>
+                      <a:alpha val="10000"/>
+                    </a:schemeClr>
+                  </a:solidFill>
+                </a:ln>
+                <a:effectLst>
+                  <a:outerShdw blurRad="9525" dist="25400" dir="14640000" algn="tl" rotWithShape="0">
+                    <a:schemeClr val="bg1">
+                      <a:alpha val="30000"/>
+                    </a:schemeClr>
+                  </a:outerShdw>
+                </a:effectLst>
+              </a:rPr>
+              <a:t>results</a:t>
+            </a:r>
+            <a:r>
+              <a:rPr lang="it-IT" dirty="0">
+                <a:ln>
+                  <a:solidFill>
+                    <a:schemeClr val="bg1">
+                      <a:lumMod val="75000"/>
+                      <a:lumOff val="25000"/>
+                      <a:alpha val="10000"/>
+                    </a:schemeClr>
+                  </a:solidFill>
+                </a:ln>
+                <a:effectLst>
+                  <a:outerShdw blurRad="9525" dist="25400" dir="14640000" algn="tl" rotWithShape="0">
+                    <a:schemeClr val="bg1">
+                      <a:alpha val="30000"/>
+                    </a:schemeClr>
+                  </a:outerShdw>
+                </a:effectLst>
+              </a:rPr>
+              <a:t>:</a:t>
+            </a:r>
           </a:p>
         </p:txBody>
       </p:sp>

--- a/BC3/G/Bozza.pptx
+++ b/BC3/G/Bozza.pptx
@@ -898,7 +898,7 @@
   <pc:docChgLst>
     <pc:chgData name="Irene Ferrari" userId="e569343e5e44b43c" providerId="LiveId" clId="{5B1A72B4-CE9F-4D8C-B4BC-16896AA3D297}"/>
     <pc:docChg chg="undo custSel addSld delSld modSld sldOrd">
-      <pc:chgData name="Irene Ferrari" userId="e569343e5e44b43c" providerId="LiveId" clId="{5B1A72B4-CE9F-4D8C-B4BC-16896AA3D297}" dt="2023-04-19T11:33:27.005" v="4026"/>
+      <pc:chgData name="Irene Ferrari" userId="e569343e5e44b43c" providerId="LiveId" clId="{5B1A72B4-CE9F-4D8C-B4BC-16896AA3D297}" dt="2023-04-19T13:29:19.855" v="4052" actId="20577"/>
       <pc:docMkLst>
         <pc:docMk/>
       </pc:docMkLst>
@@ -1494,7 +1494,7 @@
         </pc:picChg>
       </pc:sldChg>
       <pc:sldChg chg="addSp delSp modSp mod">
-        <pc:chgData name="Irene Ferrari" userId="e569343e5e44b43c" providerId="LiveId" clId="{5B1A72B4-CE9F-4D8C-B4BC-16896AA3D297}" dt="2023-04-19T11:32:15.506" v="4014" actId="1076"/>
+        <pc:chgData name="Irene Ferrari" userId="e569343e5e44b43c" providerId="LiveId" clId="{5B1A72B4-CE9F-4D8C-B4BC-16896AA3D297}" dt="2023-04-19T13:29:19.855" v="4052" actId="20577"/>
         <pc:sldMkLst>
           <pc:docMk/>
           <pc:sldMk cId="3460718081" sldId="264"/>
@@ -1548,7 +1548,7 @@
           </ac:spMkLst>
         </pc:spChg>
         <pc:spChg chg="add mod">
-          <ac:chgData name="Irene Ferrari" userId="e569343e5e44b43c" providerId="LiveId" clId="{5B1A72B4-CE9F-4D8C-B4BC-16896AA3D297}" dt="2023-04-19T11:26:58.288" v="3853" actId="1076"/>
+          <ac:chgData name="Irene Ferrari" userId="e569343e5e44b43c" providerId="LiveId" clId="{5B1A72B4-CE9F-4D8C-B4BC-16896AA3D297}" dt="2023-04-19T13:29:19.855" v="4052" actId="20577"/>
           <ac:spMkLst>
             <pc:docMk/>
             <pc:sldMk cId="3460718081" sldId="264"/>
@@ -13406,19 +13406,11 @@
             </a:r>
             <a:r>
               <a:rPr lang="it-IT" dirty="0" err="1"/>
-              <a:t>variabled</a:t>
+              <a:t>variables</a:t>
             </a:r>
             <a:r>
               <a:rPr lang="it-IT" dirty="0"/>
               <a:t> </a:t>
-            </a:r>
-            <a:r>
-              <a:rPr lang="it-IT" dirty="0" err="1"/>
-              <a:t>obtening</a:t>
-            </a:r>
-            <a:r>
-              <a:rPr lang="it-IT" dirty="0"/>
-              <a:t> the labels, </a:t>
             </a:r>
             <a:r>
               <a:rPr lang="it-IT" dirty="0" err="1"/>
@@ -13426,7 +13418,7 @@
             </a:r>
             <a:r>
               <a:rPr lang="it-IT" dirty="0"/>
-              <a:t> the following </a:t>
+              <a:t> the labels and the following </a:t>
             </a:r>
             <a:r>
               <a:rPr lang="it-IT" dirty="0" err="1"/>

--- a/BC3/G/Bozza.pptx
+++ b/BC3/G/Bozza.pptx
@@ -898,7 +898,7 @@
   <pc:docChgLst>
     <pc:chgData name="Irene Ferrari" userId="e569343e5e44b43c" providerId="LiveId" clId="{5B1A72B4-CE9F-4D8C-B4BC-16896AA3D297}"/>
     <pc:docChg chg="undo custSel addSld delSld modSld sldOrd">
-      <pc:chgData name="Irene Ferrari" userId="e569343e5e44b43c" providerId="LiveId" clId="{5B1A72B4-CE9F-4D8C-B4BC-16896AA3D297}" dt="2023-04-19T11:33:27.005" v="4026"/>
+      <pc:chgData name="Irene Ferrari" userId="e569343e5e44b43c" providerId="LiveId" clId="{5B1A72B4-CE9F-4D8C-B4BC-16896AA3D297}" dt="2023-04-19T14:08:52.923" v="4043" actId="20577"/>
       <pc:docMkLst>
         <pc:docMk/>
       </pc:docMkLst>
@@ -1494,7 +1494,7 @@
         </pc:picChg>
       </pc:sldChg>
       <pc:sldChg chg="addSp delSp modSp mod">
-        <pc:chgData name="Irene Ferrari" userId="e569343e5e44b43c" providerId="LiveId" clId="{5B1A72B4-CE9F-4D8C-B4BC-16896AA3D297}" dt="2023-04-19T11:32:15.506" v="4014" actId="1076"/>
+        <pc:chgData name="Irene Ferrari" userId="e569343e5e44b43c" providerId="LiveId" clId="{5B1A72B4-CE9F-4D8C-B4BC-16896AA3D297}" dt="2023-04-19T14:08:52.923" v="4043" actId="20577"/>
         <pc:sldMkLst>
           <pc:docMk/>
           <pc:sldMk cId="3460718081" sldId="264"/>
@@ -1548,7 +1548,7 @@
           </ac:spMkLst>
         </pc:spChg>
         <pc:spChg chg="add mod">
-          <ac:chgData name="Irene Ferrari" userId="e569343e5e44b43c" providerId="LiveId" clId="{5B1A72B4-CE9F-4D8C-B4BC-16896AA3D297}" dt="2023-04-19T11:26:58.288" v="3853" actId="1076"/>
+          <ac:chgData name="Irene Ferrari" userId="e569343e5e44b43c" providerId="LiveId" clId="{5B1A72B4-CE9F-4D8C-B4BC-16896AA3D297}" dt="2023-04-19T14:08:52.923" v="4043" actId="20577"/>
           <ac:spMkLst>
             <pc:docMk/>
             <pc:sldMk cId="3460718081" sldId="264"/>
@@ -13408,15 +13408,7 @@
             </a:r>
             <a:r>
               <a:rPr lang="it-IT" dirty="0"/>
-              <a:t> the labels, </a:t>
-            </a:r>
-            <a:r>
-              <a:rPr lang="it-IT" dirty="0" err="1"/>
-              <a:t>obtaining</a:t>
-            </a:r>
-            <a:r>
-              <a:rPr lang="it-IT" dirty="0"/>
-              <a:t> the following </a:t>
+              <a:t> the labels and the following </a:t>
             </a:r>
             <a:r>
               <a:rPr lang="it-IT" dirty="0" err="1"/>

--- a/BC3/G/Bozza.pptx
+++ b/BC3/G/Bozza.pptx
@@ -1956,7 +1956,7 @@
           <a:p>
             <a:fld id="{9556681E-2147-4F5F-ADE4-85B7757EC00E}" type="datetimeFigureOut">
               <a:rPr lang="it-IT" smtClean="0"/>
-              <a:t>19/04/2023</a:t>
+              <a:t>20/04/2023</a:t>
             </a:fld>
             <a:endParaRPr lang="it-IT"/>
           </a:p>
@@ -2408,7 +2408,7 @@
           <a:p>
             <a:fld id="{1A270AA3-85FD-4336-B0B7-87033A430298}" type="datetimeFigureOut">
               <a:rPr lang="it-IT" smtClean="0"/>
-              <a:t>19/04/2023</a:t>
+              <a:t>20/04/2023</a:t>
             </a:fld>
             <a:endParaRPr lang="it-IT" dirty="0"/>
           </a:p>
@@ -2706,7 +2706,7 @@
           <a:p>
             <a:fld id="{1A270AA3-85FD-4336-B0B7-87033A430298}" type="datetimeFigureOut">
               <a:rPr lang="it-IT" smtClean="0"/>
-              <a:t>19/04/2023</a:t>
+              <a:t>20/04/2023</a:t>
             </a:fld>
             <a:endParaRPr lang="it-IT" dirty="0"/>
           </a:p>
@@ -2898,7 +2898,7 @@
           <a:p>
             <a:fld id="{1A270AA3-85FD-4336-B0B7-87033A430298}" type="datetimeFigureOut">
               <a:rPr lang="it-IT" smtClean="0"/>
-              <a:t>19/04/2023</a:t>
+              <a:t>20/04/2023</a:t>
             </a:fld>
             <a:endParaRPr lang="it-IT" dirty="0"/>
           </a:p>
@@ -3159,7 +3159,7 @@
           <a:p>
             <a:fld id="{1A270AA3-85FD-4336-B0B7-87033A430298}" type="datetimeFigureOut">
               <a:rPr lang="it-IT" smtClean="0"/>
-              <a:t>19/04/2023</a:t>
+              <a:t>20/04/2023</a:t>
             </a:fld>
             <a:endParaRPr lang="it-IT" dirty="0"/>
           </a:p>
@@ -3583,7 +3583,7 @@
           <a:p>
             <a:fld id="{1A270AA3-85FD-4336-B0B7-87033A430298}" type="datetimeFigureOut">
               <a:rPr lang="it-IT" smtClean="0"/>
-              <a:t>19/04/2023</a:t>
+              <a:t>20/04/2023</a:t>
             </a:fld>
             <a:endParaRPr lang="it-IT" dirty="0"/>
           </a:p>
@@ -4120,7 +4120,7 @@
           <a:p>
             <a:fld id="{1A270AA3-85FD-4336-B0B7-87033A430298}" type="datetimeFigureOut">
               <a:rPr lang="it-IT" smtClean="0"/>
-              <a:t>19/04/2023</a:t>
+              <a:t>20/04/2023</a:t>
             </a:fld>
             <a:endParaRPr lang="it-IT" dirty="0"/>
           </a:p>
@@ -4984,7 +4984,7 @@
           <a:p>
             <a:fld id="{1A270AA3-85FD-4336-B0B7-87033A430298}" type="datetimeFigureOut">
               <a:rPr lang="it-IT" smtClean="0"/>
-              <a:t>19/04/2023</a:t>
+              <a:t>20/04/2023</a:t>
             </a:fld>
             <a:endParaRPr lang="it-IT" dirty="0"/>
           </a:p>
@@ -5154,7 +5154,7 @@
           <a:p>
             <a:fld id="{1A270AA3-85FD-4336-B0B7-87033A430298}" type="datetimeFigureOut">
               <a:rPr lang="it-IT" smtClean="0"/>
-              <a:t>19/04/2023</a:t>
+              <a:t>20/04/2023</a:t>
             </a:fld>
             <a:endParaRPr lang="it-IT" dirty="0"/>
           </a:p>
@@ -5338,7 +5338,7 @@
           <a:p>
             <a:fld id="{1A270AA3-85FD-4336-B0B7-87033A430298}" type="datetimeFigureOut">
               <a:rPr lang="it-IT" smtClean="0"/>
-              <a:t>19/04/2023</a:t>
+              <a:t>20/04/2023</a:t>
             </a:fld>
             <a:endParaRPr lang="it-IT" dirty="0"/>
           </a:p>
@@ -5508,7 +5508,7 @@
           <a:p>
             <a:fld id="{1A270AA3-85FD-4336-B0B7-87033A430298}" type="datetimeFigureOut">
               <a:rPr lang="it-IT" smtClean="0"/>
-              <a:t>19/04/2023</a:t>
+              <a:t>20/04/2023</a:t>
             </a:fld>
             <a:endParaRPr lang="it-IT" dirty="0"/>
           </a:p>
@@ -5752,7 +5752,7 @@
           <a:p>
             <a:fld id="{1A270AA3-85FD-4336-B0B7-87033A430298}" type="datetimeFigureOut">
               <a:rPr lang="it-IT" smtClean="0"/>
-              <a:t>19/04/2023</a:t>
+              <a:t>20/04/2023</a:t>
             </a:fld>
             <a:endParaRPr lang="it-IT" dirty="0"/>
           </a:p>
@@ -5988,7 +5988,7 @@
           <a:p>
             <a:fld id="{1A270AA3-85FD-4336-B0B7-87033A430298}" type="datetimeFigureOut">
               <a:rPr lang="it-IT" smtClean="0"/>
-              <a:t>19/04/2023</a:t>
+              <a:t>20/04/2023</a:t>
             </a:fld>
             <a:endParaRPr lang="it-IT" dirty="0"/>
           </a:p>
@@ -6454,7 +6454,7 @@
           <a:p>
             <a:fld id="{1A270AA3-85FD-4336-B0B7-87033A430298}" type="datetimeFigureOut">
               <a:rPr lang="it-IT" smtClean="0"/>
-              <a:t>19/04/2023</a:t>
+              <a:t>20/04/2023</a:t>
             </a:fld>
             <a:endParaRPr lang="it-IT" dirty="0"/>
           </a:p>
@@ -6572,7 +6572,7 @@
           <a:p>
             <a:fld id="{1A270AA3-85FD-4336-B0B7-87033A430298}" type="datetimeFigureOut">
               <a:rPr lang="it-IT" smtClean="0"/>
-              <a:t>19/04/2023</a:t>
+              <a:t>20/04/2023</a:t>
             </a:fld>
             <a:endParaRPr lang="it-IT" dirty="0"/>
           </a:p>
@@ -6667,7 +6667,7 @@
           <a:p>
             <a:fld id="{1A270AA3-85FD-4336-B0B7-87033A430298}" type="datetimeFigureOut">
               <a:rPr lang="it-IT" smtClean="0"/>
-              <a:t>19/04/2023</a:t>
+              <a:t>20/04/2023</a:t>
             </a:fld>
             <a:endParaRPr lang="it-IT" dirty="0"/>
           </a:p>
@@ -6922,7 +6922,7 @@
           <a:p>
             <a:fld id="{1A270AA3-85FD-4336-B0B7-87033A430298}" type="datetimeFigureOut">
               <a:rPr lang="it-IT" smtClean="0"/>
-              <a:t>19/04/2023</a:t>
+              <a:t>20/04/2023</a:t>
             </a:fld>
             <a:endParaRPr lang="it-IT" dirty="0"/>
           </a:p>
@@ -7222,7 +7222,7 @@
           <a:p>
             <a:fld id="{1A270AA3-85FD-4336-B0B7-87033A430298}" type="datetimeFigureOut">
               <a:rPr lang="it-IT" smtClean="0"/>
-              <a:t>19/04/2023</a:t>
+              <a:t>20/04/2023</a:t>
             </a:fld>
             <a:endParaRPr lang="it-IT" dirty="0"/>
           </a:p>
@@ -7456,7 +7456,7 @@
           <a:p>
             <a:fld id="{1A270AA3-85FD-4336-B0B7-87033A430298}" type="datetimeFigureOut">
               <a:rPr lang="it-IT" smtClean="0"/>
-              <a:t>19/04/2023</a:t>
+              <a:t>20/04/2023</a:t>
             </a:fld>
             <a:endParaRPr lang="it-IT" dirty="0"/>
           </a:p>
@@ -8151,7 +8151,10 @@
           <a:bodyPr/>
           <a:lstStyle/>
           <a:p>
-            <a:endParaRPr lang="it-IT" dirty="0"/>
+            <a:r>
+              <a:rPr lang="it-IT" dirty="0"/>
+              <a:t>5</a:t>
+            </a:r>
           </a:p>
         </p:txBody>
       </p:sp>
@@ -13310,125 +13313,6 @@
           </a:p>
         </p:txBody>
       </p:sp>
-      <p:sp>
-        <p:nvSpPr>
-          <p:cNvPr id="9" name="CasellaDiTesto 8">
-            <a:extLst>
-              <a:ext uri="{FF2B5EF4-FFF2-40B4-BE49-F238E27FC236}">
-                <a16:creationId xmlns:a16="http://schemas.microsoft.com/office/drawing/2014/main" id="{FB8CB778-A118-BFDF-650E-693B25C1E2DE}"/>
-              </a:ext>
-            </a:extLst>
-          </p:cNvPr>
-          <p:cNvSpPr txBox="1"/>
-          <p:nvPr/>
-        </p:nvSpPr>
-        <p:spPr>
-          <a:xfrm>
-            <a:off x="478360" y="1597053"/>
-            <a:ext cx="5214863" cy="923330"/>
-          </a:xfrm>
-          <a:prstGeom prst="rect">
-            <a:avLst/>
-          </a:prstGeom>
-          <a:noFill/>
-        </p:spPr>
-        <p:txBody>
-          <a:bodyPr wrap="square" rtlCol="0">
-            <a:spAutoFit/>
-          </a:bodyPr>
-          <a:lstStyle/>
-          <a:p>
-            <a:r>
-              <a:rPr lang="it-IT" dirty="0" err="1"/>
-              <a:t>We</a:t>
-            </a:r>
-            <a:r>
-              <a:rPr lang="it-IT" dirty="0"/>
-              <a:t> </a:t>
-            </a:r>
-            <a:r>
-              <a:rPr lang="it-IT" dirty="0" err="1"/>
-              <a:t>initialize</a:t>
-            </a:r>
-            <a:r>
-              <a:rPr lang="it-IT" dirty="0"/>
-              <a:t> the </a:t>
-            </a:r>
-            <a:r>
-              <a:rPr lang="it-IT" b="1" dirty="0" err="1"/>
-              <a:t>Kmeans</a:t>
-            </a:r>
-            <a:r>
-              <a:rPr lang="it-IT" dirty="0"/>
-              <a:t> </a:t>
-            </a:r>
-            <a:r>
-              <a:rPr lang="it-IT" dirty="0" err="1"/>
-              <a:t>objects</a:t>
-            </a:r>
-            <a:r>
-              <a:rPr lang="it-IT" dirty="0"/>
-              <a:t> for </a:t>
-            </a:r>
-            <a:r>
-              <a:rPr lang="it-IT" dirty="0" err="1"/>
-              <a:t>two</a:t>
-            </a:r>
-            <a:r>
-              <a:rPr lang="it-IT" dirty="0"/>
-              <a:t> clusters and </a:t>
-            </a:r>
-            <a:r>
-              <a:rPr lang="it-IT" dirty="0" err="1"/>
-              <a:t>fit</a:t>
-            </a:r>
-            <a:r>
-              <a:rPr lang="it-IT" dirty="0"/>
-              <a:t> to the </a:t>
-            </a:r>
-            <a:r>
-              <a:rPr lang="it-IT" dirty="0" err="1"/>
-              <a:t>selected</a:t>
-            </a:r>
-            <a:r>
-              <a:rPr lang="it-IT" dirty="0"/>
-              <a:t> </a:t>
-            </a:r>
-            <a:r>
-              <a:rPr lang="it-IT" dirty="0" err="1"/>
-              <a:t>variabled</a:t>
-            </a:r>
-            <a:r>
-              <a:rPr lang="it-IT" dirty="0"/>
-              <a:t> </a:t>
-            </a:r>
-            <a:r>
-              <a:rPr lang="it-IT" dirty="0" err="1"/>
-              <a:t>obtening</a:t>
-            </a:r>
-            <a:r>
-              <a:rPr lang="it-IT" dirty="0"/>
-              <a:t> the labels and the following </a:t>
-            </a:r>
-            <a:r>
-              <a:rPr lang="it-IT" dirty="0" err="1"/>
-              <a:t>confusion</a:t>
-            </a:r>
-            <a:r>
-              <a:rPr lang="it-IT" dirty="0"/>
-              <a:t> </a:t>
-            </a:r>
-            <a:r>
-              <a:rPr lang="it-IT" dirty="0" err="1"/>
-              <a:t>matrix</a:t>
-            </a:r>
-            <a:r>
-              <a:rPr lang="it-IT" dirty="0"/>
-              <a:t> </a:t>
-            </a:r>
-          </a:p>
-        </p:txBody>
-      </p:sp>
       <p:pic>
         <p:nvPicPr>
           <p:cNvPr id="11" name="Immagine 10">
@@ -13451,7 +13335,7 @@
         </p:blipFill>
         <p:spPr>
           <a:xfrm>
-            <a:off x="608991" y="4366582"/>
+            <a:off x="3042246" y="4295877"/>
             <a:ext cx="2081452" cy="1328928"/>
           </a:xfrm>
           <a:prstGeom prst="rect">
@@ -13473,7 +13357,7 @@
         </p:nvSpPr>
         <p:spPr>
           <a:xfrm>
-            <a:off x="478360" y="2640357"/>
+            <a:off x="3042246" y="2589492"/>
             <a:ext cx="5301952" cy="923330"/>
           </a:xfrm>
           <a:prstGeom prst="rect">
@@ -13487,6 +13371,7 @@
           </a:bodyPr>
           <a:lstStyle/>
           <a:p>
+            <a:pPr algn="ctr"/>
             <a:r>
               <a:rPr lang="it-IT" dirty="0" err="1"/>
               <a:t>Then</a:t>
@@ -13606,36 +13491,6 @@
           </a:p>
         </p:txBody>
       </p:sp>
-      <p:pic>
-        <p:nvPicPr>
-          <p:cNvPr id="14" name="Immagine 13">
-            <a:extLst>
-              <a:ext uri="{FF2B5EF4-FFF2-40B4-BE49-F238E27FC236}">
-                <a16:creationId xmlns:a16="http://schemas.microsoft.com/office/drawing/2014/main" id="{46809558-DC0D-55C7-DC1A-F14158A6222D}"/>
-              </a:ext>
-            </a:extLst>
-          </p:cNvPr>
-          <p:cNvPicPr>
-            <a:picLocks noChangeAspect="1"/>
-          </p:cNvPicPr>
-          <p:nvPr/>
-        </p:nvPicPr>
-        <p:blipFill>
-          <a:blip r:embed="rId3"/>
-          <a:stretch>
-            <a:fillRect/>
-          </a:stretch>
-        </p:blipFill>
-        <p:spPr>
-          <a:xfrm>
-            <a:off x="6498779" y="1744814"/>
-            <a:ext cx="5261830" cy="3868595"/>
-          </a:xfrm>
-          <a:prstGeom prst="rect">
-            <a:avLst/>
-          </a:prstGeom>
-        </p:spPr>
-      </p:pic>
       <p:pic>
         <p:nvPicPr>
           <p:cNvPr id="16" name="Immagine 15">
@@ -13650,16 +13505,15 @@
           </p:cNvPicPr>
           <p:nvPr/>
         </p:nvPicPr>
-        <p:blipFill>
-          <a:blip r:embed="rId4"/>
-          <a:stretch>
-            <a:fillRect/>
-          </a:stretch>
+        <p:blipFill rotWithShape="1">
+          <a:blip r:embed="rId3"/>
+          <a:srcRect t="1021" b="2767"/>
+          <a:stretch/>
         </p:blipFill>
         <p:spPr>
           <a:xfrm>
-            <a:off x="3495999" y="4314258"/>
-            <a:ext cx="1927683" cy="1381252"/>
+            <a:off x="6247909" y="4319396"/>
+            <a:ext cx="1927683" cy="1328928"/>
           </a:xfrm>
           <a:prstGeom prst="rect">
             <a:avLst/>
@@ -13680,7 +13534,7 @@
         </p:nvSpPr>
         <p:spPr>
           <a:xfrm>
-            <a:off x="478360" y="3679112"/>
+            <a:off x="2960729" y="3643070"/>
             <a:ext cx="5301952" cy="369332"/>
           </a:xfrm>
           <a:prstGeom prst="rect">
@@ -13694,7 +13548,7 @@
           </a:bodyPr>
           <a:lstStyle/>
           <a:p>
-            <a:pPr algn="just"/>
+            <a:pPr algn="ctr"/>
             <a:r>
               <a:rPr lang="it-IT" dirty="0" err="1"/>
               <a:t>We</a:t>
@@ -13752,7 +13606,7 @@
         </p:nvSpPr>
         <p:spPr>
           <a:xfrm>
-            <a:off x="478359" y="5794319"/>
+            <a:off x="2960729" y="5770229"/>
             <a:ext cx="5214863" cy="369332"/>
           </a:xfrm>
           <a:prstGeom prst="rect">
@@ -13791,7 +13645,7 @@
         </p:nvSpPr>
         <p:spPr>
           <a:xfrm>
-            <a:off x="3390821" y="5794319"/>
+            <a:off x="6247909" y="5772777"/>
             <a:ext cx="5214863" cy="369332"/>
           </a:xfrm>
           <a:prstGeom prst="rect">
@@ -13889,6 +13743,126 @@
               <a:rPr lang="en-US" dirty="0"/>
             </a:br>
             <a:endParaRPr lang="it-IT" dirty="0"/>
+          </a:p>
+        </p:txBody>
+      </p:sp>
+      <p:sp>
+        <p:nvSpPr>
+          <p:cNvPr id="9" name="CasellaDiTesto 8">
+            <a:extLst>
+              <a:ext uri="{FF2B5EF4-FFF2-40B4-BE49-F238E27FC236}">
+                <a16:creationId xmlns:a16="http://schemas.microsoft.com/office/drawing/2014/main" id="{FB8CB778-A118-BFDF-650E-693B25C1E2DE}"/>
+              </a:ext>
+            </a:extLst>
+          </p:cNvPr>
+          <p:cNvSpPr txBox="1"/>
+          <p:nvPr/>
+        </p:nvSpPr>
+        <p:spPr>
+          <a:xfrm>
+            <a:off x="3172880" y="1516569"/>
+            <a:ext cx="5214863" cy="923330"/>
+          </a:xfrm>
+          <a:prstGeom prst="rect">
+            <a:avLst/>
+          </a:prstGeom>
+          <a:noFill/>
+        </p:spPr>
+        <p:txBody>
+          <a:bodyPr wrap="square" rtlCol="0">
+            <a:spAutoFit/>
+          </a:bodyPr>
+          <a:lstStyle/>
+          <a:p>
+            <a:pPr algn="ctr"/>
+            <a:r>
+              <a:rPr lang="it-IT" dirty="0" err="1"/>
+              <a:t>We</a:t>
+            </a:r>
+            <a:r>
+              <a:rPr lang="it-IT" dirty="0"/>
+              <a:t> </a:t>
+            </a:r>
+            <a:r>
+              <a:rPr lang="it-IT" dirty="0" err="1"/>
+              <a:t>initialize</a:t>
+            </a:r>
+            <a:r>
+              <a:rPr lang="it-IT" dirty="0"/>
+              <a:t> the </a:t>
+            </a:r>
+            <a:r>
+              <a:rPr lang="it-IT" b="1" dirty="0" err="1"/>
+              <a:t>Kmeans</a:t>
+            </a:r>
+            <a:r>
+              <a:rPr lang="it-IT" dirty="0"/>
+              <a:t> </a:t>
+            </a:r>
+            <a:r>
+              <a:rPr lang="it-IT" dirty="0" err="1"/>
+              <a:t>objects</a:t>
+            </a:r>
+            <a:r>
+              <a:rPr lang="it-IT" dirty="0"/>
+              <a:t> for </a:t>
+            </a:r>
+            <a:r>
+              <a:rPr lang="it-IT" dirty="0" err="1"/>
+              <a:t>two</a:t>
+            </a:r>
+            <a:r>
+              <a:rPr lang="it-IT" dirty="0"/>
+              <a:t> clusters and </a:t>
+            </a:r>
+            <a:r>
+              <a:rPr lang="it-IT" dirty="0" err="1"/>
+              <a:t>fit</a:t>
+            </a:r>
+            <a:r>
+              <a:rPr lang="it-IT" dirty="0"/>
+              <a:t> to the </a:t>
+            </a:r>
+            <a:r>
+              <a:rPr lang="it-IT" dirty="0" err="1"/>
+              <a:t>selected</a:t>
+            </a:r>
+            <a:r>
+              <a:rPr lang="it-IT" dirty="0"/>
+              <a:t> </a:t>
+            </a:r>
+            <a:r>
+              <a:rPr lang="it-IT" dirty="0" err="1"/>
+              <a:t>variables</a:t>
+            </a:r>
+            <a:r>
+              <a:rPr lang="it-IT" dirty="0"/>
+              <a:t> </a:t>
+            </a:r>
+            <a:r>
+              <a:rPr lang="it-IT" dirty="0" err="1"/>
+              <a:t>obtaining</a:t>
+            </a:r>
+            <a:r>
+              <a:rPr lang="it-IT" dirty="0"/>
+              <a:t> the labels and the following </a:t>
+            </a:r>
+            <a:r>
+              <a:rPr lang="it-IT" dirty="0" err="1"/>
+              <a:t>confusion</a:t>
+            </a:r>
+            <a:r>
+              <a:rPr lang="it-IT" dirty="0"/>
+              <a:t> </a:t>
+            </a:r>
+            <a:r>
+              <a:rPr lang="it-IT" dirty="0" err="1"/>
+              <a:t>matrix</a:t>
+            </a:r>
+            <a:r>
+              <a:rPr lang="it-IT" dirty="0"/>
+              <a:t> </a:t>
+            </a:r>
           </a:p>
         </p:txBody>
       </p:sp>
